--- a/AUPN.pptx
+++ b/AUPN.pptx
@@ -5,7 +5,7 @@
     <p:sldMasterId id="2147483648" r:id="rId1"/>
   </p:sldMasterIdLst>
   <p:handoutMasterIdLst>
-    <p:handoutMasterId r:id="rId15"/>
+    <p:handoutMasterId r:id="rId17"/>
   </p:handoutMasterIdLst>
   <p:sldIdLst>
     <p:sldId id="256" r:id="rId2"/>
@@ -13,14 +13,16 @@
     <p:sldId id="271" r:id="rId4"/>
     <p:sldId id="261" r:id="rId5"/>
     <p:sldId id="262" r:id="rId6"/>
-    <p:sldId id="263" r:id="rId7"/>
-    <p:sldId id="264" r:id="rId8"/>
-    <p:sldId id="265" r:id="rId9"/>
-    <p:sldId id="267" r:id="rId10"/>
-    <p:sldId id="268" r:id="rId11"/>
-    <p:sldId id="270" r:id="rId12"/>
-    <p:sldId id="269" r:id="rId13"/>
-    <p:sldId id="258" r:id="rId14"/>
+    <p:sldId id="272" r:id="rId7"/>
+    <p:sldId id="273" r:id="rId8"/>
+    <p:sldId id="263" r:id="rId9"/>
+    <p:sldId id="264" r:id="rId10"/>
+    <p:sldId id="265" r:id="rId11"/>
+    <p:sldId id="267" r:id="rId12"/>
+    <p:sldId id="268" r:id="rId13"/>
+    <p:sldId id="270" r:id="rId14"/>
+    <p:sldId id="269" r:id="rId15"/>
+    <p:sldId id="258" r:id="rId16"/>
   </p:sldIdLst>
   <p:sldSz cx="12192000" cy="6858000"/>
   <p:notesSz cx="6858000" cy="9144000"/>
@@ -2658,6 +2660,2945 @@
           <p:cNvPr id="2" name="Título 1">
             <a:extLst>
               <a:ext uri="{FF2B5EF4-FFF2-40B4-BE49-F238E27FC236}">
+                <a16:creationId xmlns:a16="http://schemas.microsoft.com/office/drawing/2014/main" id="{46944BC9-F8F8-407A-ADEA-0BF96F61CFA6}"/>
+              </a:ext>
+            </a:extLst>
+          </p:cNvPr>
+          <p:cNvSpPr>
+            <a:spLocks noGrp="1"/>
+          </p:cNvSpPr>
+          <p:nvPr>
+            <p:ph type="title"/>
+          </p:nvPr>
+        </p:nvSpPr>
+        <p:spPr>
+          <a:xfrm>
+            <a:off x="424070" y="289981"/>
+            <a:ext cx="10515600" cy="1325563"/>
+          </a:xfrm>
+        </p:spPr>
+        <p:txBody>
+          <a:bodyPr/>
+          <a:lstStyle/>
+          <a:p>
+            <a:r>
+              <a:rPr lang="es-CO" dirty="0"/>
+              <a:t>Actividades</a:t>
+            </a:r>
+          </a:p>
+        </p:txBody>
+      </p:sp>
+      <p:graphicFrame>
+        <p:nvGraphicFramePr>
+          <p:cNvPr id="7" name="Tabla 6">
+            <a:extLst>
+              <a:ext uri="{FF2B5EF4-FFF2-40B4-BE49-F238E27FC236}">
+                <a16:creationId xmlns:a16="http://schemas.microsoft.com/office/drawing/2014/main" id="{66101041-AE44-44BC-86A9-4F607F090977}"/>
+              </a:ext>
+            </a:extLst>
+          </p:cNvPr>
+          <p:cNvGraphicFramePr>
+            <a:graphicFrameLocks noGrp="1"/>
+          </p:cNvGraphicFramePr>
+          <p:nvPr>
+            <p:extLst>
+              <p:ext uri="{D42A27DB-BD31-4B8C-83A1-F6EECF244321}">
+                <p14:modId xmlns:p14="http://schemas.microsoft.com/office/powerpoint/2010/main" val="149239419"/>
+              </p:ext>
+            </p:extLst>
+          </p:nvPr>
+        </p:nvGraphicFramePr>
+        <p:xfrm>
+          <a:off x="424070" y="1160048"/>
+          <a:ext cx="10515599" cy="4843463"/>
+        </p:xfrm>
+        <a:graphic>
+          <a:graphicData uri="http://schemas.openxmlformats.org/drawingml/2006/table">
+            <a:tbl>
+              <a:tblPr firstRow="1" firstCol="1" bandRow="1">
+                <a:tableStyleId>{5C22544A-7EE6-4342-B048-85BDC9FD1C3A}</a:tableStyleId>
+              </a:tblPr>
+              <a:tblGrid>
+                <a:gridCol w="858828">
+                  <a:extLst>
+                    <a:ext uri="{9D8B030D-6E8A-4147-A177-3AD203B41FA5}">
+                      <a16:colId xmlns:a16="http://schemas.microsoft.com/office/drawing/2014/main" val="1423155385"/>
+                    </a:ext>
+                  </a:extLst>
+                </a:gridCol>
+                <a:gridCol w="1260251">
+                  <a:extLst>
+                    <a:ext uri="{9D8B030D-6E8A-4147-A177-3AD203B41FA5}">
+                      <a16:colId xmlns:a16="http://schemas.microsoft.com/office/drawing/2014/main" val="4048599040"/>
+                    </a:ext>
+                  </a:extLst>
+                </a:gridCol>
+                <a:gridCol w="1269780">
+                  <a:extLst>
+                    <a:ext uri="{9D8B030D-6E8A-4147-A177-3AD203B41FA5}">
+                      <a16:colId xmlns:a16="http://schemas.microsoft.com/office/drawing/2014/main" val="3989476979"/>
+                    </a:ext>
+                  </a:extLst>
+                </a:gridCol>
+                <a:gridCol w="1255490">
+                  <a:extLst>
+                    <a:ext uri="{9D8B030D-6E8A-4147-A177-3AD203B41FA5}">
+                      <a16:colId xmlns:a16="http://schemas.microsoft.com/office/drawing/2014/main" val="1335729900"/>
+                    </a:ext>
+                  </a:extLst>
+                </a:gridCol>
+                <a:gridCol w="1790321">
+                  <a:extLst>
+                    <a:ext uri="{9D8B030D-6E8A-4147-A177-3AD203B41FA5}">
+                      <a16:colId xmlns:a16="http://schemas.microsoft.com/office/drawing/2014/main" val="3600655290"/>
+                    </a:ext>
+                  </a:extLst>
+                </a:gridCol>
+                <a:gridCol w="988665">
+                  <a:extLst>
+                    <a:ext uri="{9D8B030D-6E8A-4147-A177-3AD203B41FA5}">
+                      <a16:colId xmlns:a16="http://schemas.microsoft.com/office/drawing/2014/main" val="819708732"/>
+                    </a:ext>
+                  </a:extLst>
+                </a:gridCol>
+                <a:gridCol w="3092264">
+                  <a:extLst>
+                    <a:ext uri="{9D8B030D-6E8A-4147-A177-3AD203B41FA5}">
+                      <a16:colId xmlns:a16="http://schemas.microsoft.com/office/drawing/2014/main" val="4024085284"/>
+                    </a:ext>
+                  </a:extLst>
+                </a:gridCol>
+              </a:tblGrid>
+              <a:tr h="210713">
+                <a:tc>
+                  <a:txBody>
+                    <a:bodyPr/>
+                    <a:lstStyle/>
+                    <a:p>
+                      <a:pPr algn="ctr">
+                        <a:lnSpc>
+                          <a:spcPct val="107000"/>
+                        </a:lnSpc>
+                        <a:spcAft>
+                          <a:spcPts val="0"/>
+                        </a:spcAft>
+                      </a:pPr>
+                      <a:r>
+                        <a:rPr lang="es-CO" sz="1100">
+                          <a:effectLst/>
+                        </a:rPr>
+                        <a:t>Id</a:t>
+                      </a:r>
+                      <a:endParaRPr lang="es-CO" sz="1100">
+                        <a:effectLst/>
+                        <a:latin typeface="Calibri" panose="020F0502020204030204" pitchFamily="34" charset="0"/>
+                        <a:ea typeface="Calibri" panose="020F0502020204030204" pitchFamily="34" charset="0"/>
+                        <a:cs typeface="Times New Roman" panose="02020603050405020304" pitchFamily="18" charset="0"/>
+                      </a:endParaRPr>
+                    </a:p>
+                  </a:txBody>
+                  <a:tcPr marL="20992" marR="20992" marT="0" marB="0"/>
+                </a:tc>
+                <a:tc>
+                  <a:txBody>
+                    <a:bodyPr/>
+                    <a:lstStyle/>
+                    <a:p>
+                      <a:pPr algn="ctr">
+                        <a:lnSpc>
+                          <a:spcPct val="107000"/>
+                        </a:lnSpc>
+                        <a:spcAft>
+                          <a:spcPts val="0"/>
+                        </a:spcAft>
+                      </a:pPr>
+                      <a:r>
+                        <a:rPr lang="es-CO" sz="1100">
+                          <a:effectLst/>
+                        </a:rPr>
+                        <a:t>Nombre de la actividad</a:t>
+                      </a:r>
+                      <a:endParaRPr lang="es-CO" sz="1100">
+                        <a:effectLst/>
+                        <a:latin typeface="Calibri" panose="020F0502020204030204" pitchFamily="34" charset="0"/>
+                        <a:ea typeface="Calibri" panose="020F0502020204030204" pitchFamily="34" charset="0"/>
+                        <a:cs typeface="Times New Roman" panose="02020603050405020304" pitchFamily="18" charset="0"/>
+                      </a:endParaRPr>
+                    </a:p>
+                  </a:txBody>
+                  <a:tcPr marL="20992" marR="20992" marT="0" marB="0"/>
+                </a:tc>
+                <a:tc>
+                  <a:txBody>
+                    <a:bodyPr/>
+                    <a:lstStyle/>
+                    <a:p>
+                      <a:pPr algn="ctr">
+                        <a:lnSpc>
+                          <a:spcPct val="107000"/>
+                        </a:lnSpc>
+                        <a:spcAft>
+                          <a:spcPts val="0"/>
+                        </a:spcAft>
+                      </a:pPr>
+                      <a:r>
+                        <a:rPr lang="es-CO" sz="1100">
+                          <a:effectLst/>
+                        </a:rPr>
+                        <a:t>Descripción</a:t>
+                      </a:r>
+                      <a:endParaRPr lang="es-CO" sz="1100">
+                        <a:effectLst/>
+                        <a:latin typeface="Calibri" panose="020F0502020204030204" pitchFamily="34" charset="0"/>
+                        <a:ea typeface="Calibri" panose="020F0502020204030204" pitchFamily="34" charset="0"/>
+                        <a:cs typeface="Times New Roman" panose="02020603050405020304" pitchFamily="18" charset="0"/>
+                      </a:endParaRPr>
+                    </a:p>
+                  </a:txBody>
+                  <a:tcPr marL="20992" marR="20992" marT="0" marB="0"/>
+                </a:tc>
+                <a:tc>
+                  <a:txBody>
+                    <a:bodyPr/>
+                    <a:lstStyle/>
+                    <a:p>
+                      <a:pPr indent="457200" algn="ctr">
+                        <a:lnSpc>
+                          <a:spcPct val="107000"/>
+                        </a:lnSpc>
+                        <a:spcAft>
+                          <a:spcPts val="0"/>
+                        </a:spcAft>
+                      </a:pPr>
+                      <a:r>
+                        <a:rPr lang="es-CO" sz="1100">
+                          <a:effectLst/>
+                        </a:rPr>
+                        <a:t>Tipo de la actividad</a:t>
+                      </a:r>
+                      <a:endParaRPr lang="es-CO" sz="1100">
+                        <a:effectLst/>
+                        <a:latin typeface="Calibri" panose="020F0502020204030204" pitchFamily="34" charset="0"/>
+                        <a:ea typeface="Calibri" panose="020F0502020204030204" pitchFamily="34" charset="0"/>
+                        <a:cs typeface="Times New Roman" panose="02020603050405020304" pitchFamily="18" charset="0"/>
+                      </a:endParaRPr>
+                    </a:p>
+                  </a:txBody>
+                  <a:tcPr marL="20992" marR="20992" marT="0" marB="0"/>
+                </a:tc>
+                <a:tc>
+                  <a:txBody>
+                    <a:bodyPr/>
+                    <a:lstStyle/>
+                    <a:p>
+                      <a:pPr indent="457200" algn="ctr">
+                        <a:lnSpc>
+                          <a:spcPct val="107000"/>
+                        </a:lnSpc>
+                        <a:spcAft>
+                          <a:spcPts val="0"/>
+                        </a:spcAft>
+                      </a:pPr>
+                      <a:r>
+                        <a:rPr lang="es-CO" sz="1100">
+                          <a:effectLst/>
+                        </a:rPr>
+                        <a:t>Formulario y/o documentos</a:t>
+                      </a:r>
+                      <a:endParaRPr lang="es-CO" sz="1100">
+                        <a:effectLst/>
+                        <a:latin typeface="Calibri" panose="020F0502020204030204" pitchFamily="34" charset="0"/>
+                        <a:ea typeface="Calibri" panose="020F0502020204030204" pitchFamily="34" charset="0"/>
+                        <a:cs typeface="Times New Roman" panose="02020603050405020304" pitchFamily="18" charset="0"/>
+                      </a:endParaRPr>
+                    </a:p>
+                  </a:txBody>
+                  <a:tcPr marL="20992" marR="20992" marT="0" marB="0"/>
+                </a:tc>
+                <a:tc>
+                  <a:txBody>
+                    <a:bodyPr/>
+                    <a:lstStyle/>
+                    <a:p>
+                      <a:pPr indent="457200" algn="ctr">
+                        <a:lnSpc>
+                          <a:spcPct val="107000"/>
+                        </a:lnSpc>
+                        <a:spcAft>
+                          <a:spcPts val="0"/>
+                        </a:spcAft>
+                      </a:pPr>
+                      <a:r>
+                        <a:rPr lang="es-CO" sz="1100">
+                          <a:effectLst/>
+                        </a:rPr>
+                        <a:t>Aplicaciones y servicios</a:t>
+                      </a:r>
+                      <a:endParaRPr lang="es-CO" sz="1100">
+                        <a:effectLst/>
+                        <a:latin typeface="Calibri" panose="020F0502020204030204" pitchFamily="34" charset="0"/>
+                        <a:ea typeface="Calibri" panose="020F0502020204030204" pitchFamily="34" charset="0"/>
+                        <a:cs typeface="Times New Roman" panose="02020603050405020304" pitchFamily="18" charset="0"/>
+                      </a:endParaRPr>
+                    </a:p>
+                  </a:txBody>
+                  <a:tcPr marL="20992" marR="20992" marT="0" marB="0"/>
+                </a:tc>
+                <a:tc>
+                  <a:txBody>
+                    <a:bodyPr/>
+                    <a:lstStyle/>
+                    <a:p>
+                      <a:pPr indent="457200" algn="ctr">
+                        <a:lnSpc>
+                          <a:spcPct val="107000"/>
+                        </a:lnSpc>
+                        <a:spcAft>
+                          <a:spcPts val="0"/>
+                        </a:spcAft>
+                      </a:pPr>
+                      <a:r>
+                        <a:rPr lang="es-CO" sz="1100">
+                          <a:effectLst/>
+                        </a:rPr>
+                        <a:t>Documentación relacionada</a:t>
+                      </a:r>
+                      <a:endParaRPr lang="es-CO" sz="1100">
+                        <a:effectLst/>
+                        <a:latin typeface="Calibri" panose="020F0502020204030204" pitchFamily="34" charset="0"/>
+                        <a:ea typeface="Calibri" panose="020F0502020204030204" pitchFamily="34" charset="0"/>
+                        <a:cs typeface="Times New Roman" panose="02020603050405020304" pitchFamily="18" charset="0"/>
+                      </a:endParaRPr>
+                    </a:p>
+                  </a:txBody>
+                  <a:tcPr marL="20992" marR="20992" marT="0" marB="0"/>
+                </a:tc>
+                <a:extLst>
+                  <a:ext uri="{0D108BD9-81ED-4DB2-BD59-A6C34878D82A}">
+                    <a16:rowId xmlns:a16="http://schemas.microsoft.com/office/drawing/2014/main" val="4229518801"/>
+                  </a:ext>
+                </a:extLst>
+              </a:tr>
+              <a:tr h="343739">
+                <a:tc>
+                  <a:txBody>
+                    <a:bodyPr/>
+                    <a:lstStyle/>
+                    <a:p>
+                      <a:pPr algn="l">
+                        <a:lnSpc>
+                          <a:spcPct val="107000"/>
+                        </a:lnSpc>
+                        <a:spcAft>
+                          <a:spcPts val="0"/>
+                        </a:spcAft>
+                      </a:pPr>
+                      <a:r>
+                        <a:rPr lang="es-CO" sz="1100">
+                          <a:effectLst/>
+                        </a:rPr>
+                        <a:t>INV-PRO01-ACT01</a:t>
+                      </a:r>
+                      <a:endParaRPr lang="es-CO" sz="1100">
+                        <a:effectLst/>
+                        <a:latin typeface="Calibri" panose="020F0502020204030204" pitchFamily="34" charset="0"/>
+                        <a:ea typeface="Calibri" panose="020F0502020204030204" pitchFamily="34" charset="0"/>
+                        <a:cs typeface="Times New Roman" panose="02020603050405020304" pitchFamily="18" charset="0"/>
+                      </a:endParaRPr>
+                    </a:p>
+                  </a:txBody>
+                  <a:tcPr marL="20992" marR="20992" marT="0" marB="0"/>
+                </a:tc>
+                <a:tc>
+                  <a:txBody>
+                    <a:bodyPr/>
+                    <a:lstStyle/>
+                    <a:p>
+                      <a:pPr algn="l">
+                        <a:lnSpc>
+                          <a:spcPct val="107000"/>
+                        </a:lnSpc>
+                        <a:spcAft>
+                          <a:spcPts val="0"/>
+                        </a:spcAft>
+                      </a:pPr>
+                      <a:r>
+                        <a:rPr lang="es-CO" sz="1100">
+                          <a:effectLst/>
+                        </a:rPr>
+                        <a:t>Realizar informe detallado</a:t>
+                      </a:r>
+                      <a:endParaRPr lang="es-CO" sz="1100">
+                        <a:effectLst/>
+                        <a:latin typeface="Calibri" panose="020F0502020204030204" pitchFamily="34" charset="0"/>
+                        <a:ea typeface="Calibri" panose="020F0502020204030204" pitchFamily="34" charset="0"/>
+                        <a:cs typeface="Times New Roman" panose="02020603050405020304" pitchFamily="18" charset="0"/>
+                      </a:endParaRPr>
+                    </a:p>
+                  </a:txBody>
+                  <a:tcPr marL="20992" marR="20992" marT="0" marB="0"/>
+                </a:tc>
+                <a:tc>
+                  <a:txBody>
+                    <a:bodyPr/>
+                    <a:lstStyle/>
+                    <a:p>
+                      <a:pPr algn="l">
+                        <a:lnSpc>
+                          <a:spcPct val="107000"/>
+                        </a:lnSpc>
+                        <a:spcAft>
+                          <a:spcPts val="0"/>
+                        </a:spcAft>
+                      </a:pPr>
+                      <a:r>
+                        <a:rPr lang="es-CO" sz="1100">
+                          <a:effectLst/>
+                        </a:rPr>
+                        <a:t>Informa en un documento en que sucedieron los hechos </a:t>
+                      </a:r>
+                      <a:endParaRPr lang="es-CO" sz="1100">
+                        <a:effectLst/>
+                        <a:latin typeface="Calibri" panose="020F0502020204030204" pitchFamily="34" charset="0"/>
+                        <a:ea typeface="Calibri" panose="020F0502020204030204" pitchFamily="34" charset="0"/>
+                        <a:cs typeface="Times New Roman" panose="02020603050405020304" pitchFamily="18" charset="0"/>
+                      </a:endParaRPr>
+                    </a:p>
+                  </a:txBody>
+                  <a:tcPr marL="20992" marR="20992" marT="0" marB="0"/>
+                </a:tc>
+                <a:tc>
+                  <a:txBody>
+                    <a:bodyPr/>
+                    <a:lstStyle/>
+                    <a:p>
+                      <a:pPr algn="l">
+                        <a:lnSpc>
+                          <a:spcPct val="107000"/>
+                        </a:lnSpc>
+                        <a:spcAft>
+                          <a:spcPts val="0"/>
+                        </a:spcAft>
+                      </a:pPr>
+                      <a:r>
+                        <a:rPr lang="es-CO" sz="1100">
+                          <a:effectLst/>
+                        </a:rPr>
+                        <a:t>usuario</a:t>
+                      </a:r>
+                      <a:endParaRPr lang="es-CO" sz="1100">
+                        <a:effectLst/>
+                        <a:latin typeface="Calibri" panose="020F0502020204030204" pitchFamily="34" charset="0"/>
+                        <a:ea typeface="Calibri" panose="020F0502020204030204" pitchFamily="34" charset="0"/>
+                        <a:cs typeface="Times New Roman" panose="02020603050405020304" pitchFamily="18" charset="0"/>
+                      </a:endParaRPr>
+                    </a:p>
+                  </a:txBody>
+                  <a:tcPr marL="20992" marR="20992" marT="0" marB="0"/>
+                </a:tc>
+                <a:tc>
+                  <a:txBody>
+                    <a:bodyPr/>
+                    <a:lstStyle/>
+                    <a:p>
+                      <a:pPr marL="342900" lvl="0" indent="-342900" algn="l">
+                        <a:lnSpc>
+                          <a:spcPct val="107000"/>
+                        </a:lnSpc>
+                        <a:spcAft>
+                          <a:spcPts val="0"/>
+                        </a:spcAft>
+                        <a:buFont typeface="Symbol" panose="05050102010706020507" pitchFamily="18" charset="2"/>
+                        <a:buChar char=""/>
+                      </a:pPr>
+                      <a:r>
+                        <a:rPr lang="es-CO" sz="1100">
+                          <a:effectLst/>
+                        </a:rPr>
+                        <a:t>Informe tiempo modo y lugar</a:t>
+                      </a:r>
+                    </a:p>
+                    <a:p>
+                      <a:pPr marL="342900" lvl="0" indent="-342900" algn="l">
+                        <a:lnSpc>
+                          <a:spcPct val="107000"/>
+                        </a:lnSpc>
+                        <a:spcAft>
+                          <a:spcPts val="0"/>
+                        </a:spcAft>
+                        <a:buFont typeface="Symbol" panose="05050102010706020507" pitchFamily="18" charset="2"/>
+                        <a:buChar char=""/>
+                      </a:pPr>
+                      <a:r>
+                        <a:rPr lang="es-CO" sz="1100">
+                          <a:effectLst/>
+                        </a:rPr>
+                        <a:t>Informe de bomberos</a:t>
+                      </a:r>
+                    </a:p>
+                    <a:p>
+                      <a:pPr marL="342900" lvl="0" indent="-342900" algn="l">
+                        <a:lnSpc>
+                          <a:spcPct val="107000"/>
+                        </a:lnSpc>
+                        <a:spcAft>
+                          <a:spcPts val="0"/>
+                        </a:spcAft>
+                        <a:buFont typeface="Symbol" panose="05050102010706020507" pitchFamily="18" charset="2"/>
+                        <a:buChar char=""/>
+                      </a:pPr>
+                      <a:r>
+                        <a:rPr lang="es-CO" sz="1100">
+                          <a:effectLst/>
+                        </a:rPr>
+                        <a:t>Relación detallada de la perdida</a:t>
+                      </a:r>
+                    </a:p>
+                    <a:p>
+                      <a:pPr marL="342900" lvl="0" indent="-342900" algn="l">
+                        <a:lnSpc>
+                          <a:spcPct val="107000"/>
+                        </a:lnSpc>
+                        <a:spcAft>
+                          <a:spcPts val="0"/>
+                        </a:spcAft>
+                        <a:buFont typeface="Symbol" panose="05050102010706020507" pitchFamily="18" charset="2"/>
+                        <a:buChar char=""/>
+                      </a:pPr>
+                      <a:r>
+                        <a:rPr lang="es-CO" sz="1100">
+                          <a:effectLst/>
+                        </a:rPr>
+                        <a:t>Registro fotográfico</a:t>
+                      </a:r>
+                      <a:endParaRPr lang="es-CO" sz="1100">
+                        <a:effectLst/>
+                        <a:latin typeface="Calibri" panose="020F0502020204030204" pitchFamily="34" charset="0"/>
+                        <a:ea typeface="Calibri" panose="020F0502020204030204" pitchFamily="34" charset="0"/>
+                        <a:cs typeface="Times New Roman" panose="02020603050405020304" pitchFamily="18" charset="0"/>
+                      </a:endParaRPr>
+                    </a:p>
+                  </a:txBody>
+                  <a:tcPr marL="20992" marR="20992" marT="0" marB="0"/>
+                </a:tc>
+                <a:tc>
+                  <a:txBody>
+                    <a:bodyPr/>
+                    <a:lstStyle/>
+                    <a:p>
+                      <a:pPr algn="l">
+                        <a:lnSpc>
+                          <a:spcPct val="107000"/>
+                        </a:lnSpc>
+                        <a:spcAft>
+                          <a:spcPts val="0"/>
+                        </a:spcAft>
+                      </a:pPr>
+                      <a:r>
+                        <a:rPr lang="es-CO" sz="1100">
+                          <a:effectLst/>
+                        </a:rPr>
+                        <a:t> </a:t>
+                      </a:r>
+                      <a:endParaRPr lang="es-CO" sz="1100">
+                        <a:effectLst/>
+                        <a:latin typeface="Calibri" panose="020F0502020204030204" pitchFamily="34" charset="0"/>
+                        <a:ea typeface="Calibri" panose="020F0502020204030204" pitchFamily="34" charset="0"/>
+                        <a:cs typeface="Times New Roman" panose="02020603050405020304" pitchFamily="18" charset="0"/>
+                      </a:endParaRPr>
+                    </a:p>
+                  </a:txBody>
+                  <a:tcPr marL="20992" marR="20992" marT="0" marB="0"/>
+                </a:tc>
+                <a:tc>
+                  <a:txBody>
+                    <a:bodyPr/>
+                    <a:lstStyle/>
+                    <a:p>
+                      <a:pPr marL="342900" lvl="0" indent="-342900" algn="l">
+                        <a:lnSpc>
+                          <a:spcPct val="107000"/>
+                        </a:lnSpc>
+                        <a:spcAft>
+                          <a:spcPts val="0"/>
+                        </a:spcAft>
+                        <a:buFont typeface="Symbol" panose="05050102010706020507" pitchFamily="18" charset="2"/>
+                        <a:buChar char=""/>
+                      </a:pPr>
+                      <a:r>
+                        <a:rPr lang="es-CO" sz="1100" dirty="0">
+                          <a:effectLst/>
+                        </a:rPr>
+                        <a:t>Presupuesto de obra</a:t>
+                      </a:r>
+                      <a:endParaRPr lang="es-CO" sz="1100" dirty="0">
+                        <a:effectLst/>
+                        <a:latin typeface="Calibri" panose="020F0502020204030204" pitchFamily="34" charset="0"/>
+                        <a:ea typeface="Calibri" panose="020F0502020204030204" pitchFamily="34" charset="0"/>
+                        <a:cs typeface="Times New Roman" panose="02020603050405020304" pitchFamily="18" charset="0"/>
+                      </a:endParaRPr>
+                    </a:p>
+                  </a:txBody>
+                  <a:tcPr marL="20992" marR="20992" marT="0" marB="0"/>
+                </a:tc>
+                <a:extLst>
+                  <a:ext uri="{0D108BD9-81ED-4DB2-BD59-A6C34878D82A}">
+                    <a16:rowId xmlns:a16="http://schemas.microsoft.com/office/drawing/2014/main" val="3331585181"/>
+                  </a:ext>
+                </a:extLst>
+              </a:tr>
+              <a:tr h="210713">
+                <a:tc>
+                  <a:txBody>
+                    <a:bodyPr/>
+                    <a:lstStyle/>
+                    <a:p>
+                      <a:pPr algn="l">
+                        <a:lnSpc>
+                          <a:spcPct val="107000"/>
+                        </a:lnSpc>
+                        <a:spcAft>
+                          <a:spcPts val="0"/>
+                        </a:spcAft>
+                      </a:pPr>
+                      <a:r>
+                        <a:rPr lang="es-CO" sz="1100">
+                          <a:effectLst/>
+                        </a:rPr>
+                        <a:t>INV-PRO01-ACT02</a:t>
+                      </a:r>
+                      <a:endParaRPr lang="es-CO" sz="1100">
+                        <a:effectLst/>
+                        <a:latin typeface="Calibri" panose="020F0502020204030204" pitchFamily="34" charset="0"/>
+                        <a:ea typeface="Calibri" panose="020F0502020204030204" pitchFamily="34" charset="0"/>
+                        <a:cs typeface="Times New Roman" panose="02020603050405020304" pitchFamily="18" charset="0"/>
+                      </a:endParaRPr>
+                    </a:p>
+                  </a:txBody>
+                  <a:tcPr marL="20992" marR="20992" marT="0" marB="0"/>
+                </a:tc>
+                <a:tc>
+                  <a:txBody>
+                    <a:bodyPr/>
+                    <a:lstStyle/>
+                    <a:p>
+                      <a:pPr algn="l">
+                        <a:lnSpc>
+                          <a:spcPct val="107000"/>
+                        </a:lnSpc>
+                        <a:spcAft>
+                          <a:spcPts val="0"/>
+                        </a:spcAft>
+                      </a:pPr>
+                      <a:r>
+                        <a:rPr lang="es-CO" sz="1100">
+                          <a:effectLst/>
+                        </a:rPr>
+                        <a:t>Enviar informe</a:t>
+                      </a:r>
+                      <a:endParaRPr lang="es-CO" sz="1100">
+                        <a:effectLst/>
+                        <a:latin typeface="Calibri" panose="020F0502020204030204" pitchFamily="34" charset="0"/>
+                        <a:ea typeface="Calibri" panose="020F0502020204030204" pitchFamily="34" charset="0"/>
+                        <a:cs typeface="Times New Roman" panose="02020603050405020304" pitchFamily="18" charset="0"/>
+                      </a:endParaRPr>
+                    </a:p>
+                  </a:txBody>
+                  <a:tcPr marL="20992" marR="20992" marT="0" marB="0"/>
+                </a:tc>
+                <a:tc>
+                  <a:txBody>
+                    <a:bodyPr/>
+                    <a:lstStyle/>
+                    <a:p>
+                      <a:pPr algn="l">
+                        <a:lnSpc>
+                          <a:spcPct val="107000"/>
+                        </a:lnSpc>
+                        <a:spcAft>
+                          <a:spcPts val="0"/>
+                        </a:spcAft>
+                      </a:pPr>
+                      <a:r>
+                        <a:rPr lang="es-CO" sz="1100">
+                          <a:effectLst/>
+                        </a:rPr>
+                        <a:t>Envía el documento al superior jerárquico</a:t>
+                      </a:r>
+                      <a:endParaRPr lang="es-CO" sz="1100">
+                        <a:effectLst/>
+                        <a:latin typeface="Calibri" panose="020F0502020204030204" pitchFamily="34" charset="0"/>
+                        <a:ea typeface="Calibri" panose="020F0502020204030204" pitchFamily="34" charset="0"/>
+                        <a:cs typeface="Times New Roman" panose="02020603050405020304" pitchFamily="18" charset="0"/>
+                      </a:endParaRPr>
+                    </a:p>
+                  </a:txBody>
+                  <a:tcPr marL="20992" marR="20992" marT="0" marB="0"/>
+                </a:tc>
+                <a:tc>
+                  <a:txBody>
+                    <a:bodyPr/>
+                    <a:lstStyle/>
+                    <a:p>
+                      <a:pPr algn="l">
+                        <a:lnSpc>
+                          <a:spcPct val="107000"/>
+                        </a:lnSpc>
+                        <a:spcAft>
+                          <a:spcPts val="0"/>
+                        </a:spcAft>
+                      </a:pPr>
+                      <a:r>
+                        <a:rPr lang="es-CO" sz="1100">
+                          <a:effectLst/>
+                        </a:rPr>
+                        <a:t>Usuario </a:t>
+                      </a:r>
+                      <a:endParaRPr lang="es-CO" sz="1100">
+                        <a:effectLst/>
+                        <a:latin typeface="Calibri" panose="020F0502020204030204" pitchFamily="34" charset="0"/>
+                        <a:ea typeface="Calibri" panose="020F0502020204030204" pitchFamily="34" charset="0"/>
+                        <a:cs typeface="Times New Roman" panose="02020603050405020304" pitchFamily="18" charset="0"/>
+                      </a:endParaRPr>
+                    </a:p>
+                  </a:txBody>
+                  <a:tcPr marL="20992" marR="20992" marT="0" marB="0"/>
+                </a:tc>
+                <a:tc>
+                  <a:txBody>
+                    <a:bodyPr/>
+                    <a:lstStyle/>
+                    <a:p>
+                      <a:pPr algn="l">
+                        <a:lnSpc>
+                          <a:spcPct val="107000"/>
+                        </a:lnSpc>
+                        <a:spcAft>
+                          <a:spcPts val="0"/>
+                        </a:spcAft>
+                      </a:pPr>
+                      <a:r>
+                        <a:rPr lang="es-CO" sz="1100">
+                          <a:effectLst/>
+                        </a:rPr>
+                        <a:t> </a:t>
+                      </a:r>
+                      <a:endParaRPr lang="es-CO" sz="1100">
+                        <a:effectLst/>
+                        <a:latin typeface="Calibri" panose="020F0502020204030204" pitchFamily="34" charset="0"/>
+                        <a:ea typeface="Calibri" panose="020F0502020204030204" pitchFamily="34" charset="0"/>
+                        <a:cs typeface="Times New Roman" panose="02020603050405020304" pitchFamily="18" charset="0"/>
+                      </a:endParaRPr>
+                    </a:p>
+                  </a:txBody>
+                  <a:tcPr marL="20992" marR="20992" marT="0" marB="0"/>
+                </a:tc>
+                <a:tc>
+                  <a:txBody>
+                    <a:bodyPr/>
+                    <a:lstStyle/>
+                    <a:p>
+                      <a:pPr algn="l">
+                        <a:lnSpc>
+                          <a:spcPct val="107000"/>
+                        </a:lnSpc>
+                        <a:spcAft>
+                          <a:spcPts val="0"/>
+                        </a:spcAft>
+                      </a:pPr>
+                      <a:r>
+                        <a:rPr lang="es-CO" sz="1100">
+                          <a:effectLst/>
+                        </a:rPr>
+                        <a:t> </a:t>
+                      </a:r>
+                      <a:endParaRPr lang="es-CO" sz="1100">
+                        <a:effectLst/>
+                        <a:latin typeface="Calibri" panose="020F0502020204030204" pitchFamily="34" charset="0"/>
+                        <a:ea typeface="Calibri" panose="020F0502020204030204" pitchFamily="34" charset="0"/>
+                        <a:cs typeface="Times New Roman" panose="02020603050405020304" pitchFamily="18" charset="0"/>
+                      </a:endParaRPr>
+                    </a:p>
+                  </a:txBody>
+                  <a:tcPr marL="20992" marR="20992" marT="0" marB="0"/>
+                </a:tc>
+                <a:tc>
+                  <a:txBody>
+                    <a:bodyPr/>
+                    <a:lstStyle/>
+                    <a:p>
+                      <a:pPr algn="l">
+                        <a:lnSpc>
+                          <a:spcPct val="107000"/>
+                        </a:lnSpc>
+                        <a:spcAft>
+                          <a:spcPts val="0"/>
+                        </a:spcAft>
+                      </a:pPr>
+                      <a:r>
+                        <a:rPr lang="es-CO" sz="1100">
+                          <a:effectLst/>
+                        </a:rPr>
+                        <a:t> </a:t>
+                      </a:r>
+                      <a:endParaRPr lang="es-CO" sz="1100">
+                        <a:effectLst/>
+                        <a:latin typeface="Calibri" panose="020F0502020204030204" pitchFamily="34" charset="0"/>
+                        <a:ea typeface="Calibri" panose="020F0502020204030204" pitchFamily="34" charset="0"/>
+                        <a:cs typeface="Times New Roman" panose="02020603050405020304" pitchFamily="18" charset="0"/>
+                      </a:endParaRPr>
+                    </a:p>
+                  </a:txBody>
+                  <a:tcPr marL="20992" marR="20992" marT="0" marB="0"/>
+                </a:tc>
+                <a:extLst>
+                  <a:ext uri="{0D108BD9-81ED-4DB2-BD59-A6C34878D82A}">
+                    <a16:rowId xmlns:a16="http://schemas.microsoft.com/office/drawing/2014/main" val="113070048"/>
+                  </a:ext>
+                </a:extLst>
+              </a:tr>
+              <a:tr h="210713">
+                <a:tc>
+                  <a:txBody>
+                    <a:bodyPr/>
+                    <a:lstStyle/>
+                    <a:p>
+                      <a:pPr algn="l">
+                        <a:lnSpc>
+                          <a:spcPct val="107000"/>
+                        </a:lnSpc>
+                        <a:spcAft>
+                          <a:spcPts val="0"/>
+                        </a:spcAft>
+                      </a:pPr>
+                      <a:r>
+                        <a:rPr lang="es-CO" sz="1100">
+                          <a:effectLst/>
+                        </a:rPr>
+                        <a:t>INV-PRO01-ACT03</a:t>
+                      </a:r>
+                      <a:endParaRPr lang="es-CO" sz="1100">
+                        <a:effectLst/>
+                        <a:latin typeface="Calibri" panose="020F0502020204030204" pitchFamily="34" charset="0"/>
+                        <a:ea typeface="Calibri" panose="020F0502020204030204" pitchFamily="34" charset="0"/>
+                        <a:cs typeface="Times New Roman" panose="02020603050405020304" pitchFamily="18" charset="0"/>
+                      </a:endParaRPr>
+                    </a:p>
+                  </a:txBody>
+                  <a:tcPr marL="20992" marR="20992" marT="0" marB="0"/>
+                </a:tc>
+                <a:tc>
+                  <a:txBody>
+                    <a:bodyPr/>
+                    <a:lstStyle/>
+                    <a:p>
+                      <a:pPr algn="l">
+                        <a:lnSpc>
+                          <a:spcPct val="107000"/>
+                        </a:lnSpc>
+                        <a:spcAft>
+                          <a:spcPts val="0"/>
+                        </a:spcAft>
+                      </a:pPr>
+                      <a:r>
+                        <a:rPr lang="es-CO" sz="1100">
+                          <a:effectLst/>
+                        </a:rPr>
+                        <a:t> </a:t>
+                      </a:r>
+                    </a:p>
+                    <a:p>
+                      <a:pPr algn="l">
+                        <a:lnSpc>
+                          <a:spcPct val="107000"/>
+                        </a:lnSpc>
+                        <a:spcAft>
+                          <a:spcPts val="0"/>
+                        </a:spcAft>
+                      </a:pPr>
+                      <a:r>
+                        <a:rPr lang="es-CO" sz="1100">
+                          <a:effectLst/>
+                        </a:rPr>
+                        <a:t>Rechazar solicitud</a:t>
+                      </a:r>
+                      <a:endParaRPr lang="es-CO" sz="1100">
+                        <a:effectLst/>
+                        <a:latin typeface="Calibri" panose="020F0502020204030204" pitchFamily="34" charset="0"/>
+                        <a:ea typeface="Calibri" panose="020F0502020204030204" pitchFamily="34" charset="0"/>
+                        <a:cs typeface="Times New Roman" panose="02020603050405020304" pitchFamily="18" charset="0"/>
+                      </a:endParaRPr>
+                    </a:p>
+                  </a:txBody>
+                  <a:tcPr marL="20992" marR="20992" marT="0" marB="0"/>
+                </a:tc>
+                <a:tc>
+                  <a:txBody>
+                    <a:bodyPr/>
+                    <a:lstStyle/>
+                    <a:p>
+                      <a:pPr algn="l">
+                        <a:lnSpc>
+                          <a:spcPct val="107000"/>
+                        </a:lnSpc>
+                        <a:spcAft>
+                          <a:spcPts val="0"/>
+                        </a:spcAft>
+                      </a:pPr>
+                      <a:r>
+                        <a:rPr lang="es-CO" sz="1100">
+                          <a:effectLst/>
+                        </a:rPr>
+                        <a:t>Rechaza la solicitud si es conveniente</a:t>
+                      </a:r>
+                      <a:endParaRPr lang="es-CO" sz="1100">
+                        <a:effectLst/>
+                        <a:latin typeface="Calibri" panose="020F0502020204030204" pitchFamily="34" charset="0"/>
+                        <a:ea typeface="Calibri" panose="020F0502020204030204" pitchFamily="34" charset="0"/>
+                        <a:cs typeface="Times New Roman" panose="02020603050405020304" pitchFamily="18" charset="0"/>
+                      </a:endParaRPr>
+                    </a:p>
+                  </a:txBody>
+                  <a:tcPr marL="20992" marR="20992" marT="0" marB="0"/>
+                </a:tc>
+                <a:tc>
+                  <a:txBody>
+                    <a:bodyPr/>
+                    <a:lstStyle/>
+                    <a:p>
+                      <a:pPr algn="ctr">
+                        <a:lnSpc>
+                          <a:spcPct val="107000"/>
+                        </a:lnSpc>
+                        <a:spcAft>
+                          <a:spcPts val="0"/>
+                        </a:spcAft>
+                      </a:pPr>
+                      <a:r>
+                        <a:rPr lang="es-CO" sz="1100">
+                          <a:effectLst/>
+                        </a:rPr>
+                        <a:t>Usuario</a:t>
+                      </a:r>
+                      <a:endParaRPr lang="es-CO" sz="1100">
+                        <a:effectLst/>
+                        <a:latin typeface="Calibri" panose="020F0502020204030204" pitchFamily="34" charset="0"/>
+                        <a:ea typeface="Calibri" panose="020F0502020204030204" pitchFamily="34" charset="0"/>
+                        <a:cs typeface="Times New Roman" panose="02020603050405020304" pitchFamily="18" charset="0"/>
+                      </a:endParaRPr>
+                    </a:p>
+                  </a:txBody>
+                  <a:tcPr marL="20992" marR="20992" marT="0" marB="0"/>
+                </a:tc>
+                <a:tc>
+                  <a:txBody>
+                    <a:bodyPr/>
+                    <a:lstStyle/>
+                    <a:p>
+                      <a:pPr algn="l">
+                        <a:lnSpc>
+                          <a:spcPct val="107000"/>
+                        </a:lnSpc>
+                        <a:spcAft>
+                          <a:spcPts val="0"/>
+                        </a:spcAft>
+                      </a:pPr>
+                      <a:r>
+                        <a:rPr lang="es-CO" sz="1100">
+                          <a:effectLst/>
+                        </a:rPr>
+                        <a:t> </a:t>
+                      </a:r>
+                      <a:endParaRPr lang="es-CO" sz="1100">
+                        <a:effectLst/>
+                        <a:latin typeface="Calibri" panose="020F0502020204030204" pitchFamily="34" charset="0"/>
+                        <a:ea typeface="Calibri" panose="020F0502020204030204" pitchFamily="34" charset="0"/>
+                        <a:cs typeface="Times New Roman" panose="02020603050405020304" pitchFamily="18" charset="0"/>
+                      </a:endParaRPr>
+                    </a:p>
+                  </a:txBody>
+                  <a:tcPr marL="20992" marR="20992" marT="0" marB="0"/>
+                </a:tc>
+                <a:tc>
+                  <a:txBody>
+                    <a:bodyPr/>
+                    <a:lstStyle/>
+                    <a:p>
+                      <a:pPr algn="l">
+                        <a:lnSpc>
+                          <a:spcPct val="107000"/>
+                        </a:lnSpc>
+                        <a:spcAft>
+                          <a:spcPts val="0"/>
+                        </a:spcAft>
+                      </a:pPr>
+                      <a:r>
+                        <a:rPr lang="es-CO" sz="1100">
+                          <a:effectLst/>
+                        </a:rPr>
+                        <a:t> </a:t>
+                      </a:r>
+                      <a:endParaRPr lang="es-CO" sz="1100">
+                        <a:effectLst/>
+                        <a:latin typeface="Calibri" panose="020F0502020204030204" pitchFamily="34" charset="0"/>
+                        <a:ea typeface="Calibri" panose="020F0502020204030204" pitchFamily="34" charset="0"/>
+                        <a:cs typeface="Times New Roman" panose="02020603050405020304" pitchFamily="18" charset="0"/>
+                      </a:endParaRPr>
+                    </a:p>
+                  </a:txBody>
+                  <a:tcPr marL="20992" marR="20992" marT="0" marB="0"/>
+                </a:tc>
+                <a:tc>
+                  <a:txBody>
+                    <a:bodyPr/>
+                    <a:lstStyle/>
+                    <a:p>
+                      <a:pPr algn="l">
+                        <a:lnSpc>
+                          <a:spcPct val="107000"/>
+                        </a:lnSpc>
+                        <a:spcAft>
+                          <a:spcPts val="0"/>
+                        </a:spcAft>
+                      </a:pPr>
+                      <a:r>
+                        <a:rPr lang="es-CO" sz="1100">
+                          <a:effectLst/>
+                        </a:rPr>
+                        <a:t> </a:t>
+                      </a:r>
+                      <a:endParaRPr lang="es-CO" sz="1100">
+                        <a:effectLst/>
+                        <a:latin typeface="Calibri" panose="020F0502020204030204" pitchFamily="34" charset="0"/>
+                        <a:ea typeface="Calibri" panose="020F0502020204030204" pitchFamily="34" charset="0"/>
+                        <a:cs typeface="Times New Roman" panose="02020603050405020304" pitchFamily="18" charset="0"/>
+                      </a:endParaRPr>
+                    </a:p>
+                  </a:txBody>
+                  <a:tcPr marL="20992" marR="20992" marT="0" marB="0"/>
+                </a:tc>
+                <a:extLst>
+                  <a:ext uri="{0D108BD9-81ED-4DB2-BD59-A6C34878D82A}">
+                    <a16:rowId xmlns:a16="http://schemas.microsoft.com/office/drawing/2014/main" val="1046306064"/>
+                  </a:ext>
+                </a:extLst>
+              </a:tr>
+              <a:tr h="848484">
+                <a:tc>
+                  <a:txBody>
+                    <a:bodyPr/>
+                    <a:lstStyle/>
+                    <a:p>
+                      <a:pPr algn="l">
+                        <a:lnSpc>
+                          <a:spcPct val="107000"/>
+                        </a:lnSpc>
+                        <a:spcAft>
+                          <a:spcPts val="0"/>
+                        </a:spcAft>
+                      </a:pPr>
+                      <a:r>
+                        <a:rPr lang="es-CO" sz="1100">
+                          <a:effectLst/>
+                        </a:rPr>
+                        <a:t>INV-PRO01-ACT04</a:t>
+                      </a:r>
+                      <a:endParaRPr lang="es-CO" sz="1100">
+                        <a:effectLst/>
+                        <a:latin typeface="Calibri" panose="020F0502020204030204" pitchFamily="34" charset="0"/>
+                        <a:ea typeface="Calibri" panose="020F0502020204030204" pitchFamily="34" charset="0"/>
+                        <a:cs typeface="Times New Roman" panose="02020603050405020304" pitchFamily="18" charset="0"/>
+                      </a:endParaRPr>
+                    </a:p>
+                  </a:txBody>
+                  <a:tcPr marL="20992" marR="20992" marT="0" marB="0"/>
+                </a:tc>
+                <a:tc>
+                  <a:txBody>
+                    <a:bodyPr/>
+                    <a:lstStyle/>
+                    <a:p>
+                      <a:pPr algn="l">
+                        <a:lnSpc>
+                          <a:spcPct val="107000"/>
+                        </a:lnSpc>
+                        <a:spcAft>
+                          <a:spcPts val="0"/>
+                        </a:spcAft>
+                      </a:pPr>
+                      <a:r>
+                        <a:rPr lang="es-CO" sz="1100">
+                          <a:effectLst/>
+                        </a:rPr>
+                        <a:t>Notificar a la aseguradora de tiempo agotado</a:t>
+                      </a:r>
+                      <a:endParaRPr lang="es-CO" sz="1100">
+                        <a:effectLst/>
+                        <a:latin typeface="Calibri" panose="020F0502020204030204" pitchFamily="34" charset="0"/>
+                        <a:ea typeface="Calibri" panose="020F0502020204030204" pitchFamily="34" charset="0"/>
+                        <a:cs typeface="Times New Roman" panose="02020603050405020304" pitchFamily="18" charset="0"/>
+                      </a:endParaRPr>
+                    </a:p>
+                  </a:txBody>
+                  <a:tcPr marL="20992" marR="20992" marT="0" marB="0"/>
+                </a:tc>
+                <a:tc>
+                  <a:txBody>
+                    <a:bodyPr/>
+                    <a:lstStyle/>
+                    <a:p>
+                      <a:pPr algn="l">
+                        <a:lnSpc>
+                          <a:spcPct val="107000"/>
+                        </a:lnSpc>
+                        <a:spcAft>
+                          <a:spcPts val="0"/>
+                        </a:spcAft>
+                      </a:pPr>
+                      <a:r>
+                        <a:rPr lang="es-CO" sz="1100">
+                          <a:effectLst/>
+                        </a:rPr>
+                        <a:t>Una vez se envíen los documentos necesarios a la aseguradora esta tiene 30 días para responder si pasan este tiempo se le envía un recordatorio a la aseguradora</a:t>
+                      </a:r>
+                      <a:endParaRPr lang="es-CO" sz="1100">
+                        <a:effectLst/>
+                        <a:latin typeface="Calibri" panose="020F0502020204030204" pitchFamily="34" charset="0"/>
+                        <a:ea typeface="Calibri" panose="020F0502020204030204" pitchFamily="34" charset="0"/>
+                        <a:cs typeface="Times New Roman" panose="02020603050405020304" pitchFamily="18" charset="0"/>
+                      </a:endParaRPr>
+                    </a:p>
+                  </a:txBody>
+                  <a:tcPr marL="20992" marR="20992" marT="0" marB="0"/>
+                </a:tc>
+                <a:tc>
+                  <a:txBody>
+                    <a:bodyPr/>
+                    <a:lstStyle/>
+                    <a:p>
+                      <a:pPr algn="l">
+                        <a:lnSpc>
+                          <a:spcPct val="107000"/>
+                        </a:lnSpc>
+                        <a:spcAft>
+                          <a:spcPts val="0"/>
+                        </a:spcAft>
+                      </a:pPr>
+                      <a:r>
+                        <a:rPr lang="es-CO" sz="1100">
+                          <a:effectLst/>
+                        </a:rPr>
+                        <a:t> </a:t>
+                      </a:r>
+                    </a:p>
+                    <a:p>
+                      <a:pPr algn="l">
+                        <a:lnSpc>
+                          <a:spcPct val="107000"/>
+                        </a:lnSpc>
+                        <a:spcAft>
+                          <a:spcPts val="0"/>
+                        </a:spcAft>
+                      </a:pPr>
+                      <a:r>
+                        <a:rPr lang="es-CO" sz="1100">
+                          <a:effectLst/>
+                        </a:rPr>
+                        <a:t> </a:t>
+                      </a:r>
+                    </a:p>
+                    <a:p>
+                      <a:pPr algn="l">
+                        <a:lnSpc>
+                          <a:spcPct val="107000"/>
+                        </a:lnSpc>
+                        <a:spcAft>
+                          <a:spcPts val="0"/>
+                        </a:spcAft>
+                      </a:pPr>
+                      <a:r>
+                        <a:rPr lang="es-CO" sz="1100">
+                          <a:effectLst/>
+                        </a:rPr>
+                        <a:t>Usuario</a:t>
+                      </a:r>
+                      <a:endParaRPr lang="es-CO" sz="1100">
+                        <a:effectLst/>
+                        <a:latin typeface="Calibri" panose="020F0502020204030204" pitchFamily="34" charset="0"/>
+                        <a:ea typeface="Calibri" panose="020F0502020204030204" pitchFamily="34" charset="0"/>
+                        <a:cs typeface="Times New Roman" panose="02020603050405020304" pitchFamily="18" charset="0"/>
+                      </a:endParaRPr>
+                    </a:p>
+                  </a:txBody>
+                  <a:tcPr marL="20992" marR="20992" marT="0" marB="0"/>
+                </a:tc>
+                <a:tc>
+                  <a:txBody>
+                    <a:bodyPr/>
+                    <a:lstStyle/>
+                    <a:p>
+                      <a:pPr algn="l">
+                        <a:lnSpc>
+                          <a:spcPct val="107000"/>
+                        </a:lnSpc>
+                        <a:spcAft>
+                          <a:spcPts val="0"/>
+                        </a:spcAft>
+                      </a:pPr>
+                      <a:r>
+                        <a:rPr lang="es-CO" sz="1100">
+                          <a:effectLst/>
+                        </a:rPr>
+                        <a:t> </a:t>
+                      </a:r>
+                      <a:endParaRPr lang="es-CO" sz="1100">
+                        <a:effectLst/>
+                        <a:latin typeface="Calibri" panose="020F0502020204030204" pitchFamily="34" charset="0"/>
+                        <a:ea typeface="Calibri" panose="020F0502020204030204" pitchFamily="34" charset="0"/>
+                        <a:cs typeface="Times New Roman" panose="02020603050405020304" pitchFamily="18" charset="0"/>
+                      </a:endParaRPr>
+                    </a:p>
+                  </a:txBody>
+                  <a:tcPr marL="20992" marR="20992" marT="0" marB="0"/>
+                </a:tc>
+                <a:tc>
+                  <a:txBody>
+                    <a:bodyPr/>
+                    <a:lstStyle/>
+                    <a:p>
+                      <a:pPr algn="l">
+                        <a:lnSpc>
+                          <a:spcPct val="107000"/>
+                        </a:lnSpc>
+                        <a:spcAft>
+                          <a:spcPts val="0"/>
+                        </a:spcAft>
+                      </a:pPr>
+                      <a:r>
+                        <a:rPr lang="es-CO" sz="1100">
+                          <a:effectLst/>
+                        </a:rPr>
+                        <a:t> </a:t>
+                      </a:r>
+                    </a:p>
+                    <a:p>
+                      <a:pPr algn="l">
+                        <a:lnSpc>
+                          <a:spcPct val="107000"/>
+                        </a:lnSpc>
+                        <a:spcAft>
+                          <a:spcPts val="0"/>
+                        </a:spcAft>
+                      </a:pPr>
+                      <a:r>
+                        <a:rPr lang="es-CO" sz="1100">
+                          <a:effectLst/>
+                        </a:rPr>
+                        <a:t> </a:t>
+                      </a:r>
+                    </a:p>
+                    <a:p>
+                      <a:pPr algn="l">
+                        <a:lnSpc>
+                          <a:spcPct val="107000"/>
+                        </a:lnSpc>
+                        <a:spcAft>
+                          <a:spcPts val="0"/>
+                        </a:spcAft>
+                      </a:pPr>
+                      <a:r>
+                        <a:rPr lang="es-CO" sz="1100">
+                          <a:effectLst/>
+                        </a:rPr>
+                        <a:t> </a:t>
+                      </a:r>
+                    </a:p>
+                    <a:p>
+                      <a:pPr algn="l">
+                        <a:lnSpc>
+                          <a:spcPct val="107000"/>
+                        </a:lnSpc>
+                        <a:spcAft>
+                          <a:spcPts val="0"/>
+                        </a:spcAft>
+                      </a:pPr>
+                      <a:r>
+                        <a:rPr lang="es-CO" sz="1100">
+                          <a:effectLst/>
+                        </a:rPr>
+                        <a:t> </a:t>
+                      </a:r>
+                    </a:p>
+                    <a:p>
+                      <a:pPr algn="l">
+                        <a:lnSpc>
+                          <a:spcPct val="107000"/>
+                        </a:lnSpc>
+                        <a:spcAft>
+                          <a:spcPts val="0"/>
+                        </a:spcAft>
+                      </a:pPr>
+                      <a:r>
+                        <a:rPr lang="es-CO" sz="1100">
+                          <a:effectLst/>
+                        </a:rPr>
+                        <a:t> </a:t>
+                      </a:r>
+                    </a:p>
+                    <a:p>
+                      <a:pPr algn="l">
+                        <a:lnSpc>
+                          <a:spcPct val="107000"/>
+                        </a:lnSpc>
+                        <a:spcAft>
+                          <a:spcPts val="0"/>
+                        </a:spcAft>
+                      </a:pPr>
+                      <a:r>
+                        <a:rPr lang="es-CO" sz="1100">
+                          <a:effectLst/>
+                        </a:rPr>
+                        <a:t> </a:t>
+                      </a:r>
+                    </a:p>
+                    <a:p>
+                      <a:pPr algn="ctr">
+                        <a:lnSpc>
+                          <a:spcPct val="107000"/>
+                        </a:lnSpc>
+                        <a:spcAft>
+                          <a:spcPts val="0"/>
+                        </a:spcAft>
+                        <a:tabLst>
+                          <a:tab pos="742950" algn="l"/>
+                        </a:tabLst>
+                      </a:pPr>
+                      <a:r>
+                        <a:rPr lang="es-CO" sz="1100">
+                          <a:effectLst/>
+                        </a:rPr>
+                        <a:t>Correo</a:t>
+                      </a:r>
+                      <a:endParaRPr lang="es-CO" sz="1100">
+                        <a:effectLst/>
+                        <a:latin typeface="Calibri" panose="020F0502020204030204" pitchFamily="34" charset="0"/>
+                        <a:ea typeface="Calibri" panose="020F0502020204030204" pitchFamily="34" charset="0"/>
+                        <a:cs typeface="Times New Roman" panose="02020603050405020304" pitchFamily="18" charset="0"/>
+                      </a:endParaRPr>
+                    </a:p>
+                  </a:txBody>
+                  <a:tcPr marL="20992" marR="20992" marT="0" marB="0"/>
+                </a:tc>
+                <a:tc>
+                  <a:txBody>
+                    <a:bodyPr/>
+                    <a:lstStyle/>
+                    <a:p>
+                      <a:pPr algn="l">
+                        <a:lnSpc>
+                          <a:spcPct val="107000"/>
+                        </a:lnSpc>
+                        <a:spcAft>
+                          <a:spcPts val="0"/>
+                        </a:spcAft>
+                      </a:pPr>
+                      <a:r>
+                        <a:rPr lang="es-CO" sz="1100">
+                          <a:effectLst/>
+                        </a:rPr>
+                        <a:t> </a:t>
+                      </a:r>
+                      <a:endParaRPr lang="es-CO" sz="1100">
+                        <a:effectLst/>
+                        <a:latin typeface="Calibri" panose="020F0502020204030204" pitchFamily="34" charset="0"/>
+                        <a:ea typeface="Calibri" panose="020F0502020204030204" pitchFamily="34" charset="0"/>
+                        <a:cs typeface="Times New Roman" panose="02020603050405020304" pitchFamily="18" charset="0"/>
+                      </a:endParaRPr>
+                    </a:p>
+                  </a:txBody>
+                  <a:tcPr marL="20992" marR="20992" marT="0" marB="0"/>
+                </a:tc>
+                <a:extLst>
+                  <a:ext uri="{0D108BD9-81ED-4DB2-BD59-A6C34878D82A}">
+                    <a16:rowId xmlns:a16="http://schemas.microsoft.com/office/drawing/2014/main" val="3478742883"/>
+                  </a:ext>
+                </a:extLst>
+              </a:tr>
+              <a:tr h="635893">
+                <a:tc>
+                  <a:txBody>
+                    <a:bodyPr/>
+                    <a:lstStyle/>
+                    <a:p>
+                      <a:pPr algn="l">
+                        <a:lnSpc>
+                          <a:spcPct val="107000"/>
+                        </a:lnSpc>
+                        <a:spcAft>
+                          <a:spcPts val="0"/>
+                        </a:spcAft>
+                      </a:pPr>
+                      <a:r>
+                        <a:rPr lang="es-CO" sz="1100">
+                          <a:effectLst/>
+                        </a:rPr>
+                        <a:t>INV-PRO01-ACT05</a:t>
+                      </a:r>
+                      <a:endParaRPr lang="es-CO" sz="1100">
+                        <a:effectLst/>
+                        <a:latin typeface="Calibri" panose="020F0502020204030204" pitchFamily="34" charset="0"/>
+                        <a:ea typeface="Calibri" panose="020F0502020204030204" pitchFamily="34" charset="0"/>
+                        <a:cs typeface="Times New Roman" panose="02020603050405020304" pitchFamily="18" charset="0"/>
+                      </a:endParaRPr>
+                    </a:p>
+                  </a:txBody>
+                  <a:tcPr marL="20992" marR="20992" marT="0" marB="0"/>
+                </a:tc>
+                <a:tc>
+                  <a:txBody>
+                    <a:bodyPr/>
+                    <a:lstStyle/>
+                    <a:p>
+                      <a:pPr algn="l">
+                        <a:lnSpc>
+                          <a:spcPct val="107000"/>
+                        </a:lnSpc>
+                        <a:spcAft>
+                          <a:spcPts val="0"/>
+                        </a:spcAft>
+                      </a:pPr>
+                      <a:r>
+                        <a:rPr lang="es-CO" sz="1100">
+                          <a:effectLst/>
+                        </a:rPr>
+                        <a:t>Recopilar requerimientos</a:t>
+                      </a:r>
+                      <a:endParaRPr lang="es-CO" sz="1100">
+                        <a:effectLst/>
+                        <a:latin typeface="Calibri" panose="020F0502020204030204" pitchFamily="34" charset="0"/>
+                        <a:ea typeface="Calibri" panose="020F0502020204030204" pitchFamily="34" charset="0"/>
+                        <a:cs typeface="Times New Roman" panose="02020603050405020304" pitchFamily="18" charset="0"/>
+                      </a:endParaRPr>
+                    </a:p>
+                  </a:txBody>
+                  <a:tcPr marL="20992" marR="20992" marT="0" marB="0"/>
+                </a:tc>
+                <a:tc>
+                  <a:txBody>
+                    <a:bodyPr/>
+                    <a:lstStyle/>
+                    <a:p>
+                      <a:pPr algn="l">
+                        <a:lnSpc>
+                          <a:spcPct val="107000"/>
+                        </a:lnSpc>
+                        <a:spcAft>
+                          <a:spcPts val="0"/>
+                        </a:spcAft>
+                      </a:pPr>
+                      <a:r>
+                        <a:rPr lang="es-CO" sz="1100">
+                          <a:effectLst/>
+                        </a:rPr>
+                        <a:t>Se recogen los documentos necesarios para que la aseguradora comience el proceso de indemnización.</a:t>
+                      </a:r>
+                      <a:endParaRPr lang="es-CO" sz="1100">
+                        <a:effectLst/>
+                        <a:latin typeface="Calibri" panose="020F0502020204030204" pitchFamily="34" charset="0"/>
+                        <a:ea typeface="Calibri" panose="020F0502020204030204" pitchFamily="34" charset="0"/>
+                        <a:cs typeface="Times New Roman" panose="02020603050405020304" pitchFamily="18" charset="0"/>
+                      </a:endParaRPr>
+                    </a:p>
+                  </a:txBody>
+                  <a:tcPr marL="20992" marR="20992" marT="0" marB="0"/>
+                </a:tc>
+                <a:tc>
+                  <a:txBody>
+                    <a:bodyPr/>
+                    <a:lstStyle/>
+                    <a:p>
+                      <a:pPr algn="l">
+                        <a:lnSpc>
+                          <a:spcPct val="107000"/>
+                        </a:lnSpc>
+                        <a:spcAft>
+                          <a:spcPts val="0"/>
+                        </a:spcAft>
+                      </a:pPr>
+                      <a:r>
+                        <a:rPr lang="es-CO" sz="1100">
+                          <a:effectLst/>
+                        </a:rPr>
+                        <a:t> </a:t>
+                      </a:r>
+                    </a:p>
+                    <a:p>
+                      <a:pPr algn="l">
+                        <a:lnSpc>
+                          <a:spcPct val="107000"/>
+                        </a:lnSpc>
+                        <a:spcAft>
+                          <a:spcPts val="0"/>
+                        </a:spcAft>
+                      </a:pPr>
+                      <a:r>
+                        <a:rPr lang="es-CO" sz="1100">
+                          <a:effectLst/>
+                        </a:rPr>
+                        <a:t> </a:t>
+                      </a:r>
+                    </a:p>
+                    <a:p>
+                      <a:pPr algn="l">
+                        <a:lnSpc>
+                          <a:spcPct val="107000"/>
+                        </a:lnSpc>
+                        <a:spcAft>
+                          <a:spcPts val="0"/>
+                        </a:spcAft>
+                      </a:pPr>
+                      <a:r>
+                        <a:rPr lang="es-CO" sz="1100">
+                          <a:effectLst/>
+                        </a:rPr>
+                        <a:t> </a:t>
+                      </a:r>
+                    </a:p>
+                    <a:p>
+                      <a:pPr algn="l">
+                        <a:lnSpc>
+                          <a:spcPct val="107000"/>
+                        </a:lnSpc>
+                        <a:spcAft>
+                          <a:spcPts val="0"/>
+                        </a:spcAft>
+                      </a:pPr>
+                      <a:r>
+                        <a:rPr lang="es-CO" sz="1100">
+                          <a:effectLst/>
+                        </a:rPr>
+                        <a:t> </a:t>
+                      </a:r>
+                    </a:p>
+                    <a:p>
+                      <a:pPr algn="l">
+                        <a:lnSpc>
+                          <a:spcPct val="107000"/>
+                        </a:lnSpc>
+                        <a:spcAft>
+                          <a:spcPts val="0"/>
+                        </a:spcAft>
+                      </a:pPr>
+                      <a:r>
+                        <a:rPr lang="es-CO" sz="1100">
+                          <a:effectLst/>
+                        </a:rPr>
+                        <a:t> </a:t>
+                      </a:r>
+                    </a:p>
+                    <a:p>
+                      <a:pPr algn="l">
+                        <a:lnSpc>
+                          <a:spcPct val="107000"/>
+                        </a:lnSpc>
+                        <a:spcAft>
+                          <a:spcPts val="0"/>
+                        </a:spcAft>
+                      </a:pPr>
+                      <a:r>
+                        <a:rPr lang="es-CO" sz="1100">
+                          <a:effectLst/>
+                        </a:rPr>
+                        <a:t>Usuario</a:t>
+                      </a:r>
+                      <a:endParaRPr lang="es-CO" sz="1100">
+                        <a:effectLst/>
+                        <a:latin typeface="Calibri" panose="020F0502020204030204" pitchFamily="34" charset="0"/>
+                        <a:ea typeface="Calibri" panose="020F0502020204030204" pitchFamily="34" charset="0"/>
+                        <a:cs typeface="Times New Roman" panose="02020603050405020304" pitchFamily="18" charset="0"/>
+                      </a:endParaRPr>
+                    </a:p>
+                  </a:txBody>
+                  <a:tcPr marL="20992" marR="20992" marT="0" marB="0"/>
+                </a:tc>
+                <a:tc>
+                  <a:txBody>
+                    <a:bodyPr/>
+                    <a:lstStyle/>
+                    <a:p>
+                      <a:pPr algn="l">
+                        <a:lnSpc>
+                          <a:spcPct val="107000"/>
+                        </a:lnSpc>
+                        <a:spcAft>
+                          <a:spcPts val="0"/>
+                        </a:spcAft>
+                      </a:pPr>
+                      <a:r>
+                        <a:rPr lang="es-CO" sz="1100">
+                          <a:effectLst/>
+                        </a:rPr>
+                        <a:t> </a:t>
+                      </a:r>
+                      <a:endParaRPr lang="es-CO" sz="1100">
+                        <a:effectLst/>
+                        <a:latin typeface="Calibri" panose="020F0502020204030204" pitchFamily="34" charset="0"/>
+                        <a:ea typeface="Calibri" panose="020F0502020204030204" pitchFamily="34" charset="0"/>
+                        <a:cs typeface="Times New Roman" panose="02020603050405020304" pitchFamily="18" charset="0"/>
+                      </a:endParaRPr>
+                    </a:p>
+                  </a:txBody>
+                  <a:tcPr marL="20992" marR="20992" marT="0" marB="0"/>
+                </a:tc>
+                <a:tc>
+                  <a:txBody>
+                    <a:bodyPr/>
+                    <a:lstStyle/>
+                    <a:p>
+                      <a:pPr algn="l">
+                        <a:lnSpc>
+                          <a:spcPct val="107000"/>
+                        </a:lnSpc>
+                        <a:spcAft>
+                          <a:spcPts val="0"/>
+                        </a:spcAft>
+                      </a:pPr>
+                      <a:r>
+                        <a:rPr lang="es-CO" sz="1100">
+                          <a:effectLst/>
+                        </a:rPr>
+                        <a:t> </a:t>
+                      </a:r>
+                      <a:endParaRPr lang="es-CO" sz="1100">
+                        <a:effectLst/>
+                        <a:latin typeface="Calibri" panose="020F0502020204030204" pitchFamily="34" charset="0"/>
+                        <a:ea typeface="Calibri" panose="020F0502020204030204" pitchFamily="34" charset="0"/>
+                        <a:cs typeface="Times New Roman" panose="02020603050405020304" pitchFamily="18" charset="0"/>
+                      </a:endParaRPr>
+                    </a:p>
+                  </a:txBody>
+                  <a:tcPr marL="20992" marR="20992" marT="0" marB="0"/>
+                </a:tc>
+                <a:tc>
+                  <a:txBody>
+                    <a:bodyPr/>
+                    <a:lstStyle/>
+                    <a:p>
+                      <a:pPr algn="l">
+                        <a:lnSpc>
+                          <a:spcPct val="107000"/>
+                        </a:lnSpc>
+                        <a:spcAft>
+                          <a:spcPts val="0"/>
+                        </a:spcAft>
+                      </a:pPr>
+                      <a:r>
+                        <a:rPr lang="es-CO" sz="1100" dirty="0">
+                          <a:effectLst/>
+                        </a:rPr>
+                        <a:t> </a:t>
+                      </a:r>
+                      <a:endParaRPr lang="es-CO" sz="1100" dirty="0">
+                        <a:effectLst/>
+                        <a:latin typeface="Calibri" panose="020F0502020204030204" pitchFamily="34" charset="0"/>
+                        <a:ea typeface="Calibri" panose="020F0502020204030204" pitchFamily="34" charset="0"/>
+                        <a:cs typeface="Times New Roman" panose="02020603050405020304" pitchFamily="18" charset="0"/>
+                      </a:endParaRPr>
+                    </a:p>
+                  </a:txBody>
+                  <a:tcPr marL="20992" marR="20992" marT="0" marB="0"/>
+                </a:tc>
+                <a:extLst>
+                  <a:ext uri="{0D108BD9-81ED-4DB2-BD59-A6C34878D82A}">
+                    <a16:rowId xmlns:a16="http://schemas.microsoft.com/office/drawing/2014/main" val="1006836491"/>
+                  </a:ext>
+                </a:extLst>
+              </a:tr>
+            </a:tbl>
+          </a:graphicData>
+        </a:graphic>
+      </p:graphicFrame>
+    </p:spTree>
+    <p:extLst>
+      <p:ext uri="{BB962C8B-B14F-4D97-AF65-F5344CB8AC3E}">
+        <p14:creationId xmlns:p14="http://schemas.microsoft.com/office/powerpoint/2010/main" val="2707748336"/>
+      </p:ext>
+    </p:extLst>
+  </p:cSld>
+  <p:clrMapOvr>
+    <a:masterClrMapping/>
+  </p:clrMapOvr>
+</p:sld>
+</file>
+
+<file path=ppt/slides/slide11.xml><?xml version="1.0" encoding="utf-8"?>
+<p:sld xmlns:a="http://schemas.openxmlformats.org/drawingml/2006/main" xmlns:r="http://schemas.openxmlformats.org/officeDocument/2006/relationships" xmlns:p="http://schemas.openxmlformats.org/presentationml/2006/main">
+  <p:cSld>
+    <p:spTree>
+      <p:nvGrpSpPr>
+        <p:cNvPr id="1" name=""/>
+        <p:cNvGrpSpPr/>
+        <p:nvPr/>
+      </p:nvGrpSpPr>
+      <p:grpSpPr>
+        <a:xfrm>
+          <a:off x="0" y="0"/>
+          <a:ext cx="0" cy="0"/>
+          <a:chOff x="0" y="0"/>
+          <a:chExt cx="0" cy="0"/>
+        </a:xfrm>
+      </p:grpSpPr>
+      <p:graphicFrame>
+        <p:nvGraphicFramePr>
+          <p:cNvPr id="4" name="Tabla 3">
+            <a:extLst>
+              <a:ext uri="{FF2B5EF4-FFF2-40B4-BE49-F238E27FC236}">
+                <a16:creationId xmlns:a16="http://schemas.microsoft.com/office/drawing/2014/main" id="{D5D54006-3C8F-4422-9EC5-07695A72FF38}"/>
+              </a:ext>
+            </a:extLst>
+          </p:cNvPr>
+          <p:cNvGraphicFramePr>
+            <a:graphicFrameLocks noGrp="1"/>
+          </p:cNvGraphicFramePr>
+          <p:nvPr>
+            <p:extLst>
+              <p:ext uri="{D42A27DB-BD31-4B8C-83A1-F6EECF244321}">
+                <p14:modId xmlns:p14="http://schemas.microsoft.com/office/powerpoint/2010/main" val="2104479991"/>
+              </p:ext>
+            </p:extLst>
+          </p:nvPr>
+        </p:nvGraphicFramePr>
+        <p:xfrm>
+          <a:off x="495300" y="733900"/>
+          <a:ext cx="10515599" cy="5696268"/>
+        </p:xfrm>
+        <a:graphic>
+          <a:graphicData uri="http://schemas.openxmlformats.org/drawingml/2006/table">
+            <a:tbl>
+              <a:tblPr firstRow="1" firstCol="1" bandRow="1">
+                <a:tableStyleId>{5C22544A-7EE6-4342-B048-85BDC9FD1C3A}</a:tableStyleId>
+              </a:tblPr>
+              <a:tblGrid>
+                <a:gridCol w="858829">
+                  <a:extLst>
+                    <a:ext uri="{9D8B030D-6E8A-4147-A177-3AD203B41FA5}">
+                      <a16:colId xmlns:a16="http://schemas.microsoft.com/office/drawing/2014/main" val="825645303"/>
+                    </a:ext>
+                  </a:extLst>
+                </a:gridCol>
+                <a:gridCol w="1260252">
+                  <a:extLst>
+                    <a:ext uri="{9D8B030D-6E8A-4147-A177-3AD203B41FA5}">
+                      <a16:colId xmlns:a16="http://schemas.microsoft.com/office/drawing/2014/main" val="77387415"/>
+                    </a:ext>
+                  </a:extLst>
+                </a:gridCol>
+                <a:gridCol w="1269784">
+                  <a:extLst>
+                    <a:ext uri="{9D8B030D-6E8A-4147-A177-3AD203B41FA5}">
+                      <a16:colId xmlns:a16="http://schemas.microsoft.com/office/drawing/2014/main" val="1819949693"/>
+                    </a:ext>
+                  </a:extLst>
+                </a:gridCol>
+                <a:gridCol w="674286">
+                  <a:extLst>
+                    <a:ext uri="{9D8B030D-6E8A-4147-A177-3AD203B41FA5}">
+                      <a16:colId xmlns:a16="http://schemas.microsoft.com/office/drawing/2014/main" val="943427636"/>
+                    </a:ext>
+                  </a:extLst>
+                </a:gridCol>
+                <a:gridCol w="2371520">
+                  <a:extLst>
+                    <a:ext uri="{9D8B030D-6E8A-4147-A177-3AD203B41FA5}">
+                      <a16:colId xmlns:a16="http://schemas.microsoft.com/office/drawing/2014/main" val="3368939857"/>
+                    </a:ext>
+                  </a:extLst>
+                </a:gridCol>
+                <a:gridCol w="988665">
+                  <a:extLst>
+                    <a:ext uri="{9D8B030D-6E8A-4147-A177-3AD203B41FA5}">
+                      <a16:colId xmlns:a16="http://schemas.microsoft.com/office/drawing/2014/main" val="712264134"/>
+                    </a:ext>
+                  </a:extLst>
+                </a:gridCol>
+                <a:gridCol w="3092263">
+                  <a:extLst>
+                    <a:ext uri="{9D8B030D-6E8A-4147-A177-3AD203B41FA5}">
+                      <a16:colId xmlns:a16="http://schemas.microsoft.com/office/drawing/2014/main" val="1560814136"/>
+                    </a:ext>
+                  </a:extLst>
+                </a:gridCol>
+              </a:tblGrid>
+              <a:tr h="1793505">
+                <a:tc>
+                  <a:txBody>
+                    <a:bodyPr/>
+                    <a:lstStyle/>
+                    <a:p>
+                      <a:pPr algn="l">
+                        <a:lnSpc>
+                          <a:spcPct val="107000"/>
+                        </a:lnSpc>
+                        <a:spcAft>
+                          <a:spcPts val="0"/>
+                        </a:spcAft>
+                      </a:pPr>
+                      <a:r>
+                        <a:rPr lang="es-CO" sz="1100">
+                          <a:effectLst/>
+                        </a:rPr>
+                        <a:t>INV-PRO01-ACT06</a:t>
+                      </a:r>
+                      <a:endParaRPr lang="es-CO" sz="1100">
+                        <a:effectLst/>
+                        <a:latin typeface="Calibri" panose="020F0502020204030204" pitchFamily="34" charset="0"/>
+                        <a:ea typeface="Calibri" panose="020F0502020204030204" pitchFamily="34" charset="0"/>
+                        <a:cs typeface="Times New Roman" panose="02020603050405020304" pitchFamily="18" charset="0"/>
+                      </a:endParaRPr>
+                    </a:p>
+                  </a:txBody>
+                  <a:tcPr marL="22228" marR="22228" marT="0" marB="0"/>
+                </a:tc>
+                <a:tc>
+                  <a:txBody>
+                    <a:bodyPr/>
+                    <a:lstStyle/>
+                    <a:p>
+                      <a:pPr algn="l">
+                        <a:lnSpc>
+                          <a:spcPct val="107000"/>
+                        </a:lnSpc>
+                        <a:spcAft>
+                          <a:spcPts val="0"/>
+                        </a:spcAft>
+                      </a:pPr>
+                      <a:r>
+                        <a:rPr lang="es-CO" sz="1100">
+                          <a:effectLst/>
+                        </a:rPr>
+                        <a:t>Análisis de conveniencia</a:t>
+                      </a:r>
+                      <a:endParaRPr lang="es-CO" sz="1100">
+                        <a:effectLst/>
+                        <a:latin typeface="Calibri" panose="020F0502020204030204" pitchFamily="34" charset="0"/>
+                        <a:ea typeface="Calibri" panose="020F0502020204030204" pitchFamily="34" charset="0"/>
+                        <a:cs typeface="Times New Roman" panose="02020603050405020304" pitchFamily="18" charset="0"/>
+                      </a:endParaRPr>
+                    </a:p>
+                  </a:txBody>
+                  <a:tcPr marL="22228" marR="22228" marT="0" marB="0"/>
+                </a:tc>
+                <a:tc>
+                  <a:txBody>
+                    <a:bodyPr/>
+                    <a:lstStyle/>
+                    <a:p>
+                      <a:pPr algn="l">
+                        <a:lnSpc>
+                          <a:spcPct val="107000"/>
+                        </a:lnSpc>
+                        <a:spcAft>
+                          <a:spcPts val="0"/>
+                        </a:spcAft>
+                      </a:pPr>
+                      <a:r>
+                        <a:rPr lang="es-CO" sz="1100">
+                          <a:effectLst/>
+                        </a:rPr>
+                        <a:t>Después de recibir el recibo de indemnización por parte de la aseguradora se hace un análisis de conveniencia para escoger la mejor opción para recuperar lo perdido.</a:t>
+                      </a:r>
+                      <a:endParaRPr lang="es-CO" sz="1100">
+                        <a:effectLst/>
+                        <a:latin typeface="Calibri" panose="020F0502020204030204" pitchFamily="34" charset="0"/>
+                        <a:ea typeface="Calibri" panose="020F0502020204030204" pitchFamily="34" charset="0"/>
+                        <a:cs typeface="Times New Roman" panose="02020603050405020304" pitchFamily="18" charset="0"/>
+                      </a:endParaRPr>
+                    </a:p>
+                  </a:txBody>
+                  <a:tcPr marL="22228" marR="22228" marT="0" marB="0"/>
+                </a:tc>
+                <a:tc>
+                  <a:txBody>
+                    <a:bodyPr/>
+                    <a:lstStyle/>
+                    <a:p>
+                      <a:pPr algn="l">
+                        <a:lnSpc>
+                          <a:spcPct val="107000"/>
+                        </a:lnSpc>
+                        <a:spcAft>
+                          <a:spcPts val="0"/>
+                        </a:spcAft>
+                      </a:pPr>
+                      <a:r>
+                        <a:rPr lang="es-CO" sz="1100">
+                          <a:effectLst/>
+                        </a:rPr>
+                        <a:t> </a:t>
+                      </a:r>
+                      <a:endParaRPr lang="es-CO" sz="1100">
+                        <a:effectLst/>
+                        <a:latin typeface="Calibri" panose="020F0502020204030204" pitchFamily="34" charset="0"/>
+                        <a:ea typeface="Calibri" panose="020F0502020204030204" pitchFamily="34" charset="0"/>
+                        <a:cs typeface="Times New Roman" panose="02020603050405020304" pitchFamily="18" charset="0"/>
+                      </a:endParaRPr>
+                    </a:p>
+                  </a:txBody>
+                  <a:tcPr marL="22228" marR="22228" marT="0" marB="0"/>
+                </a:tc>
+                <a:tc>
+                  <a:txBody>
+                    <a:bodyPr/>
+                    <a:lstStyle/>
+                    <a:p>
+                      <a:pPr algn="l">
+                        <a:lnSpc>
+                          <a:spcPct val="107000"/>
+                        </a:lnSpc>
+                        <a:spcAft>
+                          <a:spcPts val="0"/>
+                        </a:spcAft>
+                      </a:pPr>
+                      <a:r>
+                        <a:rPr lang="es-CO" sz="1100" dirty="0">
+                          <a:effectLst/>
+                        </a:rPr>
+                        <a:t> </a:t>
+                      </a:r>
+                      <a:endParaRPr lang="es-CO" sz="1100" dirty="0">
+                        <a:effectLst/>
+                        <a:latin typeface="Calibri" panose="020F0502020204030204" pitchFamily="34" charset="0"/>
+                        <a:ea typeface="Calibri" panose="020F0502020204030204" pitchFamily="34" charset="0"/>
+                        <a:cs typeface="Times New Roman" panose="02020603050405020304" pitchFamily="18" charset="0"/>
+                      </a:endParaRPr>
+                    </a:p>
+                  </a:txBody>
+                  <a:tcPr marL="22228" marR="22228" marT="0" marB="0"/>
+                </a:tc>
+                <a:tc>
+                  <a:txBody>
+                    <a:bodyPr/>
+                    <a:lstStyle/>
+                    <a:p>
+                      <a:pPr algn="l">
+                        <a:lnSpc>
+                          <a:spcPct val="107000"/>
+                        </a:lnSpc>
+                        <a:spcAft>
+                          <a:spcPts val="0"/>
+                        </a:spcAft>
+                      </a:pPr>
+                      <a:r>
+                        <a:rPr lang="es-CO" sz="1100">
+                          <a:effectLst/>
+                        </a:rPr>
+                        <a:t> </a:t>
+                      </a:r>
+                      <a:endParaRPr lang="es-CO" sz="1100">
+                        <a:effectLst/>
+                        <a:latin typeface="Calibri" panose="020F0502020204030204" pitchFamily="34" charset="0"/>
+                        <a:ea typeface="Calibri" panose="020F0502020204030204" pitchFamily="34" charset="0"/>
+                        <a:cs typeface="Times New Roman" panose="02020603050405020304" pitchFamily="18" charset="0"/>
+                      </a:endParaRPr>
+                    </a:p>
+                  </a:txBody>
+                  <a:tcPr marL="22228" marR="22228" marT="0" marB="0"/>
+                </a:tc>
+                <a:tc>
+                  <a:txBody>
+                    <a:bodyPr/>
+                    <a:lstStyle/>
+                    <a:p>
+                      <a:pPr marL="342900" marR="39370" lvl="0" indent="-342900" algn="l">
+                        <a:spcAft>
+                          <a:spcPts val="0"/>
+                        </a:spcAft>
+                        <a:buSzPts val="1000"/>
+                        <a:buFont typeface="Arial" panose="020B0604020202020204" pitchFamily="34" charset="0"/>
+                        <a:buChar char="•"/>
+                      </a:pPr>
+                      <a:r>
+                        <a:rPr lang="es-ES" sz="1100" dirty="0">
+                          <a:effectLst/>
+                        </a:rPr>
+                        <a:t>Oficio</a:t>
+                      </a:r>
+                      <a:endParaRPr lang="es-CO" sz="1100" dirty="0">
+                        <a:effectLst/>
+                      </a:endParaRPr>
+                    </a:p>
+                    <a:p>
+                      <a:pPr marL="342900" marR="39370" lvl="0" indent="-342900" algn="l">
+                        <a:spcAft>
+                          <a:spcPts val="0"/>
+                        </a:spcAft>
+                        <a:buSzPts val="1000"/>
+                        <a:buFont typeface="Arial" panose="020B0604020202020204" pitchFamily="34" charset="0"/>
+                        <a:buChar char="•"/>
+                      </a:pPr>
+                      <a:r>
+                        <a:rPr lang="es-ES" sz="1100" dirty="0">
+                          <a:effectLst/>
+                        </a:rPr>
+                        <a:t>Factura</a:t>
+                      </a:r>
+                      <a:endParaRPr lang="es-CO" sz="1100" dirty="0">
+                        <a:effectLst/>
+                      </a:endParaRPr>
+                    </a:p>
+                    <a:p>
+                      <a:pPr marL="342900" marR="39370" lvl="0" indent="-342900" algn="l">
+                        <a:spcAft>
+                          <a:spcPts val="0"/>
+                        </a:spcAft>
+                        <a:buSzPts val="1000"/>
+                        <a:buFont typeface="Arial" panose="020B0604020202020204" pitchFamily="34" charset="0"/>
+                        <a:buChar char="•"/>
+                      </a:pPr>
+                      <a:r>
+                        <a:rPr lang="es-ES" sz="1100" dirty="0">
+                          <a:effectLst/>
+                        </a:rPr>
+                        <a:t>Certificación Bancaria (no mayor a 3 meses)</a:t>
+                      </a:r>
+                      <a:endParaRPr lang="es-CO" sz="1100" dirty="0">
+                        <a:effectLst/>
+                      </a:endParaRPr>
+                    </a:p>
+                    <a:p>
+                      <a:pPr marL="342900" lvl="0" indent="-342900" algn="l">
+                        <a:lnSpc>
+                          <a:spcPct val="107000"/>
+                        </a:lnSpc>
+                        <a:spcAft>
+                          <a:spcPts val="0"/>
+                        </a:spcAft>
+                        <a:buSzPts val="1000"/>
+                        <a:buFont typeface="Arial" panose="020B0604020202020204" pitchFamily="34" charset="0"/>
+                        <a:buChar char="•"/>
+                      </a:pPr>
+                      <a:r>
+                        <a:rPr lang="es-CO" sz="1100" dirty="0">
+                          <a:effectLst/>
+                        </a:rPr>
+                        <a:t>Copia de la Cedula Representante legal</a:t>
+                      </a:r>
+                    </a:p>
+                    <a:p>
+                      <a:pPr marL="342900" marR="39370" lvl="0" indent="-342900" algn="l">
+                        <a:spcAft>
+                          <a:spcPts val="0"/>
+                        </a:spcAft>
+                        <a:buSzPts val="1000"/>
+                        <a:buFont typeface="Arial" panose="020B0604020202020204" pitchFamily="34" charset="0"/>
+                        <a:buChar char="•"/>
+                      </a:pPr>
+                      <a:r>
+                        <a:rPr lang="es-ES" sz="1100" dirty="0">
+                          <a:effectLst/>
+                        </a:rPr>
+                        <a:t>Cámara de comercio ( no mayor a 3 meses)</a:t>
+                      </a:r>
+                      <a:endParaRPr lang="es-CO" sz="1100" dirty="0">
+                        <a:effectLst/>
+                      </a:endParaRPr>
+                    </a:p>
+                    <a:p>
+                      <a:pPr marL="342900" marR="39370" lvl="0" indent="-342900" algn="l">
+                        <a:spcAft>
+                          <a:spcPts val="0"/>
+                        </a:spcAft>
+                        <a:buSzPts val="1000"/>
+                        <a:buFont typeface="Arial" panose="020B0604020202020204" pitchFamily="34" charset="0"/>
+                        <a:buChar char="•"/>
+                      </a:pPr>
+                      <a:r>
+                        <a:rPr lang="es-ES" sz="1100" dirty="0">
+                          <a:effectLst/>
+                        </a:rPr>
+                        <a:t>Rut de la persona o empresa titular de la cuenta que aparece</a:t>
+                      </a:r>
+                      <a:endParaRPr lang="es-CO" sz="1100" dirty="0">
+                        <a:effectLst/>
+                      </a:endParaRPr>
+                    </a:p>
+                    <a:p>
+                      <a:pPr marL="342900" marR="39370" lvl="0" indent="-342900" algn="l">
+                        <a:spcAft>
+                          <a:spcPts val="0"/>
+                        </a:spcAft>
+                        <a:buSzPts val="1000"/>
+                        <a:buFont typeface="Arial" panose="020B0604020202020204" pitchFamily="34" charset="0"/>
+                        <a:buChar char="•"/>
+                      </a:pPr>
+                      <a:r>
+                        <a:rPr lang="es-ES" sz="1100" dirty="0">
+                          <a:effectLst/>
+                        </a:rPr>
+                        <a:t>Recibo Indemnización Firmado</a:t>
+                      </a:r>
+                      <a:endParaRPr lang="es-CO" sz="1100" dirty="0">
+                        <a:effectLst/>
+                      </a:endParaRPr>
+                    </a:p>
+                    <a:p>
+                      <a:pPr marL="342900" marR="39370" lvl="0" indent="-342900" algn="l">
+                        <a:spcAft>
+                          <a:spcPts val="0"/>
+                        </a:spcAft>
+                        <a:buSzPts val="1000"/>
+                        <a:buFont typeface="Arial" panose="020B0604020202020204" pitchFamily="34" charset="0"/>
+                        <a:buChar char="•"/>
+                      </a:pPr>
+                      <a:r>
+                        <a:rPr lang="es-ES" sz="1100" dirty="0">
+                          <a:effectLst/>
+                        </a:rPr>
+                        <a:t>Seguimiento aplicativo</a:t>
+                      </a:r>
+                      <a:endParaRPr lang="es-CO" sz="1100" dirty="0">
+                        <a:effectLst/>
+                      </a:endParaRPr>
+                    </a:p>
+                    <a:p>
+                      <a:pPr algn="l">
+                        <a:lnSpc>
+                          <a:spcPct val="107000"/>
+                        </a:lnSpc>
+                        <a:spcAft>
+                          <a:spcPts val="0"/>
+                        </a:spcAft>
+                      </a:pPr>
+                      <a:r>
+                        <a:rPr lang="es-CO" sz="1100" dirty="0">
+                          <a:effectLst/>
+                        </a:rPr>
+                        <a:t> </a:t>
+                      </a:r>
+                      <a:endParaRPr lang="es-CO" sz="1100" dirty="0">
+                        <a:effectLst/>
+                        <a:latin typeface="Calibri" panose="020F0502020204030204" pitchFamily="34" charset="0"/>
+                        <a:ea typeface="Calibri" panose="020F0502020204030204" pitchFamily="34" charset="0"/>
+                        <a:cs typeface="Times New Roman" panose="02020603050405020304" pitchFamily="18" charset="0"/>
+                      </a:endParaRPr>
+                    </a:p>
+                  </a:txBody>
+                  <a:tcPr marL="22228" marR="22228" marT="0" marB="0"/>
+                </a:tc>
+                <a:extLst>
+                  <a:ext uri="{0D108BD9-81ED-4DB2-BD59-A6C34878D82A}">
+                    <a16:rowId xmlns:a16="http://schemas.microsoft.com/office/drawing/2014/main" val="2127749590"/>
+                  </a:ext>
+                </a:extLst>
+              </a:tr>
+              <a:tr h="1554757">
+                <a:tc>
+                  <a:txBody>
+                    <a:bodyPr/>
+                    <a:lstStyle/>
+                    <a:p>
+                      <a:pPr algn="l">
+                        <a:lnSpc>
+                          <a:spcPct val="107000"/>
+                        </a:lnSpc>
+                        <a:spcAft>
+                          <a:spcPts val="0"/>
+                        </a:spcAft>
+                      </a:pPr>
+                      <a:r>
+                        <a:rPr lang="es-CO" sz="1100">
+                          <a:effectLst/>
+                        </a:rPr>
+                        <a:t>INV-PRO01-ACT07</a:t>
+                      </a:r>
+                      <a:endParaRPr lang="es-CO" sz="1100">
+                        <a:effectLst/>
+                        <a:latin typeface="Calibri" panose="020F0502020204030204" pitchFamily="34" charset="0"/>
+                        <a:ea typeface="Calibri" panose="020F0502020204030204" pitchFamily="34" charset="0"/>
+                        <a:cs typeface="Times New Roman" panose="02020603050405020304" pitchFamily="18" charset="0"/>
+                      </a:endParaRPr>
+                    </a:p>
+                  </a:txBody>
+                  <a:tcPr marL="22228" marR="22228" marT="0" marB="0"/>
+                </a:tc>
+                <a:tc>
+                  <a:txBody>
+                    <a:bodyPr/>
+                    <a:lstStyle/>
+                    <a:p>
+                      <a:pPr algn="l">
+                        <a:lnSpc>
+                          <a:spcPct val="107000"/>
+                        </a:lnSpc>
+                        <a:spcAft>
+                          <a:spcPts val="0"/>
+                        </a:spcAft>
+                      </a:pPr>
+                      <a:r>
+                        <a:rPr lang="es-CO" sz="1100">
+                          <a:effectLst/>
+                        </a:rPr>
+                        <a:t>Firma del documento</a:t>
+                      </a:r>
+                      <a:endParaRPr lang="es-CO" sz="1100">
+                        <a:effectLst/>
+                        <a:latin typeface="Calibri" panose="020F0502020204030204" pitchFamily="34" charset="0"/>
+                        <a:ea typeface="Calibri" panose="020F0502020204030204" pitchFamily="34" charset="0"/>
+                        <a:cs typeface="Times New Roman" panose="02020603050405020304" pitchFamily="18" charset="0"/>
+                      </a:endParaRPr>
+                    </a:p>
+                  </a:txBody>
+                  <a:tcPr marL="22228" marR="22228" marT="0" marB="0"/>
+                </a:tc>
+                <a:tc>
+                  <a:txBody>
+                    <a:bodyPr/>
+                    <a:lstStyle/>
+                    <a:p>
+                      <a:pPr algn="l">
+                        <a:lnSpc>
+                          <a:spcPct val="107000"/>
+                        </a:lnSpc>
+                        <a:spcAft>
+                          <a:spcPts val="0"/>
+                        </a:spcAft>
+                      </a:pPr>
+                      <a:r>
+                        <a:rPr lang="es-CO" sz="1100">
+                          <a:effectLst/>
+                        </a:rPr>
+                        <a:t>Una vez se decide cual va a ser la mejor opción para la indemnización el subdirector firma el documento para dar inicio al debido proceso</a:t>
+                      </a:r>
+                      <a:endParaRPr lang="es-CO" sz="1100">
+                        <a:effectLst/>
+                        <a:latin typeface="Calibri" panose="020F0502020204030204" pitchFamily="34" charset="0"/>
+                        <a:ea typeface="Calibri" panose="020F0502020204030204" pitchFamily="34" charset="0"/>
+                        <a:cs typeface="Times New Roman" panose="02020603050405020304" pitchFamily="18" charset="0"/>
+                      </a:endParaRPr>
+                    </a:p>
+                  </a:txBody>
+                  <a:tcPr marL="22228" marR="22228" marT="0" marB="0"/>
+                </a:tc>
+                <a:tc>
+                  <a:txBody>
+                    <a:bodyPr/>
+                    <a:lstStyle/>
+                    <a:p>
+                      <a:pPr algn="l">
+                        <a:lnSpc>
+                          <a:spcPct val="107000"/>
+                        </a:lnSpc>
+                        <a:spcAft>
+                          <a:spcPts val="0"/>
+                        </a:spcAft>
+                      </a:pPr>
+                      <a:r>
+                        <a:rPr lang="es-CO" sz="1100">
+                          <a:effectLst/>
+                        </a:rPr>
+                        <a:t> </a:t>
+                      </a:r>
+                    </a:p>
+                    <a:p>
+                      <a:pPr algn="l">
+                        <a:lnSpc>
+                          <a:spcPct val="107000"/>
+                        </a:lnSpc>
+                        <a:spcAft>
+                          <a:spcPts val="0"/>
+                        </a:spcAft>
+                      </a:pPr>
+                      <a:r>
+                        <a:rPr lang="es-CO" sz="1100">
+                          <a:effectLst/>
+                        </a:rPr>
+                        <a:t>Usuario</a:t>
+                      </a:r>
+                      <a:endParaRPr lang="es-CO" sz="1100">
+                        <a:effectLst/>
+                        <a:latin typeface="Calibri" panose="020F0502020204030204" pitchFamily="34" charset="0"/>
+                        <a:ea typeface="Calibri" panose="020F0502020204030204" pitchFamily="34" charset="0"/>
+                        <a:cs typeface="Times New Roman" panose="02020603050405020304" pitchFamily="18" charset="0"/>
+                      </a:endParaRPr>
+                    </a:p>
+                  </a:txBody>
+                  <a:tcPr marL="22228" marR="22228" marT="0" marB="0"/>
+                </a:tc>
+                <a:tc>
+                  <a:txBody>
+                    <a:bodyPr/>
+                    <a:lstStyle/>
+                    <a:p>
+                      <a:pPr marL="342900" marR="39370" lvl="0" indent="-342900" algn="l">
+                        <a:spcAft>
+                          <a:spcPts val="0"/>
+                        </a:spcAft>
+                        <a:buSzPts val="1000"/>
+                        <a:buFont typeface="Arial" panose="020B0604020202020204" pitchFamily="34" charset="0"/>
+                        <a:buChar char="•"/>
+                      </a:pPr>
+                      <a:r>
+                        <a:rPr lang="es-CO" sz="1100" dirty="0">
+                          <a:effectLst/>
+                        </a:rPr>
+                        <a:t> </a:t>
+                      </a:r>
+                      <a:r>
+                        <a:rPr lang="es-ES" sz="1100" dirty="0">
+                          <a:effectLst/>
+                        </a:rPr>
+                        <a:t>Factura</a:t>
+                      </a:r>
+                      <a:endParaRPr lang="es-CO" sz="1100" dirty="0">
+                        <a:effectLst/>
+                      </a:endParaRPr>
+                    </a:p>
+                    <a:p>
+                      <a:pPr marL="342900" marR="39370" lvl="0" indent="-342900" algn="l">
+                        <a:spcAft>
+                          <a:spcPts val="0"/>
+                        </a:spcAft>
+                        <a:buSzPts val="1000"/>
+                        <a:buFont typeface="Arial" panose="020B0604020202020204" pitchFamily="34" charset="0"/>
+                        <a:buChar char="•"/>
+                      </a:pPr>
+                      <a:r>
+                        <a:rPr lang="es-ES" sz="1100" dirty="0">
+                          <a:effectLst/>
+                        </a:rPr>
+                        <a:t>Certificación Bancaria (no mayor a 3 meses)</a:t>
+                      </a:r>
+                      <a:endParaRPr lang="es-CO" sz="1100" dirty="0">
+                        <a:effectLst/>
+                      </a:endParaRPr>
+                    </a:p>
+                    <a:p>
+                      <a:pPr marL="342900" lvl="0" indent="-342900" algn="l">
+                        <a:lnSpc>
+                          <a:spcPct val="107000"/>
+                        </a:lnSpc>
+                        <a:spcAft>
+                          <a:spcPts val="0"/>
+                        </a:spcAft>
+                        <a:buSzPts val="1000"/>
+                        <a:buFont typeface="Arial" panose="020B0604020202020204" pitchFamily="34" charset="0"/>
+                        <a:buChar char="•"/>
+                      </a:pPr>
+                      <a:r>
+                        <a:rPr lang="es-CO" sz="1100" dirty="0">
+                          <a:effectLst/>
+                        </a:rPr>
+                        <a:t>Copia de la Cedula Representante legal</a:t>
+                      </a:r>
+                    </a:p>
+                    <a:p>
+                      <a:pPr marL="342900" marR="39370" lvl="0" indent="-342900" algn="l">
+                        <a:spcAft>
+                          <a:spcPts val="0"/>
+                        </a:spcAft>
+                        <a:buSzPts val="1000"/>
+                        <a:buFont typeface="Arial" panose="020B0604020202020204" pitchFamily="34" charset="0"/>
+                        <a:buChar char="•"/>
+                      </a:pPr>
+                      <a:r>
+                        <a:rPr lang="es-ES" sz="1100" dirty="0">
+                          <a:effectLst/>
+                        </a:rPr>
+                        <a:t>Cámara de comercio ( no mayor a 3 meses)</a:t>
+                      </a:r>
+                      <a:endParaRPr lang="es-CO" sz="1100" dirty="0">
+                        <a:effectLst/>
+                      </a:endParaRPr>
+                    </a:p>
+                    <a:p>
+                      <a:pPr marL="342900" marR="39370" lvl="0" indent="-342900" algn="l">
+                        <a:spcAft>
+                          <a:spcPts val="0"/>
+                        </a:spcAft>
+                        <a:buSzPts val="1000"/>
+                        <a:buFont typeface="Arial" panose="020B0604020202020204" pitchFamily="34" charset="0"/>
+                        <a:buChar char="•"/>
+                      </a:pPr>
+                      <a:r>
+                        <a:rPr lang="es-ES" sz="1100" dirty="0">
+                          <a:effectLst/>
+                        </a:rPr>
+                        <a:t>Recibo Indemnización Firmado</a:t>
+                      </a:r>
+                      <a:endParaRPr lang="es-CO" sz="1100" dirty="0">
+                        <a:effectLst/>
+                      </a:endParaRPr>
+                    </a:p>
+                    <a:p>
+                      <a:pPr marL="342900" marR="39370" lvl="0" indent="-342900" algn="l">
+                        <a:spcAft>
+                          <a:spcPts val="0"/>
+                        </a:spcAft>
+                        <a:buSzPts val="1000"/>
+                        <a:buFont typeface="Arial" panose="020B0604020202020204" pitchFamily="34" charset="0"/>
+                        <a:buChar char="•"/>
+                      </a:pPr>
+                      <a:r>
+                        <a:rPr lang="es-ES" sz="1100" dirty="0">
+                          <a:effectLst/>
+                        </a:rPr>
+                        <a:t>Seguimiento aplicativo</a:t>
+                      </a:r>
+                      <a:endParaRPr lang="es-CO" sz="1100" dirty="0">
+                        <a:effectLst/>
+                      </a:endParaRPr>
+                    </a:p>
+                    <a:p>
+                      <a:pPr algn="l">
+                        <a:lnSpc>
+                          <a:spcPct val="107000"/>
+                        </a:lnSpc>
+                        <a:spcAft>
+                          <a:spcPts val="0"/>
+                        </a:spcAft>
+                      </a:pPr>
+                      <a:endParaRPr lang="es-CO" sz="1100" dirty="0">
+                        <a:effectLst/>
+                        <a:latin typeface="Calibri" panose="020F0502020204030204" pitchFamily="34" charset="0"/>
+                        <a:ea typeface="Calibri" panose="020F0502020204030204" pitchFamily="34" charset="0"/>
+                        <a:cs typeface="Times New Roman" panose="02020603050405020304" pitchFamily="18" charset="0"/>
+                      </a:endParaRPr>
+                    </a:p>
+                  </a:txBody>
+                  <a:tcPr marL="22228" marR="22228" marT="0" marB="0"/>
+                </a:tc>
+                <a:tc>
+                  <a:txBody>
+                    <a:bodyPr/>
+                    <a:lstStyle/>
+                    <a:p>
+                      <a:pPr algn="l">
+                        <a:lnSpc>
+                          <a:spcPct val="107000"/>
+                        </a:lnSpc>
+                        <a:spcAft>
+                          <a:spcPts val="0"/>
+                        </a:spcAft>
+                      </a:pPr>
+                      <a:r>
+                        <a:rPr lang="es-CO" sz="1100">
+                          <a:effectLst/>
+                        </a:rPr>
+                        <a:t> </a:t>
+                      </a:r>
+                      <a:endParaRPr lang="es-CO" sz="1100">
+                        <a:effectLst/>
+                        <a:latin typeface="Calibri" panose="020F0502020204030204" pitchFamily="34" charset="0"/>
+                        <a:ea typeface="Calibri" panose="020F0502020204030204" pitchFamily="34" charset="0"/>
+                        <a:cs typeface="Times New Roman" panose="02020603050405020304" pitchFamily="18" charset="0"/>
+                      </a:endParaRPr>
+                    </a:p>
+                  </a:txBody>
+                  <a:tcPr marL="22228" marR="22228" marT="0" marB="0"/>
+                </a:tc>
+                <a:tc>
+                  <a:txBody>
+                    <a:bodyPr/>
+                    <a:lstStyle/>
+                    <a:p>
+                      <a:pPr algn="l">
+                        <a:lnSpc>
+                          <a:spcPct val="107000"/>
+                        </a:lnSpc>
+                        <a:spcAft>
+                          <a:spcPts val="0"/>
+                        </a:spcAft>
+                      </a:pPr>
+                      <a:r>
+                        <a:rPr lang="es-CO" sz="1100">
+                          <a:effectLst/>
+                        </a:rPr>
+                        <a:t> </a:t>
+                      </a:r>
+                      <a:endParaRPr lang="es-CO" sz="1100">
+                        <a:effectLst/>
+                        <a:latin typeface="Calibri" panose="020F0502020204030204" pitchFamily="34" charset="0"/>
+                        <a:ea typeface="Calibri" panose="020F0502020204030204" pitchFamily="34" charset="0"/>
+                        <a:cs typeface="Times New Roman" panose="02020603050405020304" pitchFamily="18" charset="0"/>
+                      </a:endParaRPr>
+                    </a:p>
+                  </a:txBody>
+                  <a:tcPr marL="22228" marR="22228" marT="0" marB="0"/>
+                </a:tc>
+                <a:extLst>
+                  <a:ext uri="{0D108BD9-81ED-4DB2-BD59-A6C34878D82A}">
+                    <a16:rowId xmlns:a16="http://schemas.microsoft.com/office/drawing/2014/main" val="1634353565"/>
+                  </a:ext>
+                </a:extLst>
+              </a:tr>
+              <a:tr h="1850005">
+                <a:tc>
+                  <a:txBody>
+                    <a:bodyPr/>
+                    <a:lstStyle/>
+                    <a:p>
+                      <a:pPr algn="l">
+                        <a:lnSpc>
+                          <a:spcPct val="107000"/>
+                        </a:lnSpc>
+                        <a:spcAft>
+                          <a:spcPts val="0"/>
+                        </a:spcAft>
+                      </a:pPr>
+                      <a:r>
+                        <a:rPr lang="es-CO" sz="1100">
+                          <a:effectLst/>
+                        </a:rPr>
+                        <a:t>INV-PRO01-ACT08</a:t>
+                      </a:r>
+                      <a:endParaRPr lang="es-CO" sz="1100">
+                        <a:effectLst/>
+                        <a:latin typeface="Calibri" panose="020F0502020204030204" pitchFamily="34" charset="0"/>
+                        <a:ea typeface="Calibri" panose="020F0502020204030204" pitchFamily="34" charset="0"/>
+                        <a:cs typeface="Times New Roman" panose="02020603050405020304" pitchFamily="18" charset="0"/>
+                      </a:endParaRPr>
+                    </a:p>
+                  </a:txBody>
+                  <a:tcPr marL="22228" marR="22228" marT="0" marB="0"/>
+                </a:tc>
+                <a:tc>
+                  <a:txBody>
+                    <a:bodyPr/>
+                    <a:lstStyle/>
+                    <a:p>
+                      <a:pPr algn="l">
+                        <a:lnSpc>
+                          <a:spcPct val="107000"/>
+                        </a:lnSpc>
+                        <a:spcAft>
+                          <a:spcPts val="0"/>
+                        </a:spcAft>
+                      </a:pPr>
+                      <a:r>
+                        <a:rPr lang="es-CO" sz="1100">
+                          <a:effectLst/>
+                        </a:rPr>
+                        <a:t>Informar al proveedor de la aceptación de la oferta</a:t>
+                      </a:r>
+                      <a:endParaRPr lang="es-CO" sz="1100">
+                        <a:effectLst/>
+                        <a:latin typeface="Calibri" panose="020F0502020204030204" pitchFamily="34" charset="0"/>
+                        <a:ea typeface="Calibri" panose="020F0502020204030204" pitchFamily="34" charset="0"/>
+                        <a:cs typeface="Times New Roman" panose="02020603050405020304" pitchFamily="18" charset="0"/>
+                      </a:endParaRPr>
+                    </a:p>
+                  </a:txBody>
+                  <a:tcPr marL="22228" marR="22228" marT="0" marB="0"/>
+                </a:tc>
+                <a:tc>
+                  <a:txBody>
+                    <a:bodyPr/>
+                    <a:lstStyle/>
+                    <a:p>
+                      <a:pPr algn="l">
+                        <a:lnSpc>
+                          <a:spcPct val="107000"/>
+                        </a:lnSpc>
+                        <a:spcAft>
+                          <a:spcPts val="0"/>
+                        </a:spcAft>
+                      </a:pPr>
+                      <a:r>
+                        <a:rPr lang="es-CO" sz="1100">
+                          <a:effectLst/>
+                        </a:rPr>
+                        <a:t>Se le informa al proveedor elegido que se acepta la oferta para comenzar con el reemplazo y reparación de los bienes perdidos</a:t>
+                      </a:r>
+                      <a:endParaRPr lang="es-CO" sz="1100">
+                        <a:effectLst/>
+                        <a:latin typeface="Calibri" panose="020F0502020204030204" pitchFamily="34" charset="0"/>
+                        <a:ea typeface="Calibri" panose="020F0502020204030204" pitchFamily="34" charset="0"/>
+                        <a:cs typeface="Times New Roman" panose="02020603050405020304" pitchFamily="18" charset="0"/>
+                      </a:endParaRPr>
+                    </a:p>
+                  </a:txBody>
+                  <a:tcPr marL="22228" marR="22228" marT="0" marB="0"/>
+                </a:tc>
+                <a:tc>
+                  <a:txBody>
+                    <a:bodyPr/>
+                    <a:lstStyle/>
+                    <a:p>
+                      <a:pPr algn="l">
+                        <a:lnSpc>
+                          <a:spcPct val="107000"/>
+                        </a:lnSpc>
+                        <a:spcAft>
+                          <a:spcPts val="0"/>
+                        </a:spcAft>
+                      </a:pPr>
+                      <a:r>
+                        <a:rPr lang="es-CO" sz="1100">
+                          <a:effectLst/>
+                        </a:rPr>
+                        <a:t> </a:t>
+                      </a:r>
+                    </a:p>
+                    <a:p>
+                      <a:pPr algn="l">
+                        <a:lnSpc>
+                          <a:spcPct val="107000"/>
+                        </a:lnSpc>
+                        <a:spcAft>
+                          <a:spcPts val="0"/>
+                        </a:spcAft>
+                      </a:pPr>
+                      <a:r>
+                        <a:rPr lang="es-CO" sz="1100">
+                          <a:effectLst/>
+                        </a:rPr>
+                        <a:t> </a:t>
+                      </a:r>
+                    </a:p>
+                    <a:p>
+                      <a:pPr algn="l">
+                        <a:lnSpc>
+                          <a:spcPct val="107000"/>
+                        </a:lnSpc>
+                        <a:spcAft>
+                          <a:spcPts val="0"/>
+                        </a:spcAft>
+                      </a:pPr>
+                      <a:r>
+                        <a:rPr lang="es-CO" sz="1100">
+                          <a:effectLst/>
+                        </a:rPr>
+                        <a:t> </a:t>
+                      </a:r>
+                    </a:p>
+                    <a:p>
+                      <a:pPr algn="l">
+                        <a:lnSpc>
+                          <a:spcPct val="107000"/>
+                        </a:lnSpc>
+                        <a:spcAft>
+                          <a:spcPts val="0"/>
+                        </a:spcAft>
+                      </a:pPr>
+                      <a:r>
+                        <a:rPr lang="es-CO" sz="1100">
+                          <a:effectLst/>
+                        </a:rPr>
+                        <a:t>Usuario</a:t>
+                      </a:r>
+                      <a:endParaRPr lang="es-CO" sz="1100">
+                        <a:effectLst/>
+                        <a:latin typeface="Calibri" panose="020F0502020204030204" pitchFamily="34" charset="0"/>
+                        <a:ea typeface="Calibri" panose="020F0502020204030204" pitchFamily="34" charset="0"/>
+                        <a:cs typeface="Times New Roman" panose="02020603050405020304" pitchFamily="18" charset="0"/>
+                      </a:endParaRPr>
+                    </a:p>
+                  </a:txBody>
+                  <a:tcPr marL="22228" marR="22228" marT="0" marB="0"/>
+                </a:tc>
+                <a:tc>
+                  <a:txBody>
+                    <a:bodyPr/>
+                    <a:lstStyle/>
+                    <a:p>
+                      <a:pPr algn="l">
+                        <a:lnSpc>
+                          <a:spcPct val="107000"/>
+                        </a:lnSpc>
+                        <a:spcAft>
+                          <a:spcPts val="0"/>
+                        </a:spcAft>
+                      </a:pPr>
+                      <a:r>
+                        <a:rPr lang="es-CO" sz="1100">
+                          <a:effectLst/>
+                        </a:rPr>
+                        <a:t> </a:t>
+                      </a:r>
+                      <a:endParaRPr lang="es-CO" sz="1100">
+                        <a:effectLst/>
+                        <a:latin typeface="Calibri" panose="020F0502020204030204" pitchFamily="34" charset="0"/>
+                        <a:ea typeface="Calibri" panose="020F0502020204030204" pitchFamily="34" charset="0"/>
+                        <a:cs typeface="Times New Roman" panose="02020603050405020304" pitchFamily="18" charset="0"/>
+                      </a:endParaRPr>
+                    </a:p>
+                  </a:txBody>
+                  <a:tcPr marL="22228" marR="22228" marT="0" marB="0"/>
+                </a:tc>
+                <a:tc>
+                  <a:txBody>
+                    <a:bodyPr/>
+                    <a:lstStyle/>
+                    <a:p>
+                      <a:pPr algn="l">
+                        <a:lnSpc>
+                          <a:spcPct val="107000"/>
+                        </a:lnSpc>
+                        <a:spcAft>
+                          <a:spcPts val="0"/>
+                        </a:spcAft>
+                      </a:pPr>
+                      <a:r>
+                        <a:rPr lang="es-CO" sz="1100">
+                          <a:effectLst/>
+                        </a:rPr>
+                        <a:t> </a:t>
+                      </a:r>
+                      <a:endParaRPr lang="es-CO" sz="1100">
+                        <a:effectLst/>
+                        <a:latin typeface="Calibri" panose="020F0502020204030204" pitchFamily="34" charset="0"/>
+                        <a:ea typeface="Calibri" panose="020F0502020204030204" pitchFamily="34" charset="0"/>
+                        <a:cs typeface="Times New Roman" panose="02020603050405020304" pitchFamily="18" charset="0"/>
+                      </a:endParaRPr>
+                    </a:p>
+                  </a:txBody>
+                  <a:tcPr marL="22228" marR="22228" marT="0" marB="0"/>
+                </a:tc>
+                <a:tc>
+                  <a:txBody>
+                    <a:bodyPr/>
+                    <a:lstStyle/>
+                    <a:p>
+                      <a:pPr marL="342900" marR="39370" lvl="0" indent="-342900" algn="l">
+                        <a:spcAft>
+                          <a:spcPts val="0"/>
+                        </a:spcAft>
+                        <a:buSzPts val="1000"/>
+                        <a:buFont typeface="Arial" panose="020B0604020202020204" pitchFamily="34" charset="0"/>
+                        <a:buChar char="•"/>
+                      </a:pPr>
+                      <a:r>
+                        <a:rPr lang="es-ES" sz="1100" dirty="0">
+                          <a:effectLst/>
+                        </a:rPr>
+                        <a:t>Oficio</a:t>
+                      </a:r>
+                      <a:endParaRPr lang="es-CO" sz="1100" dirty="0">
+                        <a:effectLst/>
+                      </a:endParaRPr>
+                    </a:p>
+                    <a:p>
+                      <a:pPr marL="342900" marR="39370" lvl="0" indent="-342900" algn="l">
+                        <a:spcAft>
+                          <a:spcPts val="0"/>
+                        </a:spcAft>
+                        <a:buSzPts val="1000"/>
+                        <a:buFont typeface="Arial" panose="020B0604020202020204" pitchFamily="34" charset="0"/>
+                        <a:buChar char="•"/>
+                      </a:pPr>
+                      <a:r>
+                        <a:rPr lang="es-ES" sz="1100" dirty="0">
+                          <a:effectLst/>
+                        </a:rPr>
+                        <a:t>Factura</a:t>
+                      </a:r>
+                      <a:endParaRPr lang="es-CO" sz="1100" dirty="0">
+                        <a:effectLst/>
+                      </a:endParaRPr>
+                    </a:p>
+                    <a:p>
+                      <a:pPr marL="342900" marR="39370" lvl="0" indent="-342900" algn="l">
+                        <a:spcAft>
+                          <a:spcPts val="0"/>
+                        </a:spcAft>
+                        <a:buSzPts val="1000"/>
+                        <a:buFont typeface="Arial" panose="020B0604020202020204" pitchFamily="34" charset="0"/>
+                        <a:buChar char="•"/>
+                      </a:pPr>
+                      <a:r>
+                        <a:rPr lang="es-ES" sz="1100" dirty="0">
+                          <a:effectLst/>
+                        </a:rPr>
+                        <a:t>Certificación Bancaria (no mayor a 3 meses)</a:t>
+                      </a:r>
+                      <a:endParaRPr lang="es-CO" sz="1100" dirty="0">
+                        <a:effectLst/>
+                      </a:endParaRPr>
+                    </a:p>
+                    <a:p>
+                      <a:pPr marL="342900" lvl="0" indent="-342900" algn="l">
+                        <a:lnSpc>
+                          <a:spcPct val="107000"/>
+                        </a:lnSpc>
+                        <a:spcAft>
+                          <a:spcPts val="0"/>
+                        </a:spcAft>
+                        <a:buSzPts val="1000"/>
+                        <a:buFont typeface="Arial" panose="020B0604020202020204" pitchFamily="34" charset="0"/>
+                        <a:buChar char="•"/>
+                      </a:pPr>
+                      <a:r>
+                        <a:rPr lang="es-CO" sz="1100" dirty="0">
+                          <a:effectLst/>
+                        </a:rPr>
+                        <a:t>Copia de la Cedula Representante legal</a:t>
+                      </a:r>
+                    </a:p>
+                    <a:p>
+                      <a:pPr marL="342900" marR="39370" lvl="0" indent="-342900" algn="l">
+                        <a:spcAft>
+                          <a:spcPts val="0"/>
+                        </a:spcAft>
+                        <a:buSzPts val="1000"/>
+                        <a:buFont typeface="Arial" panose="020B0604020202020204" pitchFamily="34" charset="0"/>
+                        <a:buChar char="•"/>
+                      </a:pPr>
+                      <a:r>
+                        <a:rPr lang="es-ES" sz="1100" dirty="0">
+                          <a:effectLst/>
+                        </a:rPr>
+                        <a:t>Cámara de comercio ( no mayor a 3 meses)</a:t>
+                      </a:r>
+                      <a:endParaRPr lang="es-CO" sz="1100" dirty="0">
+                        <a:effectLst/>
+                      </a:endParaRPr>
+                    </a:p>
+                    <a:p>
+                      <a:pPr marL="342900" marR="39370" lvl="0" indent="-342900" algn="l">
+                        <a:spcAft>
+                          <a:spcPts val="0"/>
+                        </a:spcAft>
+                        <a:buSzPts val="1000"/>
+                        <a:buFont typeface="Arial" panose="020B0604020202020204" pitchFamily="34" charset="0"/>
+                        <a:buChar char="•"/>
+                      </a:pPr>
+                      <a:r>
+                        <a:rPr lang="es-ES" sz="1100" dirty="0">
+                          <a:effectLst/>
+                        </a:rPr>
+                        <a:t>Rut de la persona o empresa titular de la cuenta que aparece</a:t>
+                      </a:r>
+                      <a:endParaRPr lang="es-CO" sz="1100" dirty="0">
+                        <a:effectLst/>
+                      </a:endParaRPr>
+                    </a:p>
+                    <a:p>
+                      <a:pPr marL="342900" marR="39370" lvl="0" indent="-342900" algn="l">
+                        <a:spcAft>
+                          <a:spcPts val="0"/>
+                        </a:spcAft>
+                        <a:buSzPts val="1000"/>
+                        <a:buFont typeface="Arial" panose="020B0604020202020204" pitchFamily="34" charset="0"/>
+                        <a:buChar char="•"/>
+                      </a:pPr>
+                      <a:r>
+                        <a:rPr lang="es-ES" sz="1100" dirty="0">
+                          <a:effectLst/>
+                        </a:rPr>
+                        <a:t>Formulario de conocimiento de terceros SARLAF debidamente diligenciado y firmado</a:t>
+                      </a:r>
+                      <a:endParaRPr lang="es-CO" sz="1100" dirty="0">
+                        <a:effectLst/>
+                      </a:endParaRPr>
+                    </a:p>
+                    <a:p>
+                      <a:pPr marL="342900" marR="39370" lvl="0" indent="-342900" algn="l">
+                        <a:spcAft>
+                          <a:spcPts val="0"/>
+                        </a:spcAft>
+                        <a:buSzPts val="1000"/>
+                        <a:buFont typeface="Arial" panose="020B0604020202020204" pitchFamily="34" charset="0"/>
+                        <a:buChar char="•"/>
+                      </a:pPr>
+                      <a:r>
+                        <a:rPr lang="es-ES" sz="1100" dirty="0">
+                          <a:effectLst/>
+                        </a:rPr>
+                        <a:t>Recibo Indemnización Firmado</a:t>
+                      </a:r>
+                      <a:endParaRPr lang="es-CO" sz="1100" dirty="0">
+                        <a:effectLst/>
+                      </a:endParaRPr>
+                    </a:p>
+                    <a:p>
+                      <a:pPr marL="342900" marR="39370" lvl="0" indent="-342900" algn="l">
+                        <a:spcAft>
+                          <a:spcPts val="0"/>
+                        </a:spcAft>
+                        <a:buSzPts val="1000"/>
+                        <a:buFont typeface="Arial" panose="020B0604020202020204" pitchFamily="34" charset="0"/>
+                        <a:buChar char="•"/>
+                      </a:pPr>
+                      <a:r>
+                        <a:rPr lang="es-ES" sz="1100" dirty="0">
+                          <a:effectLst/>
+                        </a:rPr>
+                        <a:t>Seguimiento aplicativo</a:t>
+                      </a:r>
+                      <a:endParaRPr lang="es-CO" sz="1100" dirty="0">
+                        <a:effectLst/>
+                      </a:endParaRPr>
+                    </a:p>
+                    <a:p>
+                      <a:pPr algn="l">
+                        <a:lnSpc>
+                          <a:spcPct val="107000"/>
+                        </a:lnSpc>
+                        <a:spcAft>
+                          <a:spcPts val="0"/>
+                        </a:spcAft>
+                      </a:pPr>
+                      <a:r>
+                        <a:rPr lang="es-CO" sz="1100" dirty="0">
+                          <a:effectLst/>
+                        </a:rPr>
+                        <a:t> </a:t>
+                      </a:r>
+                      <a:endParaRPr lang="es-CO" sz="1100" dirty="0">
+                        <a:effectLst/>
+                        <a:latin typeface="Calibri" panose="020F0502020204030204" pitchFamily="34" charset="0"/>
+                        <a:ea typeface="Calibri" panose="020F0502020204030204" pitchFamily="34" charset="0"/>
+                        <a:cs typeface="Times New Roman" panose="02020603050405020304" pitchFamily="18" charset="0"/>
+                      </a:endParaRPr>
+                    </a:p>
+                  </a:txBody>
+                  <a:tcPr marL="22228" marR="22228" marT="0" marB="0"/>
+                </a:tc>
+                <a:extLst>
+                  <a:ext uri="{0D108BD9-81ED-4DB2-BD59-A6C34878D82A}">
+                    <a16:rowId xmlns:a16="http://schemas.microsoft.com/office/drawing/2014/main" val="2349680349"/>
+                  </a:ext>
+                </a:extLst>
+              </a:tr>
+            </a:tbl>
+          </a:graphicData>
+        </a:graphic>
+      </p:graphicFrame>
+    </p:spTree>
+    <p:extLst>
+      <p:ext uri="{BB962C8B-B14F-4D97-AF65-F5344CB8AC3E}">
+        <p14:creationId xmlns:p14="http://schemas.microsoft.com/office/powerpoint/2010/main" val="2079399387"/>
+      </p:ext>
+    </p:extLst>
+  </p:cSld>
+  <p:clrMapOvr>
+    <a:masterClrMapping/>
+  </p:clrMapOvr>
+</p:sld>
+</file>
+
+<file path=ppt/slides/slide12.xml><?xml version="1.0" encoding="utf-8"?>
+<p:sld xmlns:a="http://schemas.openxmlformats.org/drawingml/2006/main" xmlns:r="http://schemas.openxmlformats.org/officeDocument/2006/relationships" xmlns:p="http://schemas.openxmlformats.org/presentationml/2006/main">
+  <p:cSld>
+    <p:spTree>
+      <p:nvGrpSpPr>
+        <p:cNvPr id="1" name=""/>
+        <p:cNvGrpSpPr/>
+        <p:nvPr/>
+      </p:nvGrpSpPr>
+      <p:grpSpPr>
+        <a:xfrm>
+          <a:off x="0" y="0"/>
+          <a:ext cx="0" cy="0"/>
+          <a:chOff x="0" y="0"/>
+          <a:chExt cx="0" cy="0"/>
+        </a:xfrm>
+      </p:grpSpPr>
+      <p:sp>
+        <p:nvSpPr>
+          <p:cNvPr id="2" name="Título 1">
+            <a:extLst>
+              <a:ext uri="{FF2B5EF4-FFF2-40B4-BE49-F238E27FC236}">
                 <a16:creationId xmlns:a16="http://schemas.microsoft.com/office/drawing/2014/main" id="{1944C493-0DBD-4A58-A51F-2327C6177A21}"/>
               </a:ext>
             </a:extLst>
@@ -3013,7 +5954,7 @@
 </p:sld>
 </file>
 
-<file path=ppt/slides/slide11.xml><?xml version="1.0" encoding="utf-8"?>
+<file path=ppt/slides/slide13.xml><?xml version="1.0" encoding="utf-8"?>
 <p:sld xmlns:a="http://schemas.openxmlformats.org/drawingml/2006/main" xmlns:r="http://schemas.openxmlformats.org/officeDocument/2006/relationships" xmlns:p="http://schemas.openxmlformats.org/presentationml/2006/main">
   <p:cSld>
     <p:spTree>
@@ -3397,7 +6338,7 @@
 </p:sld>
 </file>
 
-<file path=ppt/slides/slide12.xml><?xml version="1.0" encoding="utf-8"?>
+<file path=ppt/slides/slide14.xml><?xml version="1.0" encoding="utf-8"?>
 <p:sld xmlns:a="http://schemas.openxmlformats.org/drawingml/2006/main" xmlns:r="http://schemas.openxmlformats.org/officeDocument/2006/relationships" xmlns:p="http://schemas.openxmlformats.org/presentationml/2006/main">
   <p:cSld>
     <p:spTree>
@@ -3635,7 +6576,7 @@
 </p:sld>
 </file>
 
-<file path=ppt/slides/slide13.xml><?xml version="1.0" encoding="utf-8"?>
+<file path=ppt/slides/slide15.xml><?xml version="1.0" encoding="utf-8"?>
 <p:sld xmlns:a="http://schemas.openxmlformats.org/drawingml/2006/main" xmlns:r="http://schemas.openxmlformats.org/officeDocument/2006/relationships" xmlns:p="http://schemas.openxmlformats.org/presentationml/2006/main">
   <p:cSld>
     <p:spTree>
@@ -4052,6 +6993,13 @@
   <p:clrMapOvr>
     <a:masterClrMapping/>
   </p:clrMapOvr>
+  <p:timing>
+    <p:tnLst>
+      <p:par>
+        <p:cTn id="1" dur="indefinite" restart="never" nodeType="tmRoot"/>
+      </p:par>
+    </p:tnLst>
+  </p:timing>
 </p:sld>
 </file>
 
@@ -4105,6 +7053,36 @@
           </a:p>
         </p:txBody>
       </p:sp>
+      <p:pic>
+        <p:nvPicPr>
+          <p:cNvPr id="3" name="Imagen 2"/>
+          <p:cNvPicPr>
+            <a:picLocks noChangeAspect="1"/>
+          </p:cNvPicPr>
+          <p:nvPr/>
+        </p:nvPicPr>
+        <p:blipFill>
+          <a:blip r:embed="rId2" cstate="print">
+            <a:extLst>
+              <a:ext uri="{28A0092B-C50C-407E-A947-70E740481C1C}">
+                <a14:useLocalDpi xmlns:a14="http://schemas.microsoft.com/office/drawing/2010/main" val="0"/>
+              </a:ext>
+            </a:extLst>
+          </a:blip>
+          <a:stretch>
+            <a:fillRect/>
+          </a:stretch>
+        </p:blipFill>
+        <p:spPr>
+          <a:xfrm>
+            <a:off x="-69668" y="1214961"/>
+            <a:ext cx="12192000" cy="5455690"/>
+          </a:xfrm>
+          <a:prstGeom prst="rect">
+            <a:avLst/>
+          </a:prstGeom>
+        </p:spPr>
+      </p:pic>
     </p:spTree>
     <p:extLst>
       <p:ext uri="{BB962C8B-B14F-4D97-AF65-F5344CB8AC3E}">
@@ -4115,10 +7093,165 @@
   <p:clrMapOvr>
     <a:masterClrMapping/>
   </p:clrMapOvr>
+  <p:timing>
+    <p:tnLst>
+      <p:par>
+        <p:cTn id="1" dur="indefinite" restart="never" nodeType="tmRoot"/>
+      </p:par>
+    </p:tnLst>
+  </p:timing>
 </p:sld>
 </file>
 
 <file path=ppt/slides/slide6.xml><?xml version="1.0" encoding="utf-8"?>
+<p:sld xmlns:a="http://schemas.openxmlformats.org/drawingml/2006/main" xmlns:r="http://schemas.openxmlformats.org/officeDocument/2006/relationships" xmlns:p="http://schemas.openxmlformats.org/presentationml/2006/main">
+  <p:cSld>
+    <p:spTree>
+      <p:nvGrpSpPr>
+        <p:cNvPr id="1" name=""/>
+        <p:cNvGrpSpPr/>
+        <p:nvPr/>
+      </p:nvGrpSpPr>
+      <p:grpSpPr>
+        <a:xfrm>
+          <a:off x="0" y="0"/>
+          <a:ext cx="0" cy="0"/>
+          <a:chOff x="0" y="0"/>
+          <a:chExt cx="0" cy="0"/>
+        </a:xfrm>
+      </p:grpSpPr>
+      <p:sp>
+        <p:nvSpPr>
+          <p:cNvPr id="2" name="Título 1"/>
+          <p:cNvSpPr>
+            <a:spLocks noGrp="1"/>
+          </p:cNvSpPr>
+          <p:nvPr>
+            <p:ph type="title"/>
+          </p:nvPr>
+        </p:nvSpPr>
+        <p:spPr>
+          <a:xfrm>
+            <a:off x="751115" y="518130"/>
+            <a:ext cx="10515600" cy="1325563"/>
+          </a:xfrm>
+        </p:spPr>
+        <p:txBody>
+          <a:bodyPr/>
+          <a:lstStyle/>
+          <a:p>
+            <a:r>
+              <a:rPr lang="es-CO" dirty="0" smtClean="0"/>
+              <a:t>Subprocesos </a:t>
+            </a:r>
+            <a:endParaRPr lang="en-US" dirty="0"/>
+          </a:p>
+        </p:txBody>
+      </p:sp>
+      <p:pic>
+        <p:nvPicPr>
+          <p:cNvPr id="4" name="Imagen 3"/>
+          <p:cNvPicPr>
+            <a:picLocks noChangeAspect="1"/>
+          </p:cNvPicPr>
+          <p:nvPr/>
+        </p:nvPicPr>
+        <p:blipFill>
+          <a:blip r:embed="rId2">
+            <a:extLst>
+              <a:ext uri="{28A0092B-C50C-407E-A947-70E740481C1C}">
+                <a14:useLocalDpi xmlns:a14="http://schemas.microsoft.com/office/drawing/2010/main" val="0"/>
+              </a:ext>
+            </a:extLst>
+          </a:blip>
+          <a:stretch>
+            <a:fillRect/>
+          </a:stretch>
+        </p:blipFill>
+        <p:spPr>
+          <a:xfrm>
+            <a:off x="3922148" y="904355"/>
+            <a:ext cx="7163863" cy="5574822"/>
+          </a:xfrm>
+          <a:prstGeom prst="rect">
+            <a:avLst/>
+          </a:prstGeom>
+        </p:spPr>
+      </p:pic>
+    </p:spTree>
+    <p:extLst>
+      <p:ext uri="{BB962C8B-B14F-4D97-AF65-F5344CB8AC3E}">
+        <p14:creationId xmlns:p14="http://schemas.microsoft.com/office/powerpoint/2010/main" val="3258234882"/>
+      </p:ext>
+    </p:extLst>
+  </p:cSld>
+  <p:clrMapOvr>
+    <a:masterClrMapping/>
+  </p:clrMapOvr>
+</p:sld>
+</file>
+
+<file path=ppt/slides/slide7.xml><?xml version="1.0" encoding="utf-8"?>
+<p:sld xmlns:a="http://schemas.openxmlformats.org/drawingml/2006/main" xmlns:r="http://schemas.openxmlformats.org/officeDocument/2006/relationships" xmlns:p="http://schemas.openxmlformats.org/presentationml/2006/main">
+  <p:cSld>
+    <p:spTree>
+      <p:nvGrpSpPr>
+        <p:cNvPr id="1" name=""/>
+        <p:cNvGrpSpPr/>
+        <p:nvPr/>
+      </p:nvGrpSpPr>
+      <p:grpSpPr>
+        <a:xfrm>
+          <a:off x="0" y="0"/>
+          <a:ext cx="0" cy="0"/>
+          <a:chOff x="0" y="0"/>
+          <a:chExt cx="0" cy="0"/>
+        </a:xfrm>
+      </p:grpSpPr>
+      <p:pic>
+        <p:nvPicPr>
+          <p:cNvPr id="4" name="Imagen 3"/>
+          <p:cNvPicPr>
+            <a:picLocks noChangeAspect="1"/>
+          </p:cNvPicPr>
+          <p:nvPr/>
+        </p:nvPicPr>
+        <p:blipFill>
+          <a:blip r:embed="rId2">
+            <a:extLst>
+              <a:ext uri="{28A0092B-C50C-407E-A947-70E740481C1C}">
+                <a14:useLocalDpi xmlns:a14="http://schemas.microsoft.com/office/drawing/2010/main" val="0"/>
+              </a:ext>
+            </a:extLst>
+          </a:blip>
+          <a:stretch>
+            <a:fillRect/>
+          </a:stretch>
+        </p:blipFill>
+        <p:spPr>
+          <a:xfrm>
+            <a:off x="2397087" y="1084317"/>
+            <a:ext cx="7049484" cy="4410691"/>
+          </a:xfrm>
+          <a:prstGeom prst="rect">
+            <a:avLst/>
+          </a:prstGeom>
+        </p:spPr>
+      </p:pic>
+    </p:spTree>
+    <p:extLst>
+      <p:ext uri="{BB962C8B-B14F-4D97-AF65-F5344CB8AC3E}">
+        <p14:creationId xmlns:p14="http://schemas.microsoft.com/office/powerpoint/2010/main" val="184055224"/>
+      </p:ext>
+    </p:extLst>
+  </p:cSld>
+  <p:clrMapOvr>
+    <a:masterClrMapping/>
+  </p:clrMapOvr>
+</p:sld>
+</file>
+
+<file path=ppt/slides/slide8.xml><?xml version="1.0" encoding="utf-8"?>
 <p:sld xmlns:a="http://schemas.openxmlformats.org/drawingml/2006/main" xmlns:r="http://schemas.openxmlformats.org/officeDocument/2006/relationships" xmlns:p="http://schemas.openxmlformats.org/presentationml/2006/main">
   <p:cSld>
     <p:spTree>
@@ -4676,10 +7809,17 @@
   <p:clrMapOvr>
     <a:masterClrMapping/>
   </p:clrMapOvr>
+  <p:timing>
+    <p:tnLst>
+      <p:par>
+        <p:cTn id="1" dur="indefinite" restart="never" nodeType="tmRoot"/>
+      </p:par>
+    </p:tnLst>
+  </p:timing>
 </p:sld>
 </file>
 
-<file path=ppt/slides/slide7.xml><?xml version="1.0" encoding="utf-8"?>
+<file path=ppt/slides/slide9.xml><?xml version="1.0" encoding="utf-8"?>
 <p:sld xmlns:a="http://schemas.openxmlformats.org/drawingml/2006/main" xmlns:r="http://schemas.openxmlformats.org/officeDocument/2006/relationships" xmlns:p="http://schemas.openxmlformats.org/presentationml/2006/main">
   <p:cSld>
     <p:spTree>
@@ -5413,2945 +8553,13 @@
   <p:clrMapOvr>
     <a:masterClrMapping/>
   </p:clrMapOvr>
-</p:sld>
-</file>
-
-<file path=ppt/slides/slide8.xml><?xml version="1.0" encoding="utf-8"?>
-<p:sld xmlns:a="http://schemas.openxmlformats.org/drawingml/2006/main" xmlns:r="http://schemas.openxmlformats.org/officeDocument/2006/relationships" xmlns:p="http://schemas.openxmlformats.org/presentationml/2006/main">
-  <p:cSld>
-    <p:spTree>
-      <p:nvGrpSpPr>
-        <p:cNvPr id="1" name=""/>
-        <p:cNvGrpSpPr/>
-        <p:nvPr/>
-      </p:nvGrpSpPr>
-      <p:grpSpPr>
-        <a:xfrm>
-          <a:off x="0" y="0"/>
-          <a:ext cx="0" cy="0"/>
-          <a:chOff x="0" y="0"/>
-          <a:chExt cx="0" cy="0"/>
-        </a:xfrm>
-      </p:grpSpPr>
-      <p:sp>
-        <p:nvSpPr>
-          <p:cNvPr id="2" name="Título 1">
-            <a:extLst>
-              <a:ext uri="{FF2B5EF4-FFF2-40B4-BE49-F238E27FC236}">
-                <a16:creationId xmlns:a16="http://schemas.microsoft.com/office/drawing/2014/main" id="{46944BC9-F8F8-407A-ADEA-0BF96F61CFA6}"/>
-              </a:ext>
-            </a:extLst>
-          </p:cNvPr>
-          <p:cNvSpPr>
-            <a:spLocks noGrp="1"/>
-          </p:cNvSpPr>
-          <p:nvPr>
-            <p:ph type="title"/>
-          </p:nvPr>
-        </p:nvSpPr>
-        <p:spPr>
-          <a:xfrm>
-            <a:off x="424070" y="289981"/>
-            <a:ext cx="10515600" cy="1325563"/>
-          </a:xfrm>
-        </p:spPr>
-        <p:txBody>
-          <a:bodyPr/>
-          <a:lstStyle/>
-          <a:p>
-            <a:r>
-              <a:rPr lang="es-CO" dirty="0"/>
-              <a:t>Actividades</a:t>
-            </a:r>
-          </a:p>
-        </p:txBody>
-      </p:sp>
-      <p:graphicFrame>
-        <p:nvGraphicFramePr>
-          <p:cNvPr id="7" name="Tabla 6">
-            <a:extLst>
-              <a:ext uri="{FF2B5EF4-FFF2-40B4-BE49-F238E27FC236}">
-                <a16:creationId xmlns:a16="http://schemas.microsoft.com/office/drawing/2014/main" id="{66101041-AE44-44BC-86A9-4F607F090977}"/>
-              </a:ext>
-            </a:extLst>
-          </p:cNvPr>
-          <p:cNvGraphicFramePr>
-            <a:graphicFrameLocks noGrp="1"/>
-          </p:cNvGraphicFramePr>
-          <p:nvPr>
-            <p:extLst>
-              <p:ext uri="{D42A27DB-BD31-4B8C-83A1-F6EECF244321}">
-                <p14:modId xmlns:p14="http://schemas.microsoft.com/office/powerpoint/2010/main" val="149239419"/>
-              </p:ext>
-            </p:extLst>
-          </p:nvPr>
-        </p:nvGraphicFramePr>
-        <p:xfrm>
-          <a:off x="424070" y="1160048"/>
-          <a:ext cx="10515599" cy="4795840"/>
-        </p:xfrm>
-        <a:graphic>
-          <a:graphicData uri="http://schemas.openxmlformats.org/drawingml/2006/table">
-            <a:tbl>
-              <a:tblPr firstRow="1" firstCol="1" bandRow="1">
-                <a:tableStyleId>{5C22544A-7EE6-4342-B048-85BDC9FD1C3A}</a:tableStyleId>
-              </a:tblPr>
-              <a:tblGrid>
-                <a:gridCol w="858828">
-                  <a:extLst>
-                    <a:ext uri="{9D8B030D-6E8A-4147-A177-3AD203B41FA5}">
-                      <a16:colId xmlns:a16="http://schemas.microsoft.com/office/drawing/2014/main" val="1423155385"/>
-                    </a:ext>
-                  </a:extLst>
-                </a:gridCol>
-                <a:gridCol w="1260251">
-                  <a:extLst>
-                    <a:ext uri="{9D8B030D-6E8A-4147-A177-3AD203B41FA5}">
-                      <a16:colId xmlns:a16="http://schemas.microsoft.com/office/drawing/2014/main" val="4048599040"/>
-                    </a:ext>
-                  </a:extLst>
-                </a:gridCol>
-                <a:gridCol w="1269780">
-                  <a:extLst>
-                    <a:ext uri="{9D8B030D-6E8A-4147-A177-3AD203B41FA5}">
-                      <a16:colId xmlns:a16="http://schemas.microsoft.com/office/drawing/2014/main" val="3989476979"/>
-                    </a:ext>
-                  </a:extLst>
-                </a:gridCol>
-                <a:gridCol w="1255490">
-                  <a:extLst>
-                    <a:ext uri="{9D8B030D-6E8A-4147-A177-3AD203B41FA5}">
-                      <a16:colId xmlns:a16="http://schemas.microsoft.com/office/drawing/2014/main" val="1335729900"/>
-                    </a:ext>
-                  </a:extLst>
-                </a:gridCol>
-                <a:gridCol w="1790321">
-                  <a:extLst>
-                    <a:ext uri="{9D8B030D-6E8A-4147-A177-3AD203B41FA5}">
-                      <a16:colId xmlns:a16="http://schemas.microsoft.com/office/drawing/2014/main" val="3600655290"/>
-                    </a:ext>
-                  </a:extLst>
-                </a:gridCol>
-                <a:gridCol w="988665">
-                  <a:extLst>
-                    <a:ext uri="{9D8B030D-6E8A-4147-A177-3AD203B41FA5}">
-                      <a16:colId xmlns:a16="http://schemas.microsoft.com/office/drawing/2014/main" val="819708732"/>
-                    </a:ext>
-                  </a:extLst>
-                </a:gridCol>
-                <a:gridCol w="3092264">
-                  <a:extLst>
-                    <a:ext uri="{9D8B030D-6E8A-4147-A177-3AD203B41FA5}">
-                      <a16:colId xmlns:a16="http://schemas.microsoft.com/office/drawing/2014/main" val="4024085284"/>
-                    </a:ext>
-                  </a:extLst>
-                </a:gridCol>
-              </a:tblGrid>
-              <a:tr h="210713">
-                <a:tc>
-                  <a:txBody>
-                    <a:bodyPr/>
-                    <a:lstStyle/>
-                    <a:p>
-                      <a:pPr algn="ctr">
-                        <a:lnSpc>
-                          <a:spcPct val="107000"/>
-                        </a:lnSpc>
-                        <a:spcAft>
-                          <a:spcPts val="0"/>
-                        </a:spcAft>
-                      </a:pPr>
-                      <a:r>
-                        <a:rPr lang="es-CO" sz="1100">
-                          <a:effectLst/>
-                        </a:rPr>
-                        <a:t>Id</a:t>
-                      </a:r>
-                      <a:endParaRPr lang="es-CO" sz="1100">
-                        <a:effectLst/>
-                        <a:latin typeface="Calibri" panose="020F0502020204030204" pitchFamily="34" charset="0"/>
-                        <a:ea typeface="Calibri" panose="020F0502020204030204" pitchFamily="34" charset="0"/>
-                        <a:cs typeface="Times New Roman" panose="02020603050405020304" pitchFamily="18" charset="0"/>
-                      </a:endParaRPr>
-                    </a:p>
-                  </a:txBody>
-                  <a:tcPr marL="20992" marR="20992" marT="0" marB="0"/>
-                </a:tc>
-                <a:tc>
-                  <a:txBody>
-                    <a:bodyPr/>
-                    <a:lstStyle/>
-                    <a:p>
-                      <a:pPr algn="ctr">
-                        <a:lnSpc>
-                          <a:spcPct val="107000"/>
-                        </a:lnSpc>
-                        <a:spcAft>
-                          <a:spcPts val="0"/>
-                        </a:spcAft>
-                      </a:pPr>
-                      <a:r>
-                        <a:rPr lang="es-CO" sz="1100">
-                          <a:effectLst/>
-                        </a:rPr>
-                        <a:t>Nombre de la actividad</a:t>
-                      </a:r>
-                      <a:endParaRPr lang="es-CO" sz="1100">
-                        <a:effectLst/>
-                        <a:latin typeface="Calibri" panose="020F0502020204030204" pitchFamily="34" charset="0"/>
-                        <a:ea typeface="Calibri" panose="020F0502020204030204" pitchFamily="34" charset="0"/>
-                        <a:cs typeface="Times New Roman" panose="02020603050405020304" pitchFamily="18" charset="0"/>
-                      </a:endParaRPr>
-                    </a:p>
-                  </a:txBody>
-                  <a:tcPr marL="20992" marR="20992" marT="0" marB="0"/>
-                </a:tc>
-                <a:tc>
-                  <a:txBody>
-                    <a:bodyPr/>
-                    <a:lstStyle/>
-                    <a:p>
-                      <a:pPr algn="ctr">
-                        <a:lnSpc>
-                          <a:spcPct val="107000"/>
-                        </a:lnSpc>
-                        <a:spcAft>
-                          <a:spcPts val="0"/>
-                        </a:spcAft>
-                      </a:pPr>
-                      <a:r>
-                        <a:rPr lang="es-CO" sz="1100">
-                          <a:effectLst/>
-                        </a:rPr>
-                        <a:t>Descripción</a:t>
-                      </a:r>
-                      <a:endParaRPr lang="es-CO" sz="1100">
-                        <a:effectLst/>
-                        <a:latin typeface="Calibri" panose="020F0502020204030204" pitchFamily="34" charset="0"/>
-                        <a:ea typeface="Calibri" panose="020F0502020204030204" pitchFamily="34" charset="0"/>
-                        <a:cs typeface="Times New Roman" panose="02020603050405020304" pitchFamily="18" charset="0"/>
-                      </a:endParaRPr>
-                    </a:p>
-                  </a:txBody>
-                  <a:tcPr marL="20992" marR="20992" marT="0" marB="0"/>
-                </a:tc>
-                <a:tc>
-                  <a:txBody>
-                    <a:bodyPr/>
-                    <a:lstStyle/>
-                    <a:p>
-                      <a:pPr indent="457200" algn="ctr">
-                        <a:lnSpc>
-                          <a:spcPct val="107000"/>
-                        </a:lnSpc>
-                        <a:spcAft>
-                          <a:spcPts val="0"/>
-                        </a:spcAft>
-                      </a:pPr>
-                      <a:r>
-                        <a:rPr lang="es-CO" sz="1100">
-                          <a:effectLst/>
-                        </a:rPr>
-                        <a:t>Tipo de la actividad</a:t>
-                      </a:r>
-                      <a:endParaRPr lang="es-CO" sz="1100">
-                        <a:effectLst/>
-                        <a:latin typeface="Calibri" panose="020F0502020204030204" pitchFamily="34" charset="0"/>
-                        <a:ea typeface="Calibri" panose="020F0502020204030204" pitchFamily="34" charset="0"/>
-                        <a:cs typeface="Times New Roman" panose="02020603050405020304" pitchFamily="18" charset="0"/>
-                      </a:endParaRPr>
-                    </a:p>
-                  </a:txBody>
-                  <a:tcPr marL="20992" marR="20992" marT="0" marB="0"/>
-                </a:tc>
-                <a:tc>
-                  <a:txBody>
-                    <a:bodyPr/>
-                    <a:lstStyle/>
-                    <a:p>
-                      <a:pPr indent="457200" algn="ctr">
-                        <a:lnSpc>
-                          <a:spcPct val="107000"/>
-                        </a:lnSpc>
-                        <a:spcAft>
-                          <a:spcPts val="0"/>
-                        </a:spcAft>
-                      </a:pPr>
-                      <a:r>
-                        <a:rPr lang="es-CO" sz="1100">
-                          <a:effectLst/>
-                        </a:rPr>
-                        <a:t>Formulario y/o documentos</a:t>
-                      </a:r>
-                      <a:endParaRPr lang="es-CO" sz="1100">
-                        <a:effectLst/>
-                        <a:latin typeface="Calibri" panose="020F0502020204030204" pitchFamily="34" charset="0"/>
-                        <a:ea typeface="Calibri" panose="020F0502020204030204" pitchFamily="34" charset="0"/>
-                        <a:cs typeface="Times New Roman" panose="02020603050405020304" pitchFamily="18" charset="0"/>
-                      </a:endParaRPr>
-                    </a:p>
-                  </a:txBody>
-                  <a:tcPr marL="20992" marR="20992" marT="0" marB="0"/>
-                </a:tc>
-                <a:tc>
-                  <a:txBody>
-                    <a:bodyPr/>
-                    <a:lstStyle/>
-                    <a:p>
-                      <a:pPr indent="457200" algn="ctr">
-                        <a:lnSpc>
-                          <a:spcPct val="107000"/>
-                        </a:lnSpc>
-                        <a:spcAft>
-                          <a:spcPts val="0"/>
-                        </a:spcAft>
-                      </a:pPr>
-                      <a:r>
-                        <a:rPr lang="es-CO" sz="1100">
-                          <a:effectLst/>
-                        </a:rPr>
-                        <a:t>Aplicaciones y servicios</a:t>
-                      </a:r>
-                      <a:endParaRPr lang="es-CO" sz="1100">
-                        <a:effectLst/>
-                        <a:latin typeface="Calibri" panose="020F0502020204030204" pitchFamily="34" charset="0"/>
-                        <a:ea typeface="Calibri" panose="020F0502020204030204" pitchFamily="34" charset="0"/>
-                        <a:cs typeface="Times New Roman" panose="02020603050405020304" pitchFamily="18" charset="0"/>
-                      </a:endParaRPr>
-                    </a:p>
-                  </a:txBody>
-                  <a:tcPr marL="20992" marR="20992" marT="0" marB="0"/>
-                </a:tc>
-                <a:tc>
-                  <a:txBody>
-                    <a:bodyPr/>
-                    <a:lstStyle/>
-                    <a:p>
-                      <a:pPr indent="457200" algn="ctr">
-                        <a:lnSpc>
-                          <a:spcPct val="107000"/>
-                        </a:lnSpc>
-                        <a:spcAft>
-                          <a:spcPts val="0"/>
-                        </a:spcAft>
-                      </a:pPr>
-                      <a:r>
-                        <a:rPr lang="es-CO" sz="1100">
-                          <a:effectLst/>
-                        </a:rPr>
-                        <a:t>Documentación relacionada</a:t>
-                      </a:r>
-                      <a:endParaRPr lang="es-CO" sz="1100">
-                        <a:effectLst/>
-                        <a:latin typeface="Calibri" panose="020F0502020204030204" pitchFamily="34" charset="0"/>
-                        <a:ea typeface="Calibri" panose="020F0502020204030204" pitchFamily="34" charset="0"/>
-                        <a:cs typeface="Times New Roman" panose="02020603050405020304" pitchFamily="18" charset="0"/>
-                      </a:endParaRPr>
-                    </a:p>
-                  </a:txBody>
-                  <a:tcPr marL="20992" marR="20992" marT="0" marB="0"/>
-                </a:tc>
-                <a:extLst>
-                  <a:ext uri="{0D108BD9-81ED-4DB2-BD59-A6C34878D82A}">
-                    <a16:rowId xmlns:a16="http://schemas.microsoft.com/office/drawing/2014/main" val="4229518801"/>
-                  </a:ext>
-                </a:extLst>
-              </a:tr>
-              <a:tr h="343739">
-                <a:tc>
-                  <a:txBody>
-                    <a:bodyPr/>
-                    <a:lstStyle/>
-                    <a:p>
-                      <a:pPr algn="l">
-                        <a:lnSpc>
-                          <a:spcPct val="107000"/>
-                        </a:lnSpc>
-                        <a:spcAft>
-                          <a:spcPts val="0"/>
-                        </a:spcAft>
-                      </a:pPr>
-                      <a:r>
-                        <a:rPr lang="es-CO" sz="1100">
-                          <a:effectLst/>
-                        </a:rPr>
-                        <a:t>INV-PRO01-ACT01</a:t>
-                      </a:r>
-                      <a:endParaRPr lang="es-CO" sz="1100">
-                        <a:effectLst/>
-                        <a:latin typeface="Calibri" panose="020F0502020204030204" pitchFamily="34" charset="0"/>
-                        <a:ea typeface="Calibri" panose="020F0502020204030204" pitchFamily="34" charset="0"/>
-                        <a:cs typeface="Times New Roman" panose="02020603050405020304" pitchFamily="18" charset="0"/>
-                      </a:endParaRPr>
-                    </a:p>
-                  </a:txBody>
-                  <a:tcPr marL="20992" marR="20992" marT="0" marB="0"/>
-                </a:tc>
-                <a:tc>
-                  <a:txBody>
-                    <a:bodyPr/>
-                    <a:lstStyle/>
-                    <a:p>
-                      <a:pPr algn="l">
-                        <a:lnSpc>
-                          <a:spcPct val="107000"/>
-                        </a:lnSpc>
-                        <a:spcAft>
-                          <a:spcPts val="0"/>
-                        </a:spcAft>
-                      </a:pPr>
-                      <a:r>
-                        <a:rPr lang="es-CO" sz="1100">
-                          <a:effectLst/>
-                        </a:rPr>
-                        <a:t>Realizar informe detallado</a:t>
-                      </a:r>
-                      <a:endParaRPr lang="es-CO" sz="1100">
-                        <a:effectLst/>
-                        <a:latin typeface="Calibri" panose="020F0502020204030204" pitchFamily="34" charset="0"/>
-                        <a:ea typeface="Calibri" panose="020F0502020204030204" pitchFamily="34" charset="0"/>
-                        <a:cs typeface="Times New Roman" panose="02020603050405020304" pitchFamily="18" charset="0"/>
-                      </a:endParaRPr>
-                    </a:p>
-                  </a:txBody>
-                  <a:tcPr marL="20992" marR="20992" marT="0" marB="0"/>
-                </a:tc>
-                <a:tc>
-                  <a:txBody>
-                    <a:bodyPr/>
-                    <a:lstStyle/>
-                    <a:p>
-                      <a:pPr algn="l">
-                        <a:lnSpc>
-                          <a:spcPct val="107000"/>
-                        </a:lnSpc>
-                        <a:spcAft>
-                          <a:spcPts val="0"/>
-                        </a:spcAft>
-                      </a:pPr>
-                      <a:r>
-                        <a:rPr lang="es-CO" sz="1100">
-                          <a:effectLst/>
-                        </a:rPr>
-                        <a:t>Informa en un documento en que sucedieron los hechos </a:t>
-                      </a:r>
-                      <a:endParaRPr lang="es-CO" sz="1100">
-                        <a:effectLst/>
-                        <a:latin typeface="Calibri" panose="020F0502020204030204" pitchFamily="34" charset="0"/>
-                        <a:ea typeface="Calibri" panose="020F0502020204030204" pitchFamily="34" charset="0"/>
-                        <a:cs typeface="Times New Roman" panose="02020603050405020304" pitchFamily="18" charset="0"/>
-                      </a:endParaRPr>
-                    </a:p>
-                  </a:txBody>
-                  <a:tcPr marL="20992" marR="20992" marT="0" marB="0"/>
-                </a:tc>
-                <a:tc>
-                  <a:txBody>
-                    <a:bodyPr/>
-                    <a:lstStyle/>
-                    <a:p>
-                      <a:pPr algn="l">
-                        <a:lnSpc>
-                          <a:spcPct val="107000"/>
-                        </a:lnSpc>
-                        <a:spcAft>
-                          <a:spcPts val="0"/>
-                        </a:spcAft>
-                      </a:pPr>
-                      <a:r>
-                        <a:rPr lang="es-CO" sz="1100">
-                          <a:effectLst/>
-                        </a:rPr>
-                        <a:t>usuario</a:t>
-                      </a:r>
-                      <a:endParaRPr lang="es-CO" sz="1100">
-                        <a:effectLst/>
-                        <a:latin typeface="Calibri" panose="020F0502020204030204" pitchFamily="34" charset="0"/>
-                        <a:ea typeface="Calibri" panose="020F0502020204030204" pitchFamily="34" charset="0"/>
-                        <a:cs typeface="Times New Roman" panose="02020603050405020304" pitchFamily="18" charset="0"/>
-                      </a:endParaRPr>
-                    </a:p>
-                  </a:txBody>
-                  <a:tcPr marL="20992" marR="20992" marT="0" marB="0"/>
-                </a:tc>
-                <a:tc>
-                  <a:txBody>
-                    <a:bodyPr/>
-                    <a:lstStyle/>
-                    <a:p>
-                      <a:pPr marL="342900" lvl="0" indent="-342900" algn="l">
-                        <a:lnSpc>
-                          <a:spcPct val="107000"/>
-                        </a:lnSpc>
-                        <a:spcAft>
-                          <a:spcPts val="0"/>
-                        </a:spcAft>
-                        <a:buFont typeface="Symbol" panose="05050102010706020507" pitchFamily="18" charset="2"/>
-                        <a:buChar char=""/>
-                      </a:pPr>
-                      <a:r>
-                        <a:rPr lang="es-CO" sz="1100">
-                          <a:effectLst/>
-                        </a:rPr>
-                        <a:t>Informe tiempo modo y lugar</a:t>
-                      </a:r>
-                    </a:p>
-                    <a:p>
-                      <a:pPr marL="342900" lvl="0" indent="-342900" algn="l">
-                        <a:lnSpc>
-                          <a:spcPct val="107000"/>
-                        </a:lnSpc>
-                        <a:spcAft>
-                          <a:spcPts val="0"/>
-                        </a:spcAft>
-                        <a:buFont typeface="Symbol" panose="05050102010706020507" pitchFamily="18" charset="2"/>
-                        <a:buChar char=""/>
-                      </a:pPr>
-                      <a:r>
-                        <a:rPr lang="es-CO" sz="1100">
-                          <a:effectLst/>
-                        </a:rPr>
-                        <a:t>Informe de bomberos</a:t>
-                      </a:r>
-                    </a:p>
-                    <a:p>
-                      <a:pPr marL="342900" lvl="0" indent="-342900" algn="l">
-                        <a:lnSpc>
-                          <a:spcPct val="107000"/>
-                        </a:lnSpc>
-                        <a:spcAft>
-                          <a:spcPts val="0"/>
-                        </a:spcAft>
-                        <a:buFont typeface="Symbol" panose="05050102010706020507" pitchFamily="18" charset="2"/>
-                        <a:buChar char=""/>
-                      </a:pPr>
-                      <a:r>
-                        <a:rPr lang="es-CO" sz="1100">
-                          <a:effectLst/>
-                        </a:rPr>
-                        <a:t>Relación detallada de la perdida</a:t>
-                      </a:r>
-                    </a:p>
-                    <a:p>
-                      <a:pPr marL="342900" lvl="0" indent="-342900" algn="l">
-                        <a:lnSpc>
-                          <a:spcPct val="107000"/>
-                        </a:lnSpc>
-                        <a:spcAft>
-                          <a:spcPts val="0"/>
-                        </a:spcAft>
-                        <a:buFont typeface="Symbol" panose="05050102010706020507" pitchFamily="18" charset="2"/>
-                        <a:buChar char=""/>
-                      </a:pPr>
-                      <a:r>
-                        <a:rPr lang="es-CO" sz="1100">
-                          <a:effectLst/>
-                        </a:rPr>
-                        <a:t>Registro fotográfico</a:t>
-                      </a:r>
-                      <a:endParaRPr lang="es-CO" sz="1100">
-                        <a:effectLst/>
-                        <a:latin typeface="Calibri" panose="020F0502020204030204" pitchFamily="34" charset="0"/>
-                        <a:ea typeface="Calibri" panose="020F0502020204030204" pitchFamily="34" charset="0"/>
-                        <a:cs typeface="Times New Roman" panose="02020603050405020304" pitchFamily="18" charset="0"/>
-                      </a:endParaRPr>
-                    </a:p>
-                  </a:txBody>
-                  <a:tcPr marL="20992" marR="20992" marT="0" marB="0"/>
-                </a:tc>
-                <a:tc>
-                  <a:txBody>
-                    <a:bodyPr/>
-                    <a:lstStyle/>
-                    <a:p>
-                      <a:pPr algn="l">
-                        <a:lnSpc>
-                          <a:spcPct val="107000"/>
-                        </a:lnSpc>
-                        <a:spcAft>
-                          <a:spcPts val="0"/>
-                        </a:spcAft>
-                      </a:pPr>
-                      <a:r>
-                        <a:rPr lang="es-CO" sz="1100">
-                          <a:effectLst/>
-                        </a:rPr>
-                        <a:t> </a:t>
-                      </a:r>
-                      <a:endParaRPr lang="es-CO" sz="1100">
-                        <a:effectLst/>
-                        <a:latin typeface="Calibri" panose="020F0502020204030204" pitchFamily="34" charset="0"/>
-                        <a:ea typeface="Calibri" panose="020F0502020204030204" pitchFamily="34" charset="0"/>
-                        <a:cs typeface="Times New Roman" panose="02020603050405020304" pitchFamily="18" charset="0"/>
-                      </a:endParaRPr>
-                    </a:p>
-                  </a:txBody>
-                  <a:tcPr marL="20992" marR="20992" marT="0" marB="0"/>
-                </a:tc>
-                <a:tc>
-                  <a:txBody>
-                    <a:bodyPr/>
-                    <a:lstStyle/>
-                    <a:p>
-                      <a:pPr marL="342900" lvl="0" indent="-342900" algn="l">
-                        <a:lnSpc>
-                          <a:spcPct val="107000"/>
-                        </a:lnSpc>
-                        <a:spcAft>
-                          <a:spcPts val="0"/>
-                        </a:spcAft>
-                        <a:buFont typeface="Symbol" panose="05050102010706020507" pitchFamily="18" charset="2"/>
-                        <a:buChar char=""/>
-                      </a:pPr>
-                      <a:r>
-                        <a:rPr lang="es-CO" sz="1100" dirty="0">
-                          <a:effectLst/>
-                        </a:rPr>
-                        <a:t>Presupuesto de obra</a:t>
-                      </a:r>
-                      <a:endParaRPr lang="es-CO" sz="1100" dirty="0">
-                        <a:effectLst/>
-                        <a:latin typeface="Calibri" panose="020F0502020204030204" pitchFamily="34" charset="0"/>
-                        <a:ea typeface="Calibri" panose="020F0502020204030204" pitchFamily="34" charset="0"/>
-                        <a:cs typeface="Times New Roman" panose="02020603050405020304" pitchFamily="18" charset="0"/>
-                      </a:endParaRPr>
-                    </a:p>
-                  </a:txBody>
-                  <a:tcPr marL="20992" marR="20992" marT="0" marB="0"/>
-                </a:tc>
-                <a:extLst>
-                  <a:ext uri="{0D108BD9-81ED-4DB2-BD59-A6C34878D82A}">
-                    <a16:rowId xmlns:a16="http://schemas.microsoft.com/office/drawing/2014/main" val="3331585181"/>
-                  </a:ext>
-                </a:extLst>
-              </a:tr>
-              <a:tr h="210713">
-                <a:tc>
-                  <a:txBody>
-                    <a:bodyPr/>
-                    <a:lstStyle/>
-                    <a:p>
-                      <a:pPr algn="l">
-                        <a:lnSpc>
-                          <a:spcPct val="107000"/>
-                        </a:lnSpc>
-                        <a:spcAft>
-                          <a:spcPts val="0"/>
-                        </a:spcAft>
-                      </a:pPr>
-                      <a:r>
-                        <a:rPr lang="es-CO" sz="1100">
-                          <a:effectLst/>
-                        </a:rPr>
-                        <a:t>INV-PRO01-ACT02</a:t>
-                      </a:r>
-                      <a:endParaRPr lang="es-CO" sz="1100">
-                        <a:effectLst/>
-                        <a:latin typeface="Calibri" panose="020F0502020204030204" pitchFamily="34" charset="0"/>
-                        <a:ea typeface="Calibri" panose="020F0502020204030204" pitchFamily="34" charset="0"/>
-                        <a:cs typeface="Times New Roman" panose="02020603050405020304" pitchFamily="18" charset="0"/>
-                      </a:endParaRPr>
-                    </a:p>
-                  </a:txBody>
-                  <a:tcPr marL="20992" marR="20992" marT="0" marB="0"/>
-                </a:tc>
-                <a:tc>
-                  <a:txBody>
-                    <a:bodyPr/>
-                    <a:lstStyle/>
-                    <a:p>
-                      <a:pPr algn="l">
-                        <a:lnSpc>
-                          <a:spcPct val="107000"/>
-                        </a:lnSpc>
-                        <a:spcAft>
-                          <a:spcPts val="0"/>
-                        </a:spcAft>
-                      </a:pPr>
-                      <a:r>
-                        <a:rPr lang="es-CO" sz="1100">
-                          <a:effectLst/>
-                        </a:rPr>
-                        <a:t>Enviar informe</a:t>
-                      </a:r>
-                      <a:endParaRPr lang="es-CO" sz="1100">
-                        <a:effectLst/>
-                        <a:latin typeface="Calibri" panose="020F0502020204030204" pitchFamily="34" charset="0"/>
-                        <a:ea typeface="Calibri" panose="020F0502020204030204" pitchFamily="34" charset="0"/>
-                        <a:cs typeface="Times New Roman" panose="02020603050405020304" pitchFamily="18" charset="0"/>
-                      </a:endParaRPr>
-                    </a:p>
-                  </a:txBody>
-                  <a:tcPr marL="20992" marR="20992" marT="0" marB="0"/>
-                </a:tc>
-                <a:tc>
-                  <a:txBody>
-                    <a:bodyPr/>
-                    <a:lstStyle/>
-                    <a:p>
-                      <a:pPr algn="l">
-                        <a:lnSpc>
-                          <a:spcPct val="107000"/>
-                        </a:lnSpc>
-                        <a:spcAft>
-                          <a:spcPts val="0"/>
-                        </a:spcAft>
-                      </a:pPr>
-                      <a:r>
-                        <a:rPr lang="es-CO" sz="1100">
-                          <a:effectLst/>
-                        </a:rPr>
-                        <a:t>Envía el documento al superior jerárquico</a:t>
-                      </a:r>
-                      <a:endParaRPr lang="es-CO" sz="1100">
-                        <a:effectLst/>
-                        <a:latin typeface="Calibri" panose="020F0502020204030204" pitchFamily="34" charset="0"/>
-                        <a:ea typeface="Calibri" panose="020F0502020204030204" pitchFamily="34" charset="0"/>
-                        <a:cs typeface="Times New Roman" panose="02020603050405020304" pitchFamily="18" charset="0"/>
-                      </a:endParaRPr>
-                    </a:p>
-                  </a:txBody>
-                  <a:tcPr marL="20992" marR="20992" marT="0" marB="0"/>
-                </a:tc>
-                <a:tc>
-                  <a:txBody>
-                    <a:bodyPr/>
-                    <a:lstStyle/>
-                    <a:p>
-                      <a:pPr algn="l">
-                        <a:lnSpc>
-                          <a:spcPct val="107000"/>
-                        </a:lnSpc>
-                        <a:spcAft>
-                          <a:spcPts val="0"/>
-                        </a:spcAft>
-                      </a:pPr>
-                      <a:r>
-                        <a:rPr lang="es-CO" sz="1100">
-                          <a:effectLst/>
-                        </a:rPr>
-                        <a:t>Usuario </a:t>
-                      </a:r>
-                      <a:endParaRPr lang="es-CO" sz="1100">
-                        <a:effectLst/>
-                        <a:latin typeface="Calibri" panose="020F0502020204030204" pitchFamily="34" charset="0"/>
-                        <a:ea typeface="Calibri" panose="020F0502020204030204" pitchFamily="34" charset="0"/>
-                        <a:cs typeface="Times New Roman" panose="02020603050405020304" pitchFamily="18" charset="0"/>
-                      </a:endParaRPr>
-                    </a:p>
-                  </a:txBody>
-                  <a:tcPr marL="20992" marR="20992" marT="0" marB="0"/>
-                </a:tc>
-                <a:tc>
-                  <a:txBody>
-                    <a:bodyPr/>
-                    <a:lstStyle/>
-                    <a:p>
-                      <a:pPr algn="l">
-                        <a:lnSpc>
-                          <a:spcPct val="107000"/>
-                        </a:lnSpc>
-                        <a:spcAft>
-                          <a:spcPts val="0"/>
-                        </a:spcAft>
-                      </a:pPr>
-                      <a:r>
-                        <a:rPr lang="es-CO" sz="1100">
-                          <a:effectLst/>
-                        </a:rPr>
-                        <a:t> </a:t>
-                      </a:r>
-                      <a:endParaRPr lang="es-CO" sz="1100">
-                        <a:effectLst/>
-                        <a:latin typeface="Calibri" panose="020F0502020204030204" pitchFamily="34" charset="0"/>
-                        <a:ea typeface="Calibri" panose="020F0502020204030204" pitchFamily="34" charset="0"/>
-                        <a:cs typeface="Times New Roman" panose="02020603050405020304" pitchFamily="18" charset="0"/>
-                      </a:endParaRPr>
-                    </a:p>
-                  </a:txBody>
-                  <a:tcPr marL="20992" marR="20992" marT="0" marB="0"/>
-                </a:tc>
-                <a:tc>
-                  <a:txBody>
-                    <a:bodyPr/>
-                    <a:lstStyle/>
-                    <a:p>
-                      <a:pPr algn="l">
-                        <a:lnSpc>
-                          <a:spcPct val="107000"/>
-                        </a:lnSpc>
-                        <a:spcAft>
-                          <a:spcPts val="0"/>
-                        </a:spcAft>
-                      </a:pPr>
-                      <a:r>
-                        <a:rPr lang="es-CO" sz="1100">
-                          <a:effectLst/>
-                        </a:rPr>
-                        <a:t> </a:t>
-                      </a:r>
-                      <a:endParaRPr lang="es-CO" sz="1100">
-                        <a:effectLst/>
-                        <a:latin typeface="Calibri" panose="020F0502020204030204" pitchFamily="34" charset="0"/>
-                        <a:ea typeface="Calibri" panose="020F0502020204030204" pitchFamily="34" charset="0"/>
-                        <a:cs typeface="Times New Roman" panose="02020603050405020304" pitchFamily="18" charset="0"/>
-                      </a:endParaRPr>
-                    </a:p>
-                  </a:txBody>
-                  <a:tcPr marL="20992" marR="20992" marT="0" marB="0"/>
-                </a:tc>
-                <a:tc>
-                  <a:txBody>
-                    <a:bodyPr/>
-                    <a:lstStyle/>
-                    <a:p>
-                      <a:pPr algn="l">
-                        <a:lnSpc>
-                          <a:spcPct val="107000"/>
-                        </a:lnSpc>
-                        <a:spcAft>
-                          <a:spcPts val="0"/>
-                        </a:spcAft>
-                      </a:pPr>
-                      <a:r>
-                        <a:rPr lang="es-CO" sz="1100">
-                          <a:effectLst/>
-                        </a:rPr>
-                        <a:t> </a:t>
-                      </a:r>
-                      <a:endParaRPr lang="es-CO" sz="1100">
-                        <a:effectLst/>
-                        <a:latin typeface="Calibri" panose="020F0502020204030204" pitchFamily="34" charset="0"/>
-                        <a:ea typeface="Calibri" panose="020F0502020204030204" pitchFamily="34" charset="0"/>
-                        <a:cs typeface="Times New Roman" panose="02020603050405020304" pitchFamily="18" charset="0"/>
-                      </a:endParaRPr>
-                    </a:p>
-                  </a:txBody>
-                  <a:tcPr marL="20992" marR="20992" marT="0" marB="0"/>
-                </a:tc>
-                <a:extLst>
-                  <a:ext uri="{0D108BD9-81ED-4DB2-BD59-A6C34878D82A}">
-                    <a16:rowId xmlns:a16="http://schemas.microsoft.com/office/drawing/2014/main" val="113070048"/>
-                  </a:ext>
-                </a:extLst>
-              </a:tr>
-              <a:tr h="210713">
-                <a:tc>
-                  <a:txBody>
-                    <a:bodyPr/>
-                    <a:lstStyle/>
-                    <a:p>
-                      <a:pPr algn="l">
-                        <a:lnSpc>
-                          <a:spcPct val="107000"/>
-                        </a:lnSpc>
-                        <a:spcAft>
-                          <a:spcPts val="0"/>
-                        </a:spcAft>
-                      </a:pPr>
-                      <a:r>
-                        <a:rPr lang="es-CO" sz="1100">
-                          <a:effectLst/>
-                        </a:rPr>
-                        <a:t>INV-PRO01-ACT03</a:t>
-                      </a:r>
-                      <a:endParaRPr lang="es-CO" sz="1100">
-                        <a:effectLst/>
-                        <a:latin typeface="Calibri" panose="020F0502020204030204" pitchFamily="34" charset="0"/>
-                        <a:ea typeface="Calibri" panose="020F0502020204030204" pitchFamily="34" charset="0"/>
-                        <a:cs typeface="Times New Roman" panose="02020603050405020304" pitchFamily="18" charset="0"/>
-                      </a:endParaRPr>
-                    </a:p>
-                  </a:txBody>
-                  <a:tcPr marL="20992" marR="20992" marT="0" marB="0"/>
-                </a:tc>
-                <a:tc>
-                  <a:txBody>
-                    <a:bodyPr/>
-                    <a:lstStyle/>
-                    <a:p>
-                      <a:pPr algn="l">
-                        <a:lnSpc>
-                          <a:spcPct val="107000"/>
-                        </a:lnSpc>
-                        <a:spcAft>
-                          <a:spcPts val="0"/>
-                        </a:spcAft>
-                      </a:pPr>
-                      <a:r>
-                        <a:rPr lang="es-CO" sz="1100">
-                          <a:effectLst/>
-                        </a:rPr>
-                        <a:t> </a:t>
-                      </a:r>
-                    </a:p>
-                    <a:p>
-                      <a:pPr algn="l">
-                        <a:lnSpc>
-                          <a:spcPct val="107000"/>
-                        </a:lnSpc>
-                        <a:spcAft>
-                          <a:spcPts val="0"/>
-                        </a:spcAft>
-                      </a:pPr>
-                      <a:r>
-                        <a:rPr lang="es-CO" sz="1100">
-                          <a:effectLst/>
-                        </a:rPr>
-                        <a:t>Rechazar solicitud</a:t>
-                      </a:r>
-                      <a:endParaRPr lang="es-CO" sz="1100">
-                        <a:effectLst/>
-                        <a:latin typeface="Calibri" panose="020F0502020204030204" pitchFamily="34" charset="0"/>
-                        <a:ea typeface="Calibri" panose="020F0502020204030204" pitchFamily="34" charset="0"/>
-                        <a:cs typeface="Times New Roman" panose="02020603050405020304" pitchFamily="18" charset="0"/>
-                      </a:endParaRPr>
-                    </a:p>
-                  </a:txBody>
-                  <a:tcPr marL="20992" marR="20992" marT="0" marB="0"/>
-                </a:tc>
-                <a:tc>
-                  <a:txBody>
-                    <a:bodyPr/>
-                    <a:lstStyle/>
-                    <a:p>
-                      <a:pPr algn="l">
-                        <a:lnSpc>
-                          <a:spcPct val="107000"/>
-                        </a:lnSpc>
-                        <a:spcAft>
-                          <a:spcPts val="0"/>
-                        </a:spcAft>
-                      </a:pPr>
-                      <a:r>
-                        <a:rPr lang="es-CO" sz="1100">
-                          <a:effectLst/>
-                        </a:rPr>
-                        <a:t>Rechaza la solicitud si es conveniente</a:t>
-                      </a:r>
-                      <a:endParaRPr lang="es-CO" sz="1100">
-                        <a:effectLst/>
-                        <a:latin typeface="Calibri" panose="020F0502020204030204" pitchFamily="34" charset="0"/>
-                        <a:ea typeface="Calibri" panose="020F0502020204030204" pitchFamily="34" charset="0"/>
-                        <a:cs typeface="Times New Roman" panose="02020603050405020304" pitchFamily="18" charset="0"/>
-                      </a:endParaRPr>
-                    </a:p>
-                  </a:txBody>
-                  <a:tcPr marL="20992" marR="20992" marT="0" marB="0"/>
-                </a:tc>
-                <a:tc>
-                  <a:txBody>
-                    <a:bodyPr/>
-                    <a:lstStyle/>
-                    <a:p>
-                      <a:pPr algn="ctr">
-                        <a:lnSpc>
-                          <a:spcPct val="107000"/>
-                        </a:lnSpc>
-                        <a:spcAft>
-                          <a:spcPts val="0"/>
-                        </a:spcAft>
-                      </a:pPr>
-                      <a:r>
-                        <a:rPr lang="es-CO" sz="1100">
-                          <a:effectLst/>
-                        </a:rPr>
-                        <a:t>Usuario</a:t>
-                      </a:r>
-                      <a:endParaRPr lang="es-CO" sz="1100">
-                        <a:effectLst/>
-                        <a:latin typeface="Calibri" panose="020F0502020204030204" pitchFamily="34" charset="0"/>
-                        <a:ea typeface="Calibri" panose="020F0502020204030204" pitchFamily="34" charset="0"/>
-                        <a:cs typeface="Times New Roman" panose="02020603050405020304" pitchFamily="18" charset="0"/>
-                      </a:endParaRPr>
-                    </a:p>
-                  </a:txBody>
-                  <a:tcPr marL="20992" marR="20992" marT="0" marB="0"/>
-                </a:tc>
-                <a:tc>
-                  <a:txBody>
-                    <a:bodyPr/>
-                    <a:lstStyle/>
-                    <a:p>
-                      <a:pPr algn="l">
-                        <a:lnSpc>
-                          <a:spcPct val="107000"/>
-                        </a:lnSpc>
-                        <a:spcAft>
-                          <a:spcPts val="0"/>
-                        </a:spcAft>
-                      </a:pPr>
-                      <a:r>
-                        <a:rPr lang="es-CO" sz="1100">
-                          <a:effectLst/>
-                        </a:rPr>
-                        <a:t> </a:t>
-                      </a:r>
-                      <a:endParaRPr lang="es-CO" sz="1100">
-                        <a:effectLst/>
-                        <a:latin typeface="Calibri" panose="020F0502020204030204" pitchFamily="34" charset="0"/>
-                        <a:ea typeface="Calibri" panose="020F0502020204030204" pitchFamily="34" charset="0"/>
-                        <a:cs typeface="Times New Roman" panose="02020603050405020304" pitchFamily="18" charset="0"/>
-                      </a:endParaRPr>
-                    </a:p>
-                  </a:txBody>
-                  <a:tcPr marL="20992" marR="20992" marT="0" marB="0"/>
-                </a:tc>
-                <a:tc>
-                  <a:txBody>
-                    <a:bodyPr/>
-                    <a:lstStyle/>
-                    <a:p>
-                      <a:pPr algn="l">
-                        <a:lnSpc>
-                          <a:spcPct val="107000"/>
-                        </a:lnSpc>
-                        <a:spcAft>
-                          <a:spcPts val="0"/>
-                        </a:spcAft>
-                      </a:pPr>
-                      <a:r>
-                        <a:rPr lang="es-CO" sz="1100">
-                          <a:effectLst/>
-                        </a:rPr>
-                        <a:t> </a:t>
-                      </a:r>
-                      <a:endParaRPr lang="es-CO" sz="1100">
-                        <a:effectLst/>
-                        <a:latin typeface="Calibri" panose="020F0502020204030204" pitchFamily="34" charset="0"/>
-                        <a:ea typeface="Calibri" panose="020F0502020204030204" pitchFamily="34" charset="0"/>
-                        <a:cs typeface="Times New Roman" panose="02020603050405020304" pitchFamily="18" charset="0"/>
-                      </a:endParaRPr>
-                    </a:p>
-                  </a:txBody>
-                  <a:tcPr marL="20992" marR="20992" marT="0" marB="0"/>
-                </a:tc>
-                <a:tc>
-                  <a:txBody>
-                    <a:bodyPr/>
-                    <a:lstStyle/>
-                    <a:p>
-                      <a:pPr algn="l">
-                        <a:lnSpc>
-                          <a:spcPct val="107000"/>
-                        </a:lnSpc>
-                        <a:spcAft>
-                          <a:spcPts val="0"/>
-                        </a:spcAft>
-                      </a:pPr>
-                      <a:r>
-                        <a:rPr lang="es-CO" sz="1100">
-                          <a:effectLst/>
-                        </a:rPr>
-                        <a:t> </a:t>
-                      </a:r>
-                      <a:endParaRPr lang="es-CO" sz="1100">
-                        <a:effectLst/>
-                        <a:latin typeface="Calibri" panose="020F0502020204030204" pitchFamily="34" charset="0"/>
-                        <a:ea typeface="Calibri" panose="020F0502020204030204" pitchFamily="34" charset="0"/>
-                        <a:cs typeface="Times New Roman" panose="02020603050405020304" pitchFamily="18" charset="0"/>
-                      </a:endParaRPr>
-                    </a:p>
-                  </a:txBody>
-                  <a:tcPr marL="20992" marR="20992" marT="0" marB="0"/>
-                </a:tc>
-                <a:extLst>
-                  <a:ext uri="{0D108BD9-81ED-4DB2-BD59-A6C34878D82A}">
-                    <a16:rowId xmlns:a16="http://schemas.microsoft.com/office/drawing/2014/main" val="1046306064"/>
-                  </a:ext>
-                </a:extLst>
-              </a:tr>
-              <a:tr h="848484">
-                <a:tc>
-                  <a:txBody>
-                    <a:bodyPr/>
-                    <a:lstStyle/>
-                    <a:p>
-                      <a:pPr algn="l">
-                        <a:lnSpc>
-                          <a:spcPct val="107000"/>
-                        </a:lnSpc>
-                        <a:spcAft>
-                          <a:spcPts val="0"/>
-                        </a:spcAft>
-                      </a:pPr>
-                      <a:r>
-                        <a:rPr lang="es-CO" sz="1100">
-                          <a:effectLst/>
-                        </a:rPr>
-                        <a:t>INV-PRO01-ACT04</a:t>
-                      </a:r>
-                      <a:endParaRPr lang="es-CO" sz="1100">
-                        <a:effectLst/>
-                        <a:latin typeface="Calibri" panose="020F0502020204030204" pitchFamily="34" charset="0"/>
-                        <a:ea typeface="Calibri" panose="020F0502020204030204" pitchFamily="34" charset="0"/>
-                        <a:cs typeface="Times New Roman" panose="02020603050405020304" pitchFamily="18" charset="0"/>
-                      </a:endParaRPr>
-                    </a:p>
-                  </a:txBody>
-                  <a:tcPr marL="20992" marR="20992" marT="0" marB="0"/>
-                </a:tc>
-                <a:tc>
-                  <a:txBody>
-                    <a:bodyPr/>
-                    <a:lstStyle/>
-                    <a:p>
-                      <a:pPr algn="l">
-                        <a:lnSpc>
-                          <a:spcPct val="107000"/>
-                        </a:lnSpc>
-                        <a:spcAft>
-                          <a:spcPts val="0"/>
-                        </a:spcAft>
-                      </a:pPr>
-                      <a:r>
-                        <a:rPr lang="es-CO" sz="1100">
-                          <a:effectLst/>
-                        </a:rPr>
-                        <a:t>Notificar a la aseguradora de tiempo agotado</a:t>
-                      </a:r>
-                      <a:endParaRPr lang="es-CO" sz="1100">
-                        <a:effectLst/>
-                        <a:latin typeface="Calibri" panose="020F0502020204030204" pitchFamily="34" charset="0"/>
-                        <a:ea typeface="Calibri" panose="020F0502020204030204" pitchFamily="34" charset="0"/>
-                        <a:cs typeface="Times New Roman" panose="02020603050405020304" pitchFamily="18" charset="0"/>
-                      </a:endParaRPr>
-                    </a:p>
-                  </a:txBody>
-                  <a:tcPr marL="20992" marR="20992" marT="0" marB="0"/>
-                </a:tc>
-                <a:tc>
-                  <a:txBody>
-                    <a:bodyPr/>
-                    <a:lstStyle/>
-                    <a:p>
-                      <a:pPr algn="l">
-                        <a:lnSpc>
-                          <a:spcPct val="107000"/>
-                        </a:lnSpc>
-                        <a:spcAft>
-                          <a:spcPts val="0"/>
-                        </a:spcAft>
-                      </a:pPr>
-                      <a:r>
-                        <a:rPr lang="es-CO" sz="1100">
-                          <a:effectLst/>
-                        </a:rPr>
-                        <a:t>Una vez se envíen los documentos necesarios a la aseguradora esta tiene 30 días para responder si pasan este tiempo se le envía un recordatorio a la aseguradora</a:t>
-                      </a:r>
-                      <a:endParaRPr lang="es-CO" sz="1100">
-                        <a:effectLst/>
-                        <a:latin typeface="Calibri" panose="020F0502020204030204" pitchFamily="34" charset="0"/>
-                        <a:ea typeface="Calibri" panose="020F0502020204030204" pitchFamily="34" charset="0"/>
-                        <a:cs typeface="Times New Roman" panose="02020603050405020304" pitchFamily="18" charset="0"/>
-                      </a:endParaRPr>
-                    </a:p>
-                  </a:txBody>
-                  <a:tcPr marL="20992" marR="20992" marT="0" marB="0"/>
-                </a:tc>
-                <a:tc>
-                  <a:txBody>
-                    <a:bodyPr/>
-                    <a:lstStyle/>
-                    <a:p>
-                      <a:pPr algn="l">
-                        <a:lnSpc>
-                          <a:spcPct val="107000"/>
-                        </a:lnSpc>
-                        <a:spcAft>
-                          <a:spcPts val="0"/>
-                        </a:spcAft>
-                      </a:pPr>
-                      <a:r>
-                        <a:rPr lang="es-CO" sz="1100">
-                          <a:effectLst/>
-                        </a:rPr>
-                        <a:t> </a:t>
-                      </a:r>
-                    </a:p>
-                    <a:p>
-                      <a:pPr algn="l">
-                        <a:lnSpc>
-                          <a:spcPct val="107000"/>
-                        </a:lnSpc>
-                        <a:spcAft>
-                          <a:spcPts val="0"/>
-                        </a:spcAft>
-                      </a:pPr>
-                      <a:r>
-                        <a:rPr lang="es-CO" sz="1100">
-                          <a:effectLst/>
-                        </a:rPr>
-                        <a:t> </a:t>
-                      </a:r>
-                    </a:p>
-                    <a:p>
-                      <a:pPr algn="l">
-                        <a:lnSpc>
-                          <a:spcPct val="107000"/>
-                        </a:lnSpc>
-                        <a:spcAft>
-                          <a:spcPts val="0"/>
-                        </a:spcAft>
-                      </a:pPr>
-                      <a:r>
-                        <a:rPr lang="es-CO" sz="1100">
-                          <a:effectLst/>
-                        </a:rPr>
-                        <a:t>Usuario</a:t>
-                      </a:r>
-                      <a:endParaRPr lang="es-CO" sz="1100">
-                        <a:effectLst/>
-                        <a:latin typeface="Calibri" panose="020F0502020204030204" pitchFamily="34" charset="0"/>
-                        <a:ea typeface="Calibri" panose="020F0502020204030204" pitchFamily="34" charset="0"/>
-                        <a:cs typeface="Times New Roman" panose="02020603050405020304" pitchFamily="18" charset="0"/>
-                      </a:endParaRPr>
-                    </a:p>
-                  </a:txBody>
-                  <a:tcPr marL="20992" marR="20992" marT="0" marB="0"/>
-                </a:tc>
-                <a:tc>
-                  <a:txBody>
-                    <a:bodyPr/>
-                    <a:lstStyle/>
-                    <a:p>
-                      <a:pPr algn="l">
-                        <a:lnSpc>
-                          <a:spcPct val="107000"/>
-                        </a:lnSpc>
-                        <a:spcAft>
-                          <a:spcPts val="0"/>
-                        </a:spcAft>
-                      </a:pPr>
-                      <a:r>
-                        <a:rPr lang="es-CO" sz="1100">
-                          <a:effectLst/>
-                        </a:rPr>
-                        <a:t> </a:t>
-                      </a:r>
-                      <a:endParaRPr lang="es-CO" sz="1100">
-                        <a:effectLst/>
-                        <a:latin typeface="Calibri" panose="020F0502020204030204" pitchFamily="34" charset="0"/>
-                        <a:ea typeface="Calibri" panose="020F0502020204030204" pitchFamily="34" charset="0"/>
-                        <a:cs typeface="Times New Roman" panose="02020603050405020304" pitchFamily="18" charset="0"/>
-                      </a:endParaRPr>
-                    </a:p>
-                  </a:txBody>
-                  <a:tcPr marL="20992" marR="20992" marT="0" marB="0"/>
-                </a:tc>
-                <a:tc>
-                  <a:txBody>
-                    <a:bodyPr/>
-                    <a:lstStyle/>
-                    <a:p>
-                      <a:pPr algn="l">
-                        <a:lnSpc>
-                          <a:spcPct val="107000"/>
-                        </a:lnSpc>
-                        <a:spcAft>
-                          <a:spcPts val="0"/>
-                        </a:spcAft>
-                      </a:pPr>
-                      <a:r>
-                        <a:rPr lang="es-CO" sz="1100">
-                          <a:effectLst/>
-                        </a:rPr>
-                        <a:t> </a:t>
-                      </a:r>
-                    </a:p>
-                    <a:p>
-                      <a:pPr algn="l">
-                        <a:lnSpc>
-                          <a:spcPct val="107000"/>
-                        </a:lnSpc>
-                        <a:spcAft>
-                          <a:spcPts val="0"/>
-                        </a:spcAft>
-                      </a:pPr>
-                      <a:r>
-                        <a:rPr lang="es-CO" sz="1100">
-                          <a:effectLst/>
-                        </a:rPr>
-                        <a:t> </a:t>
-                      </a:r>
-                    </a:p>
-                    <a:p>
-                      <a:pPr algn="l">
-                        <a:lnSpc>
-                          <a:spcPct val="107000"/>
-                        </a:lnSpc>
-                        <a:spcAft>
-                          <a:spcPts val="0"/>
-                        </a:spcAft>
-                      </a:pPr>
-                      <a:r>
-                        <a:rPr lang="es-CO" sz="1100">
-                          <a:effectLst/>
-                        </a:rPr>
-                        <a:t> </a:t>
-                      </a:r>
-                    </a:p>
-                    <a:p>
-                      <a:pPr algn="l">
-                        <a:lnSpc>
-                          <a:spcPct val="107000"/>
-                        </a:lnSpc>
-                        <a:spcAft>
-                          <a:spcPts val="0"/>
-                        </a:spcAft>
-                      </a:pPr>
-                      <a:r>
-                        <a:rPr lang="es-CO" sz="1100">
-                          <a:effectLst/>
-                        </a:rPr>
-                        <a:t> </a:t>
-                      </a:r>
-                    </a:p>
-                    <a:p>
-                      <a:pPr algn="l">
-                        <a:lnSpc>
-                          <a:spcPct val="107000"/>
-                        </a:lnSpc>
-                        <a:spcAft>
-                          <a:spcPts val="0"/>
-                        </a:spcAft>
-                      </a:pPr>
-                      <a:r>
-                        <a:rPr lang="es-CO" sz="1100">
-                          <a:effectLst/>
-                        </a:rPr>
-                        <a:t> </a:t>
-                      </a:r>
-                    </a:p>
-                    <a:p>
-                      <a:pPr algn="l">
-                        <a:lnSpc>
-                          <a:spcPct val="107000"/>
-                        </a:lnSpc>
-                        <a:spcAft>
-                          <a:spcPts val="0"/>
-                        </a:spcAft>
-                      </a:pPr>
-                      <a:r>
-                        <a:rPr lang="es-CO" sz="1100">
-                          <a:effectLst/>
-                        </a:rPr>
-                        <a:t> </a:t>
-                      </a:r>
-                    </a:p>
-                    <a:p>
-                      <a:pPr algn="ctr">
-                        <a:lnSpc>
-                          <a:spcPct val="107000"/>
-                        </a:lnSpc>
-                        <a:spcAft>
-                          <a:spcPts val="0"/>
-                        </a:spcAft>
-                        <a:tabLst>
-                          <a:tab pos="742950" algn="l"/>
-                        </a:tabLst>
-                      </a:pPr>
-                      <a:r>
-                        <a:rPr lang="es-CO" sz="1100">
-                          <a:effectLst/>
-                        </a:rPr>
-                        <a:t>Correo</a:t>
-                      </a:r>
-                      <a:endParaRPr lang="es-CO" sz="1100">
-                        <a:effectLst/>
-                        <a:latin typeface="Calibri" panose="020F0502020204030204" pitchFamily="34" charset="0"/>
-                        <a:ea typeface="Calibri" panose="020F0502020204030204" pitchFamily="34" charset="0"/>
-                        <a:cs typeface="Times New Roman" panose="02020603050405020304" pitchFamily="18" charset="0"/>
-                      </a:endParaRPr>
-                    </a:p>
-                  </a:txBody>
-                  <a:tcPr marL="20992" marR="20992" marT="0" marB="0"/>
-                </a:tc>
-                <a:tc>
-                  <a:txBody>
-                    <a:bodyPr/>
-                    <a:lstStyle/>
-                    <a:p>
-                      <a:pPr algn="l">
-                        <a:lnSpc>
-                          <a:spcPct val="107000"/>
-                        </a:lnSpc>
-                        <a:spcAft>
-                          <a:spcPts val="0"/>
-                        </a:spcAft>
-                      </a:pPr>
-                      <a:r>
-                        <a:rPr lang="es-CO" sz="1100">
-                          <a:effectLst/>
-                        </a:rPr>
-                        <a:t> </a:t>
-                      </a:r>
-                      <a:endParaRPr lang="es-CO" sz="1100">
-                        <a:effectLst/>
-                        <a:latin typeface="Calibri" panose="020F0502020204030204" pitchFamily="34" charset="0"/>
-                        <a:ea typeface="Calibri" panose="020F0502020204030204" pitchFamily="34" charset="0"/>
-                        <a:cs typeface="Times New Roman" panose="02020603050405020304" pitchFamily="18" charset="0"/>
-                      </a:endParaRPr>
-                    </a:p>
-                  </a:txBody>
-                  <a:tcPr marL="20992" marR="20992" marT="0" marB="0"/>
-                </a:tc>
-                <a:extLst>
-                  <a:ext uri="{0D108BD9-81ED-4DB2-BD59-A6C34878D82A}">
-                    <a16:rowId xmlns:a16="http://schemas.microsoft.com/office/drawing/2014/main" val="3478742883"/>
-                  </a:ext>
-                </a:extLst>
-              </a:tr>
-              <a:tr h="635893">
-                <a:tc>
-                  <a:txBody>
-                    <a:bodyPr/>
-                    <a:lstStyle/>
-                    <a:p>
-                      <a:pPr algn="l">
-                        <a:lnSpc>
-                          <a:spcPct val="107000"/>
-                        </a:lnSpc>
-                        <a:spcAft>
-                          <a:spcPts val="0"/>
-                        </a:spcAft>
-                      </a:pPr>
-                      <a:r>
-                        <a:rPr lang="es-CO" sz="1100">
-                          <a:effectLst/>
-                        </a:rPr>
-                        <a:t>INV-PRO01-ACT05</a:t>
-                      </a:r>
-                      <a:endParaRPr lang="es-CO" sz="1100">
-                        <a:effectLst/>
-                        <a:latin typeface="Calibri" panose="020F0502020204030204" pitchFamily="34" charset="0"/>
-                        <a:ea typeface="Calibri" panose="020F0502020204030204" pitchFamily="34" charset="0"/>
-                        <a:cs typeface="Times New Roman" panose="02020603050405020304" pitchFamily="18" charset="0"/>
-                      </a:endParaRPr>
-                    </a:p>
-                  </a:txBody>
-                  <a:tcPr marL="20992" marR="20992" marT="0" marB="0"/>
-                </a:tc>
-                <a:tc>
-                  <a:txBody>
-                    <a:bodyPr/>
-                    <a:lstStyle/>
-                    <a:p>
-                      <a:pPr algn="l">
-                        <a:lnSpc>
-                          <a:spcPct val="107000"/>
-                        </a:lnSpc>
-                        <a:spcAft>
-                          <a:spcPts val="0"/>
-                        </a:spcAft>
-                      </a:pPr>
-                      <a:r>
-                        <a:rPr lang="es-CO" sz="1100">
-                          <a:effectLst/>
-                        </a:rPr>
-                        <a:t>Recopilar requerimientos</a:t>
-                      </a:r>
-                      <a:endParaRPr lang="es-CO" sz="1100">
-                        <a:effectLst/>
-                        <a:latin typeface="Calibri" panose="020F0502020204030204" pitchFamily="34" charset="0"/>
-                        <a:ea typeface="Calibri" panose="020F0502020204030204" pitchFamily="34" charset="0"/>
-                        <a:cs typeface="Times New Roman" panose="02020603050405020304" pitchFamily="18" charset="0"/>
-                      </a:endParaRPr>
-                    </a:p>
-                  </a:txBody>
-                  <a:tcPr marL="20992" marR="20992" marT="0" marB="0"/>
-                </a:tc>
-                <a:tc>
-                  <a:txBody>
-                    <a:bodyPr/>
-                    <a:lstStyle/>
-                    <a:p>
-                      <a:pPr algn="l">
-                        <a:lnSpc>
-                          <a:spcPct val="107000"/>
-                        </a:lnSpc>
-                        <a:spcAft>
-                          <a:spcPts val="0"/>
-                        </a:spcAft>
-                      </a:pPr>
-                      <a:r>
-                        <a:rPr lang="es-CO" sz="1100">
-                          <a:effectLst/>
-                        </a:rPr>
-                        <a:t>Se recogen los documentos necesarios para que la aseguradora comience el proceso de indemnización.</a:t>
-                      </a:r>
-                      <a:endParaRPr lang="es-CO" sz="1100">
-                        <a:effectLst/>
-                        <a:latin typeface="Calibri" panose="020F0502020204030204" pitchFamily="34" charset="0"/>
-                        <a:ea typeface="Calibri" panose="020F0502020204030204" pitchFamily="34" charset="0"/>
-                        <a:cs typeface="Times New Roman" panose="02020603050405020304" pitchFamily="18" charset="0"/>
-                      </a:endParaRPr>
-                    </a:p>
-                  </a:txBody>
-                  <a:tcPr marL="20992" marR="20992" marT="0" marB="0"/>
-                </a:tc>
-                <a:tc>
-                  <a:txBody>
-                    <a:bodyPr/>
-                    <a:lstStyle/>
-                    <a:p>
-                      <a:pPr algn="l">
-                        <a:lnSpc>
-                          <a:spcPct val="107000"/>
-                        </a:lnSpc>
-                        <a:spcAft>
-                          <a:spcPts val="0"/>
-                        </a:spcAft>
-                      </a:pPr>
-                      <a:r>
-                        <a:rPr lang="es-CO" sz="1100">
-                          <a:effectLst/>
-                        </a:rPr>
-                        <a:t> </a:t>
-                      </a:r>
-                    </a:p>
-                    <a:p>
-                      <a:pPr algn="l">
-                        <a:lnSpc>
-                          <a:spcPct val="107000"/>
-                        </a:lnSpc>
-                        <a:spcAft>
-                          <a:spcPts val="0"/>
-                        </a:spcAft>
-                      </a:pPr>
-                      <a:r>
-                        <a:rPr lang="es-CO" sz="1100">
-                          <a:effectLst/>
-                        </a:rPr>
-                        <a:t> </a:t>
-                      </a:r>
-                    </a:p>
-                    <a:p>
-                      <a:pPr algn="l">
-                        <a:lnSpc>
-                          <a:spcPct val="107000"/>
-                        </a:lnSpc>
-                        <a:spcAft>
-                          <a:spcPts val="0"/>
-                        </a:spcAft>
-                      </a:pPr>
-                      <a:r>
-                        <a:rPr lang="es-CO" sz="1100">
-                          <a:effectLst/>
-                        </a:rPr>
-                        <a:t> </a:t>
-                      </a:r>
-                    </a:p>
-                    <a:p>
-                      <a:pPr algn="l">
-                        <a:lnSpc>
-                          <a:spcPct val="107000"/>
-                        </a:lnSpc>
-                        <a:spcAft>
-                          <a:spcPts val="0"/>
-                        </a:spcAft>
-                      </a:pPr>
-                      <a:r>
-                        <a:rPr lang="es-CO" sz="1100">
-                          <a:effectLst/>
-                        </a:rPr>
-                        <a:t> </a:t>
-                      </a:r>
-                    </a:p>
-                    <a:p>
-                      <a:pPr algn="l">
-                        <a:lnSpc>
-                          <a:spcPct val="107000"/>
-                        </a:lnSpc>
-                        <a:spcAft>
-                          <a:spcPts val="0"/>
-                        </a:spcAft>
-                      </a:pPr>
-                      <a:r>
-                        <a:rPr lang="es-CO" sz="1100">
-                          <a:effectLst/>
-                        </a:rPr>
-                        <a:t> </a:t>
-                      </a:r>
-                    </a:p>
-                    <a:p>
-                      <a:pPr algn="l">
-                        <a:lnSpc>
-                          <a:spcPct val="107000"/>
-                        </a:lnSpc>
-                        <a:spcAft>
-                          <a:spcPts val="0"/>
-                        </a:spcAft>
-                      </a:pPr>
-                      <a:r>
-                        <a:rPr lang="es-CO" sz="1100">
-                          <a:effectLst/>
-                        </a:rPr>
-                        <a:t>Usuario</a:t>
-                      </a:r>
-                      <a:endParaRPr lang="es-CO" sz="1100">
-                        <a:effectLst/>
-                        <a:latin typeface="Calibri" panose="020F0502020204030204" pitchFamily="34" charset="0"/>
-                        <a:ea typeface="Calibri" panose="020F0502020204030204" pitchFamily="34" charset="0"/>
-                        <a:cs typeface="Times New Roman" panose="02020603050405020304" pitchFamily="18" charset="0"/>
-                      </a:endParaRPr>
-                    </a:p>
-                  </a:txBody>
-                  <a:tcPr marL="20992" marR="20992" marT="0" marB="0"/>
-                </a:tc>
-                <a:tc>
-                  <a:txBody>
-                    <a:bodyPr/>
-                    <a:lstStyle/>
-                    <a:p>
-                      <a:pPr algn="l">
-                        <a:lnSpc>
-                          <a:spcPct val="107000"/>
-                        </a:lnSpc>
-                        <a:spcAft>
-                          <a:spcPts val="0"/>
-                        </a:spcAft>
-                      </a:pPr>
-                      <a:r>
-                        <a:rPr lang="es-CO" sz="1100">
-                          <a:effectLst/>
-                        </a:rPr>
-                        <a:t> </a:t>
-                      </a:r>
-                      <a:endParaRPr lang="es-CO" sz="1100">
-                        <a:effectLst/>
-                        <a:latin typeface="Calibri" panose="020F0502020204030204" pitchFamily="34" charset="0"/>
-                        <a:ea typeface="Calibri" panose="020F0502020204030204" pitchFamily="34" charset="0"/>
-                        <a:cs typeface="Times New Roman" panose="02020603050405020304" pitchFamily="18" charset="0"/>
-                      </a:endParaRPr>
-                    </a:p>
-                  </a:txBody>
-                  <a:tcPr marL="20992" marR="20992" marT="0" marB="0"/>
-                </a:tc>
-                <a:tc>
-                  <a:txBody>
-                    <a:bodyPr/>
-                    <a:lstStyle/>
-                    <a:p>
-                      <a:pPr algn="l">
-                        <a:lnSpc>
-                          <a:spcPct val="107000"/>
-                        </a:lnSpc>
-                        <a:spcAft>
-                          <a:spcPts val="0"/>
-                        </a:spcAft>
-                      </a:pPr>
-                      <a:r>
-                        <a:rPr lang="es-CO" sz="1100">
-                          <a:effectLst/>
-                        </a:rPr>
-                        <a:t> </a:t>
-                      </a:r>
-                      <a:endParaRPr lang="es-CO" sz="1100">
-                        <a:effectLst/>
-                        <a:latin typeface="Calibri" panose="020F0502020204030204" pitchFamily="34" charset="0"/>
-                        <a:ea typeface="Calibri" panose="020F0502020204030204" pitchFamily="34" charset="0"/>
-                        <a:cs typeface="Times New Roman" panose="02020603050405020304" pitchFamily="18" charset="0"/>
-                      </a:endParaRPr>
-                    </a:p>
-                  </a:txBody>
-                  <a:tcPr marL="20992" marR="20992" marT="0" marB="0"/>
-                </a:tc>
-                <a:tc>
-                  <a:txBody>
-                    <a:bodyPr/>
-                    <a:lstStyle/>
-                    <a:p>
-                      <a:pPr algn="l">
-                        <a:lnSpc>
-                          <a:spcPct val="107000"/>
-                        </a:lnSpc>
-                        <a:spcAft>
-                          <a:spcPts val="0"/>
-                        </a:spcAft>
-                      </a:pPr>
-                      <a:r>
-                        <a:rPr lang="es-CO" sz="1100" dirty="0">
-                          <a:effectLst/>
-                        </a:rPr>
-                        <a:t> </a:t>
-                      </a:r>
-                      <a:endParaRPr lang="es-CO" sz="1100" dirty="0">
-                        <a:effectLst/>
-                        <a:latin typeface="Calibri" panose="020F0502020204030204" pitchFamily="34" charset="0"/>
-                        <a:ea typeface="Calibri" panose="020F0502020204030204" pitchFamily="34" charset="0"/>
-                        <a:cs typeface="Times New Roman" panose="02020603050405020304" pitchFamily="18" charset="0"/>
-                      </a:endParaRPr>
-                    </a:p>
-                  </a:txBody>
-                  <a:tcPr marL="20992" marR="20992" marT="0" marB="0"/>
-                </a:tc>
-                <a:extLst>
-                  <a:ext uri="{0D108BD9-81ED-4DB2-BD59-A6C34878D82A}">
-                    <a16:rowId xmlns:a16="http://schemas.microsoft.com/office/drawing/2014/main" val="1006836491"/>
-                  </a:ext>
-                </a:extLst>
-              </a:tr>
-            </a:tbl>
-          </a:graphicData>
-        </a:graphic>
-      </p:graphicFrame>
-    </p:spTree>
-    <p:extLst>
-      <p:ext uri="{BB962C8B-B14F-4D97-AF65-F5344CB8AC3E}">
-        <p14:creationId xmlns:p14="http://schemas.microsoft.com/office/powerpoint/2010/main" val="2707748336"/>
-      </p:ext>
-    </p:extLst>
-  </p:cSld>
-  <p:clrMapOvr>
-    <a:masterClrMapping/>
-  </p:clrMapOvr>
-</p:sld>
-</file>
-
-<file path=ppt/slides/slide9.xml><?xml version="1.0" encoding="utf-8"?>
-<p:sld xmlns:a="http://schemas.openxmlformats.org/drawingml/2006/main" xmlns:r="http://schemas.openxmlformats.org/officeDocument/2006/relationships" xmlns:p="http://schemas.openxmlformats.org/presentationml/2006/main">
-  <p:cSld>
-    <p:spTree>
-      <p:nvGrpSpPr>
-        <p:cNvPr id="1" name=""/>
-        <p:cNvGrpSpPr/>
-        <p:nvPr/>
-      </p:nvGrpSpPr>
-      <p:grpSpPr>
-        <a:xfrm>
-          <a:off x="0" y="0"/>
-          <a:ext cx="0" cy="0"/>
-          <a:chOff x="0" y="0"/>
-          <a:chExt cx="0" cy="0"/>
-        </a:xfrm>
-      </p:grpSpPr>
-      <p:graphicFrame>
-        <p:nvGraphicFramePr>
-          <p:cNvPr id="4" name="Tabla 3">
-            <a:extLst>
-              <a:ext uri="{FF2B5EF4-FFF2-40B4-BE49-F238E27FC236}">
-                <a16:creationId xmlns:a16="http://schemas.microsoft.com/office/drawing/2014/main" id="{D5D54006-3C8F-4422-9EC5-07695A72FF38}"/>
-              </a:ext>
-            </a:extLst>
-          </p:cNvPr>
-          <p:cNvGraphicFramePr>
-            <a:graphicFrameLocks noGrp="1"/>
-          </p:cNvGraphicFramePr>
-          <p:nvPr>
-            <p:extLst>
-              <p:ext uri="{D42A27DB-BD31-4B8C-83A1-F6EECF244321}">
-                <p14:modId xmlns:p14="http://schemas.microsoft.com/office/powerpoint/2010/main" val="2104479991"/>
-              </p:ext>
-            </p:extLst>
-          </p:nvPr>
-        </p:nvGraphicFramePr>
-        <p:xfrm>
-          <a:off x="495300" y="733900"/>
-          <a:ext cx="10515599" cy="5696268"/>
-        </p:xfrm>
-        <a:graphic>
-          <a:graphicData uri="http://schemas.openxmlformats.org/drawingml/2006/table">
-            <a:tbl>
-              <a:tblPr firstRow="1" firstCol="1" bandRow="1">
-                <a:tableStyleId>{5C22544A-7EE6-4342-B048-85BDC9FD1C3A}</a:tableStyleId>
-              </a:tblPr>
-              <a:tblGrid>
-                <a:gridCol w="858829">
-                  <a:extLst>
-                    <a:ext uri="{9D8B030D-6E8A-4147-A177-3AD203B41FA5}">
-                      <a16:colId xmlns:a16="http://schemas.microsoft.com/office/drawing/2014/main" val="825645303"/>
-                    </a:ext>
-                  </a:extLst>
-                </a:gridCol>
-                <a:gridCol w="1260252">
-                  <a:extLst>
-                    <a:ext uri="{9D8B030D-6E8A-4147-A177-3AD203B41FA5}">
-                      <a16:colId xmlns:a16="http://schemas.microsoft.com/office/drawing/2014/main" val="77387415"/>
-                    </a:ext>
-                  </a:extLst>
-                </a:gridCol>
-                <a:gridCol w="1269784">
-                  <a:extLst>
-                    <a:ext uri="{9D8B030D-6E8A-4147-A177-3AD203B41FA5}">
-                      <a16:colId xmlns:a16="http://schemas.microsoft.com/office/drawing/2014/main" val="1819949693"/>
-                    </a:ext>
-                  </a:extLst>
-                </a:gridCol>
-                <a:gridCol w="674286">
-                  <a:extLst>
-                    <a:ext uri="{9D8B030D-6E8A-4147-A177-3AD203B41FA5}">
-                      <a16:colId xmlns:a16="http://schemas.microsoft.com/office/drawing/2014/main" val="943427636"/>
-                    </a:ext>
-                  </a:extLst>
-                </a:gridCol>
-                <a:gridCol w="2371520">
-                  <a:extLst>
-                    <a:ext uri="{9D8B030D-6E8A-4147-A177-3AD203B41FA5}">
-                      <a16:colId xmlns:a16="http://schemas.microsoft.com/office/drawing/2014/main" val="3368939857"/>
-                    </a:ext>
-                  </a:extLst>
-                </a:gridCol>
-                <a:gridCol w="988665">
-                  <a:extLst>
-                    <a:ext uri="{9D8B030D-6E8A-4147-A177-3AD203B41FA5}">
-                      <a16:colId xmlns:a16="http://schemas.microsoft.com/office/drawing/2014/main" val="712264134"/>
-                    </a:ext>
-                  </a:extLst>
-                </a:gridCol>
-                <a:gridCol w="3092263">
-                  <a:extLst>
-                    <a:ext uri="{9D8B030D-6E8A-4147-A177-3AD203B41FA5}">
-                      <a16:colId xmlns:a16="http://schemas.microsoft.com/office/drawing/2014/main" val="1560814136"/>
-                    </a:ext>
-                  </a:extLst>
-                </a:gridCol>
-              </a:tblGrid>
-              <a:tr h="1793505">
-                <a:tc>
-                  <a:txBody>
-                    <a:bodyPr/>
-                    <a:lstStyle/>
-                    <a:p>
-                      <a:pPr algn="l">
-                        <a:lnSpc>
-                          <a:spcPct val="107000"/>
-                        </a:lnSpc>
-                        <a:spcAft>
-                          <a:spcPts val="0"/>
-                        </a:spcAft>
-                      </a:pPr>
-                      <a:r>
-                        <a:rPr lang="es-CO" sz="1100">
-                          <a:effectLst/>
-                        </a:rPr>
-                        <a:t>INV-PRO01-ACT06</a:t>
-                      </a:r>
-                      <a:endParaRPr lang="es-CO" sz="1100">
-                        <a:effectLst/>
-                        <a:latin typeface="Calibri" panose="020F0502020204030204" pitchFamily="34" charset="0"/>
-                        <a:ea typeface="Calibri" panose="020F0502020204030204" pitchFamily="34" charset="0"/>
-                        <a:cs typeface="Times New Roman" panose="02020603050405020304" pitchFamily="18" charset="0"/>
-                      </a:endParaRPr>
-                    </a:p>
-                  </a:txBody>
-                  <a:tcPr marL="22228" marR="22228" marT="0" marB="0"/>
-                </a:tc>
-                <a:tc>
-                  <a:txBody>
-                    <a:bodyPr/>
-                    <a:lstStyle/>
-                    <a:p>
-                      <a:pPr algn="l">
-                        <a:lnSpc>
-                          <a:spcPct val="107000"/>
-                        </a:lnSpc>
-                        <a:spcAft>
-                          <a:spcPts val="0"/>
-                        </a:spcAft>
-                      </a:pPr>
-                      <a:r>
-                        <a:rPr lang="es-CO" sz="1100">
-                          <a:effectLst/>
-                        </a:rPr>
-                        <a:t>Análisis de conveniencia</a:t>
-                      </a:r>
-                      <a:endParaRPr lang="es-CO" sz="1100">
-                        <a:effectLst/>
-                        <a:latin typeface="Calibri" panose="020F0502020204030204" pitchFamily="34" charset="0"/>
-                        <a:ea typeface="Calibri" panose="020F0502020204030204" pitchFamily="34" charset="0"/>
-                        <a:cs typeface="Times New Roman" panose="02020603050405020304" pitchFamily="18" charset="0"/>
-                      </a:endParaRPr>
-                    </a:p>
-                  </a:txBody>
-                  <a:tcPr marL="22228" marR="22228" marT="0" marB="0"/>
-                </a:tc>
-                <a:tc>
-                  <a:txBody>
-                    <a:bodyPr/>
-                    <a:lstStyle/>
-                    <a:p>
-                      <a:pPr algn="l">
-                        <a:lnSpc>
-                          <a:spcPct val="107000"/>
-                        </a:lnSpc>
-                        <a:spcAft>
-                          <a:spcPts val="0"/>
-                        </a:spcAft>
-                      </a:pPr>
-                      <a:r>
-                        <a:rPr lang="es-CO" sz="1100">
-                          <a:effectLst/>
-                        </a:rPr>
-                        <a:t>Después de recibir el recibo de indemnización por parte de la aseguradora se hace un análisis de conveniencia para escoger la mejor opción para recuperar lo perdido.</a:t>
-                      </a:r>
-                      <a:endParaRPr lang="es-CO" sz="1100">
-                        <a:effectLst/>
-                        <a:latin typeface="Calibri" panose="020F0502020204030204" pitchFamily="34" charset="0"/>
-                        <a:ea typeface="Calibri" panose="020F0502020204030204" pitchFamily="34" charset="0"/>
-                        <a:cs typeface="Times New Roman" panose="02020603050405020304" pitchFamily="18" charset="0"/>
-                      </a:endParaRPr>
-                    </a:p>
-                  </a:txBody>
-                  <a:tcPr marL="22228" marR="22228" marT="0" marB="0"/>
-                </a:tc>
-                <a:tc>
-                  <a:txBody>
-                    <a:bodyPr/>
-                    <a:lstStyle/>
-                    <a:p>
-                      <a:pPr algn="l">
-                        <a:lnSpc>
-                          <a:spcPct val="107000"/>
-                        </a:lnSpc>
-                        <a:spcAft>
-                          <a:spcPts val="0"/>
-                        </a:spcAft>
-                      </a:pPr>
-                      <a:r>
-                        <a:rPr lang="es-CO" sz="1100">
-                          <a:effectLst/>
-                        </a:rPr>
-                        <a:t> </a:t>
-                      </a:r>
-                      <a:endParaRPr lang="es-CO" sz="1100">
-                        <a:effectLst/>
-                        <a:latin typeface="Calibri" panose="020F0502020204030204" pitchFamily="34" charset="0"/>
-                        <a:ea typeface="Calibri" panose="020F0502020204030204" pitchFamily="34" charset="0"/>
-                        <a:cs typeface="Times New Roman" panose="02020603050405020304" pitchFamily="18" charset="0"/>
-                      </a:endParaRPr>
-                    </a:p>
-                  </a:txBody>
-                  <a:tcPr marL="22228" marR="22228" marT="0" marB="0"/>
-                </a:tc>
-                <a:tc>
-                  <a:txBody>
-                    <a:bodyPr/>
-                    <a:lstStyle/>
-                    <a:p>
-                      <a:pPr algn="l">
-                        <a:lnSpc>
-                          <a:spcPct val="107000"/>
-                        </a:lnSpc>
-                        <a:spcAft>
-                          <a:spcPts val="0"/>
-                        </a:spcAft>
-                      </a:pPr>
-                      <a:r>
-                        <a:rPr lang="es-CO" sz="1100" dirty="0">
-                          <a:effectLst/>
-                        </a:rPr>
-                        <a:t> </a:t>
-                      </a:r>
-                      <a:endParaRPr lang="es-CO" sz="1100" dirty="0">
-                        <a:effectLst/>
-                        <a:latin typeface="Calibri" panose="020F0502020204030204" pitchFamily="34" charset="0"/>
-                        <a:ea typeface="Calibri" panose="020F0502020204030204" pitchFamily="34" charset="0"/>
-                        <a:cs typeface="Times New Roman" panose="02020603050405020304" pitchFamily="18" charset="0"/>
-                      </a:endParaRPr>
-                    </a:p>
-                  </a:txBody>
-                  <a:tcPr marL="22228" marR="22228" marT="0" marB="0"/>
-                </a:tc>
-                <a:tc>
-                  <a:txBody>
-                    <a:bodyPr/>
-                    <a:lstStyle/>
-                    <a:p>
-                      <a:pPr algn="l">
-                        <a:lnSpc>
-                          <a:spcPct val="107000"/>
-                        </a:lnSpc>
-                        <a:spcAft>
-                          <a:spcPts val="0"/>
-                        </a:spcAft>
-                      </a:pPr>
-                      <a:r>
-                        <a:rPr lang="es-CO" sz="1100">
-                          <a:effectLst/>
-                        </a:rPr>
-                        <a:t> </a:t>
-                      </a:r>
-                      <a:endParaRPr lang="es-CO" sz="1100">
-                        <a:effectLst/>
-                        <a:latin typeface="Calibri" panose="020F0502020204030204" pitchFamily="34" charset="0"/>
-                        <a:ea typeface="Calibri" panose="020F0502020204030204" pitchFamily="34" charset="0"/>
-                        <a:cs typeface="Times New Roman" panose="02020603050405020304" pitchFamily="18" charset="0"/>
-                      </a:endParaRPr>
-                    </a:p>
-                  </a:txBody>
-                  <a:tcPr marL="22228" marR="22228" marT="0" marB="0"/>
-                </a:tc>
-                <a:tc>
-                  <a:txBody>
-                    <a:bodyPr/>
-                    <a:lstStyle/>
-                    <a:p>
-                      <a:pPr marL="342900" marR="39370" lvl="0" indent="-342900" algn="l">
-                        <a:spcAft>
-                          <a:spcPts val="0"/>
-                        </a:spcAft>
-                        <a:buSzPts val="1000"/>
-                        <a:buFont typeface="Arial" panose="020B0604020202020204" pitchFamily="34" charset="0"/>
-                        <a:buChar char="•"/>
-                      </a:pPr>
-                      <a:r>
-                        <a:rPr lang="es-ES" sz="1100" dirty="0">
-                          <a:effectLst/>
-                        </a:rPr>
-                        <a:t>Oficio</a:t>
-                      </a:r>
-                      <a:endParaRPr lang="es-CO" sz="1100" dirty="0">
-                        <a:effectLst/>
-                      </a:endParaRPr>
-                    </a:p>
-                    <a:p>
-                      <a:pPr marL="342900" marR="39370" lvl="0" indent="-342900" algn="l">
-                        <a:spcAft>
-                          <a:spcPts val="0"/>
-                        </a:spcAft>
-                        <a:buSzPts val="1000"/>
-                        <a:buFont typeface="Arial" panose="020B0604020202020204" pitchFamily="34" charset="0"/>
-                        <a:buChar char="•"/>
-                      </a:pPr>
-                      <a:r>
-                        <a:rPr lang="es-ES" sz="1100" dirty="0">
-                          <a:effectLst/>
-                        </a:rPr>
-                        <a:t>Factura</a:t>
-                      </a:r>
-                      <a:endParaRPr lang="es-CO" sz="1100" dirty="0">
-                        <a:effectLst/>
-                      </a:endParaRPr>
-                    </a:p>
-                    <a:p>
-                      <a:pPr marL="342900" marR="39370" lvl="0" indent="-342900" algn="l">
-                        <a:spcAft>
-                          <a:spcPts val="0"/>
-                        </a:spcAft>
-                        <a:buSzPts val="1000"/>
-                        <a:buFont typeface="Arial" panose="020B0604020202020204" pitchFamily="34" charset="0"/>
-                        <a:buChar char="•"/>
-                      </a:pPr>
-                      <a:r>
-                        <a:rPr lang="es-ES" sz="1100" dirty="0">
-                          <a:effectLst/>
-                        </a:rPr>
-                        <a:t>Certificación Bancaria (no mayor a 3 meses)</a:t>
-                      </a:r>
-                      <a:endParaRPr lang="es-CO" sz="1100" dirty="0">
-                        <a:effectLst/>
-                      </a:endParaRPr>
-                    </a:p>
-                    <a:p>
-                      <a:pPr marL="342900" lvl="0" indent="-342900" algn="l">
-                        <a:lnSpc>
-                          <a:spcPct val="107000"/>
-                        </a:lnSpc>
-                        <a:spcAft>
-                          <a:spcPts val="0"/>
-                        </a:spcAft>
-                        <a:buSzPts val="1000"/>
-                        <a:buFont typeface="Arial" panose="020B0604020202020204" pitchFamily="34" charset="0"/>
-                        <a:buChar char="•"/>
-                      </a:pPr>
-                      <a:r>
-                        <a:rPr lang="es-CO" sz="1100" dirty="0">
-                          <a:effectLst/>
-                        </a:rPr>
-                        <a:t>Copia de la Cedula Representante legal</a:t>
-                      </a:r>
-                    </a:p>
-                    <a:p>
-                      <a:pPr marL="342900" marR="39370" lvl="0" indent="-342900" algn="l">
-                        <a:spcAft>
-                          <a:spcPts val="0"/>
-                        </a:spcAft>
-                        <a:buSzPts val="1000"/>
-                        <a:buFont typeface="Arial" panose="020B0604020202020204" pitchFamily="34" charset="0"/>
-                        <a:buChar char="•"/>
-                      </a:pPr>
-                      <a:r>
-                        <a:rPr lang="es-ES" sz="1100" dirty="0">
-                          <a:effectLst/>
-                        </a:rPr>
-                        <a:t>Cámara de comercio ( no mayor a 3 meses)</a:t>
-                      </a:r>
-                      <a:endParaRPr lang="es-CO" sz="1100" dirty="0">
-                        <a:effectLst/>
-                      </a:endParaRPr>
-                    </a:p>
-                    <a:p>
-                      <a:pPr marL="342900" marR="39370" lvl="0" indent="-342900" algn="l">
-                        <a:spcAft>
-                          <a:spcPts val="0"/>
-                        </a:spcAft>
-                        <a:buSzPts val="1000"/>
-                        <a:buFont typeface="Arial" panose="020B0604020202020204" pitchFamily="34" charset="0"/>
-                        <a:buChar char="•"/>
-                      </a:pPr>
-                      <a:r>
-                        <a:rPr lang="es-ES" sz="1100" dirty="0">
-                          <a:effectLst/>
-                        </a:rPr>
-                        <a:t>Rut de la persona o empresa titular de la cuenta que aparece</a:t>
-                      </a:r>
-                      <a:endParaRPr lang="es-CO" sz="1100" dirty="0">
-                        <a:effectLst/>
-                      </a:endParaRPr>
-                    </a:p>
-                    <a:p>
-                      <a:pPr marL="342900" marR="39370" lvl="0" indent="-342900" algn="l">
-                        <a:spcAft>
-                          <a:spcPts val="0"/>
-                        </a:spcAft>
-                        <a:buSzPts val="1000"/>
-                        <a:buFont typeface="Arial" panose="020B0604020202020204" pitchFamily="34" charset="0"/>
-                        <a:buChar char="•"/>
-                      </a:pPr>
-                      <a:r>
-                        <a:rPr lang="es-ES" sz="1100" dirty="0">
-                          <a:effectLst/>
-                        </a:rPr>
-                        <a:t>Recibo Indemnización Firmado</a:t>
-                      </a:r>
-                      <a:endParaRPr lang="es-CO" sz="1100" dirty="0">
-                        <a:effectLst/>
-                      </a:endParaRPr>
-                    </a:p>
-                    <a:p>
-                      <a:pPr marL="342900" marR="39370" lvl="0" indent="-342900" algn="l">
-                        <a:spcAft>
-                          <a:spcPts val="0"/>
-                        </a:spcAft>
-                        <a:buSzPts val="1000"/>
-                        <a:buFont typeface="Arial" panose="020B0604020202020204" pitchFamily="34" charset="0"/>
-                        <a:buChar char="•"/>
-                      </a:pPr>
-                      <a:r>
-                        <a:rPr lang="es-ES" sz="1100" dirty="0">
-                          <a:effectLst/>
-                        </a:rPr>
-                        <a:t>Seguimiento aplicativo</a:t>
-                      </a:r>
-                      <a:endParaRPr lang="es-CO" sz="1100" dirty="0">
-                        <a:effectLst/>
-                      </a:endParaRPr>
-                    </a:p>
-                    <a:p>
-                      <a:pPr algn="l">
-                        <a:lnSpc>
-                          <a:spcPct val="107000"/>
-                        </a:lnSpc>
-                        <a:spcAft>
-                          <a:spcPts val="0"/>
-                        </a:spcAft>
-                      </a:pPr>
-                      <a:r>
-                        <a:rPr lang="es-CO" sz="1100" dirty="0">
-                          <a:effectLst/>
-                        </a:rPr>
-                        <a:t> </a:t>
-                      </a:r>
-                      <a:endParaRPr lang="es-CO" sz="1100" dirty="0">
-                        <a:effectLst/>
-                        <a:latin typeface="Calibri" panose="020F0502020204030204" pitchFamily="34" charset="0"/>
-                        <a:ea typeface="Calibri" panose="020F0502020204030204" pitchFamily="34" charset="0"/>
-                        <a:cs typeface="Times New Roman" panose="02020603050405020304" pitchFamily="18" charset="0"/>
-                      </a:endParaRPr>
-                    </a:p>
-                  </a:txBody>
-                  <a:tcPr marL="22228" marR="22228" marT="0" marB="0"/>
-                </a:tc>
-                <a:extLst>
-                  <a:ext uri="{0D108BD9-81ED-4DB2-BD59-A6C34878D82A}">
-                    <a16:rowId xmlns:a16="http://schemas.microsoft.com/office/drawing/2014/main" val="2127749590"/>
-                  </a:ext>
-                </a:extLst>
-              </a:tr>
-              <a:tr h="1554757">
-                <a:tc>
-                  <a:txBody>
-                    <a:bodyPr/>
-                    <a:lstStyle/>
-                    <a:p>
-                      <a:pPr algn="l">
-                        <a:lnSpc>
-                          <a:spcPct val="107000"/>
-                        </a:lnSpc>
-                        <a:spcAft>
-                          <a:spcPts val="0"/>
-                        </a:spcAft>
-                      </a:pPr>
-                      <a:r>
-                        <a:rPr lang="es-CO" sz="1100">
-                          <a:effectLst/>
-                        </a:rPr>
-                        <a:t>INV-PRO01-ACT07</a:t>
-                      </a:r>
-                      <a:endParaRPr lang="es-CO" sz="1100">
-                        <a:effectLst/>
-                        <a:latin typeface="Calibri" panose="020F0502020204030204" pitchFamily="34" charset="0"/>
-                        <a:ea typeface="Calibri" panose="020F0502020204030204" pitchFamily="34" charset="0"/>
-                        <a:cs typeface="Times New Roman" panose="02020603050405020304" pitchFamily="18" charset="0"/>
-                      </a:endParaRPr>
-                    </a:p>
-                  </a:txBody>
-                  <a:tcPr marL="22228" marR="22228" marT="0" marB="0"/>
-                </a:tc>
-                <a:tc>
-                  <a:txBody>
-                    <a:bodyPr/>
-                    <a:lstStyle/>
-                    <a:p>
-                      <a:pPr algn="l">
-                        <a:lnSpc>
-                          <a:spcPct val="107000"/>
-                        </a:lnSpc>
-                        <a:spcAft>
-                          <a:spcPts val="0"/>
-                        </a:spcAft>
-                      </a:pPr>
-                      <a:r>
-                        <a:rPr lang="es-CO" sz="1100">
-                          <a:effectLst/>
-                        </a:rPr>
-                        <a:t>Firma del documento</a:t>
-                      </a:r>
-                      <a:endParaRPr lang="es-CO" sz="1100">
-                        <a:effectLst/>
-                        <a:latin typeface="Calibri" panose="020F0502020204030204" pitchFamily="34" charset="0"/>
-                        <a:ea typeface="Calibri" panose="020F0502020204030204" pitchFamily="34" charset="0"/>
-                        <a:cs typeface="Times New Roman" panose="02020603050405020304" pitchFamily="18" charset="0"/>
-                      </a:endParaRPr>
-                    </a:p>
-                  </a:txBody>
-                  <a:tcPr marL="22228" marR="22228" marT="0" marB="0"/>
-                </a:tc>
-                <a:tc>
-                  <a:txBody>
-                    <a:bodyPr/>
-                    <a:lstStyle/>
-                    <a:p>
-                      <a:pPr algn="l">
-                        <a:lnSpc>
-                          <a:spcPct val="107000"/>
-                        </a:lnSpc>
-                        <a:spcAft>
-                          <a:spcPts val="0"/>
-                        </a:spcAft>
-                      </a:pPr>
-                      <a:r>
-                        <a:rPr lang="es-CO" sz="1100">
-                          <a:effectLst/>
-                        </a:rPr>
-                        <a:t>Una vez se decide cual va a ser la mejor opción para la indemnización el subdirector firma el documento para dar inicio al debido proceso</a:t>
-                      </a:r>
-                      <a:endParaRPr lang="es-CO" sz="1100">
-                        <a:effectLst/>
-                        <a:latin typeface="Calibri" panose="020F0502020204030204" pitchFamily="34" charset="0"/>
-                        <a:ea typeface="Calibri" panose="020F0502020204030204" pitchFamily="34" charset="0"/>
-                        <a:cs typeface="Times New Roman" panose="02020603050405020304" pitchFamily="18" charset="0"/>
-                      </a:endParaRPr>
-                    </a:p>
-                  </a:txBody>
-                  <a:tcPr marL="22228" marR="22228" marT="0" marB="0"/>
-                </a:tc>
-                <a:tc>
-                  <a:txBody>
-                    <a:bodyPr/>
-                    <a:lstStyle/>
-                    <a:p>
-                      <a:pPr algn="l">
-                        <a:lnSpc>
-                          <a:spcPct val="107000"/>
-                        </a:lnSpc>
-                        <a:spcAft>
-                          <a:spcPts val="0"/>
-                        </a:spcAft>
-                      </a:pPr>
-                      <a:r>
-                        <a:rPr lang="es-CO" sz="1100">
-                          <a:effectLst/>
-                        </a:rPr>
-                        <a:t> </a:t>
-                      </a:r>
-                    </a:p>
-                    <a:p>
-                      <a:pPr algn="l">
-                        <a:lnSpc>
-                          <a:spcPct val="107000"/>
-                        </a:lnSpc>
-                        <a:spcAft>
-                          <a:spcPts val="0"/>
-                        </a:spcAft>
-                      </a:pPr>
-                      <a:r>
-                        <a:rPr lang="es-CO" sz="1100">
-                          <a:effectLst/>
-                        </a:rPr>
-                        <a:t>Usuario</a:t>
-                      </a:r>
-                      <a:endParaRPr lang="es-CO" sz="1100">
-                        <a:effectLst/>
-                        <a:latin typeface="Calibri" panose="020F0502020204030204" pitchFamily="34" charset="0"/>
-                        <a:ea typeface="Calibri" panose="020F0502020204030204" pitchFamily="34" charset="0"/>
-                        <a:cs typeface="Times New Roman" panose="02020603050405020304" pitchFamily="18" charset="0"/>
-                      </a:endParaRPr>
-                    </a:p>
-                  </a:txBody>
-                  <a:tcPr marL="22228" marR="22228" marT="0" marB="0"/>
-                </a:tc>
-                <a:tc>
-                  <a:txBody>
-                    <a:bodyPr/>
-                    <a:lstStyle/>
-                    <a:p>
-                      <a:pPr marL="342900" marR="39370" lvl="0" indent="-342900" algn="l">
-                        <a:spcAft>
-                          <a:spcPts val="0"/>
-                        </a:spcAft>
-                        <a:buSzPts val="1000"/>
-                        <a:buFont typeface="Arial" panose="020B0604020202020204" pitchFamily="34" charset="0"/>
-                        <a:buChar char="•"/>
-                      </a:pPr>
-                      <a:r>
-                        <a:rPr lang="es-CO" sz="1100" dirty="0">
-                          <a:effectLst/>
-                        </a:rPr>
-                        <a:t> </a:t>
-                      </a:r>
-                      <a:r>
-                        <a:rPr lang="es-ES" sz="1100" dirty="0">
-                          <a:effectLst/>
-                        </a:rPr>
-                        <a:t>Factura</a:t>
-                      </a:r>
-                      <a:endParaRPr lang="es-CO" sz="1100" dirty="0">
-                        <a:effectLst/>
-                      </a:endParaRPr>
-                    </a:p>
-                    <a:p>
-                      <a:pPr marL="342900" marR="39370" lvl="0" indent="-342900" algn="l">
-                        <a:spcAft>
-                          <a:spcPts val="0"/>
-                        </a:spcAft>
-                        <a:buSzPts val="1000"/>
-                        <a:buFont typeface="Arial" panose="020B0604020202020204" pitchFamily="34" charset="0"/>
-                        <a:buChar char="•"/>
-                      </a:pPr>
-                      <a:r>
-                        <a:rPr lang="es-ES" sz="1100" dirty="0">
-                          <a:effectLst/>
-                        </a:rPr>
-                        <a:t>Certificación Bancaria (no mayor a 3 meses)</a:t>
-                      </a:r>
-                      <a:endParaRPr lang="es-CO" sz="1100" dirty="0">
-                        <a:effectLst/>
-                      </a:endParaRPr>
-                    </a:p>
-                    <a:p>
-                      <a:pPr marL="342900" lvl="0" indent="-342900" algn="l">
-                        <a:lnSpc>
-                          <a:spcPct val="107000"/>
-                        </a:lnSpc>
-                        <a:spcAft>
-                          <a:spcPts val="0"/>
-                        </a:spcAft>
-                        <a:buSzPts val="1000"/>
-                        <a:buFont typeface="Arial" panose="020B0604020202020204" pitchFamily="34" charset="0"/>
-                        <a:buChar char="•"/>
-                      </a:pPr>
-                      <a:r>
-                        <a:rPr lang="es-CO" sz="1100" dirty="0">
-                          <a:effectLst/>
-                        </a:rPr>
-                        <a:t>Copia de la Cedula Representante legal</a:t>
-                      </a:r>
-                    </a:p>
-                    <a:p>
-                      <a:pPr marL="342900" marR="39370" lvl="0" indent="-342900" algn="l">
-                        <a:spcAft>
-                          <a:spcPts val="0"/>
-                        </a:spcAft>
-                        <a:buSzPts val="1000"/>
-                        <a:buFont typeface="Arial" panose="020B0604020202020204" pitchFamily="34" charset="0"/>
-                        <a:buChar char="•"/>
-                      </a:pPr>
-                      <a:r>
-                        <a:rPr lang="es-ES" sz="1100" dirty="0">
-                          <a:effectLst/>
-                        </a:rPr>
-                        <a:t>Cámara de comercio ( no mayor a 3 meses)</a:t>
-                      </a:r>
-                      <a:endParaRPr lang="es-CO" sz="1100" dirty="0">
-                        <a:effectLst/>
-                      </a:endParaRPr>
-                    </a:p>
-                    <a:p>
-                      <a:pPr marL="342900" marR="39370" lvl="0" indent="-342900" algn="l">
-                        <a:spcAft>
-                          <a:spcPts val="0"/>
-                        </a:spcAft>
-                        <a:buSzPts val="1000"/>
-                        <a:buFont typeface="Arial" panose="020B0604020202020204" pitchFamily="34" charset="0"/>
-                        <a:buChar char="•"/>
-                      </a:pPr>
-                      <a:r>
-                        <a:rPr lang="es-ES" sz="1100" dirty="0">
-                          <a:effectLst/>
-                        </a:rPr>
-                        <a:t>Recibo Indemnización Firmado</a:t>
-                      </a:r>
-                      <a:endParaRPr lang="es-CO" sz="1100" dirty="0">
-                        <a:effectLst/>
-                      </a:endParaRPr>
-                    </a:p>
-                    <a:p>
-                      <a:pPr marL="342900" marR="39370" lvl="0" indent="-342900" algn="l">
-                        <a:spcAft>
-                          <a:spcPts val="0"/>
-                        </a:spcAft>
-                        <a:buSzPts val="1000"/>
-                        <a:buFont typeface="Arial" panose="020B0604020202020204" pitchFamily="34" charset="0"/>
-                        <a:buChar char="•"/>
-                      </a:pPr>
-                      <a:r>
-                        <a:rPr lang="es-ES" sz="1100" dirty="0">
-                          <a:effectLst/>
-                        </a:rPr>
-                        <a:t>Seguimiento aplicativo</a:t>
-                      </a:r>
-                      <a:endParaRPr lang="es-CO" sz="1100" dirty="0">
-                        <a:effectLst/>
-                      </a:endParaRPr>
-                    </a:p>
-                    <a:p>
-                      <a:pPr algn="l">
-                        <a:lnSpc>
-                          <a:spcPct val="107000"/>
-                        </a:lnSpc>
-                        <a:spcAft>
-                          <a:spcPts val="0"/>
-                        </a:spcAft>
-                      </a:pPr>
-                      <a:endParaRPr lang="es-CO" sz="1100" dirty="0">
-                        <a:effectLst/>
-                        <a:latin typeface="Calibri" panose="020F0502020204030204" pitchFamily="34" charset="0"/>
-                        <a:ea typeface="Calibri" panose="020F0502020204030204" pitchFamily="34" charset="0"/>
-                        <a:cs typeface="Times New Roman" panose="02020603050405020304" pitchFamily="18" charset="0"/>
-                      </a:endParaRPr>
-                    </a:p>
-                  </a:txBody>
-                  <a:tcPr marL="22228" marR="22228" marT="0" marB="0"/>
-                </a:tc>
-                <a:tc>
-                  <a:txBody>
-                    <a:bodyPr/>
-                    <a:lstStyle/>
-                    <a:p>
-                      <a:pPr algn="l">
-                        <a:lnSpc>
-                          <a:spcPct val="107000"/>
-                        </a:lnSpc>
-                        <a:spcAft>
-                          <a:spcPts val="0"/>
-                        </a:spcAft>
-                      </a:pPr>
-                      <a:r>
-                        <a:rPr lang="es-CO" sz="1100">
-                          <a:effectLst/>
-                        </a:rPr>
-                        <a:t> </a:t>
-                      </a:r>
-                      <a:endParaRPr lang="es-CO" sz="1100">
-                        <a:effectLst/>
-                        <a:latin typeface="Calibri" panose="020F0502020204030204" pitchFamily="34" charset="0"/>
-                        <a:ea typeface="Calibri" panose="020F0502020204030204" pitchFamily="34" charset="0"/>
-                        <a:cs typeface="Times New Roman" panose="02020603050405020304" pitchFamily="18" charset="0"/>
-                      </a:endParaRPr>
-                    </a:p>
-                  </a:txBody>
-                  <a:tcPr marL="22228" marR="22228" marT="0" marB="0"/>
-                </a:tc>
-                <a:tc>
-                  <a:txBody>
-                    <a:bodyPr/>
-                    <a:lstStyle/>
-                    <a:p>
-                      <a:pPr algn="l">
-                        <a:lnSpc>
-                          <a:spcPct val="107000"/>
-                        </a:lnSpc>
-                        <a:spcAft>
-                          <a:spcPts val="0"/>
-                        </a:spcAft>
-                      </a:pPr>
-                      <a:r>
-                        <a:rPr lang="es-CO" sz="1100">
-                          <a:effectLst/>
-                        </a:rPr>
-                        <a:t> </a:t>
-                      </a:r>
-                      <a:endParaRPr lang="es-CO" sz="1100">
-                        <a:effectLst/>
-                        <a:latin typeface="Calibri" panose="020F0502020204030204" pitchFamily="34" charset="0"/>
-                        <a:ea typeface="Calibri" panose="020F0502020204030204" pitchFamily="34" charset="0"/>
-                        <a:cs typeface="Times New Roman" panose="02020603050405020304" pitchFamily="18" charset="0"/>
-                      </a:endParaRPr>
-                    </a:p>
-                  </a:txBody>
-                  <a:tcPr marL="22228" marR="22228" marT="0" marB="0"/>
-                </a:tc>
-                <a:extLst>
-                  <a:ext uri="{0D108BD9-81ED-4DB2-BD59-A6C34878D82A}">
-                    <a16:rowId xmlns:a16="http://schemas.microsoft.com/office/drawing/2014/main" val="1634353565"/>
-                  </a:ext>
-                </a:extLst>
-              </a:tr>
-              <a:tr h="1850005">
-                <a:tc>
-                  <a:txBody>
-                    <a:bodyPr/>
-                    <a:lstStyle/>
-                    <a:p>
-                      <a:pPr algn="l">
-                        <a:lnSpc>
-                          <a:spcPct val="107000"/>
-                        </a:lnSpc>
-                        <a:spcAft>
-                          <a:spcPts val="0"/>
-                        </a:spcAft>
-                      </a:pPr>
-                      <a:r>
-                        <a:rPr lang="es-CO" sz="1100">
-                          <a:effectLst/>
-                        </a:rPr>
-                        <a:t>INV-PRO01-ACT08</a:t>
-                      </a:r>
-                      <a:endParaRPr lang="es-CO" sz="1100">
-                        <a:effectLst/>
-                        <a:latin typeface="Calibri" panose="020F0502020204030204" pitchFamily="34" charset="0"/>
-                        <a:ea typeface="Calibri" panose="020F0502020204030204" pitchFamily="34" charset="0"/>
-                        <a:cs typeface="Times New Roman" panose="02020603050405020304" pitchFamily="18" charset="0"/>
-                      </a:endParaRPr>
-                    </a:p>
-                  </a:txBody>
-                  <a:tcPr marL="22228" marR="22228" marT="0" marB="0"/>
-                </a:tc>
-                <a:tc>
-                  <a:txBody>
-                    <a:bodyPr/>
-                    <a:lstStyle/>
-                    <a:p>
-                      <a:pPr algn="l">
-                        <a:lnSpc>
-                          <a:spcPct val="107000"/>
-                        </a:lnSpc>
-                        <a:spcAft>
-                          <a:spcPts val="0"/>
-                        </a:spcAft>
-                      </a:pPr>
-                      <a:r>
-                        <a:rPr lang="es-CO" sz="1100">
-                          <a:effectLst/>
-                        </a:rPr>
-                        <a:t>Informar al proveedor de la aceptación de la oferta</a:t>
-                      </a:r>
-                      <a:endParaRPr lang="es-CO" sz="1100">
-                        <a:effectLst/>
-                        <a:latin typeface="Calibri" panose="020F0502020204030204" pitchFamily="34" charset="0"/>
-                        <a:ea typeface="Calibri" panose="020F0502020204030204" pitchFamily="34" charset="0"/>
-                        <a:cs typeface="Times New Roman" panose="02020603050405020304" pitchFamily="18" charset="0"/>
-                      </a:endParaRPr>
-                    </a:p>
-                  </a:txBody>
-                  <a:tcPr marL="22228" marR="22228" marT="0" marB="0"/>
-                </a:tc>
-                <a:tc>
-                  <a:txBody>
-                    <a:bodyPr/>
-                    <a:lstStyle/>
-                    <a:p>
-                      <a:pPr algn="l">
-                        <a:lnSpc>
-                          <a:spcPct val="107000"/>
-                        </a:lnSpc>
-                        <a:spcAft>
-                          <a:spcPts val="0"/>
-                        </a:spcAft>
-                      </a:pPr>
-                      <a:r>
-                        <a:rPr lang="es-CO" sz="1100">
-                          <a:effectLst/>
-                        </a:rPr>
-                        <a:t>Se le informa al proveedor elegido que se acepta la oferta para comenzar con el reemplazo y reparación de los bienes perdidos</a:t>
-                      </a:r>
-                      <a:endParaRPr lang="es-CO" sz="1100">
-                        <a:effectLst/>
-                        <a:latin typeface="Calibri" panose="020F0502020204030204" pitchFamily="34" charset="0"/>
-                        <a:ea typeface="Calibri" panose="020F0502020204030204" pitchFamily="34" charset="0"/>
-                        <a:cs typeface="Times New Roman" panose="02020603050405020304" pitchFamily="18" charset="0"/>
-                      </a:endParaRPr>
-                    </a:p>
-                  </a:txBody>
-                  <a:tcPr marL="22228" marR="22228" marT="0" marB="0"/>
-                </a:tc>
-                <a:tc>
-                  <a:txBody>
-                    <a:bodyPr/>
-                    <a:lstStyle/>
-                    <a:p>
-                      <a:pPr algn="l">
-                        <a:lnSpc>
-                          <a:spcPct val="107000"/>
-                        </a:lnSpc>
-                        <a:spcAft>
-                          <a:spcPts val="0"/>
-                        </a:spcAft>
-                      </a:pPr>
-                      <a:r>
-                        <a:rPr lang="es-CO" sz="1100">
-                          <a:effectLst/>
-                        </a:rPr>
-                        <a:t> </a:t>
-                      </a:r>
-                    </a:p>
-                    <a:p>
-                      <a:pPr algn="l">
-                        <a:lnSpc>
-                          <a:spcPct val="107000"/>
-                        </a:lnSpc>
-                        <a:spcAft>
-                          <a:spcPts val="0"/>
-                        </a:spcAft>
-                      </a:pPr>
-                      <a:r>
-                        <a:rPr lang="es-CO" sz="1100">
-                          <a:effectLst/>
-                        </a:rPr>
-                        <a:t> </a:t>
-                      </a:r>
-                    </a:p>
-                    <a:p>
-                      <a:pPr algn="l">
-                        <a:lnSpc>
-                          <a:spcPct val="107000"/>
-                        </a:lnSpc>
-                        <a:spcAft>
-                          <a:spcPts val="0"/>
-                        </a:spcAft>
-                      </a:pPr>
-                      <a:r>
-                        <a:rPr lang="es-CO" sz="1100">
-                          <a:effectLst/>
-                        </a:rPr>
-                        <a:t> </a:t>
-                      </a:r>
-                    </a:p>
-                    <a:p>
-                      <a:pPr algn="l">
-                        <a:lnSpc>
-                          <a:spcPct val="107000"/>
-                        </a:lnSpc>
-                        <a:spcAft>
-                          <a:spcPts val="0"/>
-                        </a:spcAft>
-                      </a:pPr>
-                      <a:r>
-                        <a:rPr lang="es-CO" sz="1100">
-                          <a:effectLst/>
-                        </a:rPr>
-                        <a:t>Usuario</a:t>
-                      </a:r>
-                      <a:endParaRPr lang="es-CO" sz="1100">
-                        <a:effectLst/>
-                        <a:latin typeface="Calibri" panose="020F0502020204030204" pitchFamily="34" charset="0"/>
-                        <a:ea typeface="Calibri" panose="020F0502020204030204" pitchFamily="34" charset="0"/>
-                        <a:cs typeface="Times New Roman" panose="02020603050405020304" pitchFamily="18" charset="0"/>
-                      </a:endParaRPr>
-                    </a:p>
-                  </a:txBody>
-                  <a:tcPr marL="22228" marR="22228" marT="0" marB="0"/>
-                </a:tc>
-                <a:tc>
-                  <a:txBody>
-                    <a:bodyPr/>
-                    <a:lstStyle/>
-                    <a:p>
-                      <a:pPr algn="l">
-                        <a:lnSpc>
-                          <a:spcPct val="107000"/>
-                        </a:lnSpc>
-                        <a:spcAft>
-                          <a:spcPts val="0"/>
-                        </a:spcAft>
-                      </a:pPr>
-                      <a:r>
-                        <a:rPr lang="es-CO" sz="1100">
-                          <a:effectLst/>
-                        </a:rPr>
-                        <a:t> </a:t>
-                      </a:r>
-                      <a:endParaRPr lang="es-CO" sz="1100">
-                        <a:effectLst/>
-                        <a:latin typeface="Calibri" panose="020F0502020204030204" pitchFamily="34" charset="0"/>
-                        <a:ea typeface="Calibri" panose="020F0502020204030204" pitchFamily="34" charset="0"/>
-                        <a:cs typeface="Times New Roman" panose="02020603050405020304" pitchFamily="18" charset="0"/>
-                      </a:endParaRPr>
-                    </a:p>
-                  </a:txBody>
-                  <a:tcPr marL="22228" marR="22228" marT="0" marB="0"/>
-                </a:tc>
-                <a:tc>
-                  <a:txBody>
-                    <a:bodyPr/>
-                    <a:lstStyle/>
-                    <a:p>
-                      <a:pPr algn="l">
-                        <a:lnSpc>
-                          <a:spcPct val="107000"/>
-                        </a:lnSpc>
-                        <a:spcAft>
-                          <a:spcPts val="0"/>
-                        </a:spcAft>
-                      </a:pPr>
-                      <a:r>
-                        <a:rPr lang="es-CO" sz="1100">
-                          <a:effectLst/>
-                        </a:rPr>
-                        <a:t> </a:t>
-                      </a:r>
-                      <a:endParaRPr lang="es-CO" sz="1100">
-                        <a:effectLst/>
-                        <a:latin typeface="Calibri" panose="020F0502020204030204" pitchFamily="34" charset="0"/>
-                        <a:ea typeface="Calibri" panose="020F0502020204030204" pitchFamily="34" charset="0"/>
-                        <a:cs typeface="Times New Roman" panose="02020603050405020304" pitchFamily="18" charset="0"/>
-                      </a:endParaRPr>
-                    </a:p>
-                  </a:txBody>
-                  <a:tcPr marL="22228" marR="22228" marT="0" marB="0"/>
-                </a:tc>
-                <a:tc>
-                  <a:txBody>
-                    <a:bodyPr/>
-                    <a:lstStyle/>
-                    <a:p>
-                      <a:pPr marL="342900" marR="39370" lvl="0" indent="-342900" algn="l">
-                        <a:spcAft>
-                          <a:spcPts val="0"/>
-                        </a:spcAft>
-                        <a:buSzPts val="1000"/>
-                        <a:buFont typeface="Arial" panose="020B0604020202020204" pitchFamily="34" charset="0"/>
-                        <a:buChar char="•"/>
-                      </a:pPr>
-                      <a:r>
-                        <a:rPr lang="es-ES" sz="1100" dirty="0">
-                          <a:effectLst/>
-                        </a:rPr>
-                        <a:t>Oficio</a:t>
-                      </a:r>
-                      <a:endParaRPr lang="es-CO" sz="1100" dirty="0">
-                        <a:effectLst/>
-                      </a:endParaRPr>
-                    </a:p>
-                    <a:p>
-                      <a:pPr marL="342900" marR="39370" lvl="0" indent="-342900" algn="l">
-                        <a:spcAft>
-                          <a:spcPts val="0"/>
-                        </a:spcAft>
-                        <a:buSzPts val="1000"/>
-                        <a:buFont typeface="Arial" panose="020B0604020202020204" pitchFamily="34" charset="0"/>
-                        <a:buChar char="•"/>
-                      </a:pPr>
-                      <a:r>
-                        <a:rPr lang="es-ES" sz="1100" dirty="0">
-                          <a:effectLst/>
-                        </a:rPr>
-                        <a:t>Factura</a:t>
-                      </a:r>
-                      <a:endParaRPr lang="es-CO" sz="1100" dirty="0">
-                        <a:effectLst/>
-                      </a:endParaRPr>
-                    </a:p>
-                    <a:p>
-                      <a:pPr marL="342900" marR="39370" lvl="0" indent="-342900" algn="l">
-                        <a:spcAft>
-                          <a:spcPts val="0"/>
-                        </a:spcAft>
-                        <a:buSzPts val="1000"/>
-                        <a:buFont typeface="Arial" panose="020B0604020202020204" pitchFamily="34" charset="0"/>
-                        <a:buChar char="•"/>
-                      </a:pPr>
-                      <a:r>
-                        <a:rPr lang="es-ES" sz="1100" dirty="0">
-                          <a:effectLst/>
-                        </a:rPr>
-                        <a:t>Certificación Bancaria (no mayor a 3 meses)</a:t>
-                      </a:r>
-                      <a:endParaRPr lang="es-CO" sz="1100" dirty="0">
-                        <a:effectLst/>
-                      </a:endParaRPr>
-                    </a:p>
-                    <a:p>
-                      <a:pPr marL="342900" lvl="0" indent="-342900" algn="l">
-                        <a:lnSpc>
-                          <a:spcPct val="107000"/>
-                        </a:lnSpc>
-                        <a:spcAft>
-                          <a:spcPts val="0"/>
-                        </a:spcAft>
-                        <a:buSzPts val="1000"/>
-                        <a:buFont typeface="Arial" panose="020B0604020202020204" pitchFamily="34" charset="0"/>
-                        <a:buChar char="•"/>
-                      </a:pPr>
-                      <a:r>
-                        <a:rPr lang="es-CO" sz="1100" dirty="0">
-                          <a:effectLst/>
-                        </a:rPr>
-                        <a:t>Copia de la Cedula Representante legal</a:t>
-                      </a:r>
-                    </a:p>
-                    <a:p>
-                      <a:pPr marL="342900" marR="39370" lvl="0" indent="-342900" algn="l">
-                        <a:spcAft>
-                          <a:spcPts val="0"/>
-                        </a:spcAft>
-                        <a:buSzPts val="1000"/>
-                        <a:buFont typeface="Arial" panose="020B0604020202020204" pitchFamily="34" charset="0"/>
-                        <a:buChar char="•"/>
-                      </a:pPr>
-                      <a:r>
-                        <a:rPr lang="es-ES" sz="1100" dirty="0">
-                          <a:effectLst/>
-                        </a:rPr>
-                        <a:t>Cámara de comercio ( no mayor a 3 meses)</a:t>
-                      </a:r>
-                      <a:endParaRPr lang="es-CO" sz="1100" dirty="0">
-                        <a:effectLst/>
-                      </a:endParaRPr>
-                    </a:p>
-                    <a:p>
-                      <a:pPr marL="342900" marR="39370" lvl="0" indent="-342900" algn="l">
-                        <a:spcAft>
-                          <a:spcPts val="0"/>
-                        </a:spcAft>
-                        <a:buSzPts val="1000"/>
-                        <a:buFont typeface="Arial" panose="020B0604020202020204" pitchFamily="34" charset="0"/>
-                        <a:buChar char="•"/>
-                      </a:pPr>
-                      <a:r>
-                        <a:rPr lang="es-ES" sz="1100" dirty="0">
-                          <a:effectLst/>
-                        </a:rPr>
-                        <a:t>Rut de la persona o empresa titular de la cuenta que aparece</a:t>
-                      </a:r>
-                      <a:endParaRPr lang="es-CO" sz="1100" dirty="0">
-                        <a:effectLst/>
-                      </a:endParaRPr>
-                    </a:p>
-                    <a:p>
-                      <a:pPr marL="342900" marR="39370" lvl="0" indent="-342900" algn="l">
-                        <a:spcAft>
-                          <a:spcPts val="0"/>
-                        </a:spcAft>
-                        <a:buSzPts val="1000"/>
-                        <a:buFont typeface="Arial" panose="020B0604020202020204" pitchFamily="34" charset="0"/>
-                        <a:buChar char="•"/>
-                      </a:pPr>
-                      <a:r>
-                        <a:rPr lang="es-ES" sz="1100" dirty="0">
-                          <a:effectLst/>
-                        </a:rPr>
-                        <a:t>Formulario de conocimiento de terceros SARLAF debidamente diligenciado y firmado</a:t>
-                      </a:r>
-                      <a:endParaRPr lang="es-CO" sz="1100" dirty="0">
-                        <a:effectLst/>
-                      </a:endParaRPr>
-                    </a:p>
-                    <a:p>
-                      <a:pPr marL="342900" marR="39370" lvl="0" indent="-342900" algn="l">
-                        <a:spcAft>
-                          <a:spcPts val="0"/>
-                        </a:spcAft>
-                        <a:buSzPts val="1000"/>
-                        <a:buFont typeface="Arial" panose="020B0604020202020204" pitchFamily="34" charset="0"/>
-                        <a:buChar char="•"/>
-                      </a:pPr>
-                      <a:r>
-                        <a:rPr lang="es-ES" sz="1100" dirty="0">
-                          <a:effectLst/>
-                        </a:rPr>
-                        <a:t>Recibo Indemnización Firmado</a:t>
-                      </a:r>
-                      <a:endParaRPr lang="es-CO" sz="1100" dirty="0">
-                        <a:effectLst/>
-                      </a:endParaRPr>
-                    </a:p>
-                    <a:p>
-                      <a:pPr marL="342900" marR="39370" lvl="0" indent="-342900" algn="l">
-                        <a:spcAft>
-                          <a:spcPts val="0"/>
-                        </a:spcAft>
-                        <a:buSzPts val="1000"/>
-                        <a:buFont typeface="Arial" panose="020B0604020202020204" pitchFamily="34" charset="0"/>
-                        <a:buChar char="•"/>
-                      </a:pPr>
-                      <a:r>
-                        <a:rPr lang="es-ES" sz="1100" dirty="0">
-                          <a:effectLst/>
-                        </a:rPr>
-                        <a:t>Seguimiento aplicativo</a:t>
-                      </a:r>
-                      <a:endParaRPr lang="es-CO" sz="1100" dirty="0">
-                        <a:effectLst/>
-                      </a:endParaRPr>
-                    </a:p>
-                    <a:p>
-                      <a:pPr algn="l">
-                        <a:lnSpc>
-                          <a:spcPct val="107000"/>
-                        </a:lnSpc>
-                        <a:spcAft>
-                          <a:spcPts val="0"/>
-                        </a:spcAft>
-                      </a:pPr>
-                      <a:r>
-                        <a:rPr lang="es-CO" sz="1100" dirty="0">
-                          <a:effectLst/>
-                        </a:rPr>
-                        <a:t> </a:t>
-                      </a:r>
-                      <a:endParaRPr lang="es-CO" sz="1100" dirty="0">
-                        <a:effectLst/>
-                        <a:latin typeface="Calibri" panose="020F0502020204030204" pitchFamily="34" charset="0"/>
-                        <a:ea typeface="Calibri" panose="020F0502020204030204" pitchFamily="34" charset="0"/>
-                        <a:cs typeface="Times New Roman" panose="02020603050405020304" pitchFamily="18" charset="0"/>
-                      </a:endParaRPr>
-                    </a:p>
-                  </a:txBody>
-                  <a:tcPr marL="22228" marR="22228" marT="0" marB="0"/>
-                </a:tc>
-                <a:extLst>
-                  <a:ext uri="{0D108BD9-81ED-4DB2-BD59-A6C34878D82A}">
-                    <a16:rowId xmlns:a16="http://schemas.microsoft.com/office/drawing/2014/main" val="2349680349"/>
-                  </a:ext>
-                </a:extLst>
-              </a:tr>
-            </a:tbl>
-          </a:graphicData>
-        </a:graphic>
-      </p:graphicFrame>
-    </p:spTree>
-    <p:extLst>
-      <p:ext uri="{BB962C8B-B14F-4D97-AF65-F5344CB8AC3E}">
-        <p14:creationId xmlns:p14="http://schemas.microsoft.com/office/powerpoint/2010/main" val="2079399387"/>
-      </p:ext>
-    </p:extLst>
-  </p:cSld>
-  <p:clrMapOvr>
-    <a:masterClrMapping/>
-  </p:clrMapOvr>
+  <p:timing>
+    <p:tnLst>
+      <p:par>
+        <p:cTn id="1" dur="indefinite" restart="never" nodeType="tmRoot"/>
+      </p:par>
+    </p:tnLst>
+  </p:timing>
 </p:sld>
 </file>
 

--- a/AUPN.pptx
+++ b/AUPN.pptx
@@ -24,6 +24,7 @@
     <p:sldId id="269" r:id="rId19"/>
     <p:sldId id="270" r:id="rId20"/>
     <p:sldId id="271" r:id="rId21"/>
+    <p:sldId id="272" r:id="rId22"/>
   </p:sldIdLst>
   <p:sldSz cy="6858000" cx="12192000"/>
   <p:notesSz cx="6858000" cy="9144000"/>
@@ -258,7 +259,7 @@
   </p:defaultTextStyle>
   <p:extLst>
     <p:ext uri="http://customooxmlschemas.google.com/">
-      <go:slidesCustomData xmlns:go="http://customooxmlschemas.google.com/" r:id="rId22" roundtripDataSignature="AMtx7miPF8AhoBNIaPll8KznfiJvfcQ4xA=="/>
+      <go:slidesCustomData xmlns:go="http://customooxmlschemas.google.com/" r:id="rId23" roundtripDataSignature="AMtx7mjLPSbfag3FYSyY1By+vwtzdHsLUg=="/>
     </p:ext>
   </p:extLst>
 </p:presentation>
@@ -1402,7 +1403,42 @@
       </p:grpSpPr>
       <p:sp>
         <p:nvSpPr>
-          <p:cNvPr id="156" name="Google Shape;156;p15:notes"/>
+          <p:cNvPr id="156" name="Google Shape;156;g7e89d90000_0_0:notes"/>
+          <p:cNvSpPr/>
+          <p:nvPr>
+            <p:ph idx="2" type="sldImg"/>
+          </p:nvPr>
+        </p:nvSpPr>
+        <p:spPr>
+          <a:xfrm>
+            <a:off x="1143225" y="685800"/>
+            <a:ext cx="4572300" cy="3429000"/>
+          </a:xfrm>
+          <a:custGeom>
+            <a:rect b="b" l="l" r="r" t="t"/>
+            <a:pathLst>
+              <a:path extrusionOk="0" h="120000" w="120000">
+                <a:moveTo>
+                  <a:pt x="0" y="0"/>
+                </a:moveTo>
+                <a:lnTo>
+                  <a:pt x="120000" y="0"/>
+                </a:lnTo>
+                <a:lnTo>
+                  <a:pt x="120000" y="120000"/>
+                </a:lnTo>
+                <a:lnTo>
+                  <a:pt x="0" y="120000"/>
+                </a:lnTo>
+                <a:close/>
+              </a:path>
+            </a:pathLst>
+          </a:custGeom>
+        </p:spPr>
+      </p:sp>
+      <p:sp>
+        <p:nvSpPr>
+          <p:cNvPr id="157" name="Google Shape;157;g7e89d90000_0_0:notes"/>
           <p:cNvSpPr txBox="1"/>
           <p:nvPr>
             <p:ph idx="1" type="body"/>
@@ -1439,9 +1475,73 @@
           </a:p>
         </p:txBody>
       </p:sp>
+    </p:spTree>
+  </p:cSld>
+  <p:clrMapOvr>
+    <a:masterClrMapping/>
+  </p:clrMapOvr>
+</p:notes>
+</file>
+
+<file path=ppt/notesSlides/notesSlide17.xml><?xml version="1.0" encoding="utf-8"?>
+<p:notes xmlns:a="http://schemas.openxmlformats.org/drawingml/2006/main" xmlns:r="http://schemas.openxmlformats.org/officeDocument/2006/relationships" xmlns:mc="http://schemas.openxmlformats.org/markup-compatibility/2006" xmlns:mv="urn:schemas-microsoft-com:mac:vml" xmlns:p="http://schemas.openxmlformats.org/presentationml/2006/main" xmlns:c="http://schemas.openxmlformats.org/drawingml/2006/chart" xmlns:dgm="http://schemas.openxmlformats.org/drawingml/2006/diagram" xmlns:o="urn:schemas-microsoft-com:office:office" xmlns:v="urn:schemas-microsoft-com:vml" xmlns:pvml="urn:schemas-microsoft-com:office:powerpoint" xmlns:com="http://schemas.openxmlformats.org/drawingml/2006/compatibility" xmlns:p14="http://schemas.microsoft.com/office/powerpoint/2010/main" xmlns:p15="http://schemas.microsoft.com/office/powerpoint/2012/main" showMasterPhAnim="0" showMasterSp="0">
+  <p:cSld>
+    <p:spTree>
+      <p:nvGrpSpPr>
+        <p:cNvPr id="161" name="Shape 161"/>
+        <p:cNvGrpSpPr/>
+        <p:nvPr/>
+      </p:nvGrpSpPr>
+      <p:grpSpPr>
+        <a:xfrm>
+          <a:off x="0" y="0"/>
+          <a:ext cx="0" cy="0"/>
+          <a:chOff x="0" y="0"/>
+          <a:chExt cx="0" cy="0"/>
+        </a:xfrm>
+      </p:grpSpPr>
       <p:sp>
         <p:nvSpPr>
-          <p:cNvPr id="157" name="Google Shape;157;p15:notes"/>
+          <p:cNvPr id="162" name="Google Shape;162;p15:notes"/>
+          <p:cNvSpPr txBox="1"/>
+          <p:nvPr>
+            <p:ph idx="1" type="body"/>
+          </p:nvPr>
+        </p:nvSpPr>
+        <p:spPr>
+          <a:xfrm>
+            <a:off x="685800" y="4343400"/>
+            <a:ext cx="5486400" cy="4114800"/>
+          </a:xfrm>
+          <a:prstGeom prst="rect">
+            <a:avLst/>
+          </a:prstGeom>
+        </p:spPr>
+        <p:txBody>
+          <a:bodyPr anchorCtr="0" anchor="t" bIns="91425" lIns="91425" spcFirstLastPara="1" rIns="91425" wrap="square" tIns="91425">
+            <a:noAutofit/>
+          </a:bodyPr>
+          <a:lstStyle/>
+          <a:p>
+            <a:pPr indent="0" lvl="0" marL="0" rtl="0" algn="l">
+              <a:spcBef>
+                <a:spcPts val="0"/>
+              </a:spcBef>
+              <a:spcAft>
+                <a:spcPts val="0"/>
+              </a:spcAft>
+              <a:buNone/>
+            </a:pPr>
+            <a:r>
+              <a:t/>
+            </a:r>
+            <a:endParaRPr/>
+          </a:p>
+        </p:txBody>
+      </p:sp>
+      <p:sp>
+        <p:nvSpPr>
+          <p:cNvPr id="163" name="Google Shape;163;p15:notes"/>
           <p:cNvSpPr/>
           <p:nvPr>
             <p:ph idx="2" type="sldImg"/>
@@ -8812,7 +8912,7 @@
             <a:tbl>
               <a:tblPr bandRow="1" firstCol="1" firstRow="1">
                 <a:noFill/>
-                <a:tableStyleId>{E13F22FF-79DD-45F2-B349-676B4C4269D5}</a:tableStyleId>
+                <a:tableStyleId>{48A060D3-1467-4978-95E0-19336CAD0590}</a:tableStyleId>
               </a:tblPr>
               <a:tblGrid>
                 <a:gridCol w="2628900"/>
@@ -9546,7 +9646,7 @@
             <a:tbl>
               <a:tblPr bandRow="1" firstCol="1" firstRow="1">
                 <a:noFill/>
-                <a:tableStyleId>{E13F22FF-79DD-45F2-B349-676B4C4269D5}</a:tableStyleId>
+                <a:tableStyleId>{48A060D3-1467-4978-95E0-19336CAD0590}</a:tableStyleId>
               </a:tblPr>
               <a:tblGrid>
                 <a:gridCol w="858825"/>
@@ -11263,7 +11363,7 @@
             <a:tbl>
               <a:tblPr bandRow="1" firstCol="1" firstRow="1">
                 <a:noFill/>
-                <a:tableStyleId>{E13F22FF-79DD-45F2-B349-676B4C4269D5}</a:tableStyleId>
+                <a:tableStyleId>{48A060D3-1467-4978-95E0-19336CAD0590}</a:tableStyleId>
               </a:tblPr>
               <a:tblGrid>
                 <a:gridCol w="858825"/>
@@ -12594,7 +12694,7 @@
             <a:tbl>
               <a:tblPr bandRow="1" firstCol="1" firstRow="1">
                 <a:noFill/>
-                <a:tableStyleId>{E13F22FF-79DD-45F2-B349-676B4C4269D5}</a:tableStyleId>
+                <a:tableStyleId>{48A060D3-1467-4978-95E0-19336CAD0590}</a:tableStyleId>
               </a:tblPr>
               <a:tblGrid>
                 <a:gridCol w="3505200"/>
@@ -12936,7 +13036,7 @@
             <a:tbl>
               <a:tblPr bandRow="1" firstCol="1" firstRow="1">
                 <a:noFill/>
-                <a:tableStyleId>{E13F22FF-79DD-45F2-B349-676B4C4269D5}</a:tableStyleId>
+                <a:tableStyleId>{48A060D3-1467-4978-95E0-19336CAD0590}</a:tableStyleId>
               </a:tblPr>
               <a:tblGrid>
                 <a:gridCol w="1104900"/>
@@ -13311,7 +13411,7 @@
             <a:tbl>
               <a:tblPr bandRow="1" firstCol="1" firstRow="1">
                 <a:noFill/>
-                <a:tableStyleId>{E13F22FF-79DD-45F2-B349-676B4C4269D5}</a:tableStyleId>
+                <a:tableStyleId>{48A060D3-1467-4978-95E0-19336CAD0590}</a:tableStyleId>
               </a:tblPr>
               <a:tblGrid>
                 <a:gridCol w="5200650"/>
@@ -13463,6 +13563,130 @@
     <p:spTree>
       <p:nvGrpSpPr>
         <p:cNvPr id="158" name="Shape 158"/>
+        <p:cNvGrpSpPr/>
+        <p:nvPr/>
+      </p:nvGrpSpPr>
+      <p:grpSpPr>
+        <a:xfrm>
+          <a:off x="0" y="0"/>
+          <a:ext cx="0" cy="0"/>
+          <a:chOff x="0" y="0"/>
+          <a:chExt cx="0" cy="0"/>
+        </a:xfrm>
+      </p:grpSpPr>
+      <p:sp>
+        <p:nvSpPr>
+          <p:cNvPr id="159" name="Google Shape;159;g7e89d90000_0_0"/>
+          <p:cNvSpPr txBox="1"/>
+          <p:nvPr>
+            <p:ph type="title"/>
+          </p:nvPr>
+        </p:nvSpPr>
+        <p:spPr>
+          <a:xfrm>
+            <a:off x="838200" y="1110313"/>
+            <a:ext cx="10515600" cy="1325700"/>
+          </a:xfrm>
+          <a:prstGeom prst="rect">
+            <a:avLst/>
+          </a:prstGeom>
+        </p:spPr>
+        <p:txBody>
+          <a:bodyPr anchorCtr="0" anchor="ctr" bIns="45700" lIns="91425" spcFirstLastPara="1" rIns="91425" wrap="square" tIns="45700">
+            <a:noAutofit/>
+          </a:bodyPr>
+          <a:lstStyle/>
+          <a:p>
+            <a:pPr indent="0" lvl="0" marL="0" rtl="0" algn="l">
+              <a:spcBef>
+                <a:spcPts val="0"/>
+              </a:spcBef>
+              <a:spcAft>
+                <a:spcPts val="0"/>
+              </a:spcAft>
+              <a:buNone/>
+            </a:pPr>
+            <a:r>
+              <a:rPr lang="es-CO"/>
+              <a:t>Conclusión</a:t>
+            </a:r>
+            <a:endParaRPr/>
+          </a:p>
+        </p:txBody>
+      </p:sp>
+      <p:sp>
+        <p:nvSpPr>
+          <p:cNvPr id="160" name="Google Shape;160;g7e89d90000_0_0"/>
+          <p:cNvSpPr txBox="1"/>
+          <p:nvPr>
+            <p:ph idx="1" type="body"/>
+          </p:nvPr>
+        </p:nvSpPr>
+        <p:spPr>
+          <a:xfrm>
+            <a:off x="838200" y="2570813"/>
+            <a:ext cx="10515600" cy="3828600"/>
+          </a:xfrm>
+          <a:prstGeom prst="rect">
+            <a:avLst/>
+          </a:prstGeom>
+        </p:spPr>
+        <p:txBody>
+          <a:bodyPr anchorCtr="0" anchor="t" bIns="45700" lIns="91425" spcFirstLastPara="1" rIns="91425" wrap="square" tIns="45700">
+            <a:noAutofit/>
+          </a:bodyPr>
+          <a:lstStyle/>
+          <a:p>
+            <a:pPr indent="-381000" lvl="0" marL="457200" rtl="0" algn="just">
+              <a:lnSpc>
+                <a:spcPct val="115000"/>
+              </a:lnSpc>
+              <a:spcBef>
+                <a:spcPts val="0"/>
+              </a:spcBef>
+              <a:spcAft>
+                <a:spcPts val="0"/>
+              </a:spcAft>
+              <a:buClr>
+                <a:srgbClr val="333333"/>
+              </a:buClr>
+              <a:buSzPts val="2400"/>
+              <a:buFont typeface="Arial"/>
+              <a:buChar char="●"/>
+            </a:pPr>
+            <a:r>
+              <a:rPr lang="es-CO" sz="2400">
+                <a:solidFill>
+                  <a:srgbClr val="333333"/>
+                </a:solidFill>
+                <a:highlight>
+                  <a:srgbClr val="FFFFFF"/>
+                </a:highlight>
+                <a:latin typeface="Arial"/>
+                <a:ea typeface="Arial"/>
+                <a:cs typeface="Arial"/>
+                <a:sym typeface="Arial"/>
+              </a:rPr>
+              <a:t>Automatizar el proceso es de gran importancia para la empresa, generaría un gran valor y mejoraría la calidad del servicio. Ya que se aceleraría el proceso de revisión de si es o no un siniestro, revisión de documentos de si cumple o no con la póliza toma demasiado tiempo y puede significar un cuello de botella para el Beneficiario</a:t>
+            </a:r>
+            <a:endParaRPr sz="2400"/>
+          </a:p>
+        </p:txBody>
+      </p:sp>
+    </p:spTree>
+  </p:cSld>
+  <p:clrMapOvr>
+    <a:masterClrMapping/>
+  </p:clrMapOvr>
+</p:sld>
+</file>
+
+<file path=ppt/slides/slide17.xml><?xml version="1.0" encoding="utf-8"?>
+<p:sld xmlns:a="http://schemas.openxmlformats.org/drawingml/2006/main" xmlns:r="http://schemas.openxmlformats.org/officeDocument/2006/relationships" xmlns:mc="http://schemas.openxmlformats.org/markup-compatibility/2006" xmlns:mv="urn:schemas-microsoft-com:mac:vml" xmlns:p="http://schemas.openxmlformats.org/presentationml/2006/main" xmlns:c="http://schemas.openxmlformats.org/drawingml/2006/chart" xmlns:dgm="http://schemas.openxmlformats.org/drawingml/2006/diagram" xmlns:o="urn:schemas-microsoft-com:office:office" xmlns:v="urn:schemas-microsoft-com:vml" xmlns:pvml="urn:schemas-microsoft-com:office:powerpoint" xmlns:com="http://schemas.openxmlformats.org/drawingml/2006/compatibility" xmlns:p14="http://schemas.microsoft.com/office/powerpoint/2010/main" xmlns:p15="http://schemas.microsoft.com/office/powerpoint/2012/main">
+  <p:cSld>
+    <p:spTree>
+      <p:nvGrpSpPr>
+        <p:cNvPr id="164" name="Shape 164"/>
         <p:cNvGrpSpPr/>
         <p:nvPr/>
       </p:nvGrpSpPr>
@@ -15094,7 +15318,7 @@
             <a:tbl>
               <a:tblPr bandRow="1" firstCol="1" firstRow="1">
                 <a:noFill/>
-                <a:tableStyleId>{E13F22FF-79DD-45F2-B349-676B4C4269D5}</a:tableStyleId>
+                <a:tableStyleId>{48A060D3-1467-4978-95E0-19336CAD0590}</a:tableStyleId>
               </a:tblPr>
               <a:tblGrid>
                 <a:gridCol w="2526600"/>

--- a/AUPN.pptx
+++ b/AUPN.pptx
@@ -258,8 +258,11 @@
     </a:lvl9pPr>
   </p:defaultTextStyle>
   <p:extLst>
+    <p:ext uri="{EFAFB233-063F-42B5-8137-9DF3F51BA10A}">
+      <p15:sldGuideLst xmlns:p15="http://schemas.microsoft.com/office/powerpoint/2012/main"/>
+    </p:ext>
     <p:ext uri="http://customooxmlschemas.google.com/">
-      <go:slidesCustomData xmlns:go="http://customooxmlschemas.google.com/" xmlns:p15="http://schemas.microsoft.com/office/powerpoint/2012/main" xmlns:p14="http://schemas.microsoft.com/office/powerpoint/2010/main" xmlns:com="http://schemas.openxmlformats.org/drawingml/2006/compatibility" xmlns:pvml="urn:schemas-microsoft-com:office:powerpoint" xmlns:v="urn:schemas-microsoft-com:vml" xmlns:o="urn:schemas-microsoft-com:office:office" xmlns:dgm="http://schemas.openxmlformats.org/drawingml/2006/diagram" xmlns:c="http://schemas.openxmlformats.org/drawingml/2006/chart" xmlns:mv="urn:schemas-microsoft-com:mac:vml" xmlns:mc="http://schemas.openxmlformats.org/markup-compatibility/2006" xmlns="" r:id="rId23" roundtripDataSignature="AMtx7mjLPSbfag3FYSyY1By+vwtzdHsLUg=="/>
+      <go:slidesCustomData xmlns="" xmlns:mc="http://schemas.openxmlformats.org/markup-compatibility/2006" xmlns:mv="urn:schemas-microsoft-com:mac:vml" xmlns:c="http://schemas.openxmlformats.org/drawingml/2006/chart" xmlns:dgm="http://schemas.openxmlformats.org/drawingml/2006/diagram" xmlns:o="urn:schemas-microsoft-com:office:office" xmlns:v="urn:schemas-microsoft-com:vml" xmlns:pvml="urn:schemas-microsoft-com:office:powerpoint" xmlns:com="http://schemas.openxmlformats.org/drawingml/2006/compatibility" xmlns:p14="http://schemas.microsoft.com/office/powerpoint/2010/main" xmlns:p15="http://schemas.microsoft.com/office/powerpoint/2012/main" xmlns:go="http://customooxmlschemas.google.com/" r:id="rId23" roundtripDataSignature="AMtx7mjLPSbfag3FYSyY1By+vwtzdHsLUg=="/>
     </p:ext>
   </p:extLst>
 </p:presentation>
@@ -1917,8 +1920,8 @@
         </p:nvSpPr>
         <p:spPr>
           <a:xfrm>
-            <a:off x="1143225" y="685800"/>
-            <a:ext cx="4572225" cy="3429000"/>
+            <a:off x="381000" y="685800"/>
+            <a:ext cx="6096000" cy="3429000"/>
           </a:xfrm>
           <a:custGeom>
             <a:avLst/>
@@ -14716,10 +14719,14 @@
               <a:buNone/>
             </a:pPr>
             <a:r>
+              <a:rPr lang="es-CO" dirty="0"/>
+              <a:t>Manejo de pólizas </a:t>
+            </a:r>
+            <a:r>
               <a:rPr lang="es-CO"/>
-              <a:t>Póliza todo riesgo daño material</a:t>
+              <a:t>de siniestros</a:t>
             </a:r>
-            <a:endParaRPr/>
+            <a:endParaRPr dirty="0"/>
           </a:p>
         </p:txBody>
       </p:sp>

--- a/AUPN.pptx
+++ b/AUPN.pptx
@@ -5,26 +5,27 @@
     <p:sldMasterId id="2147483648" r:id="rId1"/>
   </p:sldMasterIdLst>
   <p:notesMasterIdLst>
-    <p:notesMasterId r:id="rId19"/>
+    <p:notesMasterId r:id="rId20"/>
   </p:notesMasterIdLst>
   <p:sldIdLst>
     <p:sldId id="256" r:id="rId2"/>
     <p:sldId id="257" r:id="rId3"/>
     <p:sldId id="258" r:id="rId4"/>
-    <p:sldId id="259" r:id="rId5"/>
-    <p:sldId id="260" r:id="rId6"/>
-    <p:sldId id="261" r:id="rId7"/>
-    <p:sldId id="262" r:id="rId8"/>
-    <p:sldId id="263" r:id="rId9"/>
-    <p:sldId id="264" r:id="rId10"/>
-    <p:sldId id="265" r:id="rId11"/>
-    <p:sldId id="266" r:id="rId12"/>
-    <p:sldId id="267" r:id="rId13"/>
-    <p:sldId id="268" r:id="rId14"/>
-    <p:sldId id="269" r:id="rId15"/>
-    <p:sldId id="270" r:id="rId16"/>
-    <p:sldId id="271" r:id="rId17"/>
-    <p:sldId id="272" r:id="rId18"/>
+    <p:sldId id="273" r:id="rId5"/>
+    <p:sldId id="259" r:id="rId6"/>
+    <p:sldId id="260" r:id="rId7"/>
+    <p:sldId id="261" r:id="rId8"/>
+    <p:sldId id="262" r:id="rId9"/>
+    <p:sldId id="263" r:id="rId10"/>
+    <p:sldId id="264" r:id="rId11"/>
+    <p:sldId id="265" r:id="rId12"/>
+    <p:sldId id="266" r:id="rId13"/>
+    <p:sldId id="267" r:id="rId14"/>
+    <p:sldId id="268" r:id="rId15"/>
+    <p:sldId id="269" r:id="rId16"/>
+    <p:sldId id="270" r:id="rId17"/>
+    <p:sldId id="271" r:id="rId18"/>
+    <p:sldId id="272" r:id="rId19"/>
   </p:sldIdLst>
   <p:sldSz cx="12192000" cy="6858000"/>
   <p:notesSz cx="6858000" cy="9144000"/>
@@ -262,7 +263,7 @@
       <p15:sldGuideLst xmlns:p15="http://schemas.microsoft.com/office/powerpoint/2012/main"/>
     </p:ext>
     <p:ext uri="http://customooxmlschemas.google.com/">
-      <go:slidesCustomData xmlns="" xmlns:mc="http://schemas.openxmlformats.org/markup-compatibility/2006" xmlns:mv="urn:schemas-microsoft-com:mac:vml" xmlns:c="http://schemas.openxmlformats.org/drawingml/2006/chart" xmlns:dgm="http://schemas.openxmlformats.org/drawingml/2006/diagram" xmlns:o="urn:schemas-microsoft-com:office:office" xmlns:v="urn:schemas-microsoft-com:vml" xmlns:pvml="urn:schemas-microsoft-com:office:powerpoint" xmlns:com="http://schemas.openxmlformats.org/drawingml/2006/compatibility" xmlns:p14="http://schemas.microsoft.com/office/powerpoint/2010/main" xmlns:p15="http://schemas.microsoft.com/office/powerpoint/2012/main" xmlns:go="http://customooxmlschemas.google.com/" r:id="rId23" roundtripDataSignature="AMtx7mjLPSbfag3FYSyY1By+vwtzdHsLUg=="/>
+      <go:slidesCustomData xmlns:go="http://customooxmlschemas.google.com/" xmlns:p15="http://schemas.microsoft.com/office/powerpoint/2012/main" xmlns:p14="http://schemas.microsoft.com/office/powerpoint/2010/main" xmlns:com="http://schemas.openxmlformats.org/drawingml/2006/compatibility" xmlns:pvml="urn:schemas-microsoft-com:office:powerpoint" xmlns:v="urn:schemas-microsoft-com:vml" xmlns:o="urn:schemas-microsoft-com:office:office" xmlns:dgm="http://schemas.openxmlformats.org/drawingml/2006/diagram" xmlns:c="http://schemas.openxmlformats.org/drawingml/2006/chart" xmlns:mv="urn:schemas-microsoft-com:mac:vml" xmlns:mc="http://schemas.openxmlformats.org/markup-compatibility/2006" xmlns="" r:id="rId23" roundtripDataSignature="AMtx7mjLPSbfag3FYSyY1By+vwtzdHsLUg=="/>
     </p:ext>
   </p:extLst>
 </p:presentation>
@@ -9062,6 +9063,575 @@
   <p:cSld>
     <p:spTree>
       <p:nvGrpSpPr>
+        <p:cNvPr id="1" name="Shape 115"/>
+        <p:cNvGrpSpPr/>
+        <p:nvPr/>
+      </p:nvGrpSpPr>
+      <p:grpSpPr>
+        <a:xfrm>
+          <a:off x="0" y="0"/>
+          <a:ext cx="0" cy="0"/>
+          <a:chOff x="0" y="0"/>
+          <a:chExt cx="0" cy="0"/>
+        </a:xfrm>
+      </p:grpSpPr>
+      <p:sp>
+        <p:nvSpPr>
+          <p:cNvPr id="116" name="Google Shape;116;p8"/>
+          <p:cNvSpPr txBox="1">
+            <a:spLocks noGrp="1"/>
+          </p:cNvSpPr>
+          <p:nvPr>
+            <p:ph type="title"/>
+          </p:nvPr>
+        </p:nvSpPr>
+        <p:spPr>
+          <a:xfrm>
+            <a:off x="838200" y="1110313"/>
+            <a:ext cx="10515600" cy="1325563"/>
+          </a:xfrm>
+          <a:prstGeom prst="rect">
+            <a:avLst/>
+          </a:prstGeom>
+          <a:noFill/>
+          <a:ln>
+            <a:noFill/>
+          </a:ln>
+        </p:spPr>
+        <p:txBody>
+          <a:bodyPr spcFirstLastPara="1" wrap="square" lIns="91425" tIns="45700" rIns="91425" bIns="45700" anchor="ctr" anchorCtr="0">
+            <a:normAutofit/>
+          </a:bodyPr>
+          <a:lstStyle/>
+          <a:p>
+            <a:pPr marL="0" lvl="0" indent="0" algn="l" rtl="0">
+              <a:lnSpc>
+                <a:spcPct val="90000"/>
+              </a:lnSpc>
+              <a:spcBef>
+                <a:spcPts val="0"/>
+              </a:spcBef>
+              <a:spcAft>
+                <a:spcPts val="0"/>
+              </a:spcAft>
+              <a:buClr>
+                <a:schemeClr val="dk1"/>
+              </a:buClr>
+              <a:buSzPts val="4400"/>
+              <a:buFont typeface="Calibri"/>
+              <a:buNone/>
+            </a:pPr>
+            <a:r>
+              <a:rPr lang="es-CO"/>
+              <a:t>Eventos</a:t>
+            </a:r>
+            <a:endParaRPr/>
+          </a:p>
+        </p:txBody>
+      </p:sp>
+      <p:graphicFrame>
+        <p:nvGraphicFramePr>
+          <p:cNvPr id="117" name="Google Shape;117;p8"/>
+          <p:cNvGraphicFramePr/>
+          <p:nvPr/>
+        </p:nvGraphicFramePr>
+        <p:xfrm>
+          <a:off x="838200" y="2435878"/>
+          <a:ext cx="10106400" cy="1986250"/>
+        </p:xfrm>
+        <a:graphic>
+          <a:graphicData uri="http://schemas.openxmlformats.org/drawingml/2006/table">
+            <a:tbl>
+              <a:tblPr firstRow="1" firstCol="1" bandRow="1">
+                <a:noFill/>
+                <a:tableStyleId>{48A060D3-1467-4978-95E0-19336CAD0590}</a:tableStyleId>
+              </a:tblPr>
+              <a:tblGrid>
+                <a:gridCol w="2526600">
+                  <a:extLst>
+                    <a:ext uri="{9D8B030D-6E8A-4147-A177-3AD203B41FA5}">
+                      <a16:colId xmlns:a16="http://schemas.microsoft.com/office/drawing/2014/main" val="20000"/>
+                    </a:ext>
+                  </a:extLst>
+                </a:gridCol>
+                <a:gridCol w="2526600">
+                  <a:extLst>
+                    <a:ext uri="{9D8B030D-6E8A-4147-A177-3AD203B41FA5}">
+                      <a16:colId xmlns:a16="http://schemas.microsoft.com/office/drawing/2014/main" val="20001"/>
+                    </a:ext>
+                  </a:extLst>
+                </a:gridCol>
+                <a:gridCol w="2526600">
+                  <a:extLst>
+                    <a:ext uri="{9D8B030D-6E8A-4147-A177-3AD203B41FA5}">
+                      <a16:colId xmlns:a16="http://schemas.microsoft.com/office/drawing/2014/main" val="20002"/>
+                    </a:ext>
+                  </a:extLst>
+                </a:gridCol>
+                <a:gridCol w="2526600">
+                  <a:extLst>
+                    <a:ext uri="{9D8B030D-6E8A-4147-A177-3AD203B41FA5}">
+                      <a16:colId xmlns:a16="http://schemas.microsoft.com/office/drawing/2014/main" val="20003"/>
+                    </a:ext>
+                  </a:extLst>
+                </a:gridCol>
+              </a:tblGrid>
+              <a:tr h="418050">
+                <a:tc>
+                  <a:txBody>
+                    <a:bodyPr/>
+                    <a:lstStyle/>
+                    <a:p>
+                      <a:pPr marL="0" marR="0" lvl="0" indent="0" algn="ctr" rtl="0">
+                        <a:lnSpc>
+                          <a:spcPct val="107000"/>
+                        </a:lnSpc>
+                        <a:spcBef>
+                          <a:spcPts val="0"/>
+                        </a:spcBef>
+                        <a:spcAft>
+                          <a:spcPts val="0"/>
+                        </a:spcAft>
+                        <a:buNone/>
+                      </a:pPr>
+                      <a:r>
+                        <a:rPr lang="es-CO" sz="1100" u="none" strike="noStrike" cap="none"/>
+                        <a:t>Id</a:t>
+                      </a:r>
+                      <a:endParaRPr sz="1100" u="none" strike="noStrike" cap="none">
+                        <a:latin typeface="Calibri"/>
+                        <a:ea typeface="Calibri"/>
+                        <a:cs typeface="Calibri"/>
+                        <a:sym typeface="Calibri"/>
+                      </a:endParaRPr>
+                    </a:p>
+                  </a:txBody>
+                  <a:tcPr marL="68575" marR="68575" marT="0" marB="0"/>
+                </a:tc>
+                <a:tc>
+                  <a:txBody>
+                    <a:bodyPr/>
+                    <a:lstStyle/>
+                    <a:p>
+                      <a:pPr marL="0" marR="0" lvl="0" indent="0" algn="ctr" rtl="0">
+                        <a:lnSpc>
+                          <a:spcPct val="107000"/>
+                        </a:lnSpc>
+                        <a:spcBef>
+                          <a:spcPts val="0"/>
+                        </a:spcBef>
+                        <a:spcAft>
+                          <a:spcPts val="0"/>
+                        </a:spcAft>
+                        <a:buNone/>
+                      </a:pPr>
+                      <a:r>
+                        <a:rPr lang="es-CO" sz="1100" u="none" strike="noStrike" cap="none"/>
+                        <a:t>Nombre evento</a:t>
+                      </a:r>
+                      <a:endParaRPr sz="1100" u="none" strike="noStrike" cap="none">
+                        <a:latin typeface="Calibri"/>
+                        <a:ea typeface="Calibri"/>
+                        <a:cs typeface="Calibri"/>
+                        <a:sym typeface="Calibri"/>
+                      </a:endParaRPr>
+                    </a:p>
+                  </a:txBody>
+                  <a:tcPr marL="68575" marR="68575" marT="0" marB="0"/>
+                </a:tc>
+                <a:tc>
+                  <a:txBody>
+                    <a:bodyPr/>
+                    <a:lstStyle/>
+                    <a:p>
+                      <a:pPr marL="0" marR="0" lvl="0" indent="0" algn="ctr" rtl="0">
+                        <a:lnSpc>
+                          <a:spcPct val="107000"/>
+                        </a:lnSpc>
+                        <a:spcBef>
+                          <a:spcPts val="0"/>
+                        </a:spcBef>
+                        <a:spcAft>
+                          <a:spcPts val="0"/>
+                        </a:spcAft>
+                        <a:buNone/>
+                      </a:pPr>
+                      <a:r>
+                        <a:rPr lang="es-CO" sz="1100" u="none" strike="noStrike" cap="none"/>
+                        <a:t>Tipo</a:t>
+                      </a:r>
+                      <a:endParaRPr sz="1100" u="none" strike="noStrike" cap="none">
+                        <a:latin typeface="Calibri"/>
+                        <a:ea typeface="Calibri"/>
+                        <a:cs typeface="Calibri"/>
+                        <a:sym typeface="Calibri"/>
+                      </a:endParaRPr>
+                    </a:p>
+                  </a:txBody>
+                  <a:tcPr marL="68575" marR="68575" marT="0" marB="0"/>
+                </a:tc>
+                <a:tc>
+                  <a:txBody>
+                    <a:bodyPr/>
+                    <a:lstStyle/>
+                    <a:p>
+                      <a:pPr marL="0" marR="0" lvl="0" indent="457200" algn="ctr" rtl="0">
+                        <a:lnSpc>
+                          <a:spcPct val="107000"/>
+                        </a:lnSpc>
+                        <a:spcBef>
+                          <a:spcPts val="0"/>
+                        </a:spcBef>
+                        <a:spcAft>
+                          <a:spcPts val="0"/>
+                        </a:spcAft>
+                        <a:buNone/>
+                      </a:pPr>
+                      <a:r>
+                        <a:rPr lang="es-CO" sz="1100" u="none" strike="noStrike" cap="none"/>
+                        <a:t>Descripción evento</a:t>
+                      </a:r>
+                      <a:endParaRPr sz="1100" u="none" strike="noStrike" cap="none">
+                        <a:latin typeface="Calibri"/>
+                        <a:ea typeface="Calibri"/>
+                        <a:cs typeface="Calibri"/>
+                        <a:sym typeface="Calibri"/>
+                      </a:endParaRPr>
+                    </a:p>
+                  </a:txBody>
+                  <a:tcPr marL="68575" marR="68575" marT="0" marB="0"/>
+                </a:tc>
+                <a:extLst>
+                  <a:ext uri="{0D108BD9-81ED-4DB2-BD59-A6C34878D82A}">
+                    <a16:rowId xmlns:a16="http://schemas.microsoft.com/office/drawing/2014/main" val="10000"/>
+                  </a:ext>
+                </a:extLst>
+              </a:tr>
+              <a:tr h="712725">
+                <a:tc>
+                  <a:txBody>
+                    <a:bodyPr/>
+                    <a:lstStyle/>
+                    <a:p>
+                      <a:pPr marL="0" marR="0" lvl="0" indent="0" algn="l" rtl="0">
+                        <a:lnSpc>
+                          <a:spcPct val="107000"/>
+                        </a:lnSpc>
+                        <a:spcBef>
+                          <a:spcPts val="0"/>
+                        </a:spcBef>
+                        <a:spcAft>
+                          <a:spcPts val="0"/>
+                        </a:spcAft>
+                        <a:buNone/>
+                      </a:pPr>
+                      <a:r>
+                        <a:rPr lang="es-CO" sz="1100" u="none" strike="noStrike" cap="none"/>
+                        <a:t>INV-PRO01-E01</a:t>
+                      </a:r>
+                      <a:endParaRPr sz="1100" u="none" strike="noStrike" cap="none">
+                        <a:latin typeface="Calibri"/>
+                        <a:ea typeface="Calibri"/>
+                        <a:cs typeface="Calibri"/>
+                        <a:sym typeface="Calibri"/>
+                      </a:endParaRPr>
+                    </a:p>
+                  </a:txBody>
+                  <a:tcPr marL="68575" marR="68575" marT="0" marB="0"/>
+                </a:tc>
+                <a:tc>
+                  <a:txBody>
+                    <a:bodyPr/>
+                    <a:lstStyle/>
+                    <a:p>
+                      <a:pPr marL="0" marR="0" lvl="0" indent="0" algn="l" rtl="0">
+                        <a:lnSpc>
+                          <a:spcPct val="107000"/>
+                        </a:lnSpc>
+                        <a:spcBef>
+                          <a:spcPts val="0"/>
+                        </a:spcBef>
+                        <a:spcAft>
+                          <a:spcPts val="0"/>
+                        </a:spcAft>
+                        <a:buNone/>
+                      </a:pPr>
+                      <a:r>
+                        <a:rPr lang="es-CO" sz="1100" u="none" strike="noStrike" cap="none"/>
+                        <a:t>Recibir requisitos para el pago</a:t>
+                      </a:r>
+                      <a:endParaRPr sz="1100" u="none" strike="noStrike" cap="none">
+                        <a:latin typeface="Calibri"/>
+                        <a:ea typeface="Calibri"/>
+                        <a:cs typeface="Calibri"/>
+                        <a:sym typeface="Calibri"/>
+                      </a:endParaRPr>
+                    </a:p>
+                  </a:txBody>
+                  <a:tcPr marL="68575" marR="68575" marT="0" marB="0"/>
+                </a:tc>
+                <a:tc>
+                  <a:txBody>
+                    <a:bodyPr/>
+                    <a:lstStyle/>
+                    <a:p>
+                      <a:pPr marL="0" marR="0" lvl="0" indent="0" algn="l" rtl="0">
+                        <a:lnSpc>
+                          <a:spcPct val="107000"/>
+                        </a:lnSpc>
+                        <a:spcBef>
+                          <a:spcPts val="0"/>
+                        </a:spcBef>
+                        <a:spcAft>
+                          <a:spcPts val="0"/>
+                        </a:spcAft>
+                        <a:buNone/>
+                      </a:pPr>
+                      <a:r>
+                        <a:rPr lang="es-CO" sz="1100" u="none" strike="noStrike" cap="none"/>
+                        <a:t>Mensaje (recepción)</a:t>
+                      </a:r>
+                      <a:endParaRPr sz="1100" u="none" strike="noStrike" cap="none">
+                        <a:latin typeface="Calibri"/>
+                        <a:ea typeface="Calibri"/>
+                        <a:cs typeface="Calibri"/>
+                        <a:sym typeface="Calibri"/>
+                      </a:endParaRPr>
+                    </a:p>
+                  </a:txBody>
+                  <a:tcPr marL="68575" marR="68575" marT="0" marB="0"/>
+                </a:tc>
+                <a:tc>
+                  <a:txBody>
+                    <a:bodyPr/>
+                    <a:lstStyle/>
+                    <a:p>
+                      <a:pPr marL="0" marR="0" lvl="0" indent="0" algn="l" rtl="0">
+                        <a:lnSpc>
+                          <a:spcPct val="107000"/>
+                        </a:lnSpc>
+                        <a:spcBef>
+                          <a:spcPts val="0"/>
+                        </a:spcBef>
+                        <a:spcAft>
+                          <a:spcPts val="0"/>
+                        </a:spcAft>
+                        <a:buNone/>
+                      </a:pPr>
+                      <a:r>
+                        <a:rPr lang="es-CO" sz="1100" u="none" strike="noStrike" cap="none"/>
+                        <a:t> </a:t>
+                      </a:r>
+                      <a:endParaRPr sz="1100" u="none" strike="noStrike" cap="none">
+                        <a:latin typeface="Calibri"/>
+                        <a:ea typeface="Calibri"/>
+                        <a:cs typeface="Calibri"/>
+                        <a:sym typeface="Calibri"/>
+                      </a:endParaRPr>
+                    </a:p>
+                  </a:txBody>
+                  <a:tcPr marL="68575" marR="68575" marT="0" marB="0"/>
+                </a:tc>
+                <a:extLst>
+                  <a:ext uri="{0D108BD9-81ED-4DB2-BD59-A6C34878D82A}">
+                    <a16:rowId xmlns:a16="http://schemas.microsoft.com/office/drawing/2014/main" val="10001"/>
+                  </a:ext>
+                </a:extLst>
+              </a:tr>
+              <a:tr h="855475">
+                <a:tc>
+                  <a:txBody>
+                    <a:bodyPr/>
+                    <a:lstStyle/>
+                    <a:p>
+                      <a:pPr marL="0" marR="0" lvl="0" indent="0" algn="l" rtl="0">
+                        <a:lnSpc>
+                          <a:spcPct val="107000"/>
+                        </a:lnSpc>
+                        <a:spcBef>
+                          <a:spcPts val="0"/>
+                        </a:spcBef>
+                        <a:spcAft>
+                          <a:spcPts val="0"/>
+                        </a:spcAft>
+                        <a:buNone/>
+                      </a:pPr>
+                      <a:r>
+                        <a:rPr lang="es-CO" sz="1100" u="none" strike="noStrike" cap="none"/>
+                        <a:t>INV-PRO01-E02</a:t>
+                      </a:r>
+                      <a:endParaRPr sz="1100" u="none" strike="noStrike" cap="none">
+                        <a:latin typeface="Calibri"/>
+                        <a:ea typeface="Calibri"/>
+                        <a:cs typeface="Calibri"/>
+                        <a:sym typeface="Calibri"/>
+                      </a:endParaRPr>
+                    </a:p>
+                  </a:txBody>
+                  <a:tcPr marL="68575" marR="68575" marT="0" marB="0"/>
+                </a:tc>
+                <a:tc>
+                  <a:txBody>
+                    <a:bodyPr/>
+                    <a:lstStyle/>
+                    <a:p>
+                      <a:pPr marL="0" marR="0" lvl="0" indent="0" algn="l" rtl="0">
+                        <a:lnSpc>
+                          <a:spcPct val="107000"/>
+                        </a:lnSpc>
+                        <a:spcBef>
+                          <a:spcPts val="0"/>
+                        </a:spcBef>
+                        <a:spcAft>
+                          <a:spcPts val="0"/>
+                        </a:spcAft>
+                        <a:buNone/>
+                      </a:pPr>
+                      <a:r>
+                        <a:rPr lang="es-CO" sz="1100" u="none" strike="noStrike" cap="none"/>
+                        <a:t>Recepción documento de indemnización</a:t>
+                      </a:r>
+                      <a:endParaRPr sz="1100" u="none" strike="noStrike" cap="none">
+                        <a:latin typeface="Calibri"/>
+                        <a:ea typeface="Calibri"/>
+                        <a:cs typeface="Calibri"/>
+                        <a:sym typeface="Calibri"/>
+                      </a:endParaRPr>
+                    </a:p>
+                  </a:txBody>
+                  <a:tcPr marL="68575" marR="68575" marT="0" marB="0"/>
+                </a:tc>
+                <a:tc>
+                  <a:txBody>
+                    <a:bodyPr/>
+                    <a:lstStyle/>
+                    <a:p>
+                      <a:pPr marL="0" marR="0" lvl="0" indent="0" algn="l" rtl="0">
+                        <a:lnSpc>
+                          <a:spcPct val="107000"/>
+                        </a:lnSpc>
+                        <a:spcBef>
+                          <a:spcPts val="0"/>
+                        </a:spcBef>
+                        <a:spcAft>
+                          <a:spcPts val="0"/>
+                        </a:spcAft>
+                        <a:buNone/>
+                      </a:pPr>
+                      <a:r>
+                        <a:rPr lang="es-CO" sz="1100" u="none" strike="noStrike" cap="none"/>
+                        <a:t>Mensaje (recepción)</a:t>
+                      </a:r>
+                      <a:endParaRPr sz="1100" u="none" strike="noStrike" cap="none">
+                        <a:latin typeface="Calibri"/>
+                        <a:ea typeface="Calibri"/>
+                        <a:cs typeface="Calibri"/>
+                        <a:sym typeface="Calibri"/>
+                      </a:endParaRPr>
+                    </a:p>
+                  </a:txBody>
+                  <a:tcPr marL="68575" marR="68575" marT="0" marB="0"/>
+                </a:tc>
+                <a:tc>
+                  <a:txBody>
+                    <a:bodyPr/>
+                    <a:lstStyle/>
+                    <a:p>
+                      <a:pPr marL="0" marR="0" lvl="0" indent="0" algn="l" rtl="0">
+                        <a:lnSpc>
+                          <a:spcPct val="107000"/>
+                        </a:lnSpc>
+                        <a:spcBef>
+                          <a:spcPts val="0"/>
+                        </a:spcBef>
+                        <a:spcAft>
+                          <a:spcPts val="0"/>
+                        </a:spcAft>
+                        <a:buNone/>
+                      </a:pPr>
+                      <a:r>
+                        <a:rPr lang="es-CO" sz="1100" u="none" strike="noStrike" cap="none"/>
+                        <a:t>Se recibe el recibo de indemnización por parte de la aseguradora</a:t>
+                      </a:r>
+                      <a:endParaRPr sz="1100" u="none" strike="noStrike" cap="none">
+                        <a:latin typeface="Calibri"/>
+                        <a:ea typeface="Calibri"/>
+                        <a:cs typeface="Calibri"/>
+                        <a:sym typeface="Calibri"/>
+                      </a:endParaRPr>
+                    </a:p>
+                  </a:txBody>
+                  <a:tcPr marL="68575" marR="68575" marT="0" marB="0"/>
+                </a:tc>
+                <a:extLst>
+                  <a:ext uri="{0D108BD9-81ED-4DB2-BD59-A6C34878D82A}">
+                    <a16:rowId xmlns:a16="http://schemas.microsoft.com/office/drawing/2014/main" val="10002"/>
+                  </a:ext>
+                </a:extLst>
+              </a:tr>
+            </a:tbl>
+          </a:graphicData>
+        </a:graphic>
+      </p:graphicFrame>
+      <p:sp>
+        <p:nvSpPr>
+          <p:cNvPr id="118" name="Google Shape;118;p8"/>
+          <p:cNvSpPr/>
+          <p:nvPr/>
+        </p:nvSpPr>
+        <p:spPr>
+          <a:xfrm>
+            <a:off x="0" y="0"/>
+            <a:ext cx="12192000" cy="457200"/>
+          </a:xfrm>
+          <a:prstGeom prst="rect">
+            <a:avLst/>
+          </a:prstGeom>
+          <a:noFill/>
+          <a:ln>
+            <a:noFill/>
+          </a:ln>
+        </p:spPr>
+        <p:txBody>
+          <a:bodyPr spcFirstLastPara="1" wrap="square" lIns="91425" tIns="45700" rIns="91425" bIns="45700" anchor="ctr" anchorCtr="0">
+            <a:spAutoFit/>
+          </a:bodyPr>
+          <a:lstStyle/>
+          <a:p>
+            <a:pPr marL="0" marR="0" lvl="0" indent="0" algn="l" rtl="0">
+              <a:spcBef>
+                <a:spcPts val="0"/>
+              </a:spcBef>
+              <a:spcAft>
+                <a:spcPts val="0"/>
+              </a:spcAft>
+              <a:buNone/>
+            </a:pPr>
+            <a:endParaRPr sz="1800">
+              <a:solidFill>
+                <a:schemeClr val="dk1"/>
+              </a:solidFill>
+              <a:latin typeface="Calibri"/>
+              <a:ea typeface="Calibri"/>
+              <a:cs typeface="Calibri"/>
+              <a:sym typeface="Calibri"/>
+            </a:endParaRPr>
+          </a:p>
+        </p:txBody>
+      </p:sp>
+    </p:spTree>
+  </p:cSld>
+  <p:clrMapOvr>
+    <a:masterClrMapping/>
+  </p:clrMapOvr>
+</p:sld>
+</file>
+
+<file path=ppt/slides/slide11.xml><?xml version="1.0" encoding="utf-8"?>
+<p:sld xmlns:a="http://schemas.openxmlformats.org/drawingml/2006/main" xmlns:r="http://schemas.openxmlformats.org/officeDocument/2006/relationships" xmlns:p="http://schemas.openxmlformats.org/presentationml/2006/main">
+  <p:cSld>
+    <p:spTree>
+      <p:nvGrpSpPr>
         <p:cNvPr id="1" name="Shape 122"/>
         <p:cNvGrpSpPr/>
         <p:nvPr/>
@@ -10025,7 +10595,7 @@
 </p:sld>
 </file>
 
-<file path=ppt/slides/slide11.xml><?xml version="1.0" encoding="utf-8"?>
+<file path=ppt/slides/slide12.xml><?xml version="1.0" encoding="utf-8"?>
 <p:sld xmlns:a="http://schemas.openxmlformats.org/drawingml/2006/main" xmlns:r="http://schemas.openxmlformats.org/officeDocument/2006/relationships" xmlns:p="http://schemas.openxmlformats.org/presentationml/2006/main">
   <p:cSld>
     <p:spTree>
@@ -11868,7 +12438,7 @@
 </p:sld>
 </file>
 
-<file path=ppt/slides/slide12.xml><?xml version="1.0" encoding="utf-8"?>
+<file path=ppt/slides/slide13.xml><?xml version="1.0" encoding="utf-8"?>
 <p:sld xmlns:a="http://schemas.openxmlformats.org/drawingml/2006/main" xmlns:r="http://schemas.openxmlformats.org/officeDocument/2006/relationships" xmlns:p="http://schemas.openxmlformats.org/presentationml/2006/main">
   <p:cSld>
     <p:spTree>
@@ -13201,7 +13771,7 @@
 </p:sld>
 </file>
 
-<file path=ppt/slides/slide13.xml><?xml version="1.0" encoding="utf-8"?>
+<file path=ppt/slides/slide14.xml><?xml version="1.0" encoding="utf-8"?>
 <p:sld xmlns:a="http://schemas.openxmlformats.org/drawingml/2006/main" xmlns:r="http://schemas.openxmlformats.org/officeDocument/2006/relationships" xmlns:p="http://schemas.openxmlformats.org/presentationml/2006/main">
   <p:cSld>
     <p:spTree>
@@ -13570,7 +14140,7 @@
 </p:sld>
 </file>
 
-<file path=ppt/slides/slide14.xml><?xml version="1.0" encoding="utf-8"?>
+<file path=ppt/slides/slide15.xml><?xml version="1.0" encoding="utf-8"?>
 <p:sld xmlns:a="http://schemas.openxmlformats.org/drawingml/2006/main" xmlns:r="http://schemas.openxmlformats.org/officeDocument/2006/relationships" xmlns:p="http://schemas.openxmlformats.org/presentationml/2006/main">
   <p:cSld>
     <p:spTree>
@@ -13981,7 +14551,7 @@
 </p:sld>
 </file>
 
-<file path=ppt/slides/slide15.xml><?xml version="1.0" encoding="utf-8"?>
+<file path=ppt/slides/slide16.xml><?xml version="1.0" encoding="utf-8"?>
 <p:sld xmlns:a="http://schemas.openxmlformats.org/drawingml/2006/main" xmlns:r="http://schemas.openxmlformats.org/officeDocument/2006/relationships" xmlns:p="http://schemas.openxmlformats.org/presentationml/2006/main">
   <p:cSld>
     <p:spTree>
@@ -14060,7 +14630,7 @@
         </p:nvGraphicFramePr>
         <p:xfrm>
           <a:off x="317500" y="3052588"/>
-          <a:ext cx="3000000" cy="3000000"/>
+          <a:ext cx="10401300" cy="1544800"/>
         </p:xfrm>
         <a:graphic>
           <a:graphicData uri="http://schemas.openxmlformats.org/drawingml/2006/table">
@@ -14235,7 +14805,7 @@
 </p:sld>
 </file>
 
-<file path=ppt/slides/slide16.xml><?xml version="1.0" encoding="utf-8"?>
+<file path=ppt/slides/slide17.xml><?xml version="1.0" encoding="utf-8"?>
 <p:sld xmlns:a="http://schemas.openxmlformats.org/drawingml/2006/main" xmlns:r="http://schemas.openxmlformats.org/officeDocument/2006/relationships" xmlns:p="http://schemas.openxmlformats.org/presentationml/2006/main">
   <p:cSld>
     <p:spTree>
@@ -14363,7 +14933,7 @@
 </p:sld>
 </file>
 
-<file path=ppt/slides/slide17.xml><?xml version="1.0" encoding="utf-8"?>
+<file path=ppt/slides/slide18.xml><?xml version="1.0" encoding="utf-8"?>
 <p:sld xmlns:a="http://schemas.openxmlformats.org/drawingml/2006/main" xmlns:r="http://schemas.openxmlformats.org/officeDocument/2006/relationships" xmlns:p="http://schemas.openxmlformats.org/presentationml/2006/main">
   <p:cSld>
     <p:spTree>
@@ -14656,6 +15226,88 @@
 </file>
 
 <file path=ppt/slides/slide4.xml><?xml version="1.0" encoding="utf-8"?>
+<p:sld xmlns:a="http://schemas.openxmlformats.org/drawingml/2006/main" xmlns:r="http://schemas.openxmlformats.org/officeDocument/2006/relationships" xmlns:p="http://schemas.openxmlformats.org/presentationml/2006/main">
+  <p:cSld>
+    <p:spTree>
+      <p:nvGrpSpPr>
+        <p:cNvPr id="1" name=""/>
+        <p:cNvGrpSpPr/>
+        <p:nvPr/>
+      </p:nvGrpSpPr>
+      <p:grpSpPr>
+        <a:xfrm>
+          <a:off x="0" y="0"/>
+          <a:ext cx="0" cy="0"/>
+          <a:chOff x="0" y="0"/>
+          <a:chExt cx="0" cy="0"/>
+        </a:xfrm>
+      </p:grpSpPr>
+      <p:sp>
+        <p:nvSpPr>
+          <p:cNvPr id="2" name="Title 1">
+            <a:extLst>
+              <a:ext uri="{FF2B5EF4-FFF2-40B4-BE49-F238E27FC236}">
+                <a16:creationId xmlns:a16="http://schemas.microsoft.com/office/drawing/2014/main" id="{55675BA9-C2C9-4EC5-8C9C-0331E5DA74BF}"/>
+              </a:ext>
+            </a:extLst>
+          </p:cNvPr>
+          <p:cNvSpPr>
+            <a:spLocks noGrp="1"/>
+          </p:cNvSpPr>
+          <p:nvPr>
+            <p:ph type="title"/>
+          </p:nvPr>
+        </p:nvSpPr>
+        <p:spPr>
+          <a:xfrm>
+            <a:off x="838200" y="1110313"/>
+            <a:ext cx="10515600" cy="4516764"/>
+          </a:xfrm>
+        </p:spPr>
+        <p:txBody>
+          <a:bodyPr>
+            <a:normAutofit/>
+          </a:bodyPr>
+          <a:lstStyle/>
+          <a:p>
+            <a:r>
+              <a:rPr lang="en-US" sz="7200" dirty="0" err="1"/>
+              <a:t>Patrocinador</a:t>
+            </a:r>
+            <a:r>
+              <a:rPr lang="en-US" sz="7200" dirty="0"/>
+              <a:t>: </a:t>
+            </a:r>
+            <a:r>
+              <a:rPr lang="en-US" sz="7200" dirty="0" err="1"/>
+              <a:t>Analista</a:t>
+            </a:r>
+            <a:r>
+              <a:rPr lang="en-US" sz="7200" dirty="0"/>
+              <a:t> de </a:t>
+            </a:r>
+            <a:r>
+              <a:rPr lang="en-US" sz="7200" dirty="0" err="1"/>
+              <a:t>seguros</a:t>
+            </a:r>
+            <a:endParaRPr lang="en-US" sz="7200" dirty="0"/>
+          </a:p>
+        </p:txBody>
+      </p:sp>
+    </p:spTree>
+    <p:extLst>
+      <p:ext uri="{BB962C8B-B14F-4D97-AF65-F5344CB8AC3E}">
+        <p14:creationId xmlns:p14="http://schemas.microsoft.com/office/powerpoint/2010/main" val="3116958647"/>
+      </p:ext>
+    </p:extLst>
+  </p:cSld>
+  <p:clrMapOvr>
+    <a:masterClrMapping/>
+  </p:clrMapOvr>
+</p:sld>
+</file>
+
+<file path=ppt/slides/slide5.xml><?xml version="1.0" encoding="utf-8"?>
 <p:sld xmlns:a="http://schemas.openxmlformats.org/drawingml/2006/main" xmlns:r="http://schemas.openxmlformats.org/officeDocument/2006/relationships" xmlns:p="http://schemas.openxmlformats.org/presentationml/2006/main">
   <p:cSld>
     <p:spTree>
@@ -14819,7 +15471,7 @@
 </p:sld>
 </file>
 
-<file path=ppt/slides/slide5.xml><?xml version="1.0" encoding="utf-8"?>
+<file path=ppt/slides/slide6.xml><?xml version="1.0" encoding="utf-8"?>
 <p:sld xmlns:a="http://schemas.openxmlformats.org/drawingml/2006/main" xmlns:r="http://schemas.openxmlformats.org/officeDocument/2006/relationships" xmlns:p="http://schemas.openxmlformats.org/presentationml/2006/main">
   <p:cSld>
     <p:spTree>
@@ -15648,7 +16300,7 @@
 </p:sld>
 </file>
 
-<file path=ppt/slides/slide6.xml><?xml version="1.0" encoding="utf-8"?>
+<file path=ppt/slides/slide7.xml><?xml version="1.0" encoding="utf-8"?>
 <p:sld xmlns:a="http://schemas.openxmlformats.org/drawingml/2006/main" xmlns:r="http://schemas.openxmlformats.org/officeDocument/2006/relationships" xmlns:p="http://schemas.openxmlformats.org/presentationml/2006/main">
   <p:cSld>
     <p:spTree>
@@ -15754,7 +16406,7 @@
 </p:sld>
 </file>
 
-<file path=ppt/slides/slide7.xml><?xml version="1.0" encoding="utf-8"?>
+<file path=ppt/slides/slide8.xml><?xml version="1.0" encoding="utf-8"?>
 <p:sld xmlns:a="http://schemas.openxmlformats.org/drawingml/2006/main" xmlns:r="http://schemas.openxmlformats.org/officeDocument/2006/relationships" xmlns:p="http://schemas.openxmlformats.org/presentationml/2006/main">
   <p:cSld>
     <p:spTree>
@@ -15860,7 +16512,7 @@
 </p:sld>
 </file>
 
-<file path=ppt/slides/slide8.xml><?xml version="1.0" encoding="utf-8"?>
+<file path=ppt/slides/slide9.xml><?xml version="1.0" encoding="utf-8"?>
 <p:sld xmlns:a="http://schemas.openxmlformats.org/drawingml/2006/main" xmlns:r="http://schemas.openxmlformats.org/officeDocument/2006/relationships" xmlns:p="http://schemas.openxmlformats.org/presentationml/2006/main">
   <p:cSld>
     <p:spTree>
@@ -15904,575 +16556,6 @@
           </a:ln>
         </p:spPr>
       </p:pic>
-    </p:spTree>
-  </p:cSld>
-  <p:clrMapOvr>
-    <a:masterClrMapping/>
-  </p:clrMapOvr>
-</p:sld>
-</file>
-
-<file path=ppt/slides/slide9.xml><?xml version="1.0" encoding="utf-8"?>
-<p:sld xmlns:a="http://schemas.openxmlformats.org/drawingml/2006/main" xmlns:r="http://schemas.openxmlformats.org/officeDocument/2006/relationships" xmlns:p="http://schemas.openxmlformats.org/presentationml/2006/main">
-  <p:cSld>
-    <p:spTree>
-      <p:nvGrpSpPr>
-        <p:cNvPr id="1" name="Shape 115"/>
-        <p:cNvGrpSpPr/>
-        <p:nvPr/>
-      </p:nvGrpSpPr>
-      <p:grpSpPr>
-        <a:xfrm>
-          <a:off x="0" y="0"/>
-          <a:ext cx="0" cy="0"/>
-          <a:chOff x="0" y="0"/>
-          <a:chExt cx="0" cy="0"/>
-        </a:xfrm>
-      </p:grpSpPr>
-      <p:sp>
-        <p:nvSpPr>
-          <p:cNvPr id="116" name="Google Shape;116;p8"/>
-          <p:cNvSpPr txBox="1">
-            <a:spLocks noGrp="1"/>
-          </p:cNvSpPr>
-          <p:nvPr>
-            <p:ph type="title"/>
-          </p:nvPr>
-        </p:nvSpPr>
-        <p:spPr>
-          <a:xfrm>
-            <a:off x="838200" y="1110313"/>
-            <a:ext cx="10515600" cy="1325563"/>
-          </a:xfrm>
-          <a:prstGeom prst="rect">
-            <a:avLst/>
-          </a:prstGeom>
-          <a:noFill/>
-          <a:ln>
-            <a:noFill/>
-          </a:ln>
-        </p:spPr>
-        <p:txBody>
-          <a:bodyPr spcFirstLastPara="1" wrap="square" lIns="91425" tIns="45700" rIns="91425" bIns="45700" anchor="ctr" anchorCtr="0">
-            <a:normAutofit/>
-          </a:bodyPr>
-          <a:lstStyle/>
-          <a:p>
-            <a:pPr marL="0" lvl="0" indent="0" algn="l" rtl="0">
-              <a:lnSpc>
-                <a:spcPct val="90000"/>
-              </a:lnSpc>
-              <a:spcBef>
-                <a:spcPts val="0"/>
-              </a:spcBef>
-              <a:spcAft>
-                <a:spcPts val="0"/>
-              </a:spcAft>
-              <a:buClr>
-                <a:schemeClr val="dk1"/>
-              </a:buClr>
-              <a:buSzPts val="4400"/>
-              <a:buFont typeface="Calibri"/>
-              <a:buNone/>
-            </a:pPr>
-            <a:r>
-              <a:rPr lang="es-CO"/>
-              <a:t>Eventos</a:t>
-            </a:r>
-            <a:endParaRPr/>
-          </a:p>
-        </p:txBody>
-      </p:sp>
-      <p:graphicFrame>
-        <p:nvGraphicFramePr>
-          <p:cNvPr id="117" name="Google Shape;117;p8"/>
-          <p:cNvGraphicFramePr/>
-          <p:nvPr/>
-        </p:nvGraphicFramePr>
-        <p:xfrm>
-          <a:off x="838200" y="2435878"/>
-          <a:ext cx="10106400" cy="1986250"/>
-        </p:xfrm>
-        <a:graphic>
-          <a:graphicData uri="http://schemas.openxmlformats.org/drawingml/2006/table">
-            <a:tbl>
-              <a:tblPr firstRow="1" firstCol="1" bandRow="1">
-                <a:noFill/>
-                <a:tableStyleId>{48A060D3-1467-4978-95E0-19336CAD0590}</a:tableStyleId>
-              </a:tblPr>
-              <a:tblGrid>
-                <a:gridCol w="2526600">
-                  <a:extLst>
-                    <a:ext uri="{9D8B030D-6E8A-4147-A177-3AD203B41FA5}">
-                      <a16:colId xmlns:a16="http://schemas.microsoft.com/office/drawing/2014/main" val="20000"/>
-                    </a:ext>
-                  </a:extLst>
-                </a:gridCol>
-                <a:gridCol w="2526600">
-                  <a:extLst>
-                    <a:ext uri="{9D8B030D-6E8A-4147-A177-3AD203B41FA5}">
-                      <a16:colId xmlns:a16="http://schemas.microsoft.com/office/drawing/2014/main" val="20001"/>
-                    </a:ext>
-                  </a:extLst>
-                </a:gridCol>
-                <a:gridCol w="2526600">
-                  <a:extLst>
-                    <a:ext uri="{9D8B030D-6E8A-4147-A177-3AD203B41FA5}">
-                      <a16:colId xmlns:a16="http://schemas.microsoft.com/office/drawing/2014/main" val="20002"/>
-                    </a:ext>
-                  </a:extLst>
-                </a:gridCol>
-                <a:gridCol w="2526600">
-                  <a:extLst>
-                    <a:ext uri="{9D8B030D-6E8A-4147-A177-3AD203B41FA5}">
-                      <a16:colId xmlns:a16="http://schemas.microsoft.com/office/drawing/2014/main" val="20003"/>
-                    </a:ext>
-                  </a:extLst>
-                </a:gridCol>
-              </a:tblGrid>
-              <a:tr h="418050">
-                <a:tc>
-                  <a:txBody>
-                    <a:bodyPr/>
-                    <a:lstStyle/>
-                    <a:p>
-                      <a:pPr marL="0" marR="0" lvl="0" indent="0" algn="ctr" rtl="0">
-                        <a:lnSpc>
-                          <a:spcPct val="107000"/>
-                        </a:lnSpc>
-                        <a:spcBef>
-                          <a:spcPts val="0"/>
-                        </a:spcBef>
-                        <a:spcAft>
-                          <a:spcPts val="0"/>
-                        </a:spcAft>
-                        <a:buNone/>
-                      </a:pPr>
-                      <a:r>
-                        <a:rPr lang="es-CO" sz="1100" u="none" strike="noStrike" cap="none"/>
-                        <a:t>Id</a:t>
-                      </a:r>
-                      <a:endParaRPr sz="1100" u="none" strike="noStrike" cap="none">
-                        <a:latin typeface="Calibri"/>
-                        <a:ea typeface="Calibri"/>
-                        <a:cs typeface="Calibri"/>
-                        <a:sym typeface="Calibri"/>
-                      </a:endParaRPr>
-                    </a:p>
-                  </a:txBody>
-                  <a:tcPr marL="68575" marR="68575" marT="0" marB="0"/>
-                </a:tc>
-                <a:tc>
-                  <a:txBody>
-                    <a:bodyPr/>
-                    <a:lstStyle/>
-                    <a:p>
-                      <a:pPr marL="0" marR="0" lvl="0" indent="0" algn="ctr" rtl="0">
-                        <a:lnSpc>
-                          <a:spcPct val="107000"/>
-                        </a:lnSpc>
-                        <a:spcBef>
-                          <a:spcPts val="0"/>
-                        </a:spcBef>
-                        <a:spcAft>
-                          <a:spcPts val="0"/>
-                        </a:spcAft>
-                        <a:buNone/>
-                      </a:pPr>
-                      <a:r>
-                        <a:rPr lang="es-CO" sz="1100" u="none" strike="noStrike" cap="none"/>
-                        <a:t>Nombre evento</a:t>
-                      </a:r>
-                      <a:endParaRPr sz="1100" u="none" strike="noStrike" cap="none">
-                        <a:latin typeface="Calibri"/>
-                        <a:ea typeface="Calibri"/>
-                        <a:cs typeface="Calibri"/>
-                        <a:sym typeface="Calibri"/>
-                      </a:endParaRPr>
-                    </a:p>
-                  </a:txBody>
-                  <a:tcPr marL="68575" marR="68575" marT="0" marB="0"/>
-                </a:tc>
-                <a:tc>
-                  <a:txBody>
-                    <a:bodyPr/>
-                    <a:lstStyle/>
-                    <a:p>
-                      <a:pPr marL="0" marR="0" lvl="0" indent="0" algn="ctr" rtl="0">
-                        <a:lnSpc>
-                          <a:spcPct val="107000"/>
-                        </a:lnSpc>
-                        <a:spcBef>
-                          <a:spcPts val="0"/>
-                        </a:spcBef>
-                        <a:spcAft>
-                          <a:spcPts val="0"/>
-                        </a:spcAft>
-                        <a:buNone/>
-                      </a:pPr>
-                      <a:r>
-                        <a:rPr lang="es-CO" sz="1100" u="none" strike="noStrike" cap="none"/>
-                        <a:t>Tipo</a:t>
-                      </a:r>
-                      <a:endParaRPr sz="1100" u="none" strike="noStrike" cap="none">
-                        <a:latin typeface="Calibri"/>
-                        <a:ea typeface="Calibri"/>
-                        <a:cs typeface="Calibri"/>
-                        <a:sym typeface="Calibri"/>
-                      </a:endParaRPr>
-                    </a:p>
-                  </a:txBody>
-                  <a:tcPr marL="68575" marR="68575" marT="0" marB="0"/>
-                </a:tc>
-                <a:tc>
-                  <a:txBody>
-                    <a:bodyPr/>
-                    <a:lstStyle/>
-                    <a:p>
-                      <a:pPr marL="0" marR="0" lvl="0" indent="457200" algn="ctr" rtl="0">
-                        <a:lnSpc>
-                          <a:spcPct val="107000"/>
-                        </a:lnSpc>
-                        <a:spcBef>
-                          <a:spcPts val="0"/>
-                        </a:spcBef>
-                        <a:spcAft>
-                          <a:spcPts val="0"/>
-                        </a:spcAft>
-                        <a:buNone/>
-                      </a:pPr>
-                      <a:r>
-                        <a:rPr lang="es-CO" sz="1100" u="none" strike="noStrike" cap="none"/>
-                        <a:t>Descripción evento</a:t>
-                      </a:r>
-                      <a:endParaRPr sz="1100" u="none" strike="noStrike" cap="none">
-                        <a:latin typeface="Calibri"/>
-                        <a:ea typeface="Calibri"/>
-                        <a:cs typeface="Calibri"/>
-                        <a:sym typeface="Calibri"/>
-                      </a:endParaRPr>
-                    </a:p>
-                  </a:txBody>
-                  <a:tcPr marL="68575" marR="68575" marT="0" marB="0"/>
-                </a:tc>
-                <a:extLst>
-                  <a:ext uri="{0D108BD9-81ED-4DB2-BD59-A6C34878D82A}">
-                    <a16:rowId xmlns:a16="http://schemas.microsoft.com/office/drawing/2014/main" val="10000"/>
-                  </a:ext>
-                </a:extLst>
-              </a:tr>
-              <a:tr h="712725">
-                <a:tc>
-                  <a:txBody>
-                    <a:bodyPr/>
-                    <a:lstStyle/>
-                    <a:p>
-                      <a:pPr marL="0" marR="0" lvl="0" indent="0" algn="l" rtl="0">
-                        <a:lnSpc>
-                          <a:spcPct val="107000"/>
-                        </a:lnSpc>
-                        <a:spcBef>
-                          <a:spcPts val="0"/>
-                        </a:spcBef>
-                        <a:spcAft>
-                          <a:spcPts val="0"/>
-                        </a:spcAft>
-                        <a:buNone/>
-                      </a:pPr>
-                      <a:r>
-                        <a:rPr lang="es-CO" sz="1100" u="none" strike="noStrike" cap="none"/>
-                        <a:t>INV-PRO01-E01</a:t>
-                      </a:r>
-                      <a:endParaRPr sz="1100" u="none" strike="noStrike" cap="none">
-                        <a:latin typeface="Calibri"/>
-                        <a:ea typeface="Calibri"/>
-                        <a:cs typeface="Calibri"/>
-                        <a:sym typeface="Calibri"/>
-                      </a:endParaRPr>
-                    </a:p>
-                  </a:txBody>
-                  <a:tcPr marL="68575" marR="68575" marT="0" marB="0"/>
-                </a:tc>
-                <a:tc>
-                  <a:txBody>
-                    <a:bodyPr/>
-                    <a:lstStyle/>
-                    <a:p>
-                      <a:pPr marL="0" marR="0" lvl="0" indent="0" algn="l" rtl="0">
-                        <a:lnSpc>
-                          <a:spcPct val="107000"/>
-                        </a:lnSpc>
-                        <a:spcBef>
-                          <a:spcPts val="0"/>
-                        </a:spcBef>
-                        <a:spcAft>
-                          <a:spcPts val="0"/>
-                        </a:spcAft>
-                        <a:buNone/>
-                      </a:pPr>
-                      <a:r>
-                        <a:rPr lang="es-CO" sz="1100" u="none" strike="noStrike" cap="none"/>
-                        <a:t>Recibir requisitos para el pago</a:t>
-                      </a:r>
-                      <a:endParaRPr sz="1100" u="none" strike="noStrike" cap="none">
-                        <a:latin typeface="Calibri"/>
-                        <a:ea typeface="Calibri"/>
-                        <a:cs typeface="Calibri"/>
-                        <a:sym typeface="Calibri"/>
-                      </a:endParaRPr>
-                    </a:p>
-                  </a:txBody>
-                  <a:tcPr marL="68575" marR="68575" marT="0" marB="0"/>
-                </a:tc>
-                <a:tc>
-                  <a:txBody>
-                    <a:bodyPr/>
-                    <a:lstStyle/>
-                    <a:p>
-                      <a:pPr marL="0" marR="0" lvl="0" indent="0" algn="l" rtl="0">
-                        <a:lnSpc>
-                          <a:spcPct val="107000"/>
-                        </a:lnSpc>
-                        <a:spcBef>
-                          <a:spcPts val="0"/>
-                        </a:spcBef>
-                        <a:spcAft>
-                          <a:spcPts val="0"/>
-                        </a:spcAft>
-                        <a:buNone/>
-                      </a:pPr>
-                      <a:r>
-                        <a:rPr lang="es-CO" sz="1100" u="none" strike="noStrike" cap="none"/>
-                        <a:t>Mensaje (recepción)</a:t>
-                      </a:r>
-                      <a:endParaRPr sz="1100" u="none" strike="noStrike" cap="none">
-                        <a:latin typeface="Calibri"/>
-                        <a:ea typeface="Calibri"/>
-                        <a:cs typeface="Calibri"/>
-                        <a:sym typeface="Calibri"/>
-                      </a:endParaRPr>
-                    </a:p>
-                  </a:txBody>
-                  <a:tcPr marL="68575" marR="68575" marT="0" marB="0"/>
-                </a:tc>
-                <a:tc>
-                  <a:txBody>
-                    <a:bodyPr/>
-                    <a:lstStyle/>
-                    <a:p>
-                      <a:pPr marL="0" marR="0" lvl="0" indent="0" algn="l" rtl="0">
-                        <a:lnSpc>
-                          <a:spcPct val="107000"/>
-                        </a:lnSpc>
-                        <a:spcBef>
-                          <a:spcPts val="0"/>
-                        </a:spcBef>
-                        <a:spcAft>
-                          <a:spcPts val="0"/>
-                        </a:spcAft>
-                        <a:buNone/>
-                      </a:pPr>
-                      <a:r>
-                        <a:rPr lang="es-CO" sz="1100" u="none" strike="noStrike" cap="none"/>
-                        <a:t> </a:t>
-                      </a:r>
-                      <a:endParaRPr sz="1100" u="none" strike="noStrike" cap="none">
-                        <a:latin typeface="Calibri"/>
-                        <a:ea typeface="Calibri"/>
-                        <a:cs typeface="Calibri"/>
-                        <a:sym typeface="Calibri"/>
-                      </a:endParaRPr>
-                    </a:p>
-                  </a:txBody>
-                  <a:tcPr marL="68575" marR="68575" marT="0" marB="0"/>
-                </a:tc>
-                <a:extLst>
-                  <a:ext uri="{0D108BD9-81ED-4DB2-BD59-A6C34878D82A}">
-                    <a16:rowId xmlns:a16="http://schemas.microsoft.com/office/drawing/2014/main" val="10001"/>
-                  </a:ext>
-                </a:extLst>
-              </a:tr>
-              <a:tr h="855475">
-                <a:tc>
-                  <a:txBody>
-                    <a:bodyPr/>
-                    <a:lstStyle/>
-                    <a:p>
-                      <a:pPr marL="0" marR="0" lvl="0" indent="0" algn="l" rtl="0">
-                        <a:lnSpc>
-                          <a:spcPct val="107000"/>
-                        </a:lnSpc>
-                        <a:spcBef>
-                          <a:spcPts val="0"/>
-                        </a:spcBef>
-                        <a:spcAft>
-                          <a:spcPts val="0"/>
-                        </a:spcAft>
-                        <a:buNone/>
-                      </a:pPr>
-                      <a:r>
-                        <a:rPr lang="es-CO" sz="1100" u="none" strike="noStrike" cap="none"/>
-                        <a:t>INV-PRO01-E02</a:t>
-                      </a:r>
-                      <a:endParaRPr sz="1100" u="none" strike="noStrike" cap="none">
-                        <a:latin typeface="Calibri"/>
-                        <a:ea typeface="Calibri"/>
-                        <a:cs typeface="Calibri"/>
-                        <a:sym typeface="Calibri"/>
-                      </a:endParaRPr>
-                    </a:p>
-                  </a:txBody>
-                  <a:tcPr marL="68575" marR="68575" marT="0" marB="0"/>
-                </a:tc>
-                <a:tc>
-                  <a:txBody>
-                    <a:bodyPr/>
-                    <a:lstStyle/>
-                    <a:p>
-                      <a:pPr marL="0" marR="0" lvl="0" indent="0" algn="l" rtl="0">
-                        <a:lnSpc>
-                          <a:spcPct val="107000"/>
-                        </a:lnSpc>
-                        <a:spcBef>
-                          <a:spcPts val="0"/>
-                        </a:spcBef>
-                        <a:spcAft>
-                          <a:spcPts val="0"/>
-                        </a:spcAft>
-                        <a:buNone/>
-                      </a:pPr>
-                      <a:r>
-                        <a:rPr lang="es-CO" sz="1100" u="none" strike="noStrike" cap="none"/>
-                        <a:t>Recepción documento de indemnización</a:t>
-                      </a:r>
-                      <a:endParaRPr sz="1100" u="none" strike="noStrike" cap="none">
-                        <a:latin typeface="Calibri"/>
-                        <a:ea typeface="Calibri"/>
-                        <a:cs typeface="Calibri"/>
-                        <a:sym typeface="Calibri"/>
-                      </a:endParaRPr>
-                    </a:p>
-                  </a:txBody>
-                  <a:tcPr marL="68575" marR="68575" marT="0" marB="0"/>
-                </a:tc>
-                <a:tc>
-                  <a:txBody>
-                    <a:bodyPr/>
-                    <a:lstStyle/>
-                    <a:p>
-                      <a:pPr marL="0" marR="0" lvl="0" indent="0" algn="l" rtl="0">
-                        <a:lnSpc>
-                          <a:spcPct val="107000"/>
-                        </a:lnSpc>
-                        <a:spcBef>
-                          <a:spcPts val="0"/>
-                        </a:spcBef>
-                        <a:spcAft>
-                          <a:spcPts val="0"/>
-                        </a:spcAft>
-                        <a:buNone/>
-                      </a:pPr>
-                      <a:r>
-                        <a:rPr lang="es-CO" sz="1100" u="none" strike="noStrike" cap="none"/>
-                        <a:t>Mensaje (recepción)</a:t>
-                      </a:r>
-                      <a:endParaRPr sz="1100" u="none" strike="noStrike" cap="none">
-                        <a:latin typeface="Calibri"/>
-                        <a:ea typeface="Calibri"/>
-                        <a:cs typeface="Calibri"/>
-                        <a:sym typeface="Calibri"/>
-                      </a:endParaRPr>
-                    </a:p>
-                  </a:txBody>
-                  <a:tcPr marL="68575" marR="68575" marT="0" marB="0"/>
-                </a:tc>
-                <a:tc>
-                  <a:txBody>
-                    <a:bodyPr/>
-                    <a:lstStyle/>
-                    <a:p>
-                      <a:pPr marL="0" marR="0" lvl="0" indent="0" algn="l" rtl="0">
-                        <a:lnSpc>
-                          <a:spcPct val="107000"/>
-                        </a:lnSpc>
-                        <a:spcBef>
-                          <a:spcPts val="0"/>
-                        </a:spcBef>
-                        <a:spcAft>
-                          <a:spcPts val="0"/>
-                        </a:spcAft>
-                        <a:buNone/>
-                      </a:pPr>
-                      <a:r>
-                        <a:rPr lang="es-CO" sz="1100" u="none" strike="noStrike" cap="none"/>
-                        <a:t>Se recibe el recibo de indemnización por parte de la aseguradora</a:t>
-                      </a:r>
-                      <a:endParaRPr sz="1100" u="none" strike="noStrike" cap="none">
-                        <a:latin typeface="Calibri"/>
-                        <a:ea typeface="Calibri"/>
-                        <a:cs typeface="Calibri"/>
-                        <a:sym typeface="Calibri"/>
-                      </a:endParaRPr>
-                    </a:p>
-                  </a:txBody>
-                  <a:tcPr marL="68575" marR="68575" marT="0" marB="0"/>
-                </a:tc>
-                <a:extLst>
-                  <a:ext uri="{0D108BD9-81ED-4DB2-BD59-A6C34878D82A}">
-                    <a16:rowId xmlns:a16="http://schemas.microsoft.com/office/drawing/2014/main" val="10002"/>
-                  </a:ext>
-                </a:extLst>
-              </a:tr>
-            </a:tbl>
-          </a:graphicData>
-        </a:graphic>
-      </p:graphicFrame>
-      <p:sp>
-        <p:nvSpPr>
-          <p:cNvPr id="118" name="Google Shape;118;p8"/>
-          <p:cNvSpPr/>
-          <p:nvPr/>
-        </p:nvSpPr>
-        <p:spPr>
-          <a:xfrm>
-            <a:off x="0" y="0"/>
-            <a:ext cx="12192000" cy="457200"/>
-          </a:xfrm>
-          <a:prstGeom prst="rect">
-            <a:avLst/>
-          </a:prstGeom>
-          <a:noFill/>
-          <a:ln>
-            <a:noFill/>
-          </a:ln>
-        </p:spPr>
-        <p:txBody>
-          <a:bodyPr spcFirstLastPara="1" wrap="square" lIns="91425" tIns="45700" rIns="91425" bIns="45700" anchor="ctr" anchorCtr="0">
-            <a:spAutoFit/>
-          </a:bodyPr>
-          <a:lstStyle/>
-          <a:p>
-            <a:pPr marL="0" marR="0" lvl="0" indent="0" algn="l" rtl="0">
-              <a:spcBef>
-                <a:spcPts val="0"/>
-              </a:spcBef>
-              <a:spcAft>
-                <a:spcPts val="0"/>
-              </a:spcAft>
-              <a:buNone/>
-            </a:pPr>
-            <a:endParaRPr sz="1800">
-              <a:solidFill>
-                <a:schemeClr val="dk1"/>
-              </a:solidFill>
-              <a:latin typeface="Calibri"/>
-              <a:ea typeface="Calibri"/>
-              <a:cs typeface="Calibri"/>
-              <a:sym typeface="Calibri"/>
-            </a:endParaRPr>
-          </a:p>
-        </p:txBody>
-      </p:sp>
     </p:spTree>
   </p:cSld>
   <p:clrMapOvr>

--- a/AUPN.pptx
+++ b/AUPN.pptx
@@ -11,16 +11,16 @@
     <p:sldId id="256" r:id="rId2"/>
     <p:sldId id="257" r:id="rId3"/>
     <p:sldId id="258" r:id="rId4"/>
-    <p:sldId id="273" r:id="rId5"/>
-    <p:sldId id="259" r:id="rId6"/>
-    <p:sldId id="260" r:id="rId7"/>
-    <p:sldId id="261" r:id="rId8"/>
-    <p:sldId id="262" r:id="rId9"/>
-    <p:sldId id="263" r:id="rId10"/>
-    <p:sldId id="264" r:id="rId11"/>
-    <p:sldId id="265" r:id="rId12"/>
-    <p:sldId id="266" r:id="rId13"/>
-    <p:sldId id="267" r:id="rId14"/>
+    <p:sldId id="259" r:id="rId5"/>
+    <p:sldId id="260" r:id="rId6"/>
+    <p:sldId id="261" r:id="rId7"/>
+    <p:sldId id="262" r:id="rId8"/>
+    <p:sldId id="263" r:id="rId9"/>
+    <p:sldId id="264" r:id="rId10"/>
+    <p:sldId id="265" r:id="rId11"/>
+    <p:sldId id="266" r:id="rId12"/>
+    <p:sldId id="267" r:id="rId13"/>
+    <p:sldId id="273" r:id="rId14"/>
     <p:sldId id="268" r:id="rId15"/>
     <p:sldId id="269" r:id="rId16"/>
     <p:sldId id="270" r:id="rId17"/>
@@ -263,7 +263,7 @@
       <p15:sldGuideLst xmlns:p15="http://schemas.microsoft.com/office/powerpoint/2012/main"/>
     </p:ext>
     <p:ext uri="http://customooxmlschemas.google.com/">
-      <go:slidesCustomData xmlns:go="http://customooxmlschemas.google.com/" xmlns:p15="http://schemas.microsoft.com/office/powerpoint/2012/main" xmlns:p14="http://schemas.microsoft.com/office/powerpoint/2010/main" xmlns:com="http://schemas.openxmlformats.org/drawingml/2006/compatibility" xmlns:pvml="urn:schemas-microsoft-com:office:powerpoint" xmlns:v="urn:schemas-microsoft-com:vml" xmlns:o="urn:schemas-microsoft-com:office:office" xmlns:dgm="http://schemas.openxmlformats.org/drawingml/2006/diagram" xmlns:c="http://schemas.openxmlformats.org/drawingml/2006/chart" xmlns:mv="urn:schemas-microsoft-com:mac:vml" xmlns:mc="http://schemas.openxmlformats.org/markup-compatibility/2006" xmlns="" r:id="rId23" roundtripDataSignature="AMtx7mjLPSbfag3FYSyY1By+vwtzdHsLUg=="/>
+      <go:slidesCustomData xmlns="" xmlns:mc="http://schemas.openxmlformats.org/markup-compatibility/2006" xmlns:mv="urn:schemas-microsoft-com:mac:vml" xmlns:c="http://schemas.openxmlformats.org/drawingml/2006/chart" xmlns:dgm="http://schemas.openxmlformats.org/drawingml/2006/diagram" xmlns:o="urn:schemas-microsoft-com:office:office" xmlns:v="urn:schemas-microsoft-com:vml" xmlns:pvml="urn:schemas-microsoft-com:office:powerpoint" xmlns:com="http://schemas.openxmlformats.org/drawingml/2006/compatibility" xmlns:p14="http://schemas.microsoft.com/office/powerpoint/2010/main" xmlns:p15="http://schemas.microsoft.com/office/powerpoint/2012/main" xmlns:go="http://customooxmlschemas.google.com/" r:id="rId23" roundtripDataSignature="AMtx7mjLPSbfag3FYSyY1By+vwtzdHsLUg=="/>
     </p:ext>
   </p:extLst>
 </p:presentation>
@@ -985,8 +985,8 @@
         </p:nvSpPr>
         <p:spPr>
           <a:xfrm>
-            <a:off x="1143225" y="685800"/>
-            <a:ext cx="4572225" cy="3429000"/>
+            <a:off x="381000" y="685800"/>
+            <a:ext cx="6096000" cy="3429000"/>
           </a:xfrm>
           <a:custGeom>
             <a:avLst/>
@@ -1089,8 +1089,8 @@
         </p:nvSpPr>
         <p:spPr>
           <a:xfrm>
-            <a:off x="1143225" y="685800"/>
-            <a:ext cx="4572225" cy="3429000"/>
+            <a:off x="381000" y="685800"/>
+            <a:ext cx="6096000" cy="3429000"/>
           </a:xfrm>
           <a:custGeom>
             <a:avLst/>
@@ -1193,8 +1193,8 @@
         </p:nvSpPr>
         <p:spPr>
           <a:xfrm>
-            <a:off x="1143225" y="685800"/>
-            <a:ext cx="4572225" cy="3429000"/>
+            <a:off x="381000" y="685800"/>
+            <a:ext cx="6096000" cy="3429000"/>
           </a:xfrm>
           <a:custGeom>
             <a:avLst/>
@@ -1297,8 +1297,8 @@
         </p:nvSpPr>
         <p:spPr>
           <a:xfrm>
-            <a:off x="1143225" y="685800"/>
-            <a:ext cx="4572225" cy="3429000"/>
+            <a:off x="381000" y="685800"/>
+            <a:ext cx="6096000" cy="3429000"/>
           </a:xfrm>
           <a:custGeom>
             <a:avLst/>
@@ -1401,8 +1401,8 @@
         </p:nvSpPr>
         <p:spPr>
           <a:xfrm>
-            <a:off x="1143225" y="685800"/>
-            <a:ext cx="4572225" cy="3429000"/>
+            <a:off x="381000" y="685800"/>
+            <a:ext cx="6096000" cy="3429000"/>
           </a:xfrm>
           <a:custGeom>
             <a:avLst/>
@@ -1467,8 +1467,8 @@
         </p:nvSpPr>
         <p:spPr>
           <a:xfrm>
-            <a:off x="1143225" y="685800"/>
-            <a:ext cx="4572300" cy="3429000"/>
+            <a:off x="381000" y="685800"/>
+            <a:ext cx="6096000" cy="3429000"/>
           </a:xfrm>
           <a:custGeom>
             <a:avLst/>
@@ -1609,8 +1609,8 @@
         </p:nvSpPr>
         <p:spPr>
           <a:xfrm>
-            <a:off x="1143225" y="685800"/>
-            <a:ext cx="4572225" cy="3429000"/>
+            <a:off x="381000" y="685800"/>
+            <a:ext cx="6096000" cy="3429000"/>
           </a:xfrm>
           <a:custGeom>
             <a:avLst/>
@@ -1713,8 +1713,8 @@
         </p:nvSpPr>
         <p:spPr>
           <a:xfrm>
-            <a:off x="1143225" y="685800"/>
-            <a:ext cx="4572225" cy="3429000"/>
+            <a:off x="381000" y="685800"/>
+            <a:ext cx="6096000" cy="3429000"/>
           </a:xfrm>
           <a:custGeom>
             <a:avLst/>
@@ -1817,8 +1817,8 @@
         </p:nvSpPr>
         <p:spPr>
           <a:xfrm>
-            <a:off x="1143225" y="685800"/>
-            <a:ext cx="4572225" cy="3429000"/>
+            <a:off x="381000" y="685800"/>
+            <a:ext cx="6096000" cy="3429000"/>
           </a:xfrm>
           <a:custGeom>
             <a:avLst/>
@@ -2025,8 +2025,8 @@
         </p:nvSpPr>
         <p:spPr>
           <a:xfrm>
-            <a:off x="1143225" y="685800"/>
-            <a:ext cx="4572225" cy="3429000"/>
+            <a:off x="381000" y="685800"/>
+            <a:ext cx="6096000" cy="3429000"/>
           </a:xfrm>
           <a:custGeom>
             <a:avLst/>
@@ -2129,8 +2129,8 @@
         </p:nvSpPr>
         <p:spPr>
           <a:xfrm>
-            <a:off x="1143225" y="685800"/>
-            <a:ext cx="4572300" cy="3429000"/>
+            <a:off x="381000" y="685800"/>
+            <a:ext cx="6096000" cy="3429000"/>
           </a:xfrm>
           <a:custGeom>
             <a:avLst/>
@@ -2233,8 +2233,8 @@
         </p:nvSpPr>
         <p:spPr>
           <a:xfrm>
-            <a:off x="1143225" y="685800"/>
-            <a:ext cx="4572225" cy="3429000"/>
+            <a:off x="381000" y="685800"/>
+            <a:ext cx="6096000" cy="3429000"/>
           </a:xfrm>
           <a:custGeom>
             <a:avLst/>
@@ -2337,8 +2337,8 @@
         </p:nvSpPr>
         <p:spPr>
           <a:xfrm>
-            <a:off x="1143225" y="685800"/>
-            <a:ext cx="4572225" cy="3429000"/>
+            <a:off x="381000" y="685800"/>
+            <a:ext cx="6096000" cy="3429000"/>
           </a:xfrm>
           <a:custGeom>
             <a:avLst/>
@@ -2441,8 +2441,8 @@
         </p:nvSpPr>
         <p:spPr>
           <a:xfrm>
-            <a:off x="1143225" y="685800"/>
-            <a:ext cx="4572225" cy="3429000"/>
+            <a:off x="381000" y="685800"/>
+            <a:ext cx="6096000" cy="3429000"/>
           </a:xfrm>
           <a:custGeom>
             <a:avLst/>
@@ -8908,10 +8908,10 @@
               <a:buNone/>
             </a:pPr>
             <a:r>
-              <a:rPr lang="es-CO"/>
+              <a:rPr lang="es-CO" dirty="0"/>
               <a:t>AUPN-INVIAS</a:t>
             </a:r>
-            <a:endParaRPr/>
+            <a:endParaRPr dirty="0"/>
           </a:p>
         </p:txBody>
       </p:sp>
@@ -8940,7 +8940,7 @@
         </p:spPr>
         <p:txBody>
           <a:bodyPr spcFirstLastPara="1" wrap="square" lIns="91425" tIns="45700" rIns="91425" bIns="45700" anchor="t" anchorCtr="0">
-            <a:normAutofit fontScale="40000" lnSpcReduction="20000"/>
+            <a:noAutofit/>
           </a:bodyPr>
           <a:lstStyle/>
           <a:p>
@@ -8959,10 +8959,10 @@
               <a:buChar char="•"/>
             </a:pPr>
             <a:r>
-              <a:rPr lang="es-CO"/>
+              <a:rPr lang="es-CO" sz="1400" dirty="0"/>
               <a:t>Diego  Chinchilla</a:t>
             </a:r>
-            <a:endParaRPr/>
+            <a:endParaRPr sz="1400" dirty="0"/>
           </a:p>
           <a:p>
             <a:pPr marL="285750" lvl="0" indent="-285750" algn="l" rtl="0">
@@ -8980,10 +8980,18 @@
               <a:buChar char="•"/>
             </a:pPr>
             <a:r>
-              <a:rPr lang="es-CO"/>
-              <a:t>Andres Gualdron</a:t>
+              <a:rPr lang="es-CO" sz="1400" dirty="0" err="1"/>
+              <a:t>Andres</a:t>
             </a:r>
-            <a:endParaRPr/>
+            <a:r>
+              <a:rPr lang="es-CO" sz="1400" dirty="0"/>
+              <a:t> </a:t>
+            </a:r>
+            <a:r>
+              <a:rPr lang="es-CO" sz="1400" dirty="0" err="1"/>
+              <a:t>Gualdron</a:t>
+            </a:r>
+            <a:endParaRPr sz="1400" dirty="0"/>
           </a:p>
           <a:p>
             <a:pPr marL="285750" lvl="0" indent="-285750" algn="l" rtl="0">
@@ -9001,10 +9009,10 @@
               <a:buChar char="•"/>
             </a:pPr>
             <a:r>
-              <a:rPr lang="es-CO"/>
+              <a:rPr lang="es-CO" sz="1400" dirty="0"/>
               <a:t>Fernando Barrera</a:t>
             </a:r>
-            <a:endParaRPr/>
+            <a:endParaRPr sz="1400" dirty="0"/>
           </a:p>
           <a:p>
             <a:pPr marL="285750" lvl="0" indent="-285750" algn="l" rtl="0">
@@ -9022,10 +9030,14 @@
               <a:buChar char="•"/>
             </a:pPr>
             <a:r>
-              <a:rPr lang="es-CO"/>
-              <a:t>Yeison Gualdrón</a:t>
+              <a:rPr lang="es-CO" sz="1400" dirty="0"/>
+              <a:t>Yeison </a:t>
             </a:r>
-            <a:endParaRPr/>
+            <a:r>
+              <a:rPr lang="es-CO" sz="1400" dirty="0" err="1"/>
+              <a:t>Gualdrón</a:t>
+            </a:r>
+            <a:endParaRPr sz="1400" dirty="0"/>
           </a:p>
           <a:p>
             <a:pPr marL="285750" lvl="0" indent="-285750" algn="l" rtl="0">
@@ -9043,10 +9055,10 @@
               <a:buChar char="•"/>
             </a:pPr>
             <a:r>
-              <a:rPr lang="es-CO"/>
+              <a:rPr lang="es-CO" sz="1400" dirty="0"/>
               <a:t>Daniel Alfonso </a:t>
             </a:r>
-            <a:endParaRPr/>
+            <a:endParaRPr sz="1400" dirty="0"/>
           </a:p>
         </p:txBody>
       </p:sp>
@@ -9059,575 +9071,6 @@
 </file>
 
 <file path=ppt/slides/slide10.xml><?xml version="1.0" encoding="utf-8"?>
-<p:sld xmlns:a="http://schemas.openxmlformats.org/drawingml/2006/main" xmlns:r="http://schemas.openxmlformats.org/officeDocument/2006/relationships" xmlns:p="http://schemas.openxmlformats.org/presentationml/2006/main">
-  <p:cSld>
-    <p:spTree>
-      <p:nvGrpSpPr>
-        <p:cNvPr id="1" name="Shape 115"/>
-        <p:cNvGrpSpPr/>
-        <p:nvPr/>
-      </p:nvGrpSpPr>
-      <p:grpSpPr>
-        <a:xfrm>
-          <a:off x="0" y="0"/>
-          <a:ext cx="0" cy="0"/>
-          <a:chOff x="0" y="0"/>
-          <a:chExt cx="0" cy="0"/>
-        </a:xfrm>
-      </p:grpSpPr>
-      <p:sp>
-        <p:nvSpPr>
-          <p:cNvPr id="116" name="Google Shape;116;p8"/>
-          <p:cNvSpPr txBox="1">
-            <a:spLocks noGrp="1"/>
-          </p:cNvSpPr>
-          <p:nvPr>
-            <p:ph type="title"/>
-          </p:nvPr>
-        </p:nvSpPr>
-        <p:spPr>
-          <a:xfrm>
-            <a:off x="838200" y="1110313"/>
-            <a:ext cx="10515600" cy="1325563"/>
-          </a:xfrm>
-          <a:prstGeom prst="rect">
-            <a:avLst/>
-          </a:prstGeom>
-          <a:noFill/>
-          <a:ln>
-            <a:noFill/>
-          </a:ln>
-        </p:spPr>
-        <p:txBody>
-          <a:bodyPr spcFirstLastPara="1" wrap="square" lIns="91425" tIns="45700" rIns="91425" bIns="45700" anchor="ctr" anchorCtr="0">
-            <a:normAutofit/>
-          </a:bodyPr>
-          <a:lstStyle/>
-          <a:p>
-            <a:pPr marL="0" lvl="0" indent="0" algn="l" rtl="0">
-              <a:lnSpc>
-                <a:spcPct val="90000"/>
-              </a:lnSpc>
-              <a:spcBef>
-                <a:spcPts val="0"/>
-              </a:spcBef>
-              <a:spcAft>
-                <a:spcPts val="0"/>
-              </a:spcAft>
-              <a:buClr>
-                <a:schemeClr val="dk1"/>
-              </a:buClr>
-              <a:buSzPts val="4400"/>
-              <a:buFont typeface="Calibri"/>
-              <a:buNone/>
-            </a:pPr>
-            <a:r>
-              <a:rPr lang="es-CO"/>
-              <a:t>Eventos</a:t>
-            </a:r>
-            <a:endParaRPr/>
-          </a:p>
-        </p:txBody>
-      </p:sp>
-      <p:graphicFrame>
-        <p:nvGraphicFramePr>
-          <p:cNvPr id="117" name="Google Shape;117;p8"/>
-          <p:cNvGraphicFramePr/>
-          <p:nvPr/>
-        </p:nvGraphicFramePr>
-        <p:xfrm>
-          <a:off x="838200" y="2435878"/>
-          <a:ext cx="10106400" cy="1986250"/>
-        </p:xfrm>
-        <a:graphic>
-          <a:graphicData uri="http://schemas.openxmlformats.org/drawingml/2006/table">
-            <a:tbl>
-              <a:tblPr firstRow="1" firstCol="1" bandRow="1">
-                <a:noFill/>
-                <a:tableStyleId>{48A060D3-1467-4978-95E0-19336CAD0590}</a:tableStyleId>
-              </a:tblPr>
-              <a:tblGrid>
-                <a:gridCol w="2526600">
-                  <a:extLst>
-                    <a:ext uri="{9D8B030D-6E8A-4147-A177-3AD203B41FA5}">
-                      <a16:colId xmlns:a16="http://schemas.microsoft.com/office/drawing/2014/main" val="20000"/>
-                    </a:ext>
-                  </a:extLst>
-                </a:gridCol>
-                <a:gridCol w="2526600">
-                  <a:extLst>
-                    <a:ext uri="{9D8B030D-6E8A-4147-A177-3AD203B41FA5}">
-                      <a16:colId xmlns:a16="http://schemas.microsoft.com/office/drawing/2014/main" val="20001"/>
-                    </a:ext>
-                  </a:extLst>
-                </a:gridCol>
-                <a:gridCol w="2526600">
-                  <a:extLst>
-                    <a:ext uri="{9D8B030D-6E8A-4147-A177-3AD203B41FA5}">
-                      <a16:colId xmlns:a16="http://schemas.microsoft.com/office/drawing/2014/main" val="20002"/>
-                    </a:ext>
-                  </a:extLst>
-                </a:gridCol>
-                <a:gridCol w="2526600">
-                  <a:extLst>
-                    <a:ext uri="{9D8B030D-6E8A-4147-A177-3AD203B41FA5}">
-                      <a16:colId xmlns:a16="http://schemas.microsoft.com/office/drawing/2014/main" val="20003"/>
-                    </a:ext>
-                  </a:extLst>
-                </a:gridCol>
-              </a:tblGrid>
-              <a:tr h="418050">
-                <a:tc>
-                  <a:txBody>
-                    <a:bodyPr/>
-                    <a:lstStyle/>
-                    <a:p>
-                      <a:pPr marL="0" marR="0" lvl="0" indent="0" algn="ctr" rtl="0">
-                        <a:lnSpc>
-                          <a:spcPct val="107000"/>
-                        </a:lnSpc>
-                        <a:spcBef>
-                          <a:spcPts val="0"/>
-                        </a:spcBef>
-                        <a:spcAft>
-                          <a:spcPts val="0"/>
-                        </a:spcAft>
-                        <a:buNone/>
-                      </a:pPr>
-                      <a:r>
-                        <a:rPr lang="es-CO" sz="1100" u="none" strike="noStrike" cap="none"/>
-                        <a:t>Id</a:t>
-                      </a:r>
-                      <a:endParaRPr sz="1100" u="none" strike="noStrike" cap="none">
-                        <a:latin typeface="Calibri"/>
-                        <a:ea typeface="Calibri"/>
-                        <a:cs typeface="Calibri"/>
-                        <a:sym typeface="Calibri"/>
-                      </a:endParaRPr>
-                    </a:p>
-                  </a:txBody>
-                  <a:tcPr marL="68575" marR="68575" marT="0" marB="0"/>
-                </a:tc>
-                <a:tc>
-                  <a:txBody>
-                    <a:bodyPr/>
-                    <a:lstStyle/>
-                    <a:p>
-                      <a:pPr marL="0" marR="0" lvl="0" indent="0" algn="ctr" rtl="0">
-                        <a:lnSpc>
-                          <a:spcPct val="107000"/>
-                        </a:lnSpc>
-                        <a:spcBef>
-                          <a:spcPts val="0"/>
-                        </a:spcBef>
-                        <a:spcAft>
-                          <a:spcPts val="0"/>
-                        </a:spcAft>
-                        <a:buNone/>
-                      </a:pPr>
-                      <a:r>
-                        <a:rPr lang="es-CO" sz="1100" u="none" strike="noStrike" cap="none"/>
-                        <a:t>Nombre evento</a:t>
-                      </a:r>
-                      <a:endParaRPr sz="1100" u="none" strike="noStrike" cap="none">
-                        <a:latin typeface="Calibri"/>
-                        <a:ea typeface="Calibri"/>
-                        <a:cs typeface="Calibri"/>
-                        <a:sym typeface="Calibri"/>
-                      </a:endParaRPr>
-                    </a:p>
-                  </a:txBody>
-                  <a:tcPr marL="68575" marR="68575" marT="0" marB="0"/>
-                </a:tc>
-                <a:tc>
-                  <a:txBody>
-                    <a:bodyPr/>
-                    <a:lstStyle/>
-                    <a:p>
-                      <a:pPr marL="0" marR="0" lvl="0" indent="0" algn="ctr" rtl="0">
-                        <a:lnSpc>
-                          <a:spcPct val="107000"/>
-                        </a:lnSpc>
-                        <a:spcBef>
-                          <a:spcPts val="0"/>
-                        </a:spcBef>
-                        <a:spcAft>
-                          <a:spcPts val="0"/>
-                        </a:spcAft>
-                        <a:buNone/>
-                      </a:pPr>
-                      <a:r>
-                        <a:rPr lang="es-CO" sz="1100" u="none" strike="noStrike" cap="none"/>
-                        <a:t>Tipo</a:t>
-                      </a:r>
-                      <a:endParaRPr sz="1100" u="none" strike="noStrike" cap="none">
-                        <a:latin typeface="Calibri"/>
-                        <a:ea typeface="Calibri"/>
-                        <a:cs typeface="Calibri"/>
-                        <a:sym typeface="Calibri"/>
-                      </a:endParaRPr>
-                    </a:p>
-                  </a:txBody>
-                  <a:tcPr marL="68575" marR="68575" marT="0" marB="0"/>
-                </a:tc>
-                <a:tc>
-                  <a:txBody>
-                    <a:bodyPr/>
-                    <a:lstStyle/>
-                    <a:p>
-                      <a:pPr marL="0" marR="0" lvl="0" indent="457200" algn="ctr" rtl="0">
-                        <a:lnSpc>
-                          <a:spcPct val="107000"/>
-                        </a:lnSpc>
-                        <a:spcBef>
-                          <a:spcPts val="0"/>
-                        </a:spcBef>
-                        <a:spcAft>
-                          <a:spcPts val="0"/>
-                        </a:spcAft>
-                        <a:buNone/>
-                      </a:pPr>
-                      <a:r>
-                        <a:rPr lang="es-CO" sz="1100" u="none" strike="noStrike" cap="none"/>
-                        <a:t>Descripción evento</a:t>
-                      </a:r>
-                      <a:endParaRPr sz="1100" u="none" strike="noStrike" cap="none">
-                        <a:latin typeface="Calibri"/>
-                        <a:ea typeface="Calibri"/>
-                        <a:cs typeface="Calibri"/>
-                        <a:sym typeface="Calibri"/>
-                      </a:endParaRPr>
-                    </a:p>
-                  </a:txBody>
-                  <a:tcPr marL="68575" marR="68575" marT="0" marB="0"/>
-                </a:tc>
-                <a:extLst>
-                  <a:ext uri="{0D108BD9-81ED-4DB2-BD59-A6C34878D82A}">
-                    <a16:rowId xmlns:a16="http://schemas.microsoft.com/office/drawing/2014/main" val="10000"/>
-                  </a:ext>
-                </a:extLst>
-              </a:tr>
-              <a:tr h="712725">
-                <a:tc>
-                  <a:txBody>
-                    <a:bodyPr/>
-                    <a:lstStyle/>
-                    <a:p>
-                      <a:pPr marL="0" marR="0" lvl="0" indent="0" algn="l" rtl="0">
-                        <a:lnSpc>
-                          <a:spcPct val="107000"/>
-                        </a:lnSpc>
-                        <a:spcBef>
-                          <a:spcPts val="0"/>
-                        </a:spcBef>
-                        <a:spcAft>
-                          <a:spcPts val="0"/>
-                        </a:spcAft>
-                        <a:buNone/>
-                      </a:pPr>
-                      <a:r>
-                        <a:rPr lang="es-CO" sz="1100" u="none" strike="noStrike" cap="none"/>
-                        <a:t>INV-PRO01-E01</a:t>
-                      </a:r>
-                      <a:endParaRPr sz="1100" u="none" strike="noStrike" cap="none">
-                        <a:latin typeface="Calibri"/>
-                        <a:ea typeface="Calibri"/>
-                        <a:cs typeface="Calibri"/>
-                        <a:sym typeface="Calibri"/>
-                      </a:endParaRPr>
-                    </a:p>
-                  </a:txBody>
-                  <a:tcPr marL="68575" marR="68575" marT="0" marB="0"/>
-                </a:tc>
-                <a:tc>
-                  <a:txBody>
-                    <a:bodyPr/>
-                    <a:lstStyle/>
-                    <a:p>
-                      <a:pPr marL="0" marR="0" lvl="0" indent="0" algn="l" rtl="0">
-                        <a:lnSpc>
-                          <a:spcPct val="107000"/>
-                        </a:lnSpc>
-                        <a:spcBef>
-                          <a:spcPts val="0"/>
-                        </a:spcBef>
-                        <a:spcAft>
-                          <a:spcPts val="0"/>
-                        </a:spcAft>
-                        <a:buNone/>
-                      </a:pPr>
-                      <a:r>
-                        <a:rPr lang="es-CO" sz="1100" u="none" strike="noStrike" cap="none"/>
-                        <a:t>Recibir requisitos para el pago</a:t>
-                      </a:r>
-                      <a:endParaRPr sz="1100" u="none" strike="noStrike" cap="none">
-                        <a:latin typeface="Calibri"/>
-                        <a:ea typeface="Calibri"/>
-                        <a:cs typeface="Calibri"/>
-                        <a:sym typeface="Calibri"/>
-                      </a:endParaRPr>
-                    </a:p>
-                  </a:txBody>
-                  <a:tcPr marL="68575" marR="68575" marT="0" marB="0"/>
-                </a:tc>
-                <a:tc>
-                  <a:txBody>
-                    <a:bodyPr/>
-                    <a:lstStyle/>
-                    <a:p>
-                      <a:pPr marL="0" marR="0" lvl="0" indent="0" algn="l" rtl="0">
-                        <a:lnSpc>
-                          <a:spcPct val="107000"/>
-                        </a:lnSpc>
-                        <a:spcBef>
-                          <a:spcPts val="0"/>
-                        </a:spcBef>
-                        <a:spcAft>
-                          <a:spcPts val="0"/>
-                        </a:spcAft>
-                        <a:buNone/>
-                      </a:pPr>
-                      <a:r>
-                        <a:rPr lang="es-CO" sz="1100" u="none" strike="noStrike" cap="none"/>
-                        <a:t>Mensaje (recepción)</a:t>
-                      </a:r>
-                      <a:endParaRPr sz="1100" u="none" strike="noStrike" cap="none">
-                        <a:latin typeface="Calibri"/>
-                        <a:ea typeface="Calibri"/>
-                        <a:cs typeface="Calibri"/>
-                        <a:sym typeface="Calibri"/>
-                      </a:endParaRPr>
-                    </a:p>
-                  </a:txBody>
-                  <a:tcPr marL="68575" marR="68575" marT="0" marB="0"/>
-                </a:tc>
-                <a:tc>
-                  <a:txBody>
-                    <a:bodyPr/>
-                    <a:lstStyle/>
-                    <a:p>
-                      <a:pPr marL="0" marR="0" lvl="0" indent="0" algn="l" rtl="0">
-                        <a:lnSpc>
-                          <a:spcPct val="107000"/>
-                        </a:lnSpc>
-                        <a:spcBef>
-                          <a:spcPts val="0"/>
-                        </a:spcBef>
-                        <a:spcAft>
-                          <a:spcPts val="0"/>
-                        </a:spcAft>
-                        <a:buNone/>
-                      </a:pPr>
-                      <a:r>
-                        <a:rPr lang="es-CO" sz="1100" u="none" strike="noStrike" cap="none"/>
-                        <a:t> </a:t>
-                      </a:r>
-                      <a:endParaRPr sz="1100" u="none" strike="noStrike" cap="none">
-                        <a:latin typeface="Calibri"/>
-                        <a:ea typeface="Calibri"/>
-                        <a:cs typeface="Calibri"/>
-                        <a:sym typeface="Calibri"/>
-                      </a:endParaRPr>
-                    </a:p>
-                  </a:txBody>
-                  <a:tcPr marL="68575" marR="68575" marT="0" marB="0"/>
-                </a:tc>
-                <a:extLst>
-                  <a:ext uri="{0D108BD9-81ED-4DB2-BD59-A6C34878D82A}">
-                    <a16:rowId xmlns:a16="http://schemas.microsoft.com/office/drawing/2014/main" val="10001"/>
-                  </a:ext>
-                </a:extLst>
-              </a:tr>
-              <a:tr h="855475">
-                <a:tc>
-                  <a:txBody>
-                    <a:bodyPr/>
-                    <a:lstStyle/>
-                    <a:p>
-                      <a:pPr marL="0" marR="0" lvl="0" indent="0" algn="l" rtl="0">
-                        <a:lnSpc>
-                          <a:spcPct val="107000"/>
-                        </a:lnSpc>
-                        <a:spcBef>
-                          <a:spcPts val="0"/>
-                        </a:spcBef>
-                        <a:spcAft>
-                          <a:spcPts val="0"/>
-                        </a:spcAft>
-                        <a:buNone/>
-                      </a:pPr>
-                      <a:r>
-                        <a:rPr lang="es-CO" sz="1100" u="none" strike="noStrike" cap="none"/>
-                        <a:t>INV-PRO01-E02</a:t>
-                      </a:r>
-                      <a:endParaRPr sz="1100" u="none" strike="noStrike" cap="none">
-                        <a:latin typeface="Calibri"/>
-                        <a:ea typeface="Calibri"/>
-                        <a:cs typeface="Calibri"/>
-                        <a:sym typeface="Calibri"/>
-                      </a:endParaRPr>
-                    </a:p>
-                  </a:txBody>
-                  <a:tcPr marL="68575" marR="68575" marT="0" marB="0"/>
-                </a:tc>
-                <a:tc>
-                  <a:txBody>
-                    <a:bodyPr/>
-                    <a:lstStyle/>
-                    <a:p>
-                      <a:pPr marL="0" marR="0" lvl="0" indent="0" algn="l" rtl="0">
-                        <a:lnSpc>
-                          <a:spcPct val="107000"/>
-                        </a:lnSpc>
-                        <a:spcBef>
-                          <a:spcPts val="0"/>
-                        </a:spcBef>
-                        <a:spcAft>
-                          <a:spcPts val="0"/>
-                        </a:spcAft>
-                        <a:buNone/>
-                      </a:pPr>
-                      <a:r>
-                        <a:rPr lang="es-CO" sz="1100" u="none" strike="noStrike" cap="none"/>
-                        <a:t>Recepción documento de indemnización</a:t>
-                      </a:r>
-                      <a:endParaRPr sz="1100" u="none" strike="noStrike" cap="none">
-                        <a:latin typeface="Calibri"/>
-                        <a:ea typeface="Calibri"/>
-                        <a:cs typeface="Calibri"/>
-                        <a:sym typeface="Calibri"/>
-                      </a:endParaRPr>
-                    </a:p>
-                  </a:txBody>
-                  <a:tcPr marL="68575" marR="68575" marT="0" marB="0"/>
-                </a:tc>
-                <a:tc>
-                  <a:txBody>
-                    <a:bodyPr/>
-                    <a:lstStyle/>
-                    <a:p>
-                      <a:pPr marL="0" marR="0" lvl="0" indent="0" algn="l" rtl="0">
-                        <a:lnSpc>
-                          <a:spcPct val="107000"/>
-                        </a:lnSpc>
-                        <a:spcBef>
-                          <a:spcPts val="0"/>
-                        </a:spcBef>
-                        <a:spcAft>
-                          <a:spcPts val="0"/>
-                        </a:spcAft>
-                        <a:buNone/>
-                      </a:pPr>
-                      <a:r>
-                        <a:rPr lang="es-CO" sz="1100" u="none" strike="noStrike" cap="none"/>
-                        <a:t>Mensaje (recepción)</a:t>
-                      </a:r>
-                      <a:endParaRPr sz="1100" u="none" strike="noStrike" cap="none">
-                        <a:latin typeface="Calibri"/>
-                        <a:ea typeface="Calibri"/>
-                        <a:cs typeface="Calibri"/>
-                        <a:sym typeface="Calibri"/>
-                      </a:endParaRPr>
-                    </a:p>
-                  </a:txBody>
-                  <a:tcPr marL="68575" marR="68575" marT="0" marB="0"/>
-                </a:tc>
-                <a:tc>
-                  <a:txBody>
-                    <a:bodyPr/>
-                    <a:lstStyle/>
-                    <a:p>
-                      <a:pPr marL="0" marR="0" lvl="0" indent="0" algn="l" rtl="0">
-                        <a:lnSpc>
-                          <a:spcPct val="107000"/>
-                        </a:lnSpc>
-                        <a:spcBef>
-                          <a:spcPts val="0"/>
-                        </a:spcBef>
-                        <a:spcAft>
-                          <a:spcPts val="0"/>
-                        </a:spcAft>
-                        <a:buNone/>
-                      </a:pPr>
-                      <a:r>
-                        <a:rPr lang="es-CO" sz="1100" u="none" strike="noStrike" cap="none"/>
-                        <a:t>Se recibe el recibo de indemnización por parte de la aseguradora</a:t>
-                      </a:r>
-                      <a:endParaRPr sz="1100" u="none" strike="noStrike" cap="none">
-                        <a:latin typeface="Calibri"/>
-                        <a:ea typeface="Calibri"/>
-                        <a:cs typeface="Calibri"/>
-                        <a:sym typeface="Calibri"/>
-                      </a:endParaRPr>
-                    </a:p>
-                  </a:txBody>
-                  <a:tcPr marL="68575" marR="68575" marT="0" marB="0"/>
-                </a:tc>
-                <a:extLst>
-                  <a:ext uri="{0D108BD9-81ED-4DB2-BD59-A6C34878D82A}">
-                    <a16:rowId xmlns:a16="http://schemas.microsoft.com/office/drawing/2014/main" val="10002"/>
-                  </a:ext>
-                </a:extLst>
-              </a:tr>
-            </a:tbl>
-          </a:graphicData>
-        </a:graphic>
-      </p:graphicFrame>
-      <p:sp>
-        <p:nvSpPr>
-          <p:cNvPr id="118" name="Google Shape;118;p8"/>
-          <p:cNvSpPr/>
-          <p:nvPr/>
-        </p:nvSpPr>
-        <p:spPr>
-          <a:xfrm>
-            <a:off x="0" y="0"/>
-            <a:ext cx="12192000" cy="457200"/>
-          </a:xfrm>
-          <a:prstGeom prst="rect">
-            <a:avLst/>
-          </a:prstGeom>
-          <a:noFill/>
-          <a:ln>
-            <a:noFill/>
-          </a:ln>
-        </p:spPr>
-        <p:txBody>
-          <a:bodyPr spcFirstLastPara="1" wrap="square" lIns="91425" tIns="45700" rIns="91425" bIns="45700" anchor="ctr" anchorCtr="0">
-            <a:spAutoFit/>
-          </a:bodyPr>
-          <a:lstStyle/>
-          <a:p>
-            <a:pPr marL="0" marR="0" lvl="0" indent="0" algn="l" rtl="0">
-              <a:spcBef>
-                <a:spcPts val="0"/>
-              </a:spcBef>
-              <a:spcAft>
-                <a:spcPts val="0"/>
-              </a:spcAft>
-              <a:buNone/>
-            </a:pPr>
-            <a:endParaRPr sz="1800">
-              <a:solidFill>
-                <a:schemeClr val="dk1"/>
-              </a:solidFill>
-              <a:latin typeface="Calibri"/>
-              <a:ea typeface="Calibri"/>
-              <a:cs typeface="Calibri"/>
-              <a:sym typeface="Calibri"/>
-            </a:endParaRPr>
-          </a:p>
-        </p:txBody>
-      </p:sp>
-    </p:spTree>
-  </p:cSld>
-  <p:clrMapOvr>
-    <a:masterClrMapping/>
-  </p:clrMapOvr>
-</p:sld>
-</file>
-
-<file path=ppt/slides/slide11.xml><?xml version="1.0" encoding="utf-8"?>
 <p:sld xmlns:a="http://schemas.openxmlformats.org/drawingml/2006/main" xmlns:r="http://schemas.openxmlformats.org/officeDocument/2006/relationships" xmlns:p="http://schemas.openxmlformats.org/presentationml/2006/main">
   <p:cSld>
     <p:spTree>
@@ -10595,7 +10038,7 @@
 </p:sld>
 </file>
 
-<file path=ppt/slides/slide12.xml><?xml version="1.0" encoding="utf-8"?>
+<file path=ppt/slides/slide11.xml><?xml version="1.0" encoding="utf-8"?>
 <p:sld xmlns:a="http://schemas.openxmlformats.org/drawingml/2006/main" xmlns:r="http://schemas.openxmlformats.org/officeDocument/2006/relationships" xmlns:p="http://schemas.openxmlformats.org/presentationml/2006/main">
   <p:cSld>
     <p:spTree>
@@ -10670,7 +10113,13 @@
         <p:nvGraphicFramePr>
           <p:cNvPr id="130" name="Google Shape;130;p10"/>
           <p:cNvGraphicFramePr/>
-          <p:nvPr/>
+          <p:nvPr>
+            <p:extLst>
+              <p:ext uri="{D42A27DB-BD31-4B8C-83A1-F6EECF244321}">
+                <p14:modId xmlns:p14="http://schemas.microsoft.com/office/powerpoint/2010/main" val="3819640415"/>
+              </p:ext>
+            </p:extLst>
+          </p:nvPr>
         </p:nvGraphicFramePr>
         <p:xfrm>
           <a:off x="424070" y="1160048"/>
@@ -11606,7 +11055,7 @@
                     <a:bodyPr/>
                     <a:lstStyle/>
                     <a:p>
-                      <a:pPr marL="0" marR="0" lvl="0" indent="0" algn="ctr" rtl="0">
+                      <a:pPr marL="0" marR="0" lvl="0" indent="0" algn="l" rtl="0">
                         <a:lnSpc>
                           <a:spcPct val="107000"/>
                         </a:lnSpc>
@@ -11619,10 +11068,10 @@
                         <a:buNone/>
                       </a:pPr>
                       <a:r>
-                        <a:rPr lang="es-CO" sz="1100" u="none" strike="noStrike" cap="none"/>
+                        <a:rPr lang="es-CO" sz="1100" u="none" strike="noStrike" cap="none" dirty="0"/>
                         <a:t>Usuario</a:t>
                       </a:r>
-                      <a:endParaRPr sz="1100" u="none" strike="noStrike" cap="none">
+                      <a:endParaRPr sz="1100" u="none" strike="noStrike" cap="none" dirty="0">
                         <a:latin typeface="Calibri"/>
                         <a:ea typeface="Calibri"/>
                         <a:cs typeface="Calibri"/>
@@ -12407,10 +11856,10 @@
                         <a:buNone/>
                       </a:pPr>
                       <a:r>
-                        <a:rPr lang="es-CO" sz="1100" u="none" strike="noStrike" cap="none"/>
+                        <a:rPr lang="es-CO" sz="1100" u="none" strike="noStrike" cap="none" dirty="0"/>
                         <a:t> </a:t>
                       </a:r>
-                      <a:endParaRPr sz="1100" u="none" strike="noStrike" cap="none">
+                      <a:endParaRPr sz="1100" u="none" strike="noStrike" cap="none" dirty="0">
                         <a:latin typeface="Calibri"/>
                         <a:ea typeface="Calibri"/>
                         <a:cs typeface="Calibri"/>
@@ -12438,7 +11887,7 @@
 </p:sld>
 </file>
 
-<file path=ppt/slides/slide13.xml><?xml version="1.0" encoding="utf-8"?>
+<file path=ppt/slides/slide12.xml><?xml version="1.0" encoding="utf-8"?>
 <p:sld xmlns:a="http://schemas.openxmlformats.org/drawingml/2006/main" xmlns:r="http://schemas.openxmlformats.org/officeDocument/2006/relationships" xmlns:p="http://schemas.openxmlformats.org/presentationml/2006/main">
   <p:cSld>
     <p:spTree>
@@ -12459,11 +11908,17 @@
         <p:nvGraphicFramePr>
           <p:cNvPr id="135" name="Google Shape;135;p11"/>
           <p:cNvGraphicFramePr/>
-          <p:nvPr/>
+          <p:nvPr>
+            <p:extLst>
+              <p:ext uri="{D42A27DB-BD31-4B8C-83A1-F6EECF244321}">
+                <p14:modId xmlns:p14="http://schemas.microsoft.com/office/powerpoint/2010/main" val="112490548"/>
+              </p:ext>
+            </p:extLst>
+          </p:nvPr>
         </p:nvGraphicFramePr>
         <p:xfrm>
           <a:off x="495300" y="733900"/>
-          <a:ext cx="10515600" cy="5696268"/>
+          <a:ext cx="10515600" cy="5524443"/>
         </p:xfrm>
         <a:graphic>
           <a:graphicData uri="http://schemas.openxmlformats.org/drawingml/2006/table">
@@ -12573,10 +12028,17 @@
                         <a:buNone/>
                       </a:pPr>
                       <a:r>
-                        <a:rPr lang="es-CO" sz="1100" u="none" strike="noStrike" cap="none"/>
+                        <a:rPr lang="es-CO" sz="1100" b="0" u="none" strike="noStrike" cap="none" dirty="0">
+                          <a:solidFill>
+                            <a:schemeClr val="tx1"/>
+                          </a:solidFill>
+                        </a:rPr>
                         <a:t>Análisis de conveniencia</a:t>
                       </a:r>
-                      <a:endParaRPr sz="1100" u="none" strike="noStrike" cap="none">
+                      <a:endParaRPr sz="1100" b="0" u="none" strike="noStrike" cap="none" dirty="0">
+                        <a:solidFill>
+                          <a:schemeClr val="tx1"/>
+                        </a:solidFill>
                         <a:latin typeface="Calibri"/>
                         <a:ea typeface="Calibri"/>
                         <a:cs typeface="Calibri"/>
@@ -12584,7 +12046,11 @@
                       </a:endParaRPr>
                     </a:p>
                   </a:txBody>
-                  <a:tcPr marL="22225" marR="22225" marT="0" marB="0"/>
+                  <a:tcPr marL="22225" marR="22225" marT="0" marB="0">
+                    <a:solidFill>
+                      <a:schemeClr val="bg1"/>
+                    </a:solidFill>
+                  </a:tcPr>
                 </a:tc>
                 <a:tc>
                   <a:txBody>
@@ -12604,10 +12070,17 @@
                         <a:buNone/>
                       </a:pPr>
                       <a:r>
-                        <a:rPr lang="es-CO" sz="1100" u="none" strike="noStrike" cap="none"/>
+                        <a:rPr lang="es-CO" sz="1100" b="0" u="none" strike="noStrike" cap="none" dirty="0">
+                          <a:solidFill>
+                            <a:schemeClr val="tx1"/>
+                          </a:solidFill>
+                        </a:rPr>
                         <a:t>Después de recibir el recibo de indemnización por parte de la aseguradora se hace un análisis de conveniencia para escoger la mejor opción para recuperar lo perdido.</a:t>
                       </a:r>
-                      <a:endParaRPr sz="1100" u="none" strike="noStrike" cap="none">
+                      <a:endParaRPr sz="1100" b="0" u="none" strike="noStrike" cap="none" dirty="0">
+                        <a:solidFill>
+                          <a:schemeClr val="tx1"/>
+                        </a:solidFill>
                         <a:latin typeface="Calibri"/>
                         <a:ea typeface="Calibri"/>
                         <a:cs typeface="Calibri"/>
@@ -12615,7 +12088,11 @@
                       </a:endParaRPr>
                     </a:p>
                   </a:txBody>
-                  <a:tcPr marL="22225" marR="22225" marT="0" marB="0"/>
+                  <a:tcPr marL="22225" marR="22225" marT="0" marB="0">
+                    <a:solidFill>
+                      <a:schemeClr val="bg1"/>
+                    </a:solidFill>
+                  </a:tcPr>
                 </a:tc>
                 <a:tc>
                   <a:txBody>
@@ -12635,10 +12112,17 @@
                         <a:buNone/>
                       </a:pPr>
                       <a:r>
-                        <a:rPr lang="es-CO" sz="1100" u="none" strike="noStrike" cap="none"/>
+                        <a:rPr lang="es-CO" sz="1100" b="0" u="none" strike="noStrike" cap="none" dirty="0">
+                          <a:solidFill>
+                            <a:schemeClr val="tx1"/>
+                          </a:solidFill>
+                        </a:rPr>
                         <a:t> </a:t>
                       </a:r>
-                      <a:endParaRPr sz="1100" u="none" strike="noStrike" cap="none">
+                      <a:endParaRPr sz="1100" b="0" u="none" strike="noStrike" cap="none" dirty="0">
+                        <a:solidFill>
+                          <a:schemeClr val="tx1"/>
+                        </a:solidFill>
                         <a:latin typeface="Calibri"/>
                         <a:ea typeface="Calibri"/>
                         <a:cs typeface="Calibri"/>
@@ -12646,7 +12130,11 @@
                       </a:endParaRPr>
                     </a:p>
                   </a:txBody>
-                  <a:tcPr marL="22225" marR="22225" marT="0" marB="0"/>
+                  <a:tcPr marL="22225" marR="22225" marT="0" marB="0">
+                    <a:solidFill>
+                      <a:schemeClr val="bg1"/>
+                    </a:solidFill>
+                  </a:tcPr>
                 </a:tc>
                 <a:tc>
                   <a:txBody>
@@ -12666,10 +12154,17 @@
                         <a:buNone/>
                       </a:pPr>
                       <a:r>
-                        <a:rPr lang="es-CO" sz="1100" u="none" strike="noStrike" cap="none"/>
+                        <a:rPr lang="es-CO" sz="1100" b="0" u="none" strike="noStrike" cap="none" dirty="0">
+                          <a:solidFill>
+                            <a:schemeClr val="tx1"/>
+                          </a:solidFill>
+                        </a:rPr>
                         <a:t> </a:t>
                       </a:r>
-                      <a:endParaRPr sz="1100" u="none" strike="noStrike" cap="none">
+                      <a:endParaRPr sz="1100" b="0" u="none" strike="noStrike" cap="none" dirty="0">
+                        <a:solidFill>
+                          <a:schemeClr val="tx1"/>
+                        </a:solidFill>
                         <a:latin typeface="Calibri"/>
                         <a:ea typeface="Calibri"/>
                         <a:cs typeface="Calibri"/>
@@ -12677,7 +12172,11 @@
                       </a:endParaRPr>
                     </a:p>
                   </a:txBody>
-                  <a:tcPr marL="22225" marR="22225" marT="0" marB="0"/>
+                  <a:tcPr marL="22225" marR="22225" marT="0" marB="0">
+                    <a:solidFill>
+                      <a:schemeClr val="bg1"/>
+                    </a:solidFill>
+                  </a:tcPr>
                 </a:tc>
                 <a:tc>
                   <a:txBody>
@@ -12697,10 +12196,17 @@
                         <a:buNone/>
                       </a:pPr>
                       <a:r>
-                        <a:rPr lang="es-CO" sz="1100" u="none" strike="noStrike" cap="none"/>
+                        <a:rPr lang="es-CO" sz="1100" b="0" u="none" strike="noStrike" cap="none" dirty="0">
+                          <a:solidFill>
+                            <a:schemeClr val="tx1"/>
+                          </a:solidFill>
+                        </a:rPr>
                         <a:t> </a:t>
                       </a:r>
-                      <a:endParaRPr sz="1100" u="none" strike="noStrike" cap="none">
+                      <a:endParaRPr sz="1100" b="0" u="none" strike="noStrike" cap="none" dirty="0">
+                        <a:solidFill>
+                          <a:schemeClr val="tx1"/>
+                        </a:solidFill>
                         <a:latin typeface="Calibri"/>
                         <a:ea typeface="Calibri"/>
                         <a:cs typeface="Calibri"/>
@@ -12708,7 +12214,11 @@
                       </a:endParaRPr>
                     </a:p>
                   </a:txBody>
-                  <a:tcPr marL="22225" marR="22225" marT="0" marB="0"/>
+                  <a:tcPr marL="22225" marR="22225" marT="0" marB="0">
+                    <a:solidFill>
+                      <a:schemeClr val="bg1"/>
+                    </a:solidFill>
+                  </a:tcPr>
                 </a:tc>
                 <a:tc>
                   <a:txBody>
@@ -12730,10 +12240,18 @@
                         <a:buChar char="•"/>
                       </a:pPr>
                       <a:r>
-                        <a:rPr lang="es-CO" sz="1100" u="none" strike="noStrike" cap="none"/>
+                        <a:rPr lang="es-CO" sz="1100" b="0" u="none" strike="noStrike" cap="none" dirty="0">
+                          <a:solidFill>
+                            <a:schemeClr val="tx1"/>
+                          </a:solidFill>
+                        </a:rPr>
                         <a:t>Oficio</a:t>
                       </a:r>
-                      <a:endParaRPr sz="1100" u="none" strike="noStrike" cap="none"/>
+                      <a:endParaRPr sz="1100" b="0" u="none" strike="noStrike" cap="none" dirty="0">
+                        <a:solidFill>
+                          <a:schemeClr val="tx1"/>
+                        </a:solidFill>
+                      </a:endParaRPr>
                     </a:p>
                     <a:p>
                       <a:pPr marL="342900" marR="39370" lvl="0" indent="-342900" algn="l" rtl="0">
@@ -12751,10 +12269,18 @@
                         <a:buChar char="•"/>
                       </a:pPr>
                       <a:r>
-                        <a:rPr lang="es-CO" sz="1100" u="none" strike="noStrike" cap="none"/>
+                        <a:rPr lang="es-CO" sz="1100" b="0" u="none" strike="noStrike" cap="none" dirty="0">
+                          <a:solidFill>
+                            <a:schemeClr val="tx1"/>
+                          </a:solidFill>
+                        </a:rPr>
                         <a:t>Factura</a:t>
                       </a:r>
-                      <a:endParaRPr sz="1100" u="none" strike="noStrike" cap="none"/>
+                      <a:endParaRPr sz="1100" b="0" u="none" strike="noStrike" cap="none" dirty="0">
+                        <a:solidFill>
+                          <a:schemeClr val="tx1"/>
+                        </a:solidFill>
+                      </a:endParaRPr>
                     </a:p>
                     <a:p>
                       <a:pPr marL="342900" marR="39370" lvl="0" indent="-342900" algn="l" rtl="0">
@@ -12772,10 +12298,18 @@
                         <a:buChar char="•"/>
                       </a:pPr>
                       <a:r>
-                        <a:rPr lang="es-CO" sz="1100" u="none" strike="noStrike" cap="none"/>
+                        <a:rPr lang="es-CO" sz="1100" b="0" u="none" strike="noStrike" cap="none" dirty="0">
+                          <a:solidFill>
+                            <a:schemeClr val="tx1"/>
+                          </a:solidFill>
+                        </a:rPr>
                         <a:t>Certificación Bancaria (no mayor a 3 meses)</a:t>
                       </a:r>
-                      <a:endParaRPr sz="1100" u="none" strike="noStrike" cap="none"/>
+                      <a:endParaRPr sz="1100" b="0" u="none" strike="noStrike" cap="none" dirty="0">
+                        <a:solidFill>
+                          <a:schemeClr val="tx1"/>
+                        </a:solidFill>
+                      </a:endParaRPr>
                     </a:p>
                     <a:p>
                       <a:pPr marL="342900" marR="0" lvl="0" indent="-342900" algn="l" rtl="0">
@@ -12796,10 +12330,18 @@
                         <a:buChar char="•"/>
                       </a:pPr>
                       <a:r>
-                        <a:rPr lang="es-CO" sz="1100" u="none" strike="noStrike" cap="none"/>
+                        <a:rPr lang="es-CO" sz="1100" b="0" u="none" strike="noStrike" cap="none" dirty="0">
+                          <a:solidFill>
+                            <a:schemeClr val="tx1"/>
+                          </a:solidFill>
+                        </a:rPr>
                         <a:t>Copia de la Cedula Representante legal</a:t>
                       </a:r>
-                      <a:endParaRPr/>
+                      <a:endParaRPr b="0" dirty="0">
+                        <a:solidFill>
+                          <a:schemeClr val="tx1"/>
+                        </a:solidFill>
+                      </a:endParaRPr>
                     </a:p>
                     <a:p>
                       <a:pPr marL="342900" marR="39370" lvl="0" indent="-342900" algn="l" rtl="0">
@@ -12817,10 +12359,18 @@
                         <a:buChar char="•"/>
                       </a:pPr>
                       <a:r>
-                        <a:rPr lang="es-CO" sz="1100" u="none" strike="noStrike" cap="none"/>
+                        <a:rPr lang="es-CO" sz="1100" b="0" u="none" strike="noStrike" cap="none" dirty="0">
+                          <a:solidFill>
+                            <a:schemeClr val="tx1"/>
+                          </a:solidFill>
+                        </a:rPr>
                         <a:t>Cámara de comercio ( no mayor a 3 meses)</a:t>
                       </a:r>
-                      <a:endParaRPr sz="1100" u="none" strike="noStrike" cap="none"/>
+                      <a:endParaRPr sz="1100" b="0" u="none" strike="noStrike" cap="none" dirty="0">
+                        <a:solidFill>
+                          <a:schemeClr val="tx1"/>
+                        </a:solidFill>
+                      </a:endParaRPr>
                     </a:p>
                     <a:p>
                       <a:pPr marL="342900" marR="39370" lvl="0" indent="-342900" algn="l" rtl="0">
@@ -12838,10 +12388,18 @@
                         <a:buChar char="•"/>
                       </a:pPr>
                       <a:r>
-                        <a:rPr lang="es-CO" sz="1100" u="none" strike="noStrike" cap="none"/>
+                        <a:rPr lang="es-CO" sz="1100" b="0" u="none" strike="noStrike" cap="none" dirty="0">
+                          <a:solidFill>
+                            <a:schemeClr val="tx1"/>
+                          </a:solidFill>
+                        </a:rPr>
                         <a:t>Rut de la persona o empresa titular de la cuenta que aparece</a:t>
                       </a:r>
-                      <a:endParaRPr sz="1100" u="none" strike="noStrike" cap="none"/>
+                      <a:endParaRPr sz="1100" b="0" u="none" strike="noStrike" cap="none" dirty="0">
+                        <a:solidFill>
+                          <a:schemeClr val="tx1"/>
+                        </a:solidFill>
+                      </a:endParaRPr>
                     </a:p>
                     <a:p>
                       <a:pPr marL="342900" marR="39370" lvl="0" indent="-342900" algn="l" rtl="0">
@@ -12859,10 +12417,18 @@
                         <a:buChar char="•"/>
                       </a:pPr>
                       <a:r>
-                        <a:rPr lang="es-CO" sz="1100" u="none" strike="noStrike" cap="none"/>
+                        <a:rPr lang="es-CO" sz="1100" b="0" u="none" strike="noStrike" cap="none" dirty="0">
+                          <a:solidFill>
+                            <a:schemeClr val="tx1"/>
+                          </a:solidFill>
+                        </a:rPr>
                         <a:t>Recibo Indemnización Firmado</a:t>
                       </a:r>
-                      <a:endParaRPr sz="1100" u="none" strike="noStrike" cap="none"/>
+                      <a:endParaRPr sz="1100" b="0" u="none" strike="noStrike" cap="none" dirty="0">
+                        <a:solidFill>
+                          <a:schemeClr val="tx1"/>
+                        </a:solidFill>
+                      </a:endParaRPr>
                     </a:p>
                     <a:p>
                       <a:pPr marL="342900" marR="39370" lvl="0" indent="-342900" algn="l" rtl="0">
@@ -12880,10 +12446,18 @@
                         <a:buChar char="•"/>
                       </a:pPr>
                       <a:r>
-                        <a:rPr lang="es-CO" sz="1100" u="none" strike="noStrike" cap="none"/>
+                        <a:rPr lang="es-CO" sz="1100" b="0" u="none" strike="noStrike" cap="none" dirty="0">
+                          <a:solidFill>
+                            <a:schemeClr val="tx1"/>
+                          </a:solidFill>
+                        </a:rPr>
                         <a:t>Seguimiento aplicativo</a:t>
                       </a:r>
-                      <a:endParaRPr sz="1100" u="none" strike="noStrike" cap="none"/>
+                      <a:endParaRPr sz="1100" b="0" u="none" strike="noStrike" cap="none" dirty="0">
+                        <a:solidFill>
+                          <a:schemeClr val="tx1"/>
+                        </a:solidFill>
+                      </a:endParaRPr>
                     </a:p>
                     <a:p>
                       <a:pPr marL="0" marR="0" lvl="0" indent="0" algn="l" rtl="0">
@@ -12899,10 +12473,17 @@
                         <a:buNone/>
                       </a:pPr>
                       <a:r>
-                        <a:rPr lang="es-CO" sz="1100" u="none" strike="noStrike" cap="none"/>
+                        <a:rPr lang="es-CO" sz="1100" b="0" u="none" strike="noStrike" cap="none" dirty="0">
+                          <a:solidFill>
+                            <a:schemeClr val="tx1"/>
+                          </a:solidFill>
+                        </a:rPr>
                         <a:t> </a:t>
                       </a:r>
-                      <a:endParaRPr sz="1100" u="none" strike="noStrike" cap="none">
+                      <a:endParaRPr sz="1100" b="0" u="none" strike="noStrike" cap="none" dirty="0">
+                        <a:solidFill>
+                          <a:schemeClr val="tx1"/>
+                        </a:solidFill>
                         <a:latin typeface="Calibri"/>
                         <a:ea typeface="Calibri"/>
                         <a:cs typeface="Calibri"/>
@@ -12910,7 +12491,11 @@
                       </a:endParaRPr>
                     </a:p>
                   </a:txBody>
-                  <a:tcPr marL="22225" marR="22225" marT="0" marB="0"/>
+                  <a:tcPr marL="22225" marR="22225" marT="0" marB="0">
+                    <a:solidFill>
+                      <a:schemeClr val="bg1"/>
+                    </a:solidFill>
+                  </a:tcPr>
                 </a:tc>
                 <a:extLst>
                   <a:ext uri="{0D108BD9-81ED-4DB2-BD59-A6C34878D82A}">
@@ -13550,10 +13135,10 @@
                         <a:buChar char="•"/>
                       </a:pPr>
                       <a:r>
-                        <a:rPr lang="es-CO" sz="1100" u="none" strike="noStrike" cap="none"/>
+                        <a:rPr lang="es-CO" sz="1100" u="none" strike="noStrike" cap="none" dirty="0"/>
                         <a:t>Oficio</a:t>
                       </a:r>
-                      <a:endParaRPr sz="1100" u="none" strike="noStrike" cap="none"/>
+                      <a:endParaRPr sz="1100" u="none" strike="noStrike" cap="none" dirty="0"/>
                     </a:p>
                     <a:p>
                       <a:pPr marL="342900" marR="39370" lvl="0" indent="-342900" algn="l" rtl="0">
@@ -13571,10 +13156,10 @@
                         <a:buChar char="•"/>
                       </a:pPr>
                       <a:r>
-                        <a:rPr lang="es-CO" sz="1100" u="none" strike="noStrike" cap="none"/>
+                        <a:rPr lang="es-CO" sz="1100" u="none" strike="noStrike" cap="none" dirty="0"/>
                         <a:t>Factura</a:t>
                       </a:r>
-                      <a:endParaRPr sz="1100" u="none" strike="noStrike" cap="none"/>
+                      <a:endParaRPr sz="1100" u="none" strike="noStrike" cap="none" dirty="0"/>
                     </a:p>
                     <a:p>
                       <a:pPr marL="342900" marR="39370" lvl="0" indent="-342900" algn="l" rtl="0">
@@ -13592,10 +13177,10 @@
                         <a:buChar char="•"/>
                       </a:pPr>
                       <a:r>
-                        <a:rPr lang="es-CO" sz="1100" u="none" strike="noStrike" cap="none"/>
+                        <a:rPr lang="es-CO" sz="1100" u="none" strike="noStrike" cap="none" dirty="0"/>
                         <a:t>Certificación Bancaria (no mayor a 3 meses)</a:t>
                       </a:r>
-                      <a:endParaRPr sz="1100" u="none" strike="noStrike" cap="none"/>
+                      <a:endParaRPr sz="1100" u="none" strike="noStrike" cap="none" dirty="0"/>
                     </a:p>
                     <a:p>
                       <a:pPr marL="342900" marR="0" lvl="0" indent="-342900" algn="l" rtl="0">
@@ -13616,10 +13201,10 @@
                         <a:buChar char="•"/>
                       </a:pPr>
                       <a:r>
-                        <a:rPr lang="es-CO" sz="1100" u="none" strike="noStrike" cap="none"/>
+                        <a:rPr lang="es-CO" sz="1100" u="none" strike="noStrike" cap="none" dirty="0"/>
                         <a:t>Copia de la Cedula Representante legal</a:t>
                       </a:r>
-                      <a:endParaRPr/>
+                      <a:endParaRPr dirty="0"/>
                     </a:p>
                     <a:p>
                       <a:pPr marL="342900" marR="39370" lvl="0" indent="-342900" algn="l" rtl="0">
@@ -13637,10 +13222,10 @@
                         <a:buChar char="•"/>
                       </a:pPr>
                       <a:r>
-                        <a:rPr lang="es-CO" sz="1100" u="none" strike="noStrike" cap="none"/>
+                        <a:rPr lang="es-CO" sz="1100" u="none" strike="noStrike" cap="none" dirty="0"/>
                         <a:t>Cámara de comercio ( no mayor a 3 meses)</a:t>
                       </a:r>
-                      <a:endParaRPr sz="1100" u="none" strike="noStrike" cap="none"/>
+                      <a:endParaRPr sz="1100" u="none" strike="noStrike" cap="none" dirty="0"/>
                     </a:p>
                     <a:p>
                       <a:pPr marL="342900" marR="39370" lvl="0" indent="-342900" algn="l" rtl="0">
@@ -13658,10 +13243,10 @@
                         <a:buChar char="•"/>
                       </a:pPr>
                       <a:r>
-                        <a:rPr lang="es-CO" sz="1100" u="none" strike="noStrike" cap="none"/>
+                        <a:rPr lang="es-CO" sz="1100" u="none" strike="noStrike" cap="none" dirty="0"/>
                         <a:t>Rut de la persona o empresa titular de la cuenta que aparece</a:t>
                       </a:r>
-                      <a:endParaRPr sz="1100" u="none" strike="noStrike" cap="none"/>
+                      <a:endParaRPr sz="1100" u="none" strike="noStrike" cap="none" dirty="0"/>
                     </a:p>
                     <a:p>
                       <a:pPr marL="342900" marR="39370" lvl="0" indent="-342900" algn="l" rtl="0">
@@ -13679,10 +13264,10 @@
                         <a:buChar char="•"/>
                       </a:pPr>
                       <a:r>
-                        <a:rPr lang="es-CO" sz="1100" u="none" strike="noStrike" cap="none"/>
+                        <a:rPr lang="es-CO" sz="1100" u="none" strike="noStrike" cap="none" dirty="0"/>
                         <a:t>Formulario de conocimiento de terceros SARLAF debidamente diligenciado y firmado</a:t>
                       </a:r>
-                      <a:endParaRPr sz="1100" u="none" strike="noStrike" cap="none"/>
+                      <a:endParaRPr sz="1100" u="none" strike="noStrike" cap="none" dirty="0"/>
                     </a:p>
                     <a:p>
                       <a:pPr marL="342900" marR="39370" lvl="0" indent="-342900" algn="l" rtl="0">
@@ -13700,10 +13285,10 @@
                         <a:buChar char="•"/>
                       </a:pPr>
                       <a:r>
-                        <a:rPr lang="es-CO" sz="1100" u="none" strike="noStrike" cap="none"/>
+                        <a:rPr lang="es-CO" sz="1100" u="none" strike="noStrike" cap="none" dirty="0"/>
                         <a:t>Recibo Indemnización Firmado</a:t>
                       </a:r>
-                      <a:endParaRPr sz="1100" u="none" strike="noStrike" cap="none"/>
+                      <a:endParaRPr sz="1100" u="none" strike="noStrike" cap="none" dirty="0"/>
                     </a:p>
                     <a:p>
                       <a:pPr marL="342900" marR="39370" lvl="0" indent="-342900" algn="l" rtl="0">
@@ -13721,10 +13306,10 @@
                         <a:buChar char="•"/>
                       </a:pPr>
                       <a:r>
-                        <a:rPr lang="es-CO" sz="1100" u="none" strike="noStrike" cap="none"/>
+                        <a:rPr lang="es-CO" sz="1100" u="none" strike="noStrike" cap="none" dirty="0"/>
                         <a:t>Seguimiento aplicativo</a:t>
                       </a:r>
-                      <a:endParaRPr sz="1100" u="none" strike="noStrike" cap="none"/>
+                      <a:endParaRPr sz="1100" u="none" strike="noStrike" cap="none" dirty="0"/>
                     </a:p>
                     <a:p>
                       <a:pPr marL="0" marR="0" lvl="0" indent="0" algn="l" rtl="0">
@@ -13740,10 +13325,10 @@
                         <a:buNone/>
                       </a:pPr>
                       <a:r>
-                        <a:rPr lang="es-CO" sz="1100" u="none" strike="noStrike" cap="none"/>
+                        <a:rPr lang="es-CO" sz="1100" u="none" strike="noStrike" cap="none" dirty="0"/>
                         <a:t> </a:t>
                       </a:r>
-                      <a:endParaRPr sz="1100" u="none" strike="noStrike" cap="none">
+                      <a:endParaRPr sz="1100" u="none" strike="noStrike" cap="none" dirty="0">
                         <a:latin typeface="Calibri"/>
                         <a:ea typeface="Calibri"/>
                         <a:cs typeface="Calibri"/>
@@ -13764,6 +13349,1279 @@
         </a:graphic>
       </p:graphicFrame>
     </p:spTree>
+  </p:cSld>
+  <p:clrMapOvr>
+    <a:masterClrMapping/>
+  </p:clrMapOvr>
+</p:sld>
+</file>
+
+<file path=ppt/slides/slide13.xml><?xml version="1.0" encoding="utf-8"?>
+<p:sld xmlns:a="http://schemas.openxmlformats.org/drawingml/2006/main" xmlns:r="http://schemas.openxmlformats.org/officeDocument/2006/relationships" xmlns:p="http://schemas.openxmlformats.org/presentationml/2006/main">
+  <p:cSld>
+    <p:spTree>
+      <p:nvGrpSpPr>
+        <p:cNvPr id="1" name=""/>
+        <p:cNvGrpSpPr/>
+        <p:nvPr/>
+      </p:nvGrpSpPr>
+      <p:grpSpPr>
+        <a:xfrm>
+          <a:off x="0" y="0"/>
+          <a:ext cx="0" cy="0"/>
+          <a:chOff x="0" y="0"/>
+          <a:chExt cx="0" cy="0"/>
+        </a:xfrm>
+      </p:grpSpPr>
+      <p:graphicFrame>
+        <p:nvGraphicFramePr>
+          <p:cNvPr id="4" name="Table 3">
+            <a:extLst>
+              <a:ext uri="{FF2B5EF4-FFF2-40B4-BE49-F238E27FC236}">
+                <a16:creationId xmlns:a16="http://schemas.microsoft.com/office/drawing/2014/main" id="{0B2FC784-BDEE-4EF4-B3D7-6B5138508B85}"/>
+              </a:ext>
+            </a:extLst>
+          </p:cNvPr>
+          <p:cNvGraphicFramePr>
+            <a:graphicFrameLocks noGrp="1"/>
+          </p:cNvGraphicFramePr>
+          <p:nvPr>
+            <p:extLst>
+              <p:ext uri="{D42A27DB-BD31-4B8C-83A1-F6EECF244321}">
+                <p14:modId xmlns:p14="http://schemas.microsoft.com/office/powerpoint/2010/main" val="1057544777"/>
+              </p:ext>
+            </p:extLst>
+          </p:nvPr>
+        </p:nvGraphicFramePr>
+        <p:xfrm>
+          <a:off x="661179" y="353339"/>
+          <a:ext cx="9537897" cy="6151321"/>
+        </p:xfrm>
+        <a:graphic>
+          <a:graphicData uri="http://schemas.openxmlformats.org/drawingml/2006/table">
+            <a:tbl>
+              <a:tblPr>
+                <a:tableStyleId>{48A060D3-1467-4978-95E0-19336CAD0590}</a:tableStyleId>
+              </a:tblPr>
+              <a:tblGrid>
+                <a:gridCol w="878703">
+                  <a:extLst>
+                    <a:ext uri="{9D8B030D-6E8A-4147-A177-3AD203B41FA5}">
+                      <a16:colId xmlns:a16="http://schemas.microsoft.com/office/drawing/2014/main" val="154451639"/>
+                    </a:ext>
+                  </a:extLst>
+                </a:gridCol>
+                <a:gridCol w="1262132">
+                  <a:extLst>
+                    <a:ext uri="{9D8B030D-6E8A-4147-A177-3AD203B41FA5}">
+                      <a16:colId xmlns:a16="http://schemas.microsoft.com/office/drawing/2014/main" val="167354720"/>
+                    </a:ext>
+                  </a:extLst>
+                </a:gridCol>
+                <a:gridCol w="1294089">
+                  <a:extLst>
+                    <a:ext uri="{9D8B030D-6E8A-4147-A177-3AD203B41FA5}">
+                      <a16:colId xmlns:a16="http://schemas.microsoft.com/office/drawing/2014/main" val="212061311"/>
+                    </a:ext>
+                  </a:extLst>
+                </a:gridCol>
+                <a:gridCol w="1054442">
+                  <a:extLst>
+                    <a:ext uri="{9D8B030D-6E8A-4147-A177-3AD203B41FA5}">
+                      <a16:colId xmlns:a16="http://schemas.microsoft.com/office/drawing/2014/main" val="3864579565"/>
+                    </a:ext>
+                  </a:extLst>
+                </a:gridCol>
+                <a:gridCol w="1517753">
+                  <a:extLst>
+                    <a:ext uri="{9D8B030D-6E8A-4147-A177-3AD203B41FA5}">
+                      <a16:colId xmlns:a16="http://schemas.microsoft.com/office/drawing/2014/main" val="2986742926"/>
+                    </a:ext>
+                  </a:extLst>
+                </a:gridCol>
+                <a:gridCol w="1661542">
+                  <a:extLst>
+                    <a:ext uri="{9D8B030D-6E8A-4147-A177-3AD203B41FA5}">
+                      <a16:colId xmlns:a16="http://schemas.microsoft.com/office/drawing/2014/main" val="1589289051"/>
+                    </a:ext>
+                  </a:extLst>
+                </a:gridCol>
+                <a:gridCol w="1869236">
+                  <a:extLst>
+                    <a:ext uri="{9D8B030D-6E8A-4147-A177-3AD203B41FA5}">
+                      <a16:colId xmlns:a16="http://schemas.microsoft.com/office/drawing/2014/main" val="2951119046"/>
+                    </a:ext>
+                  </a:extLst>
+                </a:gridCol>
+              </a:tblGrid>
+              <a:tr h="816171">
+                <a:tc>
+                  <a:txBody>
+                    <a:bodyPr/>
+                    <a:lstStyle/>
+                    <a:p>
+                      <a:pPr marL="63500" marR="63500" algn="ctr">
+                        <a:lnSpc>
+                          <a:spcPct val="115000"/>
+                        </a:lnSpc>
+                        <a:spcBef>
+                          <a:spcPts val="0"/>
+                        </a:spcBef>
+                        <a:spcAft>
+                          <a:spcPts val="0"/>
+                        </a:spcAft>
+                      </a:pPr>
+                      <a:r>
+                        <a:rPr lang="es-CO" sz="1200" dirty="0">
+                          <a:solidFill>
+                            <a:schemeClr val="bg1"/>
+                          </a:solidFill>
+                          <a:effectLst/>
+                        </a:rPr>
+                        <a:t>INV-PRO01-ACT09</a:t>
+                      </a:r>
+                      <a:endParaRPr lang="en-US" sz="1200" dirty="0">
+                        <a:solidFill>
+                          <a:schemeClr val="bg1"/>
+                        </a:solidFill>
+                        <a:effectLst/>
+                        <a:latin typeface="Arial" panose="020B0604020202020204" pitchFamily="34" charset="0"/>
+                        <a:ea typeface="Arial" panose="020B0604020202020204" pitchFamily="34" charset="0"/>
+                      </a:endParaRPr>
+                    </a:p>
+                  </a:txBody>
+                  <a:tcPr marL="17761" marR="17761" marT="17761" marB="17761">
+                    <a:solidFill>
+                      <a:schemeClr val="accent1"/>
+                    </a:solidFill>
+                  </a:tcPr>
+                </a:tc>
+                <a:tc>
+                  <a:txBody>
+                    <a:bodyPr/>
+                    <a:lstStyle/>
+                    <a:p>
+                      <a:pPr marL="63500" marR="63500" algn="ctr">
+                        <a:lnSpc>
+                          <a:spcPct val="115000"/>
+                        </a:lnSpc>
+                        <a:spcBef>
+                          <a:spcPts val="0"/>
+                        </a:spcBef>
+                        <a:spcAft>
+                          <a:spcPts val="0"/>
+                        </a:spcAft>
+                      </a:pPr>
+                      <a:r>
+                        <a:rPr lang="es-CO" sz="1200">
+                          <a:effectLst/>
+                        </a:rPr>
+                        <a:t>Informar al beneficiario</a:t>
+                      </a:r>
+                      <a:endParaRPr lang="en-US" sz="1200">
+                        <a:effectLst/>
+                        <a:latin typeface="Arial" panose="020B0604020202020204" pitchFamily="34" charset="0"/>
+                        <a:ea typeface="Arial" panose="020B0604020202020204" pitchFamily="34" charset="0"/>
+                      </a:endParaRPr>
+                    </a:p>
+                  </a:txBody>
+                  <a:tcPr marL="17761" marR="17761" marT="17761" marB="17761"/>
+                </a:tc>
+                <a:tc>
+                  <a:txBody>
+                    <a:bodyPr/>
+                    <a:lstStyle/>
+                    <a:p>
+                      <a:pPr marL="63500" marR="63500" algn="ctr">
+                        <a:lnSpc>
+                          <a:spcPct val="115000"/>
+                        </a:lnSpc>
+                        <a:spcBef>
+                          <a:spcPts val="0"/>
+                        </a:spcBef>
+                        <a:spcAft>
+                          <a:spcPts val="0"/>
+                        </a:spcAft>
+                      </a:pPr>
+                      <a:r>
+                        <a:rPr lang="es-CO" sz="1200">
+                          <a:effectLst/>
+                        </a:rPr>
+                        <a:t>Se le informa a la persona beneficiaria que será indemnizada</a:t>
+                      </a:r>
+                      <a:endParaRPr lang="en-US" sz="1200">
+                        <a:effectLst/>
+                        <a:latin typeface="Arial" panose="020B0604020202020204" pitchFamily="34" charset="0"/>
+                        <a:ea typeface="Arial" panose="020B0604020202020204" pitchFamily="34" charset="0"/>
+                      </a:endParaRPr>
+                    </a:p>
+                  </a:txBody>
+                  <a:tcPr marL="17761" marR="17761" marT="17761" marB="17761"/>
+                </a:tc>
+                <a:tc>
+                  <a:txBody>
+                    <a:bodyPr/>
+                    <a:lstStyle/>
+                    <a:p>
+                      <a:pPr marL="63500" marR="63500" algn="ctr">
+                        <a:lnSpc>
+                          <a:spcPct val="115000"/>
+                        </a:lnSpc>
+                        <a:spcBef>
+                          <a:spcPts val="0"/>
+                        </a:spcBef>
+                        <a:spcAft>
+                          <a:spcPts val="0"/>
+                        </a:spcAft>
+                      </a:pPr>
+                      <a:r>
+                        <a:rPr lang="es-CO" sz="1200">
+                          <a:effectLst/>
+                        </a:rPr>
+                        <a:t>Usuario</a:t>
+                      </a:r>
+                      <a:endParaRPr lang="en-US" sz="1200">
+                        <a:effectLst/>
+                        <a:latin typeface="Arial" panose="020B0604020202020204" pitchFamily="34" charset="0"/>
+                        <a:ea typeface="Arial" panose="020B0604020202020204" pitchFamily="34" charset="0"/>
+                      </a:endParaRPr>
+                    </a:p>
+                  </a:txBody>
+                  <a:tcPr marL="17761" marR="17761" marT="17761" marB="17761"/>
+                </a:tc>
+                <a:tc>
+                  <a:txBody>
+                    <a:bodyPr/>
+                    <a:lstStyle/>
+                    <a:p>
+                      <a:pPr marL="63500" marR="63500" algn="ctr">
+                        <a:lnSpc>
+                          <a:spcPct val="115000"/>
+                        </a:lnSpc>
+                        <a:spcBef>
+                          <a:spcPts val="0"/>
+                        </a:spcBef>
+                        <a:spcAft>
+                          <a:spcPts val="0"/>
+                        </a:spcAft>
+                      </a:pPr>
+                      <a:r>
+                        <a:rPr lang="es-CO" sz="1200">
+                          <a:effectLst/>
+                        </a:rPr>
+                        <a:t> </a:t>
+                      </a:r>
+                      <a:endParaRPr lang="en-US" sz="1200">
+                        <a:effectLst/>
+                        <a:latin typeface="Arial" panose="020B0604020202020204" pitchFamily="34" charset="0"/>
+                        <a:ea typeface="Arial" panose="020B0604020202020204" pitchFamily="34" charset="0"/>
+                      </a:endParaRPr>
+                    </a:p>
+                  </a:txBody>
+                  <a:tcPr marL="17761" marR="17761" marT="17761" marB="17761"/>
+                </a:tc>
+                <a:tc>
+                  <a:txBody>
+                    <a:bodyPr/>
+                    <a:lstStyle/>
+                    <a:p>
+                      <a:pPr marL="63500" marR="63500" algn="ctr">
+                        <a:lnSpc>
+                          <a:spcPct val="115000"/>
+                        </a:lnSpc>
+                        <a:spcBef>
+                          <a:spcPts val="0"/>
+                        </a:spcBef>
+                        <a:spcAft>
+                          <a:spcPts val="0"/>
+                        </a:spcAft>
+                      </a:pPr>
+                      <a:r>
+                        <a:rPr lang="es-CO" sz="1200">
+                          <a:effectLst/>
+                        </a:rPr>
+                        <a:t>Correo</a:t>
+                      </a:r>
+                      <a:endParaRPr lang="en-US" sz="1200">
+                        <a:effectLst/>
+                        <a:latin typeface="Arial" panose="020B0604020202020204" pitchFamily="34" charset="0"/>
+                        <a:ea typeface="Arial" panose="020B0604020202020204" pitchFamily="34" charset="0"/>
+                      </a:endParaRPr>
+                    </a:p>
+                  </a:txBody>
+                  <a:tcPr marL="17761" marR="17761" marT="17761" marB="17761"/>
+                </a:tc>
+                <a:tc>
+                  <a:txBody>
+                    <a:bodyPr/>
+                    <a:lstStyle/>
+                    <a:p>
+                      <a:pPr marL="520700" marR="101600" indent="-228600" algn="ctr">
+                        <a:lnSpc>
+                          <a:spcPct val="107000"/>
+                        </a:lnSpc>
+                        <a:spcBef>
+                          <a:spcPts val="0"/>
+                        </a:spcBef>
+                        <a:spcAft>
+                          <a:spcPts val="0"/>
+                        </a:spcAft>
+                      </a:pPr>
+                      <a:r>
+                        <a:rPr lang="es-CO" sz="1200">
+                          <a:effectLst/>
+                        </a:rPr>
+                        <a:t> </a:t>
+                      </a:r>
+                      <a:endParaRPr lang="en-US" sz="1200">
+                        <a:effectLst/>
+                        <a:latin typeface="Arial" panose="020B0604020202020204" pitchFamily="34" charset="0"/>
+                        <a:ea typeface="Arial" panose="020B0604020202020204" pitchFamily="34" charset="0"/>
+                      </a:endParaRPr>
+                    </a:p>
+                  </a:txBody>
+                  <a:tcPr marL="17761" marR="17761" marT="17761" marB="17761"/>
+                </a:tc>
+                <a:extLst>
+                  <a:ext uri="{0D108BD9-81ED-4DB2-BD59-A6C34878D82A}">
+                    <a16:rowId xmlns:a16="http://schemas.microsoft.com/office/drawing/2014/main" val="4289376577"/>
+                  </a:ext>
+                </a:extLst>
+              </a:tr>
+              <a:tr h="1412701">
+                <a:tc>
+                  <a:txBody>
+                    <a:bodyPr/>
+                    <a:lstStyle/>
+                    <a:p>
+                      <a:pPr marL="63500" marR="63500" algn="ctr">
+                        <a:lnSpc>
+                          <a:spcPct val="115000"/>
+                        </a:lnSpc>
+                        <a:spcBef>
+                          <a:spcPts val="0"/>
+                        </a:spcBef>
+                        <a:spcAft>
+                          <a:spcPts val="0"/>
+                        </a:spcAft>
+                      </a:pPr>
+                      <a:r>
+                        <a:rPr lang="es-CO" sz="1200" dirty="0">
+                          <a:solidFill>
+                            <a:schemeClr val="bg1"/>
+                          </a:solidFill>
+                          <a:effectLst/>
+                        </a:rPr>
+                        <a:t>INV-PRO01-ACT10</a:t>
+                      </a:r>
+                      <a:endParaRPr lang="en-US" sz="1200" dirty="0">
+                        <a:solidFill>
+                          <a:schemeClr val="bg1"/>
+                        </a:solidFill>
+                        <a:effectLst/>
+                        <a:latin typeface="Arial" panose="020B0604020202020204" pitchFamily="34" charset="0"/>
+                        <a:ea typeface="Arial" panose="020B0604020202020204" pitchFamily="34" charset="0"/>
+                      </a:endParaRPr>
+                    </a:p>
+                  </a:txBody>
+                  <a:tcPr marL="17761" marR="17761" marT="17761" marB="17761">
+                    <a:solidFill>
+                      <a:schemeClr val="accent1"/>
+                    </a:solidFill>
+                  </a:tcPr>
+                </a:tc>
+                <a:tc>
+                  <a:txBody>
+                    <a:bodyPr/>
+                    <a:lstStyle/>
+                    <a:p>
+                      <a:pPr marL="63500" marR="63500" algn="ctr">
+                        <a:lnSpc>
+                          <a:spcPct val="115000"/>
+                        </a:lnSpc>
+                        <a:spcBef>
+                          <a:spcPts val="0"/>
+                        </a:spcBef>
+                        <a:spcAft>
+                          <a:spcPts val="0"/>
+                        </a:spcAft>
+                      </a:pPr>
+                      <a:r>
+                        <a:rPr lang="es-CO" sz="1200" dirty="0">
+                          <a:effectLst/>
+                        </a:rPr>
+                        <a:t>Enviar documentos</a:t>
+                      </a:r>
+                      <a:endParaRPr lang="en-US" sz="1200" dirty="0">
+                        <a:effectLst/>
+                        <a:latin typeface="Arial" panose="020B0604020202020204" pitchFamily="34" charset="0"/>
+                        <a:ea typeface="Arial" panose="020B0604020202020204" pitchFamily="34" charset="0"/>
+                      </a:endParaRPr>
+                    </a:p>
+                  </a:txBody>
+                  <a:tcPr marL="17761" marR="17761" marT="17761" marB="17761"/>
+                </a:tc>
+                <a:tc>
+                  <a:txBody>
+                    <a:bodyPr/>
+                    <a:lstStyle/>
+                    <a:p>
+                      <a:pPr marL="63500" marR="63500" algn="ctr">
+                        <a:lnSpc>
+                          <a:spcPct val="115000"/>
+                        </a:lnSpc>
+                        <a:spcBef>
+                          <a:spcPts val="0"/>
+                        </a:spcBef>
+                        <a:spcAft>
+                          <a:spcPts val="0"/>
+                        </a:spcAft>
+                      </a:pPr>
+                      <a:r>
+                        <a:rPr lang="es-CO" sz="1200">
+                          <a:effectLst/>
+                        </a:rPr>
+                        <a:t>Se envían los documentos a la aseguradora para que proceda a realizar el pago de la indemnización </a:t>
+                      </a:r>
+                      <a:endParaRPr lang="en-US" sz="1200">
+                        <a:effectLst/>
+                        <a:latin typeface="Arial" panose="020B0604020202020204" pitchFamily="34" charset="0"/>
+                        <a:ea typeface="Arial" panose="020B0604020202020204" pitchFamily="34" charset="0"/>
+                      </a:endParaRPr>
+                    </a:p>
+                  </a:txBody>
+                  <a:tcPr marL="17761" marR="17761" marT="17761" marB="17761"/>
+                </a:tc>
+                <a:tc>
+                  <a:txBody>
+                    <a:bodyPr/>
+                    <a:lstStyle/>
+                    <a:p>
+                      <a:pPr marL="63500" marR="63500" algn="ctr">
+                        <a:lnSpc>
+                          <a:spcPct val="115000"/>
+                        </a:lnSpc>
+                        <a:spcBef>
+                          <a:spcPts val="0"/>
+                        </a:spcBef>
+                        <a:spcAft>
+                          <a:spcPts val="0"/>
+                        </a:spcAft>
+                      </a:pPr>
+                      <a:r>
+                        <a:rPr lang="es-CO" sz="1200">
+                          <a:effectLst/>
+                        </a:rPr>
+                        <a:t>Usuario</a:t>
+                      </a:r>
+                      <a:endParaRPr lang="en-US" sz="1200">
+                        <a:effectLst/>
+                        <a:latin typeface="Arial" panose="020B0604020202020204" pitchFamily="34" charset="0"/>
+                        <a:ea typeface="Arial" panose="020B0604020202020204" pitchFamily="34" charset="0"/>
+                      </a:endParaRPr>
+                    </a:p>
+                  </a:txBody>
+                  <a:tcPr marL="17761" marR="17761" marT="17761" marB="17761"/>
+                </a:tc>
+                <a:tc>
+                  <a:txBody>
+                    <a:bodyPr/>
+                    <a:lstStyle/>
+                    <a:p>
+                      <a:pPr marL="63500" marR="63500" algn="ctr">
+                        <a:lnSpc>
+                          <a:spcPct val="115000"/>
+                        </a:lnSpc>
+                        <a:spcBef>
+                          <a:spcPts val="0"/>
+                        </a:spcBef>
+                        <a:spcAft>
+                          <a:spcPts val="0"/>
+                        </a:spcAft>
+                      </a:pPr>
+                      <a:r>
+                        <a:rPr lang="es-CO" sz="1200">
+                          <a:effectLst/>
+                        </a:rPr>
+                        <a:t> </a:t>
+                      </a:r>
+                      <a:endParaRPr lang="en-US" sz="1200">
+                        <a:effectLst/>
+                        <a:latin typeface="Arial" panose="020B0604020202020204" pitchFamily="34" charset="0"/>
+                        <a:ea typeface="Arial" panose="020B0604020202020204" pitchFamily="34" charset="0"/>
+                      </a:endParaRPr>
+                    </a:p>
+                  </a:txBody>
+                  <a:tcPr marL="17761" marR="17761" marT="17761" marB="17761"/>
+                </a:tc>
+                <a:tc>
+                  <a:txBody>
+                    <a:bodyPr/>
+                    <a:lstStyle/>
+                    <a:p>
+                      <a:pPr marL="63500" marR="63500" algn="ctr">
+                        <a:lnSpc>
+                          <a:spcPct val="115000"/>
+                        </a:lnSpc>
+                        <a:spcBef>
+                          <a:spcPts val="0"/>
+                        </a:spcBef>
+                        <a:spcAft>
+                          <a:spcPts val="0"/>
+                        </a:spcAft>
+                      </a:pPr>
+                      <a:r>
+                        <a:rPr lang="es-CO" sz="1200">
+                          <a:effectLst/>
+                        </a:rPr>
+                        <a:t>Correo</a:t>
+                      </a:r>
+                      <a:endParaRPr lang="en-US" sz="1200">
+                        <a:effectLst/>
+                        <a:latin typeface="Arial" panose="020B0604020202020204" pitchFamily="34" charset="0"/>
+                        <a:ea typeface="Arial" panose="020B0604020202020204" pitchFamily="34" charset="0"/>
+                      </a:endParaRPr>
+                    </a:p>
+                  </a:txBody>
+                  <a:tcPr marL="17761" marR="17761" marT="17761" marB="17761"/>
+                </a:tc>
+                <a:tc>
+                  <a:txBody>
+                    <a:bodyPr/>
+                    <a:lstStyle/>
+                    <a:p>
+                      <a:pPr marL="520700" marR="101600" indent="-228600" algn="ctr">
+                        <a:lnSpc>
+                          <a:spcPct val="107000"/>
+                        </a:lnSpc>
+                        <a:spcBef>
+                          <a:spcPts val="0"/>
+                        </a:spcBef>
+                        <a:spcAft>
+                          <a:spcPts val="0"/>
+                        </a:spcAft>
+                      </a:pPr>
+                      <a:r>
+                        <a:rPr lang="es-CO" sz="1200">
+                          <a:effectLst/>
+                        </a:rPr>
+                        <a:t> </a:t>
+                      </a:r>
+                      <a:endParaRPr lang="en-US" sz="1200">
+                        <a:effectLst/>
+                        <a:latin typeface="Arial" panose="020B0604020202020204" pitchFamily="34" charset="0"/>
+                        <a:ea typeface="Arial" panose="020B0604020202020204" pitchFamily="34" charset="0"/>
+                      </a:endParaRPr>
+                    </a:p>
+                  </a:txBody>
+                  <a:tcPr marL="17761" marR="17761" marT="17761" marB="17761"/>
+                </a:tc>
+                <a:extLst>
+                  <a:ext uri="{0D108BD9-81ED-4DB2-BD59-A6C34878D82A}">
+                    <a16:rowId xmlns:a16="http://schemas.microsoft.com/office/drawing/2014/main" val="2340358882"/>
+                  </a:ext>
+                </a:extLst>
+              </a:tr>
+              <a:tr h="2208075">
+                <a:tc>
+                  <a:txBody>
+                    <a:bodyPr/>
+                    <a:lstStyle/>
+                    <a:p>
+                      <a:pPr marL="63500" marR="63500" algn="ctr">
+                        <a:lnSpc>
+                          <a:spcPct val="115000"/>
+                        </a:lnSpc>
+                        <a:spcBef>
+                          <a:spcPts val="0"/>
+                        </a:spcBef>
+                        <a:spcAft>
+                          <a:spcPts val="0"/>
+                        </a:spcAft>
+                      </a:pPr>
+                      <a:r>
+                        <a:rPr lang="es-CO" sz="1200" dirty="0">
+                          <a:solidFill>
+                            <a:schemeClr val="bg1"/>
+                          </a:solidFill>
+                          <a:effectLst/>
+                        </a:rPr>
+                        <a:t>INV-PRO01-ACT11</a:t>
+                      </a:r>
+                      <a:endParaRPr lang="en-US" sz="1200" dirty="0">
+                        <a:solidFill>
+                          <a:schemeClr val="bg1"/>
+                        </a:solidFill>
+                        <a:effectLst/>
+                        <a:latin typeface="Arial" panose="020B0604020202020204" pitchFamily="34" charset="0"/>
+                        <a:ea typeface="Arial" panose="020B0604020202020204" pitchFamily="34" charset="0"/>
+                      </a:endParaRPr>
+                    </a:p>
+                  </a:txBody>
+                  <a:tcPr marL="17761" marR="17761" marT="17761" marB="17761">
+                    <a:solidFill>
+                      <a:schemeClr val="accent1"/>
+                    </a:solidFill>
+                  </a:tcPr>
+                </a:tc>
+                <a:tc>
+                  <a:txBody>
+                    <a:bodyPr/>
+                    <a:lstStyle/>
+                    <a:p>
+                      <a:pPr marL="63500" marR="63500" algn="ctr">
+                        <a:lnSpc>
+                          <a:spcPct val="115000"/>
+                        </a:lnSpc>
+                        <a:spcBef>
+                          <a:spcPts val="0"/>
+                        </a:spcBef>
+                        <a:spcAft>
+                          <a:spcPts val="0"/>
+                        </a:spcAft>
+                      </a:pPr>
+                      <a:r>
+                        <a:rPr lang="es-CO" sz="1200" dirty="0">
+                          <a:effectLst/>
+                        </a:rPr>
+                        <a:t>Informar posibles sanciones</a:t>
+                      </a:r>
+                      <a:endParaRPr lang="en-US" sz="1200" dirty="0">
+                        <a:effectLst/>
+                        <a:latin typeface="Arial" panose="020B0604020202020204" pitchFamily="34" charset="0"/>
+                        <a:ea typeface="Arial" panose="020B0604020202020204" pitchFamily="34" charset="0"/>
+                      </a:endParaRPr>
+                    </a:p>
+                  </a:txBody>
+                  <a:tcPr marL="17761" marR="17761" marT="17761" marB="17761"/>
+                </a:tc>
+                <a:tc>
+                  <a:txBody>
+                    <a:bodyPr/>
+                    <a:lstStyle/>
+                    <a:p>
+                      <a:pPr marL="63500" marR="63500" algn="ctr">
+                        <a:lnSpc>
+                          <a:spcPct val="115000"/>
+                        </a:lnSpc>
+                        <a:spcBef>
+                          <a:spcPts val="0"/>
+                        </a:spcBef>
+                        <a:spcAft>
+                          <a:spcPts val="0"/>
+                        </a:spcAft>
+                      </a:pPr>
+                      <a:r>
+                        <a:rPr lang="es-CO" sz="1200">
+                          <a:effectLst/>
+                        </a:rPr>
+                        <a:t>Una vez se acaban los 30 días para que el pago sea confirmada se le informa a la aseguradora de las posibles sanciones que pueden imponerse</a:t>
+                      </a:r>
+                      <a:endParaRPr lang="en-US" sz="1200">
+                        <a:effectLst/>
+                        <a:latin typeface="Arial" panose="020B0604020202020204" pitchFamily="34" charset="0"/>
+                        <a:ea typeface="Arial" panose="020B0604020202020204" pitchFamily="34" charset="0"/>
+                      </a:endParaRPr>
+                    </a:p>
+                  </a:txBody>
+                  <a:tcPr marL="17761" marR="17761" marT="17761" marB="17761"/>
+                </a:tc>
+                <a:tc>
+                  <a:txBody>
+                    <a:bodyPr/>
+                    <a:lstStyle/>
+                    <a:p>
+                      <a:pPr marL="63500" marR="63500" algn="ctr">
+                        <a:lnSpc>
+                          <a:spcPct val="115000"/>
+                        </a:lnSpc>
+                        <a:spcBef>
+                          <a:spcPts val="0"/>
+                        </a:spcBef>
+                        <a:spcAft>
+                          <a:spcPts val="0"/>
+                        </a:spcAft>
+                      </a:pPr>
+                      <a:r>
+                        <a:rPr lang="es-CO" sz="1200">
+                          <a:effectLst/>
+                        </a:rPr>
+                        <a:t>Usuario</a:t>
+                      </a:r>
+                      <a:endParaRPr lang="en-US" sz="1200">
+                        <a:effectLst/>
+                        <a:latin typeface="Arial" panose="020B0604020202020204" pitchFamily="34" charset="0"/>
+                        <a:ea typeface="Arial" panose="020B0604020202020204" pitchFamily="34" charset="0"/>
+                      </a:endParaRPr>
+                    </a:p>
+                  </a:txBody>
+                  <a:tcPr marL="17761" marR="17761" marT="17761" marB="17761"/>
+                </a:tc>
+                <a:tc>
+                  <a:txBody>
+                    <a:bodyPr/>
+                    <a:lstStyle/>
+                    <a:p>
+                      <a:pPr marL="63500" marR="63500" algn="ctr">
+                        <a:lnSpc>
+                          <a:spcPct val="115000"/>
+                        </a:lnSpc>
+                        <a:spcBef>
+                          <a:spcPts val="0"/>
+                        </a:spcBef>
+                        <a:spcAft>
+                          <a:spcPts val="0"/>
+                        </a:spcAft>
+                      </a:pPr>
+                      <a:r>
+                        <a:rPr lang="es-CO" sz="1200">
+                          <a:effectLst/>
+                        </a:rPr>
+                        <a:t> </a:t>
+                      </a:r>
+                      <a:endParaRPr lang="en-US" sz="1200">
+                        <a:effectLst/>
+                        <a:latin typeface="Arial" panose="020B0604020202020204" pitchFamily="34" charset="0"/>
+                        <a:ea typeface="Arial" panose="020B0604020202020204" pitchFamily="34" charset="0"/>
+                      </a:endParaRPr>
+                    </a:p>
+                  </a:txBody>
+                  <a:tcPr marL="17761" marR="17761" marT="17761" marB="17761"/>
+                </a:tc>
+                <a:tc>
+                  <a:txBody>
+                    <a:bodyPr/>
+                    <a:lstStyle/>
+                    <a:p>
+                      <a:pPr marL="63500" marR="63500" algn="ctr">
+                        <a:lnSpc>
+                          <a:spcPct val="115000"/>
+                        </a:lnSpc>
+                        <a:spcBef>
+                          <a:spcPts val="0"/>
+                        </a:spcBef>
+                        <a:spcAft>
+                          <a:spcPts val="0"/>
+                        </a:spcAft>
+                      </a:pPr>
+                      <a:r>
+                        <a:rPr lang="es-CO" sz="1200">
+                          <a:effectLst/>
+                        </a:rPr>
+                        <a:t>Correo</a:t>
+                      </a:r>
+                      <a:endParaRPr lang="en-US" sz="1200">
+                        <a:effectLst/>
+                        <a:latin typeface="Arial" panose="020B0604020202020204" pitchFamily="34" charset="0"/>
+                        <a:ea typeface="Arial" panose="020B0604020202020204" pitchFamily="34" charset="0"/>
+                      </a:endParaRPr>
+                    </a:p>
+                  </a:txBody>
+                  <a:tcPr marL="17761" marR="17761" marT="17761" marB="17761"/>
+                </a:tc>
+                <a:tc>
+                  <a:txBody>
+                    <a:bodyPr/>
+                    <a:lstStyle/>
+                    <a:p>
+                      <a:pPr marL="520700" marR="101600" indent="-228600" algn="ctr">
+                        <a:lnSpc>
+                          <a:spcPct val="107000"/>
+                        </a:lnSpc>
+                        <a:spcBef>
+                          <a:spcPts val="0"/>
+                        </a:spcBef>
+                        <a:spcAft>
+                          <a:spcPts val="0"/>
+                        </a:spcAft>
+                      </a:pPr>
+                      <a:r>
+                        <a:rPr lang="es-CO" sz="1200" dirty="0">
+                          <a:effectLst/>
+                        </a:rPr>
+                        <a:t> </a:t>
+                      </a:r>
+                      <a:endParaRPr lang="en-US" sz="1200" dirty="0">
+                        <a:effectLst/>
+                        <a:latin typeface="Arial" panose="020B0604020202020204" pitchFamily="34" charset="0"/>
+                        <a:ea typeface="Arial" panose="020B0604020202020204" pitchFamily="34" charset="0"/>
+                      </a:endParaRPr>
+                    </a:p>
+                  </a:txBody>
+                  <a:tcPr marL="17761" marR="17761" marT="17761" marB="17761"/>
+                </a:tc>
+                <a:extLst>
+                  <a:ext uri="{0D108BD9-81ED-4DB2-BD59-A6C34878D82A}">
+                    <a16:rowId xmlns:a16="http://schemas.microsoft.com/office/drawing/2014/main" val="751378085"/>
+                  </a:ext>
+                </a:extLst>
+              </a:tr>
+              <a:tr h="816171">
+                <a:tc>
+                  <a:txBody>
+                    <a:bodyPr/>
+                    <a:lstStyle/>
+                    <a:p>
+                      <a:pPr marL="63500" marR="63500" algn="ctr">
+                        <a:lnSpc>
+                          <a:spcPct val="115000"/>
+                        </a:lnSpc>
+                        <a:spcBef>
+                          <a:spcPts val="0"/>
+                        </a:spcBef>
+                        <a:spcAft>
+                          <a:spcPts val="0"/>
+                        </a:spcAft>
+                      </a:pPr>
+                      <a:r>
+                        <a:rPr lang="es-CO" sz="1200" dirty="0">
+                          <a:solidFill>
+                            <a:schemeClr val="bg1"/>
+                          </a:solidFill>
+                          <a:effectLst/>
+                        </a:rPr>
+                        <a:t>INV-PRO01-ACT12</a:t>
+                      </a:r>
+                      <a:endParaRPr lang="en-US" sz="1200" dirty="0">
+                        <a:solidFill>
+                          <a:schemeClr val="bg1"/>
+                        </a:solidFill>
+                        <a:effectLst/>
+                        <a:latin typeface="Arial" panose="020B0604020202020204" pitchFamily="34" charset="0"/>
+                        <a:ea typeface="Arial" panose="020B0604020202020204" pitchFamily="34" charset="0"/>
+                      </a:endParaRPr>
+                    </a:p>
+                  </a:txBody>
+                  <a:tcPr marL="17761" marR="17761" marT="17761" marB="17761">
+                    <a:solidFill>
+                      <a:schemeClr val="accent1"/>
+                    </a:solidFill>
+                  </a:tcPr>
+                </a:tc>
+                <a:tc>
+                  <a:txBody>
+                    <a:bodyPr/>
+                    <a:lstStyle/>
+                    <a:p>
+                      <a:pPr marL="63500" marR="63500" algn="ctr">
+                        <a:lnSpc>
+                          <a:spcPct val="115000"/>
+                        </a:lnSpc>
+                        <a:spcBef>
+                          <a:spcPts val="0"/>
+                        </a:spcBef>
+                        <a:spcAft>
+                          <a:spcPts val="0"/>
+                        </a:spcAft>
+                      </a:pPr>
+                      <a:r>
+                        <a:rPr lang="es-CO" sz="1200">
+                          <a:effectLst/>
+                        </a:rPr>
+                        <a:t>Avisar pago al proveedor</a:t>
+                      </a:r>
+                      <a:endParaRPr lang="en-US" sz="1200">
+                        <a:effectLst/>
+                        <a:latin typeface="Arial" panose="020B0604020202020204" pitchFamily="34" charset="0"/>
+                        <a:ea typeface="Arial" panose="020B0604020202020204" pitchFamily="34" charset="0"/>
+                      </a:endParaRPr>
+                    </a:p>
+                  </a:txBody>
+                  <a:tcPr marL="17761" marR="17761" marT="17761" marB="17761"/>
+                </a:tc>
+                <a:tc>
+                  <a:txBody>
+                    <a:bodyPr/>
+                    <a:lstStyle/>
+                    <a:p>
+                      <a:pPr marL="63500" marR="63500" algn="ctr">
+                        <a:lnSpc>
+                          <a:spcPct val="115000"/>
+                        </a:lnSpc>
+                        <a:spcBef>
+                          <a:spcPts val="0"/>
+                        </a:spcBef>
+                        <a:spcAft>
+                          <a:spcPts val="0"/>
+                        </a:spcAft>
+                      </a:pPr>
+                      <a:r>
+                        <a:rPr lang="es-CO" sz="1200">
+                          <a:effectLst/>
+                        </a:rPr>
+                        <a:t>Se le informa al proveedor que el pago a sido realizado</a:t>
+                      </a:r>
+                      <a:endParaRPr lang="en-US" sz="1200">
+                        <a:effectLst/>
+                        <a:latin typeface="Arial" panose="020B0604020202020204" pitchFamily="34" charset="0"/>
+                        <a:ea typeface="Arial" panose="020B0604020202020204" pitchFamily="34" charset="0"/>
+                      </a:endParaRPr>
+                    </a:p>
+                  </a:txBody>
+                  <a:tcPr marL="17761" marR="17761" marT="17761" marB="17761"/>
+                </a:tc>
+                <a:tc>
+                  <a:txBody>
+                    <a:bodyPr/>
+                    <a:lstStyle/>
+                    <a:p>
+                      <a:pPr marL="63500" marR="63500" algn="l">
+                        <a:lnSpc>
+                          <a:spcPct val="115000"/>
+                        </a:lnSpc>
+                        <a:spcBef>
+                          <a:spcPts val="0"/>
+                        </a:spcBef>
+                        <a:spcAft>
+                          <a:spcPts val="0"/>
+                        </a:spcAft>
+                      </a:pPr>
+                      <a:r>
+                        <a:rPr lang="es-CO" sz="1200" dirty="0">
+                          <a:effectLst/>
+                        </a:rPr>
+                        <a:t>Usuario</a:t>
+                      </a:r>
+                      <a:endParaRPr lang="en-US" sz="1200" dirty="0">
+                        <a:effectLst/>
+                        <a:latin typeface="Arial" panose="020B0604020202020204" pitchFamily="34" charset="0"/>
+                        <a:ea typeface="Arial" panose="020B0604020202020204" pitchFamily="34" charset="0"/>
+                      </a:endParaRPr>
+                    </a:p>
+                  </a:txBody>
+                  <a:tcPr marL="17761" marR="17761" marT="17761" marB="17761"/>
+                </a:tc>
+                <a:tc>
+                  <a:txBody>
+                    <a:bodyPr/>
+                    <a:lstStyle/>
+                    <a:p>
+                      <a:pPr marL="63500" marR="63500" algn="ctr">
+                        <a:lnSpc>
+                          <a:spcPct val="115000"/>
+                        </a:lnSpc>
+                        <a:spcBef>
+                          <a:spcPts val="0"/>
+                        </a:spcBef>
+                        <a:spcAft>
+                          <a:spcPts val="0"/>
+                        </a:spcAft>
+                      </a:pPr>
+                      <a:endParaRPr lang="en-US" sz="1200" dirty="0">
+                        <a:effectLst/>
+                        <a:latin typeface="Arial" panose="020B0604020202020204" pitchFamily="34" charset="0"/>
+                        <a:ea typeface="Arial" panose="020B0604020202020204" pitchFamily="34" charset="0"/>
+                      </a:endParaRPr>
+                    </a:p>
+                  </a:txBody>
+                  <a:tcPr marL="17761" marR="17761" marT="17761" marB="17761"/>
+                </a:tc>
+                <a:tc>
+                  <a:txBody>
+                    <a:bodyPr/>
+                    <a:lstStyle/>
+                    <a:p>
+                      <a:pPr marL="63500" marR="63500" algn="ctr">
+                        <a:lnSpc>
+                          <a:spcPct val="115000"/>
+                        </a:lnSpc>
+                        <a:spcBef>
+                          <a:spcPts val="0"/>
+                        </a:spcBef>
+                        <a:spcAft>
+                          <a:spcPts val="0"/>
+                        </a:spcAft>
+                      </a:pPr>
+                      <a:r>
+                        <a:rPr lang="es-CO" sz="1200">
+                          <a:effectLst/>
+                        </a:rPr>
+                        <a:t> </a:t>
+                      </a:r>
+                      <a:endParaRPr lang="en-US" sz="1200">
+                        <a:effectLst/>
+                        <a:latin typeface="Arial" panose="020B0604020202020204" pitchFamily="34" charset="0"/>
+                        <a:ea typeface="Arial" panose="020B0604020202020204" pitchFamily="34" charset="0"/>
+                      </a:endParaRPr>
+                    </a:p>
+                  </a:txBody>
+                  <a:tcPr marL="17761" marR="17761" marT="17761" marB="17761"/>
+                </a:tc>
+                <a:tc>
+                  <a:txBody>
+                    <a:bodyPr/>
+                    <a:lstStyle/>
+                    <a:p>
+                      <a:pPr marL="520700" marR="101600" indent="-228600" algn="ctr">
+                        <a:lnSpc>
+                          <a:spcPct val="107000"/>
+                        </a:lnSpc>
+                        <a:spcBef>
+                          <a:spcPts val="0"/>
+                        </a:spcBef>
+                        <a:spcAft>
+                          <a:spcPts val="0"/>
+                        </a:spcAft>
+                      </a:pPr>
+                      <a:r>
+                        <a:rPr lang="es-CO" sz="1200">
+                          <a:effectLst/>
+                        </a:rPr>
+                        <a:t> </a:t>
+                      </a:r>
+                      <a:endParaRPr lang="en-US" sz="1200">
+                        <a:effectLst/>
+                        <a:latin typeface="Arial" panose="020B0604020202020204" pitchFamily="34" charset="0"/>
+                        <a:ea typeface="Arial" panose="020B0604020202020204" pitchFamily="34" charset="0"/>
+                      </a:endParaRPr>
+                    </a:p>
+                  </a:txBody>
+                  <a:tcPr marL="17761" marR="17761" marT="17761" marB="17761"/>
+                </a:tc>
+                <a:extLst>
+                  <a:ext uri="{0D108BD9-81ED-4DB2-BD59-A6C34878D82A}">
+                    <a16:rowId xmlns:a16="http://schemas.microsoft.com/office/drawing/2014/main" val="1674776322"/>
+                  </a:ext>
+                </a:extLst>
+              </a:tr>
+              <a:tr h="722575">
+                <a:tc>
+                  <a:txBody>
+                    <a:bodyPr/>
+                    <a:lstStyle/>
+                    <a:p>
+                      <a:pPr marL="63500" marR="63500" algn="ctr">
+                        <a:lnSpc>
+                          <a:spcPct val="115000"/>
+                        </a:lnSpc>
+                        <a:spcBef>
+                          <a:spcPts val="0"/>
+                        </a:spcBef>
+                        <a:spcAft>
+                          <a:spcPts val="0"/>
+                        </a:spcAft>
+                      </a:pPr>
+                      <a:r>
+                        <a:rPr lang="es-CO" sz="1200" dirty="0">
+                          <a:solidFill>
+                            <a:schemeClr val="bg1"/>
+                          </a:solidFill>
+                          <a:effectLst/>
+                        </a:rPr>
+                        <a:t>INV-PRO01-ACT13</a:t>
+                      </a:r>
+                      <a:endParaRPr lang="en-US" sz="1200" dirty="0">
+                        <a:solidFill>
+                          <a:schemeClr val="bg1"/>
+                        </a:solidFill>
+                        <a:effectLst/>
+                        <a:latin typeface="Arial" panose="020B0604020202020204" pitchFamily="34" charset="0"/>
+                        <a:ea typeface="Arial" panose="020B0604020202020204" pitchFamily="34" charset="0"/>
+                      </a:endParaRPr>
+                    </a:p>
+                  </a:txBody>
+                  <a:tcPr marL="17761" marR="17761" marT="17761" marB="17761">
+                    <a:solidFill>
+                      <a:schemeClr val="accent1"/>
+                    </a:solidFill>
+                  </a:tcPr>
+                </a:tc>
+                <a:tc>
+                  <a:txBody>
+                    <a:bodyPr/>
+                    <a:lstStyle/>
+                    <a:p>
+                      <a:pPr marL="63500" marR="63500" algn="ctr">
+                        <a:lnSpc>
+                          <a:spcPct val="115000"/>
+                        </a:lnSpc>
+                        <a:spcBef>
+                          <a:spcPts val="0"/>
+                        </a:spcBef>
+                        <a:spcAft>
+                          <a:spcPts val="0"/>
+                        </a:spcAft>
+                      </a:pPr>
+                      <a:r>
+                        <a:rPr lang="es-CO" sz="1200">
+                          <a:effectLst/>
+                        </a:rPr>
+                        <a:t>Enviar factura a almacén</a:t>
+                      </a:r>
+                      <a:endParaRPr lang="en-US" sz="1200">
+                        <a:effectLst/>
+                        <a:latin typeface="Arial" panose="020B0604020202020204" pitchFamily="34" charset="0"/>
+                        <a:ea typeface="Arial" panose="020B0604020202020204" pitchFamily="34" charset="0"/>
+                      </a:endParaRPr>
+                    </a:p>
+                  </a:txBody>
+                  <a:tcPr marL="17761" marR="17761" marT="17761" marB="17761"/>
+                </a:tc>
+                <a:tc>
+                  <a:txBody>
+                    <a:bodyPr/>
+                    <a:lstStyle/>
+                    <a:p>
+                      <a:pPr marL="63500" marR="63500" algn="ctr">
+                        <a:lnSpc>
+                          <a:spcPct val="115000"/>
+                        </a:lnSpc>
+                        <a:spcBef>
+                          <a:spcPts val="0"/>
+                        </a:spcBef>
+                        <a:spcAft>
+                          <a:spcPts val="0"/>
+                        </a:spcAft>
+                      </a:pPr>
+                      <a:r>
+                        <a:rPr lang="es-CO" sz="1200">
+                          <a:effectLst/>
+                        </a:rPr>
+                        <a:t> </a:t>
+                      </a:r>
+                      <a:endParaRPr lang="en-US" sz="1200">
+                        <a:effectLst/>
+                        <a:latin typeface="Arial" panose="020B0604020202020204" pitchFamily="34" charset="0"/>
+                        <a:ea typeface="Arial" panose="020B0604020202020204" pitchFamily="34" charset="0"/>
+                      </a:endParaRPr>
+                    </a:p>
+                  </a:txBody>
+                  <a:tcPr marL="17761" marR="17761" marT="17761" marB="17761"/>
+                </a:tc>
+                <a:tc>
+                  <a:txBody>
+                    <a:bodyPr/>
+                    <a:lstStyle/>
+                    <a:p>
+                      <a:pPr marL="63500" marR="63500" algn="l">
+                        <a:lnSpc>
+                          <a:spcPct val="115000"/>
+                        </a:lnSpc>
+                        <a:spcBef>
+                          <a:spcPts val="0"/>
+                        </a:spcBef>
+                        <a:spcAft>
+                          <a:spcPts val="0"/>
+                        </a:spcAft>
+                      </a:pPr>
+                      <a:r>
+                        <a:rPr lang="es-CO" sz="1200" dirty="0">
+                          <a:effectLst/>
+                        </a:rPr>
+                        <a:t>Usuario</a:t>
+                      </a:r>
+                      <a:endParaRPr lang="en-US" sz="1200" dirty="0">
+                        <a:effectLst/>
+                        <a:latin typeface="Arial" panose="020B0604020202020204" pitchFamily="34" charset="0"/>
+                        <a:ea typeface="Arial" panose="020B0604020202020204" pitchFamily="34" charset="0"/>
+                      </a:endParaRPr>
+                    </a:p>
+                  </a:txBody>
+                  <a:tcPr marL="17761" marR="17761" marT="17761" marB="17761"/>
+                </a:tc>
+                <a:tc>
+                  <a:txBody>
+                    <a:bodyPr/>
+                    <a:lstStyle/>
+                    <a:p>
+                      <a:pPr marL="63500" marR="63500" algn="ctr">
+                        <a:lnSpc>
+                          <a:spcPct val="115000"/>
+                        </a:lnSpc>
+                        <a:spcBef>
+                          <a:spcPts val="0"/>
+                        </a:spcBef>
+                        <a:spcAft>
+                          <a:spcPts val="0"/>
+                        </a:spcAft>
+                      </a:pPr>
+                      <a:endParaRPr lang="en-US" sz="1200" dirty="0">
+                        <a:effectLst/>
+                        <a:latin typeface="Arial" panose="020B0604020202020204" pitchFamily="34" charset="0"/>
+                        <a:ea typeface="Arial" panose="020B0604020202020204" pitchFamily="34" charset="0"/>
+                      </a:endParaRPr>
+                    </a:p>
+                  </a:txBody>
+                  <a:tcPr marL="17761" marR="17761" marT="17761" marB="17761"/>
+                </a:tc>
+                <a:tc>
+                  <a:txBody>
+                    <a:bodyPr/>
+                    <a:lstStyle/>
+                    <a:p>
+                      <a:pPr marL="63500" marR="63500" algn="ctr">
+                        <a:lnSpc>
+                          <a:spcPct val="115000"/>
+                        </a:lnSpc>
+                        <a:spcBef>
+                          <a:spcPts val="0"/>
+                        </a:spcBef>
+                        <a:spcAft>
+                          <a:spcPts val="0"/>
+                        </a:spcAft>
+                      </a:pPr>
+                      <a:r>
+                        <a:rPr lang="es-CO" sz="1200">
+                          <a:effectLst/>
+                        </a:rPr>
+                        <a:t> </a:t>
+                      </a:r>
+                      <a:endParaRPr lang="en-US" sz="1200">
+                        <a:effectLst/>
+                        <a:latin typeface="Arial" panose="020B0604020202020204" pitchFamily="34" charset="0"/>
+                        <a:ea typeface="Arial" panose="020B0604020202020204" pitchFamily="34" charset="0"/>
+                      </a:endParaRPr>
+                    </a:p>
+                  </a:txBody>
+                  <a:tcPr marL="17761" marR="17761" marT="17761" marB="17761"/>
+                </a:tc>
+                <a:tc>
+                  <a:txBody>
+                    <a:bodyPr/>
+                    <a:lstStyle/>
+                    <a:p>
+                      <a:pPr marL="520700" marR="101600" indent="-228600" algn="ctr">
+                        <a:lnSpc>
+                          <a:spcPct val="107000"/>
+                        </a:lnSpc>
+                        <a:spcBef>
+                          <a:spcPts val="0"/>
+                        </a:spcBef>
+                        <a:spcAft>
+                          <a:spcPts val="0"/>
+                        </a:spcAft>
+                      </a:pPr>
+                      <a:r>
+                        <a:rPr lang="es-CO" sz="1200" dirty="0">
+                          <a:effectLst/>
+                        </a:rPr>
+                        <a:t> </a:t>
+                      </a:r>
+                      <a:endParaRPr lang="en-US" sz="1200" dirty="0">
+                        <a:effectLst/>
+                        <a:latin typeface="Arial" panose="020B0604020202020204" pitchFamily="34" charset="0"/>
+                        <a:ea typeface="Arial" panose="020B0604020202020204" pitchFamily="34" charset="0"/>
+                      </a:endParaRPr>
+                    </a:p>
+                  </a:txBody>
+                  <a:tcPr marL="17761" marR="17761" marT="17761" marB="17761"/>
+                </a:tc>
+                <a:extLst>
+                  <a:ext uri="{0D108BD9-81ED-4DB2-BD59-A6C34878D82A}">
+                    <a16:rowId xmlns:a16="http://schemas.microsoft.com/office/drawing/2014/main" val="609537332"/>
+                  </a:ext>
+                </a:extLst>
+              </a:tr>
+            </a:tbl>
+          </a:graphicData>
+        </a:graphic>
+      </p:graphicFrame>
+    </p:spTree>
+    <p:extLst>
+      <p:ext uri="{BB962C8B-B14F-4D97-AF65-F5344CB8AC3E}">
+        <p14:creationId xmlns:p14="http://schemas.microsoft.com/office/powerpoint/2010/main" val="2324236894"/>
+      </p:ext>
+    </p:extLst>
   </p:cSld>
   <p:clrMapOvr>
     <a:masterClrMapping/>
@@ -13842,250 +14700,6 @@
           </a:p>
         </p:txBody>
       </p:sp>
-      <p:graphicFrame>
-        <p:nvGraphicFramePr>
-          <p:cNvPr id="141" name="Google Shape;141;p12"/>
-          <p:cNvGraphicFramePr/>
-          <p:nvPr/>
-        </p:nvGraphicFramePr>
-        <p:xfrm>
-          <a:off x="647699" y="2374901"/>
-          <a:ext cx="10515600" cy="1325575"/>
-        </p:xfrm>
-        <a:graphic>
-          <a:graphicData uri="http://schemas.openxmlformats.org/drawingml/2006/table">
-            <a:tbl>
-              <a:tblPr firstRow="1" firstCol="1" bandRow="1">
-                <a:noFill/>
-                <a:tableStyleId>{48A060D3-1467-4978-95E0-19336CAD0590}</a:tableStyleId>
-              </a:tblPr>
-              <a:tblGrid>
-                <a:gridCol w="3505200">
-                  <a:extLst>
-                    <a:ext uri="{9D8B030D-6E8A-4147-A177-3AD203B41FA5}">
-                      <a16:colId xmlns:a16="http://schemas.microsoft.com/office/drawing/2014/main" val="20000"/>
-                    </a:ext>
-                  </a:extLst>
-                </a:gridCol>
-                <a:gridCol w="3505200">
-                  <a:extLst>
-                    <a:ext uri="{9D8B030D-6E8A-4147-A177-3AD203B41FA5}">
-                      <a16:colId xmlns:a16="http://schemas.microsoft.com/office/drawing/2014/main" val="20001"/>
-                    </a:ext>
-                  </a:extLst>
-                </a:gridCol>
-                <a:gridCol w="3505200">
-                  <a:extLst>
-                    <a:ext uri="{9D8B030D-6E8A-4147-A177-3AD203B41FA5}">
-                      <a16:colId xmlns:a16="http://schemas.microsoft.com/office/drawing/2014/main" val="20002"/>
-                    </a:ext>
-                  </a:extLst>
-                </a:gridCol>
-              </a:tblGrid>
-              <a:tr h="527850">
-                <a:tc>
-                  <a:txBody>
-                    <a:bodyPr/>
-                    <a:lstStyle/>
-                    <a:p>
-                      <a:pPr marL="0" marR="0" lvl="0" indent="0" algn="ctr" rtl="0">
-                        <a:lnSpc>
-                          <a:spcPct val="107000"/>
-                        </a:lnSpc>
-                        <a:spcBef>
-                          <a:spcPts val="0"/>
-                        </a:spcBef>
-                        <a:spcAft>
-                          <a:spcPts val="0"/>
-                        </a:spcAft>
-                        <a:buNone/>
-                      </a:pPr>
-                      <a:r>
-                        <a:rPr lang="es-CO" sz="1200" u="none" strike="noStrike" cap="none"/>
-                        <a:t>Id</a:t>
-                      </a:r>
-                      <a:endParaRPr sz="1200" u="none" strike="noStrike" cap="none">
-                        <a:latin typeface="Calibri"/>
-                        <a:ea typeface="Calibri"/>
-                        <a:cs typeface="Calibri"/>
-                        <a:sym typeface="Calibri"/>
-                      </a:endParaRPr>
-                    </a:p>
-                  </a:txBody>
-                  <a:tcPr marL="68575" marR="68575" marT="0" marB="0"/>
-                </a:tc>
-                <a:tc>
-                  <a:txBody>
-                    <a:bodyPr/>
-                    <a:lstStyle/>
-                    <a:p>
-                      <a:pPr marL="0" marR="0" lvl="0" indent="0" algn="ctr" rtl="0">
-                        <a:lnSpc>
-                          <a:spcPct val="107000"/>
-                        </a:lnSpc>
-                        <a:spcBef>
-                          <a:spcPts val="0"/>
-                        </a:spcBef>
-                        <a:spcAft>
-                          <a:spcPts val="0"/>
-                        </a:spcAft>
-                        <a:buNone/>
-                      </a:pPr>
-                      <a:r>
-                        <a:rPr lang="es-CO" sz="1200" u="none" strike="noStrike" cap="none"/>
-                        <a:t>Nombre </a:t>
-                      </a:r>
-                      <a:endParaRPr sz="1200" u="none" strike="noStrike" cap="none">
-                        <a:latin typeface="Calibri"/>
-                        <a:ea typeface="Calibri"/>
-                        <a:cs typeface="Calibri"/>
-                        <a:sym typeface="Calibri"/>
-                      </a:endParaRPr>
-                    </a:p>
-                  </a:txBody>
-                  <a:tcPr marL="68575" marR="68575" marT="0" marB="0"/>
-                </a:tc>
-                <a:tc>
-                  <a:txBody>
-                    <a:bodyPr/>
-                    <a:lstStyle/>
-                    <a:p>
-                      <a:pPr marL="0" marR="0" lvl="0" indent="0" algn="ctr" rtl="0">
-                        <a:lnSpc>
-                          <a:spcPct val="107000"/>
-                        </a:lnSpc>
-                        <a:spcBef>
-                          <a:spcPts val="0"/>
-                        </a:spcBef>
-                        <a:spcAft>
-                          <a:spcPts val="0"/>
-                        </a:spcAft>
-                        <a:buNone/>
-                      </a:pPr>
-                      <a:r>
-                        <a:rPr lang="es-CO" sz="1200" u="none" strike="noStrike" cap="none"/>
-                        <a:t>Descripción del uso del subproceso en el proceso padre</a:t>
-                      </a:r>
-                      <a:endParaRPr sz="1200" u="none" strike="noStrike" cap="none">
-                        <a:latin typeface="Calibri"/>
-                        <a:ea typeface="Calibri"/>
-                        <a:cs typeface="Calibri"/>
-                        <a:sym typeface="Calibri"/>
-                      </a:endParaRPr>
-                    </a:p>
-                  </a:txBody>
-                  <a:tcPr marL="68575" marR="68575" marT="0" marB="0"/>
-                </a:tc>
-                <a:extLst>
-                  <a:ext uri="{0D108BD9-81ED-4DB2-BD59-A6C34878D82A}">
-                    <a16:rowId xmlns:a16="http://schemas.microsoft.com/office/drawing/2014/main" val="10000"/>
-                  </a:ext>
-                </a:extLst>
-              </a:tr>
-              <a:tr h="797725">
-                <a:tc>
-                  <a:txBody>
-                    <a:bodyPr/>
-                    <a:lstStyle/>
-                    <a:p>
-                      <a:pPr marL="0" marR="0" lvl="0" indent="0" algn="l" rtl="0">
-                        <a:lnSpc>
-                          <a:spcPct val="107000"/>
-                        </a:lnSpc>
-                        <a:spcBef>
-                          <a:spcPts val="0"/>
-                        </a:spcBef>
-                        <a:spcAft>
-                          <a:spcPts val="0"/>
-                        </a:spcAft>
-                        <a:buNone/>
-                      </a:pPr>
-                      <a:r>
-                        <a:rPr lang="es-CO" sz="1200" u="none" strike="noStrike" cap="none"/>
-                        <a:t>INV-PRO01-SP01</a:t>
-                      </a:r>
-                      <a:endParaRPr sz="1200" u="none" strike="noStrike" cap="none">
-                        <a:latin typeface="Calibri"/>
-                        <a:ea typeface="Calibri"/>
-                        <a:cs typeface="Calibri"/>
-                        <a:sym typeface="Calibri"/>
-                      </a:endParaRPr>
-                    </a:p>
-                  </a:txBody>
-                  <a:tcPr marL="68575" marR="68575" marT="0" marB="0"/>
-                </a:tc>
-                <a:tc>
-                  <a:txBody>
-                    <a:bodyPr/>
-                    <a:lstStyle/>
-                    <a:p>
-                      <a:pPr marL="0" marR="0" lvl="0" indent="0" algn="l" rtl="0">
-                        <a:lnSpc>
-                          <a:spcPct val="107000"/>
-                        </a:lnSpc>
-                        <a:spcBef>
-                          <a:spcPts val="0"/>
-                        </a:spcBef>
-                        <a:spcAft>
-                          <a:spcPts val="0"/>
-                        </a:spcAft>
-                        <a:buNone/>
-                      </a:pPr>
-                      <a:r>
-                        <a:rPr lang="es-CO" sz="1200" u="none" strike="noStrike" cap="none"/>
-                        <a:t>Validar siniestro con la aseguradora</a:t>
-                      </a:r>
-                      <a:endParaRPr sz="1200" u="none" strike="noStrike" cap="none">
-                        <a:latin typeface="Calibri"/>
-                        <a:ea typeface="Calibri"/>
-                        <a:cs typeface="Calibri"/>
-                        <a:sym typeface="Calibri"/>
-                      </a:endParaRPr>
-                    </a:p>
-                  </a:txBody>
-                  <a:tcPr marL="68575" marR="68575" marT="0" marB="0"/>
-                </a:tc>
-                <a:tc>
-                  <a:txBody>
-                    <a:bodyPr/>
-                    <a:lstStyle/>
-                    <a:p>
-                      <a:pPr marL="0" marR="0" lvl="0" indent="0" algn="l" rtl="0">
-                        <a:lnSpc>
-                          <a:spcPct val="107000"/>
-                        </a:lnSpc>
-                        <a:spcBef>
-                          <a:spcPts val="0"/>
-                        </a:spcBef>
-                        <a:spcAft>
-                          <a:spcPts val="0"/>
-                        </a:spcAft>
-                        <a:buNone/>
-                      </a:pPr>
-                      <a:r>
-                        <a:rPr lang="es-CO" sz="1200" u="none" strike="noStrike" cap="none"/>
-                        <a:t>Se valida con la aseguradora si va a reponer o efectuar arreglos a los bienes que se perdieron</a:t>
-                      </a:r>
-                      <a:endParaRPr sz="1200" u="none" strike="noStrike" cap="none">
-                        <a:latin typeface="Calibri"/>
-                        <a:ea typeface="Calibri"/>
-                        <a:cs typeface="Calibri"/>
-                        <a:sym typeface="Calibri"/>
-                      </a:endParaRPr>
-                    </a:p>
-                  </a:txBody>
-                  <a:tcPr marL="68575" marR="68575" marT="0" marB="0"/>
-                </a:tc>
-                <a:extLst>
-                  <a:ext uri="{0D108BD9-81ED-4DB2-BD59-A6C34878D82A}">
-                    <a16:rowId xmlns:a16="http://schemas.microsoft.com/office/drawing/2014/main" val="10001"/>
-                  </a:ext>
-                </a:extLst>
-              </a:tr>
-            </a:tbl>
-          </a:graphicData>
-        </a:graphic>
-      </p:graphicFrame>
       <p:sp>
         <p:nvSpPr>
           <p:cNvPr id="142" name="Google Shape;142;p12"/>
@@ -14132,6 +14746,413 @@
           </a:p>
         </p:txBody>
       </p:sp>
+      <p:graphicFrame>
+        <p:nvGraphicFramePr>
+          <p:cNvPr id="2" name="Table 1">
+            <a:extLst>
+              <a:ext uri="{FF2B5EF4-FFF2-40B4-BE49-F238E27FC236}">
+                <a16:creationId xmlns:a16="http://schemas.microsoft.com/office/drawing/2014/main" id="{6628F2E0-5407-4D4E-B8A3-176BDFBFABC7}"/>
+              </a:ext>
+            </a:extLst>
+          </p:cNvPr>
+          <p:cNvGraphicFramePr>
+            <a:graphicFrameLocks noGrp="1"/>
+          </p:cNvGraphicFramePr>
+          <p:nvPr>
+            <p:extLst>
+              <p:ext uri="{D42A27DB-BD31-4B8C-83A1-F6EECF244321}">
+                <p14:modId xmlns:p14="http://schemas.microsoft.com/office/powerpoint/2010/main" val="1871784455"/>
+              </p:ext>
+            </p:extLst>
+          </p:nvPr>
+        </p:nvGraphicFramePr>
+        <p:xfrm>
+          <a:off x="1625600" y="2647272"/>
+          <a:ext cx="8940800" cy="1316165"/>
+        </p:xfrm>
+        <a:graphic>
+          <a:graphicData uri="http://schemas.openxmlformats.org/drawingml/2006/table">
+            <a:tbl>
+              <a:tblPr>
+                <a:tableStyleId>{48A060D3-1467-4978-95E0-19336CAD0590}</a:tableStyleId>
+              </a:tblPr>
+              <a:tblGrid>
+                <a:gridCol w="1399404">
+                  <a:extLst>
+                    <a:ext uri="{9D8B030D-6E8A-4147-A177-3AD203B41FA5}">
+                      <a16:colId xmlns:a16="http://schemas.microsoft.com/office/drawing/2014/main" val="716694313"/>
+                    </a:ext>
+                  </a:extLst>
+                </a:gridCol>
+                <a:gridCol w="2376860">
+                  <a:extLst>
+                    <a:ext uri="{9D8B030D-6E8A-4147-A177-3AD203B41FA5}">
+                      <a16:colId xmlns:a16="http://schemas.microsoft.com/office/drawing/2014/main" val="2773760755"/>
+                    </a:ext>
+                  </a:extLst>
+                </a:gridCol>
+                <a:gridCol w="5164536">
+                  <a:extLst>
+                    <a:ext uri="{9D8B030D-6E8A-4147-A177-3AD203B41FA5}">
+                      <a16:colId xmlns:a16="http://schemas.microsoft.com/office/drawing/2014/main" val="2797625322"/>
+                    </a:ext>
+                  </a:extLst>
+                </a:gridCol>
+              </a:tblGrid>
+              <a:tr h="336550">
+                <a:tc>
+                  <a:txBody>
+                    <a:bodyPr/>
+                    <a:lstStyle/>
+                    <a:p>
+                      <a:pPr marL="0" marR="0" algn="ctr">
+                        <a:lnSpc>
+                          <a:spcPct val="115000"/>
+                        </a:lnSpc>
+                        <a:spcBef>
+                          <a:spcPts val="0"/>
+                        </a:spcBef>
+                        <a:spcAft>
+                          <a:spcPts val="0"/>
+                        </a:spcAft>
+                      </a:pPr>
+                      <a:r>
+                        <a:rPr lang="es-CO" sz="1100" dirty="0">
+                          <a:solidFill>
+                            <a:schemeClr val="bg1"/>
+                          </a:solidFill>
+                          <a:effectLst/>
+                        </a:rPr>
+                        <a:t>Id</a:t>
+                      </a:r>
+                      <a:endParaRPr lang="en-US" sz="1100" dirty="0">
+                        <a:solidFill>
+                          <a:schemeClr val="bg1"/>
+                        </a:solidFill>
+                        <a:effectLst/>
+                        <a:latin typeface="Arial" panose="020B0604020202020204" pitchFamily="34" charset="0"/>
+                        <a:ea typeface="Arial" panose="020B0604020202020204" pitchFamily="34" charset="0"/>
+                      </a:endParaRPr>
+                    </a:p>
+                  </a:txBody>
+                  <a:tcPr marL="63500" marR="63500" marT="63500" marB="63500">
+                    <a:solidFill>
+                      <a:schemeClr val="accent1"/>
+                    </a:solidFill>
+                  </a:tcPr>
+                </a:tc>
+                <a:tc>
+                  <a:txBody>
+                    <a:bodyPr/>
+                    <a:lstStyle/>
+                    <a:p>
+                      <a:pPr marL="0" marR="0" algn="ctr">
+                        <a:lnSpc>
+                          <a:spcPct val="115000"/>
+                        </a:lnSpc>
+                        <a:spcBef>
+                          <a:spcPts val="0"/>
+                        </a:spcBef>
+                        <a:spcAft>
+                          <a:spcPts val="0"/>
+                        </a:spcAft>
+                      </a:pPr>
+                      <a:r>
+                        <a:rPr lang="es-CO" sz="1100" dirty="0">
+                          <a:solidFill>
+                            <a:schemeClr val="bg1"/>
+                          </a:solidFill>
+                          <a:effectLst/>
+                        </a:rPr>
+                        <a:t>Nombre</a:t>
+                      </a:r>
+                      <a:endParaRPr lang="en-US" sz="1100" dirty="0">
+                        <a:solidFill>
+                          <a:schemeClr val="bg1"/>
+                        </a:solidFill>
+                        <a:effectLst/>
+                        <a:latin typeface="Arial" panose="020B0604020202020204" pitchFamily="34" charset="0"/>
+                        <a:ea typeface="Arial" panose="020B0604020202020204" pitchFamily="34" charset="0"/>
+                      </a:endParaRPr>
+                    </a:p>
+                  </a:txBody>
+                  <a:tcPr marL="63500" marR="63500" marT="63500" marB="63500">
+                    <a:solidFill>
+                      <a:schemeClr val="accent1"/>
+                    </a:solidFill>
+                  </a:tcPr>
+                </a:tc>
+                <a:tc>
+                  <a:txBody>
+                    <a:bodyPr/>
+                    <a:lstStyle/>
+                    <a:p>
+                      <a:pPr marL="0" marR="0" algn="ctr">
+                        <a:lnSpc>
+                          <a:spcPct val="115000"/>
+                        </a:lnSpc>
+                        <a:spcBef>
+                          <a:spcPts val="0"/>
+                        </a:spcBef>
+                        <a:spcAft>
+                          <a:spcPts val="0"/>
+                        </a:spcAft>
+                      </a:pPr>
+                      <a:r>
+                        <a:rPr lang="es-CO" sz="1100" dirty="0">
+                          <a:solidFill>
+                            <a:schemeClr val="bg1"/>
+                          </a:solidFill>
+                          <a:effectLst/>
+                        </a:rPr>
+                        <a:t>Descripción del uso del subproceso en el proceso padre</a:t>
+                      </a:r>
+                      <a:endParaRPr lang="en-US" sz="1100" dirty="0">
+                        <a:solidFill>
+                          <a:schemeClr val="bg1"/>
+                        </a:solidFill>
+                        <a:effectLst/>
+                        <a:latin typeface="Arial" panose="020B0604020202020204" pitchFamily="34" charset="0"/>
+                        <a:ea typeface="Arial" panose="020B0604020202020204" pitchFamily="34" charset="0"/>
+                      </a:endParaRPr>
+                    </a:p>
+                  </a:txBody>
+                  <a:tcPr marL="63500" marR="63500" marT="63500" marB="63500">
+                    <a:solidFill>
+                      <a:schemeClr val="accent1"/>
+                    </a:solidFill>
+                  </a:tcPr>
+                </a:tc>
+                <a:extLst>
+                  <a:ext uri="{0D108BD9-81ED-4DB2-BD59-A6C34878D82A}">
+                    <a16:rowId xmlns:a16="http://schemas.microsoft.com/office/drawing/2014/main" val="3184167777"/>
+                  </a:ext>
+                </a:extLst>
+              </a:tr>
+              <a:tr h="479425">
+                <a:tc>
+                  <a:txBody>
+                    <a:bodyPr/>
+                    <a:lstStyle/>
+                    <a:p>
+                      <a:pPr marL="0" marR="0" algn="ctr">
+                        <a:lnSpc>
+                          <a:spcPct val="115000"/>
+                        </a:lnSpc>
+                        <a:spcBef>
+                          <a:spcPts val="0"/>
+                        </a:spcBef>
+                        <a:spcAft>
+                          <a:spcPts val="0"/>
+                        </a:spcAft>
+                      </a:pPr>
+                      <a:r>
+                        <a:rPr lang="es-CO" sz="1100" dirty="0">
+                          <a:solidFill>
+                            <a:schemeClr val="bg1"/>
+                          </a:solidFill>
+                          <a:effectLst/>
+                        </a:rPr>
+                        <a:t>INV-PRO01-SP01</a:t>
+                      </a:r>
+                      <a:endParaRPr lang="en-US" sz="1100" dirty="0">
+                        <a:solidFill>
+                          <a:schemeClr val="bg1"/>
+                        </a:solidFill>
+                        <a:effectLst/>
+                        <a:latin typeface="Arial" panose="020B0604020202020204" pitchFamily="34" charset="0"/>
+                        <a:ea typeface="Arial" panose="020B0604020202020204" pitchFamily="34" charset="0"/>
+                      </a:endParaRPr>
+                    </a:p>
+                  </a:txBody>
+                  <a:tcPr marL="63500" marR="63500" marT="63500" marB="63500">
+                    <a:solidFill>
+                      <a:schemeClr val="accent1"/>
+                    </a:solidFill>
+                  </a:tcPr>
+                </a:tc>
+                <a:tc>
+                  <a:txBody>
+                    <a:bodyPr/>
+                    <a:lstStyle/>
+                    <a:p>
+                      <a:pPr marL="0" marR="0" algn="ctr">
+                        <a:lnSpc>
+                          <a:spcPct val="115000"/>
+                        </a:lnSpc>
+                        <a:spcBef>
+                          <a:spcPts val="0"/>
+                        </a:spcBef>
+                        <a:spcAft>
+                          <a:spcPts val="0"/>
+                        </a:spcAft>
+                      </a:pPr>
+                      <a:r>
+                        <a:rPr lang="es-CO" sz="1100">
+                          <a:effectLst/>
+                        </a:rPr>
+                        <a:t>Validar siniestro con la aseguradora</a:t>
+                      </a:r>
+                      <a:endParaRPr lang="en-US" sz="1100">
+                        <a:effectLst/>
+                        <a:latin typeface="Arial" panose="020B0604020202020204" pitchFamily="34" charset="0"/>
+                        <a:ea typeface="Arial" panose="020B0604020202020204" pitchFamily="34" charset="0"/>
+                      </a:endParaRPr>
+                    </a:p>
+                  </a:txBody>
+                  <a:tcPr marL="63500" marR="63500" marT="63500" marB="63500"/>
+                </a:tc>
+                <a:tc>
+                  <a:txBody>
+                    <a:bodyPr/>
+                    <a:lstStyle/>
+                    <a:p>
+                      <a:pPr marL="0" marR="0" algn="ctr">
+                        <a:lnSpc>
+                          <a:spcPct val="115000"/>
+                        </a:lnSpc>
+                        <a:spcBef>
+                          <a:spcPts val="0"/>
+                        </a:spcBef>
+                        <a:spcAft>
+                          <a:spcPts val="0"/>
+                        </a:spcAft>
+                      </a:pPr>
+                      <a:r>
+                        <a:rPr lang="es-CO" sz="1100">
+                          <a:effectLst/>
+                        </a:rPr>
+                        <a:t>Se valida con la aseguradora si va a reponer o efectuar arreglos a los bienes que se perdieron</a:t>
+                      </a:r>
+                      <a:endParaRPr lang="en-US" sz="1100">
+                        <a:effectLst/>
+                        <a:latin typeface="Arial" panose="020B0604020202020204" pitchFamily="34" charset="0"/>
+                        <a:ea typeface="Arial" panose="020B0604020202020204" pitchFamily="34" charset="0"/>
+                      </a:endParaRPr>
+                    </a:p>
+                  </a:txBody>
+                  <a:tcPr marL="63500" marR="63500" marT="63500" marB="63500"/>
+                </a:tc>
+                <a:extLst>
+                  <a:ext uri="{0D108BD9-81ED-4DB2-BD59-A6C34878D82A}">
+                    <a16:rowId xmlns:a16="http://schemas.microsoft.com/office/drawing/2014/main" val="948858455"/>
+                  </a:ext>
+                </a:extLst>
+              </a:tr>
+              <a:tr h="479425">
+                <a:tc>
+                  <a:txBody>
+                    <a:bodyPr/>
+                    <a:lstStyle/>
+                    <a:p>
+                      <a:pPr marL="0" marR="0" algn="ctr">
+                        <a:lnSpc>
+                          <a:spcPct val="115000"/>
+                        </a:lnSpc>
+                        <a:spcBef>
+                          <a:spcPts val="0"/>
+                        </a:spcBef>
+                        <a:spcAft>
+                          <a:spcPts val="0"/>
+                        </a:spcAft>
+                      </a:pPr>
+                      <a:r>
+                        <a:rPr lang="es-CO" sz="1100" dirty="0">
+                          <a:solidFill>
+                            <a:schemeClr val="bg1"/>
+                          </a:solidFill>
+                          <a:effectLst/>
+                        </a:rPr>
+                        <a:t>INV-PRO01-SP02</a:t>
+                      </a:r>
+                      <a:endParaRPr lang="en-US" sz="1100" dirty="0">
+                        <a:solidFill>
+                          <a:schemeClr val="bg1"/>
+                        </a:solidFill>
+                        <a:effectLst/>
+                        <a:latin typeface="Arial" panose="020B0604020202020204" pitchFamily="34" charset="0"/>
+                        <a:ea typeface="Arial" panose="020B0604020202020204" pitchFamily="34" charset="0"/>
+                      </a:endParaRPr>
+                    </a:p>
+                  </a:txBody>
+                  <a:tcPr marL="63500" marR="63500" marT="63500" marB="63500">
+                    <a:solidFill>
+                      <a:schemeClr val="accent1"/>
+                    </a:solidFill>
+                  </a:tcPr>
+                </a:tc>
+                <a:tc>
+                  <a:txBody>
+                    <a:bodyPr/>
+                    <a:lstStyle/>
+                    <a:p>
+                      <a:pPr marL="0" marR="0" algn="ctr">
+                        <a:lnSpc>
+                          <a:spcPct val="115000"/>
+                        </a:lnSpc>
+                        <a:spcBef>
+                          <a:spcPts val="0"/>
+                        </a:spcBef>
+                        <a:spcAft>
+                          <a:spcPts val="0"/>
+                        </a:spcAft>
+                      </a:pPr>
+                      <a:r>
+                        <a:rPr lang="es-CO" sz="1100">
+                          <a:effectLst/>
+                        </a:rPr>
+                        <a:t>Validar Información</a:t>
+                      </a:r>
+                      <a:endParaRPr lang="en-US" sz="1100">
+                        <a:effectLst/>
+                        <a:latin typeface="Arial" panose="020B0604020202020204" pitchFamily="34" charset="0"/>
+                        <a:ea typeface="Arial" panose="020B0604020202020204" pitchFamily="34" charset="0"/>
+                      </a:endParaRPr>
+                    </a:p>
+                  </a:txBody>
+                  <a:tcPr marL="63500" marR="63500" marT="63500" marB="63500"/>
+                </a:tc>
+                <a:tc>
+                  <a:txBody>
+                    <a:bodyPr/>
+                    <a:lstStyle/>
+                    <a:p>
+                      <a:pPr marL="0" marR="0" algn="ctr">
+                        <a:lnSpc>
+                          <a:spcPct val="115000"/>
+                        </a:lnSpc>
+                        <a:spcBef>
+                          <a:spcPts val="0"/>
+                        </a:spcBef>
+                        <a:spcAft>
+                          <a:spcPts val="0"/>
+                        </a:spcAft>
+                      </a:pPr>
+                      <a:r>
+                        <a:rPr lang="es-CO" sz="1100" dirty="0">
+                          <a:effectLst/>
+                        </a:rPr>
+                        <a:t>Se valida que los documentos necesarios para continuar el proceso sean los necesarios</a:t>
+                      </a:r>
+                      <a:endParaRPr lang="en-US" sz="1100" dirty="0">
+                        <a:effectLst/>
+                        <a:latin typeface="Arial" panose="020B0604020202020204" pitchFamily="34" charset="0"/>
+                        <a:ea typeface="Arial" panose="020B0604020202020204" pitchFamily="34" charset="0"/>
+                      </a:endParaRPr>
+                    </a:p>
+                  </a:txBody>
+                  <a:tcPr marL="63500" marR="63500" marT="63500" marB="63500"/>
+                </a:tc>
+                <a:extLst>
+                  <a:ext uri="{0D108BD9-81ED-4DB2-BD59-A6C34878D82A}">
+                    <a16:rowId xmlns:a16="http://schemas.microsoft.com/office/drawing/2014/main" val="2345070524"/>
+                  </a:ext>
+                </a:extLst>
+              </a:tr>
+            </a:tbl>
+          </a:graphicData>
+        </a:graphic>
+      </p:graphicFrame>
     </p:spTree>
   </p:cSld>
   <p:clrMapOvr>
@@ -15230,88 +16251,6 @@
   <p:cSld>
     <p:spTree>
       <p:nvGrpSpPr>
-        <p:cNvPr id="1" name=""/>
-        <p:cNvGrpSpPr/>
-        <p:nvPr/>
-      </p:nvGrpSpPr>
-      <p:grpSpPr>
-        <a:xfrm>
-          <a:off x="0" y="0"/>
-          <a:ext cx="0" cy="0"/>
-          <a:chOff x="0" y="0"/>
-          <a:chExt cx="0" cy="0"/>
-        </a:xfrm>
-      </p:grpSpPr>
-      <p:sp>
-        <p:nvSpPr>
-          <p:cNvPr id="2" name="Title 1">
-            <a:extLst>
-              <a:ext uri="{FF2B5EF4-FFF2-40B4-BE49-F238E27FC236}">
-                <a16:creationId xmlns:a16="http://schemas.microsoft.com/office/drawing/2014/main" id="{55675BA9-C2C9-4EC5-8C9C-0331E5DA74BF}"/>
-              </a:ext>
-            </a:extLst>
-          </p:cNvPr>
-          <p:cNvSpPr>
-            <a:spLocks noGrp="1"/>
-          </p:cNvSpPr>
-          <p:nvPr>
-            <p:ph type="title"/>
-          </p:nvPr>
-        </p:nvSpPr>
-        <p:spPr>
-          <a:xfrm>
-            <a:off x="838200" y="1110313"/>
-            <a:ext cx="10515600" cy="4516764"/>
-          </a:xfrm>
-        </p:spPr>
-        <p:txBody>
-          <a:bodyPr>
-            <a:normAutofit/>
-          </a:bodyPr>
-          <a:lstStyle/>
-          <a:p>
-            <a:r>
-              <a:rPr lang="en-US" sz="7200" dirty="0" err="1"/>
-              <a:t>Patrocinador</a:t>
-            </a:r>
-            <a:r>
-              <a:rPr lang="en-US" sz="7200" dirty="0"/>
-              <a:t>: </a:t>
-            </a:r>
-            <a:r>
-              <a:rPr lang="en-US" sz="7200" dirty="0" err="1"/>
-              <a:t>Analista</a:t>
-            </a:r>
-            <a:r>
-              <a:rPr lang="en-US" sz="7200" dirty="0"/>
-              <a:t> de </a:t>
-            </a:r>
-            <a:r>
-              <a:rPr lang="en-US" sz="7200" dirty="0" err="1"/>
-              <a:t>seguros</a:t>
-            </a:r>
-            <a:endParaRPr lang="en-US" sz="7200" dirty="0"/>
-          </a:p>
-        </p:txBody>
-      </p:sp>
-    </p:spTree>
-    <p:extLst>
-      <p:ext uri="{BB962C8B-B14F-4D97-AF65-F5344CB8AC3E}">
-        <p14:creationId xmlns:p14="http://schemas.microsoft.com/office/powerpoint/2010/main" val="3116958647"/>
-      </p:ext>
-    </p:extLst>
-  </p:cSld>
-  <p:clrMapOvr>
-    <a:masterClrMapping/>
-  </p:clrMapOvr>
-</p:sld>
-</file>
-
-<file path=ppt/slides/slide5.xml><?xml version="1.0" encoding="utf-8"?>
-<p:sld xmlns:a="http://schemas.openxmlformats.org/drawingml/2006/main" xmlns:r="http://schemas.openxmlformats.org/officeDocument/2006/relationships" xmlns:p="http://schemas.openxmlformats.org/presentationml/2006/main">
-  <p:cSld>
-    <p:spTree>
-      <p:nvGrpSpPr>
         <p:cNvPr id="1" name="Shape 71"/>
         <p:cNvGrpSpPr/>
         <p:nvPr/>
@@ -15471,7 +16410,7 @@
 </p:sld>
 </file>
 
-<file path=ppt/slides/slide6.xml><?xml version="1.0" encoding="utf-8"?>
+<file path=ppt/slides/slide5.xml><?xml version="1.0" encoding="utf-8"?>
 <p:sld xmlns:a="http://schemas.openxmlformats.org/drawingml/2006/main" xmlns:r="http://schemas.openxmlformats.org/officeDocument/2006/relationships" xmlns:p="http://schemas.openxmlformats.org/presentationml/2006/main">
   <p:cSld>
     <p:spTree>
@@ -16300,7 +17239,7 @@
 </p:sld>
 </file>
 
-<file path=ppt/slides/slide7.xml><?xml version="1.0" encoding="utf-8"?>
+<file path=ppt/slides/slide6.xml><?xml version="1.0" encoding="utf-8"?>
 <p:sld xmlns:a="http://schemas.openxmlformats.org/drawingml/2006/main" xmlns:r="http://schemas.openxmlformats.org/officeDocument/2006/relationships" xmlns:p="http://schemas.openxmlformats.org/presentationml/2006/main">
   <p:cSld>
     <p:spTree>
@@ -16406,7 +17345,7 @@
 </p:sld>
 </file>
 
-<file path=ppt/slides/slide8.xml><?xml version="1.0" encoding="utf-8"?>
+<file path=ppt/slides/slide7.xml><?xml version="1.0" encoding="utf-8"?>
 <p:sld xmlns:a="http://schemas.openxmlformats.org/drawingml/2006/main" xmlns:r="http://schemas.openxmlformats.org/officeDocument/2006/relationships" xmlns:p="http://schemas.openxmlformats.org/presentationml/2006/main">
   <p:cSld>
     <p:spTree>
@@ -16512,7 +17451,7 @@
 </p:sld>
 </file>
 
-<file path=ppt/slides/slide9.xml><?xml version="1.0" encoding="utf-8"?>
+<file path=ppt/slides/slide8.xml><?xml version="1.0" encoding="utf-8"?>
 <p:sld xmlns:a="http://schemas.openxmlformats.org/drawingml/2006/main" xmlns:r="http://schemas.openxmlformats.org/officeDocument/2006/relationships" xmlns:p="http://schemas.openxmlformats.org/presentationml/2006/main">
   <p:cSld>
     <p:spTree>
@@ -16556,6 +17495,747 @@
           </a:ln>
         </p:spPr>
       </p:pic>
+    </p:spTree>
+  </p:cSld>
+  <p:clrMapOvr>
+    <a:masterClrMapping/>
+  </p:clrMapOvr>
+</p:sld>
+</file>
+
+<file path=ppt/slides/slide9.xml><?xml version="1.0" encoding="utf-8"?>
+<p:sld xmlns:a="http://schemas.openxmlformats.org/drawingml/2006/main" xmlns:r="http://schemas.openxmlformats.org/officeDocument/2006/relationships" xmlns:p="http://schemas.openxmlformats.org/presentationml/2006/main">
+  <p:cSld>
+    <p:spTree>
+      <p:nvGrpSpPr>
+        <p:cNvPr id="1" name="Shape 115"/>
+        <p:cNvGrpSpPr/>
+        <p:nvPr/>
+      </p:nvGrpSpPr>
+      <p:grpSpPr>
+        <a:xfrm>
+          <a:off x="0" y="0"/>
+          <a:ext cx="0" cy="0"/>
+          <a:chOff x="0" y="0"/>
+          <a:chExt cx="0" cy="0"/>
+        </a:xfrm>
+      </p:grpSpPr>
+      <p:sp>
+        <p:nvSpPr>
+          <p:cNvPr id="116" name="Google Shape;116;p8"/>
+          <p:cNvSpPr txBox="1">
+            <a:spLocks noGrp="1"/>
+          </p:cNvSpPr>
+          <p:nvPr>
+            <p:ph type="title"/>
+          </p:nvPr>
+        </p:nvSpPr>
+        <p:spPr>
+          <a:xfrm>
+            <a:off x="838200" y="1110313"/>
+            <a:ext cx="10515600" cy="1325563"/>
+          </a:xfrm>
+          <a:prstGeom prst="rect">
+            <a:avLst/>
+          </a:prstGeom>
+          <a:noFill/>
+          <a:ln>
+            <a:noFill/>
+          </a:ln>
+        </p:spPr>
+        <p:txBody>
+          <a:bodyPr spcFirstLastPara="1" wrap="square" lIns="91425" tIns="45700" rIns="91425" bIns="45700" anchor="ctr" anchorCtr="0">
+            <a:normAutofit/>
+          </a:bodyPr>
+          <a:lstStyle/>
+          <a:p>
+            <a:pPr marL="0" lvl="0" indent="0" algn="l" rtl="0">
+              <a:lnSpc>
+                <a:spcPct val="90000"/>
+              </a:lnSpc>
+              <a:spcBef>
+                <a:spcPts val="0"/>
+              </a:spcBef>
+              <a:spcAft>
+                <a:spcPts val="0"/>
+              </a:spcAft>
+              <a:buClr>
+                <a:schemeClr val="dk1"/>
+              </a:buClr>
+              <a:buSzPts val="4400"/>
+              <a:buFont typeface="Calibri"/>
+              <a:buNone/>
+            </a:pPr>
+            <a:r>
+              <a:rPr lang="es-CO"/>
+              <a:t>Eventos</a:t>
+            </a:r>
+            <a:endParaRPr/>
+          </a:p>
+        </p:txBody>
+      </p:sp>
+      <p:sp>
+        <p:nvSpPr>
+          <p:cNvPr id="118" name="Google Shape;118;p8"/>
+          <p:cNvSpPr/>
+          <p:nvPr/>
+        </p:nvSpPr>
+        <p:spPr>
+          <a:xfrm>
+            <a:off x="0" y="0"/>
+            <a:ext cx="12192000" cy="457200"/>
+          </a:xfrm>
+          <a:prstGeom prst="rect">
+            <a:avLst/>
+          </a:prstGeom>
+          <a:noFill/>
+          <a:ln>
+            <a:noFill/>
+          </a:ln>
+        </p:spPr>
+        <p:txBody>
+          <a:bodyPr spcFirstLastPara="1" wrap="square" lIns="91425" tIns="45700" rIns="91425" bIns="45700" anchor="ctr" anchorCtr="0">
+            <a:spAutoFit/>
+          </a:bodyPr>
+          <a:lstStyle/>
+          <a:p>
+            <a:pPr marL="0" marR="0" lvl="0" indent="0" algn="l" rtl="0">
+              <a:spcBef>
+                <a:spcPts val="0"/>
+              </a:spcBef>
+              <a:spcAft>
+                <a:spcPts val="0"/>
+              </a:spcAft>
+              <a:buNone/>
+            </a:pPr>
+            <a:endParaRPr sz="1800">
+              <a:solidFill>
+                <a:schemeClr val="dk1"/>
+              </a:solidFill>
+              <a:latin typeface="Calibri"/>
+              <a:ea typeface="Calibri"/>
+              <a:cs typeface="Calibri"/>
+              <a:sym typeface="Calibri"/>
+            </a:endParaRPr>
+          </a:p>
+        </p:txBody>
+      </p:sp>
+      <p:graphicFrame>
+        <p:nvGraphicFramePr>
+          <p:cNvPr id="2" name="Table 1">
+            <a:extLst>
+              <a:ext uri="{FF2B5EF4-FFF2-40B4-BE49-F238E27FC236}">
+                <a16:creationId xmlns:a16="http://schemas.microsoft.com/office/drawing/2014/main" id="{9681720B-151F-425E-ADCC-77D0C91DA969}"/>
+              </a:ext>
+            </a:extLst>
+          </p:cNvPr>
+          <p:cNvGraphicFramePr>
+            <a:graphicFrameLocks noGrp="1"/>
+          </p:cNvGraphicFramePr>
+          <p:nvPr>
+            <p:extLst>
+              <p:ext uri="{D42A27DB-BD31-4B8C-83A1-F6EECF244321}">
+                <p14:modId xmlns:p14="http://schemas.microsoft.com/office/powerpoint/2010/main" val="3978987118"/>
+              </p:ext>
+            </p:extLst>
+          </p:nvPr>
+        </p:nvGraphicFramePr>
+        <p:xfrm>
+          <a:off x="1659988" y="2251011"/>
+          <a:ext cx="8412479" cy="3202623"/>
+        </p:xfrm>
+        <a:graphic>
+          <a:graphicData uri="http://schemas.openxmlformats.org/drawingml/2006/table">
+            <a:tbl>
+              <a:tblPr>
+                <a:tableStyleId>{48A060D3-1467-4978-95E0-19336CAD0590}</a:tableStyleId>
+              </a:tblPr>
+              <a:tblGrid>
+                <a:gridCol w="1989824">
+                  <a:extLst>
+                    <a:ext uri="{9D8B030D-6E8A-4147-A177-3AD203B41FA5}">
+                      <a16:colId xmlns:a16="http://schemas.microsoft.com/office/drawing/2014/main" val="688708219"/>
+                    </a:ext>
+                  </a:extLst>
+                </a:gridCol>
+                <a:gridCol w="2131681">
+                  <a:extLst>
+                    <a:ext uri="{9D8B030D-6E8A-4147-A177-3AD203B41FA5}">
+                      <a16:colId xmlns:a16="http://schemas.microsoft.com/office/drawing/2014/main" val="2405415864"/>
+                    </a:ext>
+                  </a:extLst>
+                </a:gridCol>
+                <a:gridCol w="2061228">
+                  <a:extLst>
+                    <a:ext uri="{9D8B030D-6E8A-4147-A177-3AD203B41FA5}">
+                      <a16:colId xmlns:a16="http://schemas.microsoft.com/office/drawing/2014/main" val="4135301313"/>
+                    </a:ext>
+                  </a:extLst>
+                </a:gridCol>
+                <a:gridCol w="2229746">
+                  <a:extLst>
+                    <a:ext uri="{9D8B030D-6E8A-4147-A177-3AD203B41FA5}">
+                      <a16:colId xmlns:a16="http://schemas.microsoft.com/office/drawing/2014/main" val="613161431"/>
+                    </a:ext>
+                  </a:extLst>
+                </a:gridCol>
+              </a:tblGrid>
+              <a:tr h="479425">
+                <a:tc>
+                  <a:txBody>
+                    <a:bodyPr/>
+                    <a:lstStyle/>
+                    <a:p>
+                      <a:pPr marL="63500" marR="63500" algn="ctr">
+                        <a:lnSpc>
+                          <a:spcPct val="115000"/>
+                        </a:lnSpc>
+                        <a:spcBef>
+                          <a:spcPts val="0"/>
+                        </a:spcBef>
+                        <a:spcAft>
+                          <a:spcPts val="0"/>
+                        </a:spcAft>
+                      </a:pPr>
+                      <a:r>
+                        <a:rPr lang="es-CO" sz="1100" dirty="0">
+                          <a:effectLst/>
+                        </a:rPr>
+                        <a:t>Id</a:t>
+                      </a:r>
+                      <a:endParaRPr lang="en-US" sz="1100" dirty="0">
+                        <a:effectLst/>
+                        <a:latin typeface="Arial" panose="020B0604020202020204" pitchFamily="34" charset="0"/>
+                        <a:ea typeface="Arial" panose="020B0604020202020204" pitchFamily="34" charset="0"/>
+                      </a:endParaRPr>
+                    </a:p>
+                  </a:txBody>
+                  <a:tcPr marL="63500" marR="63500" marT="63500" marB="63500">
+                    <a:solidFill>
+                      <a:schemeClr val="accent1"/>
+                    </a:solidFill>
+                  </a:tcPr>
+                </a:tc>
+                <a:tc>
+                  <a:txBody>
+                    <a:bodyPr/>
+                    <a:lstStyle/>
+                    <a:p>
+                      <a:pPr marL="63500" marR="63500" algn="ctr">
+                        <a:lnSpc>
+                          <a:spcPct val="115000"/>
+                        </a:lnSpc>
+                        <a:spcBef>
+                          <a:spcPts val="0"/>
+                        </a:spcBef>
+                        <a:spcAft>
+                          <a:spcPts val="0"/>
+                        </a:spcAft>
+                      </a:pPr>
+                      <a:r>
+                        <a:rPr lang="es-CO" sz="1100" dirty="0">
+                          <a:effectLst/>
+                        </a:rPr>
+                        <a:t>Nombre evento</a:t>
+                      </a:r>
+                      <a:endParaRPr lang="en-US" sz="1100" dirty="0">
+                        <a:effectLst/>
+                        <a:latin typeface="Arial" panose="020B0604020202020204" pitchFamily="34" charset="0"/>
+                        <a:ea typeface="Arial" panose="020B0604020202020204" pitchFamily="34" charset="0"/>
+                      </a:endParaRPr>
+                    </a:p>
+                  </a:txBody>
+                  <a:tcPr marL="63500" marR="63500" marT="63500" marB="63500">
+                    <a:solidFill>
+                      <a:schemeClr val="accent1"/>
+                    </a:solidFill>
+                  </a:tcPr>
+                </a:tc>
+                <a:tc>
+                  <a:txBody>
+                    <a:bodyPr/>
+                    <a:lstStyle/>
+                    <a:p>
+                      <a:pPr marL="63500" marR="63500" algn="ctr">
+                        <a:lnSpc>
+                          <a:spcPct val="115000"/>
+                        </a:lnSpc>
+                        <a:spcBef>
+                          <a:spcPts val="0"/>
+                        </a:spcBef>
+                        <a:spcAft>
+                          <a:spcPts val="0"/>
+                        </a:spcAft>
+                      </a:pPr>
+                      <a:r>
+                        <a:rPr lang="es-CO" sz="1100" dirty="0">
+                          <a:effectLst/>
+                        </a:rPr>
+                        <a:t>tipo</a:t>
+                      </a:r>
+                      <a:endParaRPr lang="en-US" sz="1100" dirty="0">
+                        <a:effectLst/>
+                        <a:latin typeface="Arial" panose="020B0604020202020204" pitchFamily="34" charset="0"/>
+                        <a:ea typeface="Arial" panose="020B0604020202020204" pitchFamily="34" charset="0"/>
+                      </a:endParaRPr>
+                    </a:p>
+                  </a:txBody>
+                  <a:tcPr marL="63500" marR="63500" marT="63500" marB="63500">
+                    <a:solidFill>
+                      <a:schemeClr val="accent1"/>
+                    </a:solidFill>
+                  </a:tcPr>
+                </a:tc>
+                <a:tc>
+                  <a:txBody>
+                    <a:bodyPr/>
+                    <a:lstStyle/>
+                    <a:p>
+                      <a:pPr marL="63500" marR="63500" indent="457200" algn="ctr">
+                        <a:lnSpc>
+                          <a:spcPct val="115000"/>
+                        </a:lnSpc>
+                        <a:spcBef>
+                          <a:spcPts val="0"/>
+                        </a:spcBef>
+                        <a:spcAft>
+                          <a:spcPts val="0"/>
+                        </a:spcAft>
+                      </a:pPr>
+                      <a:r>
+                        <a:rPr lang="es-CO" sz="1100" dirty="0">
+                          <a:effectLst/>
+                        </a:rPr>
+                        <a:t>Descripción evento</a:t>
+                      </a:r>
+                      <a:endParaRPr lang="en-US" sz="1100" dirty="0">
+                        <a:effectLst/>
+                        <a:latin typeface="Arial" panose="020B0604020202020204" pitchFamily="34" charset="0"/>
+                        <a:ea typeface="Arial" panose="020B0604020202020204" pitchFamily="34" charset="0"/>
+                      </a:endParaRPr>
+                    </a:p>
+                  </a:txBody>
+                  <a:tcPr marL="63500" marR="63500" marT="63500" marB="63500">
+                    <a:solidFill>
+                      <a:schemeClr val="accent1"/>
+                    </a:solidFill>
+                  </a:tcPr>
+                </a:tc>
+                <a:extLst>
+                  <a:ext uri="{0D108BD9-81ED-4DB2-BD59-A6C34878D82A}">
+                    <a16:rowId xmlns:a16="http://schemas.microsoft.com/office/drawing/2014/main" val="68573212"/>
+                  </a:ext>
+                </a:extLst>
+              </a:tr>
+              <a:tr h="479425">
+                <a:tc>
+                  <a:txBody>
+                    <a:bodyPr/>
+                    <a:lstStyle/>
+                    <a:p>
+                      <a:pPr marL="63500" marR="63500">
+                        <a:lnSpc>
+                          <a:spcPct val="115000"/>
+                        </a:lnSpc>
+                        <a:spcBef>
+                          <a:spcPts val="0"/>
+                        </a:spcBef>
+                        <a:spcAft>
+                          <a:spcPts val="0"/>
+                        </a:spcAft>
+                      </a:pPr>
+                      <a:r>
+                        <a:rPr lang="es-CO" sz="1100" dirty="0">
+                          <a:effectLst/>
+                        </a:rPr>
+                        <a:t>INV-PRO01-E01</a:t>
+                      </a:r>
+                      <a:endParaRPr lang="en-US" sz="1100" dirty="0">
+                        <a:effectLst/>
+                        <a:latin typeface="Arial" panose="020B0604020202020204" pitchFamily="34" charset="0"/>
+                        <a:ea typeface="Arial" panose="020B0604020202020204" pitchFamily="34" charset="0"/>
+                      </a:endParaRPr>
+                    </a:p>
+                  </a:txBody>
+                  <a:tcPr marL="63500" marR="63500" marT="63500" marB="63500">
+                    <a:solidFill>
+                      <a:schemeClr val="accent1"/>
+                    </a:solidFill>
+                  </a:tcPr>
+                </a:tc>
+                <a:tc>
+                  <a:txBody>
+                    <a:bodyPr/>
+                    <a:lstStyle/>
+                    <a:p>
+                      <a:pPr marL="63500" marR="63500">
+                        <a:lnSpc>
+                          <a:spcPct val="115000"/>
+                        </a:lnSpc>
+                        <a:spcBef>
+                          <a:spcPts val="0"/>
+                        </a:spcBef>
+                        <a:spcAft>
+                          <a:spcPts val="0"/>
+                        </a:spcAft>
+                      </a:pPr>
+                      <a:r>
+                        <a:rPr lang="es-CO" sz="1100">
+                          <a:effectLst/>
+                        </a:rPr>
+                        <a:t>Recibir requisitos para el pago</a:t>
+                      </a:r>
+                      <a:endParaRPr lang="en-US" sz="1100">
+                        <a:effectLst/>
+                        <a:latin typeface="Arial" panose="020B0604020202020204" pitchFamily="34" charset="0"/>
+                        <a:ea typeface="Arial" panose="020B0604020202020204" pitchFamily="34" charset="0"/>
+                      </a:endParaRPr>
+                    </a:p>
+                  </a:txBody>
+                  <a:tcPr marL="63500" marR="63500" marT="63500" marB="63500"/>
+                </a:tc>
+                <a:tc>
+                  <a:txBody>
+                    <a:bodyPr/>
+                    <a:lstStyle/>
+                    <a:p>
+                      <a:pPr marL="63500" marR="63500">
+                        <a:lnSpc>
+                          <a:spcPct val="115000"/>
+                        </a:lnSpc>
+                        <a:spcBef>
+                          <a:spcPts val="0"/>
+                        </a:spcBef>
+                        <a:spcAft>
+                          <a:spcPts val="0"/>
+                        </a:spcAft>
+                      </a:pPr>
+                      <a:r>
+                        <a:rPr lang="es-CO" sz="1100">
+                          <a:effectLst/>
+                        </a:rPr>
+                        <a:t>Mensaje (recepción)</a:t>
+                      </a:r>
+                      <a:endParaRPr lang="en-US" sz="1100">
+                        <a:effectLst/>
+                        <a:latin typeface="Arial" panose="020B0604020202020204" pitchFamily="34" charset="0"/>
+                        <a:ea typeface="Arial" panose="020B0604020202020204" pitchFamily="34" charset="0"/>
+                      </a:endParaRPr>
+                    </a:p>
+                  </a:txBody>
+                  <a:tcPr marL="63500" marR="63500" marT="63500" marB="63500"/>
+                </a:tc>
+                <a:tc>
+                  <a:txBody>
+                    <a:bodyPr/>
+                    <a:lstStyle/>
+                    <a:p>
+                      <a:pPr marL="63500" marR="63500">
+                        <a:lnSpc>
+                          <a:spcPct val="115000"/>
+                        </a:lnSpc>
+                        <a:spcBef>
+                          <a:spcPts val="0"/>
+                        </a:spcBef>
+                        <a:spcAft>
+                          <a:spcPts val="0"/>
+                        </a:spcAft>
+                      </a:pPr>
+                      <a:r>
+                        <a:rPr lang="es-CO" sz="1100">
+                          <a:effectLst/>
+                        </a:rPr>
+                        <a:t> Se recibe el listado de los documentos necesarios para que la aseguradora inicie el proceso de aceptar la indemnización a favor de INVIAS</a:t>
+                      </a:r>
+                      <a:endParaRPr lang="en-US" sz="1100">
+                        <a:effectLst/>
+                        <a:latin typeface="Arial" panose="020B0604020202020204" pitchFamily="34" charset="0"/>
+                        <a:ea typeface="Arial" panose="020B0604020202020204" pitchFamily="34" charset="0"/>
+                      </a:endParaRPr>
+                    </a:p>
+                  </a:txBody>
+                  <a:tcPr marL="63500" marR="63500" marT="63500" marB="63500"/>
+                </a:tc>
+                <a:extLst>
+                  <a:ext uri="{0D108BD9-81ED-4DB2-BD59-A6C34878D82A}">
+                    <a16:rowId xmlns:a16="http://schemas.microsoft.com/office/drawing/2014/main" val="1550494389"/>
+                  </a:ext>
+                </a:extLst>
+              </a:tr>
+              <a:tr h="822325">
+                <a:tc>
+                  <a:txBody>
+                    <a:bodyPr/>
+                    <a:lstStyle/>
+                    <a:p>
+                      <a:pPr marL="63500" marR="63500">
+                        <a:lnSpc>
+                          <a:spcPct val="115000"/>
+                        </a:lnSpc>
+                        <a:spcBef>
+                          <a:spcPts val="0"/>
+                        </a:spcBef>
+                        <a:spcAft>
+                          <a:spcPts val="0"/>
+                        </a:spcAft>
+                      </a:pPr>
+                      <a:r>
+                        <a:rPr lang="es-CO" sz="1100" dirty="0">
+                          <a:effectLst/>
+                        </a:rPr>
+                        <a:t>INV-PRO01-E02</a:t>
+                      </a:r>
+                      <a:endParaRPr lang="en-US" sz="1100" dirty="0">
+                        <a:effectLst/>
+                        <a:latin typeface="Arial" panose="020B0604020202020204" pitchFamily="34" charset="0"/>
+                        <a:ea typeface="Arial" panose="020B0604020202020204" pitchFamily="34" charset="0"/>
+                      </a:endParaRPr>
+                    </a:p>
+                  </a:txBody>
+                  <a:tcPr marL="63500" marR="63500" marT="63500" marB="63500">
+                    <a:solidFill>
+                      <a:schemeClr val="accent1"/>
+                    </a:solidFill>
+                  </a:tcPr>
+                </a:tc>
+                <a:tc>
+                  <a:txBody>
+                    <a:bodyPr/>
+                    <a:lstStyle/>
+                    <a:p>
+                      <a:pPr marL="63500" marR="63500">
+                        <a:lnSpc>
+                          <a:spcPct val="115000"/>
+                        </a:lnSpc>
+                        <a:spcBef>
+                          <a:spcPts val="0"/>
+                        </a:spcBef>
+                        <a:spcAft>
+                          <a:spcPts val="0"/>
+                        </a:spcAft>
+                      </a:pPr>
+                      <a:r>
+                        <a:rPr lang="es-CO" sz="1100">
+                          <a:effectLst/>
+                        </a:rPr>
+                        <a:t>Recepción documento de indemnización</a:t>
+                      </a:r>
+                      <a:endParaRPr lang="en-US" sz="1100">
+                        <a:effectLst/>
+                        <a:latin typeface="Arial" panose="020B0604020202020204" pitchFamily="34" charset="0"/>
+                        <a:ea typeface="Arial" panose="020B0604020202020204" pitchFamily="34" charset="0"/>
+                      </a:endParaRPr>
+                    </a:p>
+                  </a:txBody>
+                  <a:tcPr marL="63500" marR="63500" marT="63500" marB="63500"/>
+                </a:tc>
+                <a:tc>
+                  <a:txBody>
+                    <a:bodyPr/>
+                    <a:lstStyle/>
+                    <a:p>
+                      <a:pPr marL="63500" marR="63500">
+                        <a:lnSpc>
+                          <a:spcPct val="115000"/>
+                        </a:lnSpc>
+                        <a:spcBef>
+                          <a:spcPts val="0"/>
+                        </a:spcBef>
+                        <a:spcAft>
+                          <a:spcPts val="0"/>
+                        </a:spcAft>
+                      </a:pPr>
+                      <a:r>
+                        <a:rPr lang="es-CO" sz="1100">
+                          <a:effectLst/>
+                        </a:rPr>
+                        <a:t>Mensaje (recepción)</a:t>
+                      </a:r>
+                      <a:endParaRPr lang="en-US" sz="1100">
+                        <a:effectLst/>
+                        <a:latin typeface="Arial" panose="020B0604020202020204" pitchFamily="34" charset="0"/>
+                        <a:ea typeface="Arial" panose="020B0604020202020204" pitchFamily="34" charset="0"/>
+                      </a:endParaRPr>
+                    </a:p>
+                  </a:txBody>
+                  <a:tcPr marL="63500" marR="63500" marT="63500" marB="63500"/>
+                </a:tc>
+                <a:tc>
+                  <a:txBody>
+                    <a:bodyPr/>
+                    <a:lstStyle/>
+                    <a:p>
+                      <a:pPr marL="63500" marR="63500">
+                        <a:lnSpc>
+                          <a:spcPct val="115000"/>
+                        </a:lnSpc>
+                        <a:spcBef>
+                          <a:spcPts val="0"/>
+                        </a:spcBef>
+                        <a:spcAft>
+                          <a:spcPts val="0"/>
+                        </a:spcAft>
+                      </a:pPr>
+                      <a:r>
+                        <a:rPr lang="es-CO" sz="1100">
+                          <a:effectLst/>
+                        </a:rPr>
+                        <a:t>Se recibe el recibo de indemnización por parte de la aseguradora</a:t>
+                      </a:r>
+                      <a:endParaRPr lang="en-US" sz="1100">
+                        <a:effectLst/>
+                        <a:latin typeface="Arial" panose="020B0604020202020204" pitchFamily="34" charset="0"/>
+                        <a:ea typeface="Arial" panose="020B0604020202020204" pitchFamily="34" charset="0"/>
+                      </a:endParaRPr>
+                    </a:p>
+                  </a:txBody>
+                  <a:tcPr marL="63500" marR="63500" marT="63500" marB="63500"/>
+                </a:tc>
+                <a:extLst>
+                  <a:ext uri="{0D108BD9-81ED-4DB2-BD59-A6C34878D82A}">
+                    <a16:rowId xmlns:a16="http://schemas.microsoft.com/office/drawing/2014/main" val="2903887322"/>
+                  </a:ext>
+                </a:extLst>
+              </a:tr>
+              <a:tr h="822325">
+                <a:tc>
+                  <a:txBody>
+                    <a:bodyPr/>
+                    <a:lstStyle/>
+                    <a:p>
+                      <a:pPr marL="63500" marR="63500">
+                        <a:lnSpc>
+                          <a:spcPct val="115000"/>
+                        </a:lnSpc>
+                        <a:spcBef>
+                          <a:spcPts val="0"/>
+                        </a:spcBef>
+                        <a:spcAft>
+                          <a:spcPts val="0"/>
+                        </a:spcAft>
+                      </a:pPr>
+                      <a:r>
+                        <a:rPr lang="es-CO" sz="1100" dirty="0">
+                          <a:effectLst/>
+                        </a:rPr>
+                        <a:t>INV-PRO01-E02</a:t>
+                      </a:r>
+                      <a:endParaRPr lang="en-US" sz="1100" dirty="0">
+                        <a:effectLst/>
+                        <a:latin typeface="Arial" panose="020B0604020202020204" pitchFamily="34" charset="0"/>
+                        <a:ea typeface="Arial" panose="020B0604020202020204" pitchFamily="34" charset="0"/>
+                      </a:endParaRPr>
+                    </a:p>
+                  </a:txBody>
+                  <a:tcPr marL="63500" marR="63500" marT="63500" marB="63500">
+                    <a:solidFill>
+                      <a:schemeClr val="accent1"/>
+                    </a:solidFill>
+                  </a:tcPr>
+                </a:tc>
+                <a:tc>
+                  <a:txBody>
+                    <a:bodyPr/>
+                    <a:lstStyle/>
+                    <a:p>
+                      <a:pPr marL="63500" marR="63500">
+                        <a:lnSpc>
+                          <a:spcPct val="115000"/>
+                        </a:lnSpc>
+                        <a:spcBef>
+                          <a:spcPts val="0"/>
+                        </a:spcBef>
+                        <a:spcAft>
+                          <a:spcPts val="0"/>
+                        </a:spcAft>
+                      </a:pPr>
+                      <a:r>
+                        <a:rPr lang="es-CO" sz="1100">
+                          <a:effectLst/>
+                        </a:rPr>
+                        <a:t>Confirmación de pago</a:t>
+                      </a:r>
+                      <a:endParaRPr lang="en-US" sz="1100">
+                        <a:effectLst/>
+                        <a:latin typeface="Arial" panose="020B0604020202020204" pitchFamily="34" charset="0"/>
+                        <a:ea typeface="Arial" panose="020B0604020202020204" pitchFamily="34" charset="0"/>
+                      </a:endParaRPr>
+                    </a:p>
+                  </a:txBody>
+                  <a:tcPr marL="63500" marR="63500" marT="63500" marB="63500"/>
+                </a:tc>
+                <a:tc>
+                  <a:txBody>
+                    <a:bodyPr/>
+                    <a:lstStyle/>
+                    <a:p>
+                      <a:pPr marL="63500" marR="63500">
+                        <a:lnSpc>
+                          <a:spcPct val="115000"/>
+                        </a:lnSpc>
+                        <a:spcBef>
+                          <a:spcPts val="0"/>
+                        </a:spcBef>
+                        <a:spcAft>
+                          <a:spcPts val="0"/>
+                        </a:spcAft>
+                      </a:pPr>
+                      <a:r>
+                        <a:rPr lang="es-CO" sz="1100">
+                          <a:effectLst/>
+                        </a:rPr>
+                        <a:t>Mensaje (recepción)</a:t>
+                      </a:r>
+                      <a:endParaRPr lang="en-US" sz="1100">
+                        <a:effectLst/>
+                        <a:latin typeface="Arial" panose="020B0604020202020204" pitchFamily="34" charset="0"/>
+                        <a:ea typeface="Arial" panose="020B0604020202020204" pitchFamily="34" charset="0"/>
+                      </a:endParaRPr>
+                    </a:p>
+                  </a:txBody>
+                  <a:tcPr marL="63500" marR="63500" marT="63500" marB="63500"/>
+                </a:tc>
+                <a:tc>
+                  <a:txBody>
+                    <a:bodyPr/>
+                    <a:lstStyle/>
+                    <a:p>
+                      <a:pPr marL="63500" marR="63500">
+                        <a:lnSpc>
+                          <a:spcPct val="115000"/>
+                        </a:lnSpc>
+                        <a:spcBef>
+                          <a:spcPts val="0"/>
+                        </a:spcBef>
+                        <a:spcAft>
+                          <a:spcPts val="0"/>
+                        </a:spcAft>
+                      </a:pPr>
+                      <a:r>
+                        <a:rPr lang="es-CO" sz="1100" dirty="0">
+                          <a:effectLst/>
+                        </a:rPr>
+                        <a:t>Se confirma el pago de la indemnización por parte de la aseguradora</a:t>
+                      </a:r>
+                      <a:endParaRPr lang="en-US" sz="1100" dirty="0">
+                        <a:effectLst/>
+                        <a:latin typeface="Arial" panose="020B0604020202020204" pitchFamily="34" charset="0"/>
+                        <a:ea typeface="Arial" panose="020B0604020202020204" pitchFamily="34" charset="0"/>
+                      </a:endParaRPr>
+                    </a:p>
+                  </a:txBody>
+                  <a:tcPr marL="63500" marR="63500" marT="63500" marB="63500"/>
+                </a:tc>
+                <a:extLst>
+                  <a:ext uri="{0D108BD9-81ED-4DB2-BD59-A6C34878D82A}">
+                    <a16:rowId xmlns:a16="http://schemas.microsoft.com/office/drawing/2014/main" val="1585998037"/>
+                  </a:ext>
+                </a:extLst>
+              </a:tr>
+            </a:tbl>
+          </a:graphicData>
+        </a:graphic>
+      </p:graphicFrame>
     </p:spTree>
   </p:cSld>
   <p:clrMapOvr>
